--- a/illustration.pptx
+++ b/illustration.pptx
@@ -3417,10 +3417,10 @@
       </p:grpSpPr>
       <p:pic>
         <p:nvPicPr>
-          <p:cNvPr id="7" name="图片 6">
-            <a:extLst>
-              <a:ext uri="{FF2B5EF4-FFF2-40B4-BE49-F238E27FC236}">
-                <a16:creationId xmlns:a16="http://schemas.microsoft.com/office/drawing/2014/main" id="{2B2D5A26-0FCA-EFEE-7C3F-4806533FCDCB}"/>
+          <p:cNvPr id="9" name="图片 8">
+            <a:extLst>
+              <a:ext uri="{FF2B5EF4-FFF2-40B4-BE49-F238E27FC236}">
+                <a16:creationId xmlns:a16="http://schemas.microsoft.com/office/drawing/2014/main" id="{20C3D1C3-A711-C218-FAFB-CB7E8BD4F9F6}"/>
               </a:ext>
             </a:extLst>
           </p:cNvPr>
@@ -3431,36 +3431,6 @@
         </p:nvPicPr>
         <p:blipFill>
           <a:blip r:embed="rId2"/>
-          <a:stretch>
-            <a:fillRect/>
-          </a:stretch>
-        </p:blipFill>
-        <p:spPr>
-          <a:xfrm>
-            <a:off x="428833" y="1832693"/>
-            <a:ext cx="4911226" cy="2880000"/>
-          </a:xfrm>
-          <a:prstGeom prst="rect">
-            <a:avLst/>
-          </a:prstGeom>
-        </p:spPr>
-      </p:pic>
-      <p:pic>
-        <p:nvPicPr>
-          <p:cNvPr id="9" name="图片 8">
-            <a:extLst>
-              <a:ext uri="{FF2B5EF4-FFF2-40B4-BE49-F238E27FC236}">
-                <a16:creationId xmlns:a16="http://schemas.microsoft.com/office/drawing/2014/main" id="{20C3D1C3-A711-C218-FAFB-CB7E8BD4F9F6}"/>
-              </a:ext>
-            </a:extLst>
-          </p:cNvPr>
-          <p:cNvPicPr>
-            <a:picLocks noChangeAspect="1"/>
-          </p:cNvPicPr>
-          <p:nvPr/>
-        </p:nvPicPr>
-        <p:blipFill>
-          <a:blip r:embed="rId3"/>
           <a:stretch>
             <a:fillRect/>
           </a:stretch>
@@ -3496,9 +3466,8 @@
             <a:avLst/>
           </a:prstGeom>
           <a:solidFill>
-            <a:schemeClr val="accent1">
-              <a:lumMod val="60000"/>
-              <a:lumOff val="40000"/>
+            <a:schemeClr val="bg1">
+              <a:lumMod val="85000"/>
             </a:schemeClr>
           </a:solidFill>
           <a:ln>
@@ -3530,6 +3499,36 @@
           </a:p>
         </p:txBody>
       </p:sp>
+      <p:pic>
+        <p:nvPicPr>
+          <p:cNvPr id="4" name="图片 3">
+            <a:extLst>
+              <a:ext uri="{FF2B5EF4-FFF2-40B4-BE49-F238E27FC236}">
+                <a16:creationId xmlns:a16="http://schemas.microsoft.com/office/drawing/2014/main" id="{E103F18A-EAFC-623A-1950-9A5C4DAF52FE}"/>
+              </a:ext>
+            </a:extLst>
+          </p:cNvPr>
+          <p:cNvPicPr>
+            <a:picLocks noChangeAspect="1"/>
+          </p:cNvPicPr>
+          <p:nvPr/>
+        </p:nvPicPr>
+        <p:blipFill>
+          <a:blip r:embed="rId3"/>
+          <a:stretch>
+            <a:fillRect/>
+          </a:stretch>
+        </p:blipFill>
+        <p:spPr>
+          <a:xfrm>
+            <a:off x="428834" y="1832693"/>
+            <a:ext cx="4911226" cy="2880000"/>
+          </a:xfrm>
+          <a:prstGeom prst="rect">
+            <a:avLst/>
+          </a:prstGeom>
+        </p:spPr>
+      </p:pic>
     </p:spTree>
     <p:extLst>
       <p:ext uri="{BB962C8B-B14F-4D97-AF65-F5344CB8AC3E}">
@@ -3562,10 +3561,10 @@
       </p:grpSpPr>
       <p:pic>
         <p:nvPicPr>
-          <p:cNvPr id="2" name="图片 1">
-            <a:extLst>
-              <a:ext uri="{FF2B5EF4-FFF2-40B4-BE49-F238E27FC236}">
-                <a16:creationId xmlns:a16="http://schemas.microsoft.com/office/drawing/2014/main" id="{DF04E963-1DC9-6DDA-CBB3-B8353F2DC7DC}"/>
+          <p:cNvPr id="6" name="图片 5">
+            <a:extLst>
+              <a:ext uri="{FF2B5EF4-FFF2-40B4-BE49-F238E27FC236}">
+                <a16:creationId xmlns:a16="http://schemas.microsoft.com/office/drawing/2014/main" id="{7C94CB8F-9423-96A0-CAF9-8C6C2D897A5D}"/>
               </a:ext>
             </a:extLst>
           </p:cNvPr>
@@ -3576,13 +3575,13 @@
         </p:nvPicPr>
         <p:blipFill>
           <a:blip r:embed="rId2"/>
-          <a:srcRect l="2608" t="24447" r="2608" b="29261"/>
+          <a:srcRect l="2712" t="24817" r="2712" b="29261"/>
           <a:stretch/>
         </p:blipFill>
         <p:spPr>
           <a:xfrm>
-            <a:off x="213491" y="1672317"/>
-            <a:ext cx="11765018" cy="3232152"/>
+            <a:off x="189478" y="1739563"/>
+            <a:ext cx="11813044" cy="3226474"/>
           </a:xfrm>
           <a:prstGeom prst="rect">
             <a:avLst/>

--- a/illustration.pptx
+++ b/illustration.pptx
@@ -4,9 +4,24 @@
   <p:sldMasterIdLst>
     <p:sldMasterId id="2147483648" r:id="rId1"/>
   </p:sldMasterIdLst>
+  <p:notesMasterIdLst>
+    <p:notesMasterId r:id="rId16"/>
+  </p:notesMasterIdLst>
   <p:sldIdLst>
     <p:sldId id="256" r:id="rId2"/>
     <p:sldId id="257" r:id="rId3"/>
+    <p:sldId id="258" r:id="rId4"/>
+    <p:sldId id="259" r:id="rId5"/>
+    <p:sldId id="260" r:id="rId6"/>
+    <p:sldId id="261" r:id="rId7"/>
+    <p:sldId id="262" r:id="rId8"/>
+    <p:sldId id="263" r:id="rId9"/>
+    <p:sldId id="264" r:id="rId10"/>
+    <p:sldId id="265" r:id="rId11"/>
+    <p:sldId id="266" r:id="rId12"/>
+    <p:sldId id="267" r:id="rId13"/>
+    <p:sldId id="268" r:id="rId14"/>
+    <p:sldId id="269" r:id="rId15"/>
   </p:sldIdLst>
   <p:sldSz cx="12192000" cy="6858000"/>
   <p:notesSz cx="6858000" cy="9144000"/>
@@ -123,7 +138,7 @@
             <a:srgbClr val="A4A3A4"/>
           </p15:clr>
         </p15:guide>
-        <p15:guide id="4" orient="horz" pos="712" userDrawn="1">
+        <p15:guide id="4" orient="horz" pos="709" userDrawn="1">
           <p15:clr>
             <a:srgbClr val="A4A3A4"/>
           </p15:clr>
@@ -142,6 +157,440 @@
     </p:ext>
   </p:extLst>
 </p:presentation>
+</file>
+
+<file path=ppt/notesMasters/notesMaster1.xml><?xml version="1.0" encoding="utf-8"?>
+<p:notesMaster xmlns:a="http://schemas.openxmlformats.org/drawingml/2006/main" xmlns:r="http://schemas.openxmlformats.org/officeDocument/2006/relationships" xmlns:p="http://schemas.openxmlformats.org/presentationml/2006/main">
+  <p:cSld>
+    <p:bg>
+      <p:bgRef idx="1001">
+        <a:schemeClr val="bg1"/>
+      </p:bgRef>
+    </p:bg>
+    <p:spTree>
+      <p:nvGrpSpPr>
+        <p:cNvPr id="1" name=""/>
+        <p:cNvGrpSpPr/>
+        <p:nvPr/>
+      </p:nvGrpSpPr>
+      <p:grpSpPr>
+        <a:xfrm>
+          <a:off x="0" y="0"/>
+          <a:ext cx="0" cy="0"/>
+          <a:chOff x="0" y="0"/>
+          <a:chExt cx="0" cy="0"/>
+        </a:xfrm>
+      </p:grpSpPr>
+      <p:sp>
+        <p:nvSpPr>
+          <p:cNvPr id="2" name="页眉占位符 1"/>
+          <p:cNvSpPr>
+            <a:spLocks noGrp="1"/>
+          </p:cNvSpPr>
+          <p:nvPr>
+            <p:ph type="hdr" sz="quarter"/>
+          </p:nvPr>
+        </p:nvSpPr>
+        <p:spPr>
+          <a:xfrm>
+            <a:off x="0" y="0"/>
+            <a:ext cx="2971800" cy="458788"/>
+          </a:xfrm>
+          <a:prstGeom prst="rect">
+            <a:avLst/>
+          </a:prstGeom>
+        </p:spPr>
+        <p:txBody>
+          <a:bodyPr vert="horz" lIns="91440" tIns="45720" rIns="91440" bIns="45720" rtlCol="0"/>
+          <a:lstStyle>
+            <a:lvl1pPr algn="l">
+              <a:defRPr sz="1200"/>
+            </a:lvl1pPr>
+          </a:lstStyle>
+          <a:p>
+            <a:endParaRPr lang="en-GB"/>
+          </a:p>
+        </p:txBody>
+      </p:sp>
+      <p:sp>
+        <p:nvSpPr>
+          <p:cNvPr id="3" name="日期占位符 2"/>
+          <p:cNvSpPr>
+            <a:spLocks noGrp="1"/>
+          </p:cNvSpPr>
+          <p:nvPr>
+            <p:ph type="dt" idx="1"/>
+          </p:nvPr>
+        </p:nvSpPr>
+        <p:spPr>
+          <a:xfrm>
+            <a:off x="3884613" y="0"/>
+            <a:ext cx="2971800" cy="458788"/>
+          </a:xfrm>
+          <a:prstGeom prst="rect">
+            <a:avLst/>
+          </a:prstGeom>
+        </p:spPr>
+        <p:txBody>
+          <a:bodyPr vert="horz" lIns="91440" tIns="45720" rIns="91440" bIns="45720" rtlCol="0"/>
+          <a:lstStyle>
+            <a:lvl1pPr algn="r">
+              <a:defRPr sz="1200"/>
+            </a:lvl1pPr>
+          </a:lstStyle>
+          <a:p>
+            <a:fld id="{6BE09CF0-F7F9-48FC-8E6C-FC17232597AD}" type="datetimeFigureOut">
+              <a:rPr lang="en-GB" smtClean="0"/>
+              <a:t>06/12/2024</a:t>
+            </a:fld>
+            <a:endParaRPr lang="en-GB"/>
+          </a:p>
+        </p:txBody>
+      </p:sp>
+      <p:sp>
+        <p:nvSpPr>
+          <p:cNvPr id="4" name="幻灯片图像占位符 3"/>
+          <p:cNvSpPr>
+            <a:spLocks noGrp="1" noRot="1" noChangeAspect="1"/>
+          </p:cNvSpPr>
+          <p:nvPr>
+            <p:ph type="sldImg" idx="2"/>
+          </p:nvPr>
+        </p:nvSpPr>
+        <p:spPr>
+          <a:xfrm>
+            <a:off x="685800" y="1143000"/>
+            <a:ext cx="5486400" cy="3086100"/>
+          </a:xfrm>
+          <a:prstGeom prst="rect">
+            <a:avLst/>
+          </a:prstGeom>
+          <a:noFill/>
+          <a:ln w="12700">
+            <a:solidFill>
+              <a:prstClr val="black"/>
+            </a:solidFill>
+          </a:ln>
+        </p:spPr>
+        <p:txBody>
+          <a:bodyPr vert="horz" lIns="91440" tIns="45720" rIns="91440" bIns="45720" rtlCol="0" anchor="ctr"/>
+          <a:lstStyle/>
+          <a:p>
+            <a:endParaRPr lang="en-GB"/>
+          </a:p>
+        </p:txBody>
+      </p:sp>
+      <p:sp>
+        <p:nvSpPr>
+          <p:cNvPr id="5" name="备注占位符 4"/>
+          <p:cNvSpPr>
+            <a:spLocks noGrp="1"/>
+          </p:cNvSpPr>
+          <p:nvPr>
+            <p:ph type="body" sz="quarter" idx="3"/>
+          </p:nvPr>
+        </p:nvSpPr>
+        <p:spPr>
+          <a:xfrm>
+            <a:off x="685800" y="4400550"/>
+            <a:ext cx="5486400" cy="3600450"/>
+          </a:xfrm>
+          <a:prstGeom prst="rect">
+            <a:avLst/>
+          </a:prstGeom>
+        </p:spPr>
+        <p:txBody>
+          <a:bodyPr vert="horz" lIns="91440" tIns="45720" rIns="91440" bIns="45720" rtlCol="0"/>
+          <a:lstStyle/>
+          <a:p>
+            <a:pPr lvl="0"/>
+            <a:r>
+              <a:rPr lang="zh-CN" altLang="en-US"/>
+              <a:t>单击此处编辑母版文本样式</a:t>
+            </a:r>
+          </a:p>
+          <a:p>
+            <a:pPr lvl="1"/>
+            <a:r>
+              <a:rPr lang="zh-CN" altLang="en-US"/>
+              <a:t>二级</a:t>
+            </a:r>
+          </a:p>
+          <a:p>
+            <a:pPr lvl="2"/>
+            <a:r>
+              <a:rPr lang="zh-CN" altLang="en-US"/>
+              <a:t>三级</a:t>
+            </a:r>
+          </a:p>
+          <a:p>
+            <a:pPr lvl="3"/>
+            <a:r>
+              <a:rPr lang="zh-CN" altLang="en-US"/>
+              <a:t>四级</a:t>
+            </a:r>
+          </a:p>
+          <a:p>
+            <a:pPr lvl="4"/>
+            <a:r>
+              <a:rPr lang="zh-CN" altLang="en-US"/>
+              <a:t>五级</a:t>
+            </a:r>
+            <a:endParaRPr lang="en-GB"/>
+          </a:p>
+        </p:txBody>
+      </p:sp>
+      <p:sp>
+        <p:nvSpPr>
+          <p:cNvPr id="6" name="页脚占位符 5"/>
+          <p:cNvSpPr>
+            <a:spLocks noGrp="1"/>
+          </p:cNvSpPr>
+          <p:nvPr>
+            <p:ph type="ftr" sz="quarter" idx="4"/>
+          </p:nvPr>
+        </p:nvSpPr>
+        <p:spPr>
+          <a:xfrm>
+            <a:off x="0" y="8685213"/>
+            <a:ext cx="2971800" cy="458787"/>
+          </a:xfrm>
+          <a:prstGeom prst="rect">
+            <a:avLst/>
+          </a:prstGeom>
+        </p:spPr>
+        <p:txBody>
+          <a:bodyPr vert="horz" lIns="91440" tIns="45720" rIns="91440" bIns="45720" rtlCol="0" anchor="b"/>
+          <a:lstStyle>
+            <a:lvl1pPr algn="l">
+              <a:defRPr sz="1200"/>
+            </a:lvl1pPr>
+          </a:lstStyle>
+          <a:p>
+            <a:endParaRPr lang="en-GB"/>
+          </a:p>
+        </p:txBody>
+      </p:sp>
+      <p:sp>
+        <p:nvSpPr>
+          <p:cNvPr id="7" name="灯片编号占位符 6"/>
+          <p:cNvSpPr>
+            <a:spLocks noGrp="1"/>
+          </p:cNvSpPr>
+          <p:nvPr>
+            <p:ph type="sldNum" sz="quarter" idx="5"/>
+          </p:nvPr>
+        </p:nvSpPr>
+        <p:spPr>
+          <a:xfrm>
+            <a:off x="3884613" y="8685213"/>
+            <a:ext cx="2971800" cy="458787"/>
+          </a:xfrm>
+          <a:prstGeom prst="rect">
+            <a:avLst/>
+          </a:prstGeom>
+        </p:spPr>
+        <p:txBody>
+          <a:bodyPr vert="horz" lIns="91440" tIns="45720" rIns="91440" bIns="45720" rtlCol="0" anchor="b"/>
+          <a:lstStyle>
+            <a:lvl1pPr algn="r">
+              <a:defRPr sz="1200"/>
+            </a:lvl1pPr>
+          </a:lstStyle>
+          <a:p>
+            <a:fld id="{293E1B12-DA3C-4DB2-A288-4B3F35771826}" type="slidenum">
+              <a:rPr lang="en-GB" smtClean="0"/>
+              <a:t>‹#›</a:t>
+            </a:fld>
+            <a:endParaRPr lang="en-GB"/>
+          </a:p>
+        </p:txBody>
+      </p:sp>
+    </p:spTree>
+    <p:extLst>
+      <p:ext uri="{BB962C8B-B14F-4D97-AF65-F5344CB8AC3E}">
+        <p14:creationId xmlns:p14="http://schemas.microsoft.com/office/powerpoint/2010/main" val="1921762356"/>
+      </p:ext>
+    </p:extLst>
+  </p:cSld>
+  <p:clrMap bg1="lt1" tx1="dk1" bg2="lt2" tx2="dk2" accent1="accent1" accent2="accent2" accent3="accent3" accent4="accent4" accent5="accent5" accent6="accent6" hlink="hlink" folHlink="folHlink"/>
+  <p:notesStyle>
+    <a:lvl1pPr marL="0" algn="l" defTabSz="914400" rtl="0" eaLnBrk="1" latinLnBrk="0" hangingPunct="1">
+      <a:defRPr sz="1200" kern="1200">
+        <a:solidFill>
+          <a:schemeClr val="tx1"/>
+        </a:solidFill>
+        <a:latin typeface="+mn-lt"/>
+        <a:ea typeface="+mn-ea"/>
+        <a:cs typeface="+mn-cs"/>
+      </a:defRPr>
+    </a:lvl1pPr>
+    <a:lvl2pPr marL="457200" algn="l" defTabSz="914400" rtl="0" eaLnBrk="1" latinLnBrk="0" hangingPunct="1">
+      <a:defRPr sz="1200" kern="1200">
+        <a:solidFill>
+          <a:schemeClr val="tx1"/>
+        </a:solidFill>
+        <a:latin typeface="+mn-lt"/>
+        <a:ea typeface="+mn-ea"/>
+        <a:cs typeface="+mn-cs"/>
+      </a:defRPr>
+    </a:lvl2pPr>
+    <a:lvl3pPr marL="914400" algn="l" defTabSz="914400" rtl="0" eaLnBrk="1" latinLnBrk="0" hangingPunct="1">
+      <a:defRPr sz="1200" kern="1200">
+        <a:solidFill>
+          <a:schemeClr val="tx1"/>
+        </a:solidFill>
+        <a:latin typeface="+mn-lt"/>
+        <a:ea typeface="+mn-ea"/>
+        <a:cs typeface="+mn-cs"/>
+      </a:defRPr>
+    </a:lvl3pPr>
+    <a:lvl4pPr marL="1371600" algn="l" defTabSz="914400" rtl="0" eaLnBrk="1" latinLnBrk="0" hangingPunct="1">
+      <a:defRPr sz="1200" kern="1200">
+        <a:solidFill>
+          <a:schemeClr val="tx1"/>
+        </a:solidFill>
+        <a:latin typeface="+mn-lt"/>
+        <a:ea typeface="+mn-ea"/>
+        <a:cs typeface="+mn-cs"/>
+      </a:defRPr>
+    </a:lvl4pPr>
+    <a:lvl5pPr marL="1828800" algn="l" defTabSz="914400" rtl="0" eaLnBrk="1" latinLnBrk="0" hangingPunct="1">
+      <a:defRPr sz="1200" kern="1200">
+        <a:solidFill>
+          <a:schemeClr val="tx1"/>
+        </a:solidFill>
+        <a:latin typeface="+mn-lt"/>
+        <a:ea typeface="+mn-ea"/>
+        <a:cs typeface="+mn-cs"/>
+      </a:defRPr>
+    </a:lvl5pPr>
+    <a:lvl6pPr marL="2286000" algn="l" defTabSz="914400" rtl="0" eaLnBrk="1" latinLnBrk="0" hangingPunct="1">
+      <a:defRPr sz="1200" kern="1200">
+        <a:solidFill>
+          <a:schemeClr val="tx1"/>
+        </a:solidFill>
+        <a:latin typeface="+mn-lt"/>
+        <a:ea typeface="+mn-ea"/>
+        <a:cs typeface="+mn-cs"/>
+      </a:defRPr>
+    </a:lvl6pPr>
+    <a:lvl7pPr marL="2743200" algn="l" defTabSz="914400" rtl="0" eaLnBrk="1" latinLnBrk="0" hangingPunct="1">
+      <a:defRPr sz="1200" kern="1200">
+        <a:solidFill>
+          <a:schemeClr val="tx1"/>
+        </a:solidFill>
+        <a:latin typeface="+mn-lt"/>
+        <a:ea typeface="+mn-ea"/>
+        <a:cs typeface="+mn-cs"/>
+      </a:defRPr>
+    </a:lvl7pPr>
+    <a:lvl8pPr marL="3200400" algn="l" defTabSz="914400" rtl="0" eaLnBrk="1" latinLnBrk="0" hangingPunct="1">
+      <a:defRPr sz="1200" kern="1200">
+        <a:solidFill>
+          <a:schemeClr val="tx1"/>
+        </a:solidFill>
+        <a:latin typeface="+mn-lt"/>
+        <a:ea typeface="+mn-ea"/>
+        <a:cs typeface="+mn-cs"/>
+      </a:defRPr>
+    </a:lvl8pPr>
+    <a:lvl9pPr marL="3657600" algn="l" defTabSz="914400" rtl="0" eaLnBrk="1" latinLnBrk="0" hangingPunct="1">
+      <a:defRPr sz="1200" kern="1200">
+        <a:solidFill>
+          <a:schemeClr val="tx1"/>
+        </a:solidFill>
+        <a:latin typeface="+mn-lt"/>
+        <a:ea typeface="+mn-ea"/>
+        <a:cs typeface="+mn-cs"/>
+      </a:defRPr>
+    </a:lvl9pPr>
+  </p:notesStyle>
+</p:notesMaster>
+</file>
+
+<file path=ppt/notesSlides/notesSlide1.xml><?xml version="1.0" encoding="utf-8"?>
+<p:notes xmlns:a="http://schemas.openxmlformats.org/drawingml/2006/main" xmlns:r="http://schemas.openxmlformats.org/officeDocument/2006/relationships" xmlns:p="http://schemas.openxmlformats.org/presentationml/2006/main">
+  <p:cSld>
+    <p:spTree>
+      <p:nvGrpSpPr>
+        <p:cNvPr id="1" name=""/>
+        <p:cNvGrpSpPr/>
+        <p:nvPr/>
+      </p:nvGrpSpPr>
+      <p:grpSpPr>
+        <a:xfrm>
+          <a:off x="0" y="0"/>
+          <a:ext cx="0" cy="0"/>
+          <a:chOff x="0" y="0"/>
+          <a:chExt cx="0" cy="0"/>
+        </a:xfrm>
+      </p:grpSpPr>
+      <p:sp>
+        <p:nvSpPr>
+          <p:cNvPr id="2" name="幻灯片图像占位符 1"/>
+          <p:cNvSpPr>
+            <a:spLocks noGrp="1" noRot="1" noChangeAspect="1"/>
+          </p:cNvSpPr>
+          <p:nvPr>
+            <p:ph type="sldImg"/>
+          </p:nvPr>
+        </p:nvSpPr>
+        <p:spPr/>
+      </p:sp>
+      <p:sp>
+        <p:nvSpPr>
+          <p:cNvPr id="3" name="备注占位符 2"/>
+          <p:cNvSpPr>
+            <a:spLocks noGrp="1"/>
+          </p:cNvSpPr>
+          <p:nvPr>
+            <p:ph type="body" idx="1"/>
+          </p:nvPr>
+        </p:nvSpPr>
+        <p:spPr/>
+        <p:txBody>
+          <a:bodyPr/>
+          <a:lstStyle/>
+          <a:p>
+            <a:endParaRPr lang="en-GB" dirty="0"/>
+          </a:p>
+        </p:txBody>
+      </p:sp>
+      <p:sp>
+        <p:nvSpPr>
+          <p:cNvPr id="4" name="灯片编号占位符 3"/>
+          <p:cNvSpPr>
+            <a:spLocks noGrp="1"/>
+          </p:cNvSpPr>
+          <p:nvPr>
+            <p:ph type="sldNum" sz="quarter" idx="5"/>
+          </p:nvPr>
+        </p:nvSpPr>
+        <p:spPr/>
+        <p:txBody>
+          <a:bodyPr/>
+          <a:lstStyle/>
+          <a:p>
+            <a:fld id="{293E1B12-DA3C-4DB2-A288-4B3F35771826}" type="slidenum">
+              <a:rPr lang="en-GB" smtClean="0"/>
+              <a:t>10</a:t>
+            </a:fld>
+            <a:endParaRPr lang="en-GB"/>
+          </a:p>
+        </p:txBody>
+      </p:sp>
+    </p:spTree>
+    <p:extLst>
+      <p:ext uri="{BB962C8B-B14F-4D97-AF65-F5344CB8AC3E}">
+        <p14:creationId xmlns:p14="http://schemas.microsoft.com/office/powerpoint/2010/main" val="2223392408"/>
+      </p:ext>
+    </p:extLst>
+  </p:cSld>
+  <p:clrMapOvr>
+    <a:masterClrMapping/>
+  </p:clrMapOvr>
+</p:notes>
 </file>
 
 <file path=ppt/slideLayouts/slideLayout1.xml><?xml version="1.0" encoding="utf-8"?>
@@ -293,7 +742,7 @@
           <a:p>
             <a:fld id="{ED88497A-A6CD-47F8-BBE7-A4F7C4DD7077}" type="datetimeFigureOut">
               <a:rPr lang="en-GB" smtClean="0"/>
-              <a:t>04/12/2024</a:t>
+              <a:t>06/12/2024</a:t>
             </a:fld>
             <a:endParaRPr lang="en-GB"/>
           </a:p>
@@ -493,7 +942,7 @@
           <a:p>
             <a:fld id="{ED88497A-A6CD-47F8-BBE7-A4F7C4DD7077}" type="datetimeFigureOut">
               <a:rPr lang="en-GB" smtClean="0"/>
-              <a:t>04/12/2024</a:t>
+              <a:t>06/12/2024</a:t>
             </a:fld>
             <a:endParaRPr lang="en-GB"/>
           </a:p>
@@ -703,7 +1152,7 @@
           <a:p>
             <a:fld id="{ED88497A-A6CD-47F8-BBE7-A4F7C4DD7077}" type="datetimeFigureOut">
               <a:rPr lang="en-GB" smtClean="0"/>
-              <a:t>04/12/2024</a:t>
+              <a:t>06/12/2024</a:t>
             </a:fld>
             <a:endParaRPr lang="en-GB"/>
           </a:p>
@@ -903,7 +1352,7 @@
           <a:p>
             <a:fld id="{ED88497A-A6CD-47F8-BBE7-A4F7C4DD7077}" type="datetimeFigureOut">
               <a:rPr lang="en-GB" smtClean="0"/>
-              <a:t>04/12/2024</a:t>
+              <a:t>06/12/2024</a:t>
             </a:fld>
             <a:endParaRPr lang="en-GB"/>
           </a:p>
@@ -1179,7 +1628,7 @@
           <a:p>
             <a:fld id="{ED88497A-A6CD-47F8-BBE7-A4F7C4DD7077}" type="datetimeFigureOut">
               <a:rPr lang="en-GB" smtClean="0"/>
-              <a:t>04/12/2024</a:t>
+              <a:t>06/12/2024</a:t>
             </a:fld>
             <a:endParaRPr lang="en-GB"/>
           </a:p>
@@ -1447,7 +1896,7 @@
           <a:p>
             <a:fld id="{ED88497A-A6CD-47F8-BBE7-A4F7C4DD7077}" type="datetimeFigureOut">
               <a:rPr lang="en-GB" smtClean="0"/>
-              <a:t>04/12/2024</a:t>
+              <a:t>06/12/2024</a:t>
             </a:fld>
             <a:endParaRPr lang="en-GB"/>
           </a:p>
@@ -1862,7 +2311,7 @@
           <a:p>
             <a:fld id="{ED88497A-A6CD-47F8-BBE7-A4F7C4DD7077}" type="datetimeFigureOut">
               <a:rPr lang="en-GB" smtClean="0"/>
-              <a:t>04/12/2024</a:t>
+              <a:t>06/12/2024</a:t>
             </a:fld>
             <a:endParaRPr lang="en-GB"/>
           </a:p>
@@ -2004,7 +2453,7 @@
           <a:p>
             <a:fld id="{ED88497A-A6CD-47F8-BBE7-A4F7C4DD7077}" type="datetimeFigureOut">
               <a:rPr lang="en-GB" smtClean="0"/>
-              <a:t>04/12/2024</a:t>
+              <a:t>06/12/2024</a:t>
             </a:fld>
             <a:endParaRPr lang="en-GB"/>
           </a:p>
@@ -2117,7 +2566,7 @@
           <a:p>
             <a:fld id="{ED88497A-A6CD-47F8-BBE7-A4F7C4DD7077}" type="datetimeFigureOut">
               <a:rPr lang="en-GB" smtClean="0"/>
-              <a:t>04/12/2024</a:t>
+              <a:t>06/12/2024</a:t>
             </a:fld>
             <a:endParaRPr lang="en-GB"/>
           </a:p>
@@ -2430,7 +2879,7 @@
           <a:p>
             <a:fld id="{ED88497A-A6CD-47F8-BBE7-A4F7C4DD7077}" type="datetimeFigureOut">
               <a:rPr lang="en-GB" smtClean="0"/>
-              <a:t>04/12/2024</a:t>
+              <a:t>06/12/2024</a:t>
             </a:fld>
             <a:endParaRPr lang="en-GB"/>
           </a:p>
@@ -2719,7 +3168,7 @@
           <a:p>
             <a:fld id="{ED88497A-A6CD-47F8-BBE7-A4F7C4DD7077}" type="datetimeFigureOut">
               <a:rPr lang="en-GB" smtClean="0"/>
-              <a:t>04/12/2024</a:t>
+              <a:t>06/12/2024</a:t>
             </a:fld>
             <a:endParaRPr lang="en-GB"/>
           </a:p>
@@ -2962,7 +3411,7 @@
           <a:p>
             <a:fld id="{ED88497A-A6CD-47F8-BBE7-A4F7C4DD7077}" type="datetimeFigureOut">
               <a:rPr lang="en-GB" smtClean="0"/>
-              <a:t>04/12/2024</a:t>
+              <a:t>06/12/2024</a:t>
             </a:fld>
             <a:endParaRPr lang="en-GB"/>
           </a:p>
@@ -3542,6 +3991,542 @@
 </p:sld>
 </file>
 
+<file path=ppt/slides/slide10.xml><?xml version="1.0" encoding="utf-8"?>
+<p:sld xmlns:a="http://schemas.openxmlformats.org/drawingml/2006/main" xmlns:r="http://schemas.openxmlformats.org/officeDocument/2006/relationships" xmlns:p="http://schemas.openxmlformats.org/presentationml/2006/main">
+  <p:cSld>
+    <p:spTree>
+      <p:nvGrpSpPr>
+        <p:cNvPr id="1" name=""/>
+        <p:cNvGrpSpPr/>
+        <p:nvPr/>
+      </p:nvGrpSpPr>
+      <p:grpSpPr>
+        <a:xfrm>
+          <a:off x="0" y="0"/>
+          <a:ext cx="0" cy="0"/>
+          <a:chOff x="0" y="0"/>
+          <a:chExt cx="0" cy="0"/>
+        </a:xfrm>
+      </p:grpSpPr>
+      <p:pic>
+        <p:nvPicPr>
+          <p:cNvPr id="2" name="图片 1">
+            <a:extLst>
+              <a:ext uri="{FF2B5EF4-FFF2-40B4-BE49-F238E27FC236}">
+                <a16:creationId xmlns:a16="http://schemas.microsoft.com/office/drawing/2014/main" id="{25106422-59BC-D310-603C-95E1B55FD15B}"/>
+              </a:ext>
+            </a:extLst>
+          </p:cNvPr>
+          <p:cNvPicPr>
+            <a:picLocks noChangeAspect="1"/>
+          </p:cNvPicPr>
+          <p:nvPr/>
+        </p:nvPicPr>
+        <p:blipFill>
+          <a:blip r:embed="rId3"/>
+          <a:srcRect l="6349" t="18574" r="6349" b="18574"/>
+          <a:stretch/>
+        </p:blipFill>
+        <p:spPr>
+          <a:xfrm>
+            <a:off x="255216" y="1063690"/>
+            <a:ext cx="11681568" cy="4730620"/>
+          </a:xfrm>
+          <a:prstGeom prst="rect">
+            <a:avLst/>
+          </a:prstGeom>
+        </p:spPr>
+      </p:pic>
+    </p:spTree>
+    <p:extLst>
+      <p:ext uri="{BB962C8B-B14F-4D97-AF65-F5344CB8AC3E}">
+        <p14:creationId xmlns:p14="http://schemas.microsoft.com/office/powerpoint/2010/main" val="4224832536"/>
+      </p:ext>
+    </p:extLst>
+  </p:cSld>
+  <p:clrMapOvr>
+    <a:masterClrMapping/>
+  </p:clrMapOvr>
+</p:sld>
+</file>
+
+<file path=ppt/slides/slide11.xml><?xml version="1.0" encoding="utf-8"?>
+<p:sld xmlns:a="http://schemas.openxmlformats.org/drawingml/2006/main" xmlns:r="http://schemas.openxmlformats.org/officeDocument/2006/relationships" xmlns:p="http://schemas.openxmlformats.org/presentationml/2006/main">
+  <p:cSld>
+    <p:spTree>
+      <p:nvGrpSpPr>
+        <p:cNvPr id="1" name=""/>
+        <p:cNvGrpSpPr/>
+        <p:nvPr/>
+      </p:nvGrpSpPr>
+      <p:grpSpPr>
+        <a:xfrm>
+          <a:off x="0" y="0"/>
+          <a:ext cx="0" cy="0"/>
+          <a:chOff x="0" y="0"/>
+          <a:chExt cx="0" cy="0"/>
+        </a:xfrm>
+      </p:grpSpPr>
+      <p:pic>
+        <p:nvPicPr>
+          <p:cNvPr id="5" name="图片 4">
+            <a:extLst>
+              <a:ext uri="{FF2B5EF4-FFF2-40B4-BE49-F238E27FC236}">
+                <a16:creationId xmlns:a16="http://schemas.microsoft.com/office/drawing/2014/main" id="{C6EAC08F-BA82-8A0A-175A-2EB00B005DEC}"/>
+              </a:ext>
+            </a:extLst>
+          </p:cNvPr>
+          <p:cNvPicPr>
+            <a:picLocks noChangeAspect="1"/>
+          </p:cNvPicPr>
+          <p:nvPr/>
+        </p:nvPicPr>
+        <p:blipFill>
+          <a:blip r:embed="rId2">
+            <a:extLst>
+              <a:ext uri="{28A0092B-C50C-407E-A947-70E740481C1C}">
+                <a14:useLocalDpi xmlns:a14="http://schemas.microsoft.com/office/drawing/2010/main" val="0"/>
+              </a:ext>
+            </a:extLst>
+          </a:blip>
+          <a:stretch>
+            <a:fillRect/>
+          </a:stretch>
+        </p:blipFill>
+        <p:spPr>
+          <a:xfrm>
+            <a:off x="1537000" y="8698108"/>
+            <a:ext cx="950976" cy="950974"/>
+          </a:xfrm>
+          <a:prstGeom prst="rect">
+            <a:avLst/>
+          </a:prstGeom>
+        </p:spPr>
+      </p:pic>
+      <p:sp>
+        <p:nvSpPr>
+          <p:cNvPr id="6" name="文本框 5">
+            <a:extLst>
+              <a:ext uri="{FF2B5EF4-FFF2-40B4-BE49-F238E27FC236}">
+                <a16:creationId xmlns:a16="http://schemas.microsoft.com/office/drawing/2014/main" id="{60C4DC7E-97AA-524B-6DA4-9C26819E0817}"/>
+              </a:ext>
+            </a:extLst>
+          </p:cNvPr>
+          <p:cNvSpPr txBox="1"/>
+          <p:nvPr/>
+        </p:nvSpPr>
+        <p:spPr>
+          <a:xfrm>
+            <a:off x="1034260" y="2967335"/>
+            <a:ext cx="3100529" cy="923330"/>
+          </a:xfrm>
+          <a:prstGeom prst="rect">
+            <a:avLst/>
+          </a:prstGeom>
+          <a:noFill/>
+        </p:spPr>
+        <p:txBody>
+          <a:bodyPr wrap="none" rtlCol="0">
+            <a:spAutoFit/>
+          </a:bodyPr>
+          <a:lstStyle/>
+          <a:p>
+            <a:r>
+              <a:rPr lang="en-GB" sz="5400" b="1" dirty="0">
+                <a:gradFill flip="none" rotWithShape="1">
+                  <a:gsLst>
+                    <a:gs pos="100000">
+                      <a:srgbClr val="1790D3"/>
+                    </a:gs>
+                    <a:gs pos="0">
+                      <a:srgbClr val="28D25C"/>
+                    </a:gs>
+                  </a:gsLst>
+                  <a:path path="circle">
+                    <a:fillToRect l="100000" t="100000"/>
+                  </a:path>
+                  <a:tileRect r="-100000" b="-100000"/>
+                </a:gradFill>
+                <a:latin typeface="Source Sans 3" panose="020B0503030403020204" pitchFamily="34" charset="0"/>
+              </a:rPr>
+              <a:t>Praditor  | </a:t>
+            </a:r>
+            <a:endParaRPr lang="en-GB" sz="6000" b="1" dirty="0">
+              <a:gradFill flip="none" rotWithShape="1">
+                <a:gsLst>
+                  <a:gs pos="100000">
+                    <a:srgbClr val="1790D3"/>
+                  </a:gs>
+                  <a:gs pos="0">
+                    <a:srgbClr val="28D25C"/>
+                  </a:gs>
+                </a:gsLst>
+                <a:path path="circle">
+                  <a:fillToRect l="100000" t="100000"/>
+                </a:path>
+                <a:tileRect r="-100000" b="-100000"/>
+              </a:gradFill>
+              <a:latin typeface="Source Sans 3" panose="020B0503030403020204" pitchFamily="34" charset="0"/>
+            </a:endParaRPr>
+          </a:p>
+        </p:txBody>
+      </p:sp>
+      <p:sp>
+        <p:nvSpPr>
+          <p:cNvPr id="11" name="矩形: 圆角 10">
+            <a:extLst>
+              <a:ext uri="{FF2B5EF4-FFF2-40B4-BE49-F238E27FC236}">
+                <a16:creationId xmlns:a16="http://schemas.microsoft.com/office/drawing/2014/main" id="{A410C2FD-104B-50C2-FB19-113A9C55307A}"/>
+              </a:ext>
+            </a:extLst>
+          </p:cNvPr>
+          <p:cNvSpPr/>
+          <p:nvPr/>
+        </p:nvSpPr>
+        <p:spPr>
+          <a:xfrm>
+            <a:off x="-11839008" y="0"/>
+            <a:ext cx="10799763" cy="10799763"/>
+          </a:xfrm>
+          <a:prstGeom prst="roundRect">
+            <a:avLst>
+              <a:gd name="adj" fmla="val 9511"/>
+            </a:avLst>
+          </a:prstGeom>
+          <a:gradFill flip="none" rotWithShape="1">
+            <a:gsLst>
+              <a:gs pos="0">
+                <a:srgbClr val="1790D3"/>
+              </a:gs>
+              <a:gs pos="100000">
+                <a:srgbClr val="28D25C"/>
+              </a:gs>
+            </a:gsLst>
+            <a:path path="circle">
+              <a:fillToRect r="100000" b="100000"/>
+            </a:path>
+            <a:tileRect l="-100000" t="-100000"/>
+          </a:gradFill>
+          <a:ln>
+            <a:noFill/>
+          </a:ln>
+          <a:effectLst>
+            <a:softEdge rad="12700"/>
+          </a:effectLst>
+        </p:spPr>
+        <p:style>
+          <a:lnRef idx="2">
+            <a:schemeClr val="accent1">
+              <a:shade val="15000"/>
+            </a:schemeClr>
+          </a:lnRef>
+          <a:fillRef idx="1">
+            <a:schemeClr val="accent1"/>
+          </a:fillRef>
+          <a:effectRef idx="0">
+            <a:schemeClr val="accent1"/>
+          </a:effectRef>
+          <a:fontRef idx="minor">
+            <a:schemeClr val="lt1"/>
+          </a:fontRef>
+        </p:style>
+        <p:txBody>
+          <a:bodyPr lIns="91440" tIns="582120" rIns="91440" bIns="45720" rtlCol="0" anchor="ctr"/>
+          <a:lstStyle/>
+          <a:p>
+            <a:pPr algn="ctr"/>
+            <a:endParaRPr lang="en-GB" altLang="zh-CN" sz="82900" b="1" dirty="0">
+              <a:effectLst>
+                <a:innerShdw blurRad="38100">
+                  <a:schemeClr val="tx1">
+                    <a:lumMod val="50000"/>
+                    <a:lumOff val="50000"/>
+                  </a:schemeClr>
+                </a:innerShdw>
+              </a:effectLst>
+              <a:latin typeface="得意黑" pitchFamily="50" charset="-122"/>
+              <a:ea typeface="得意黑" pitchFamily="50" charset="-122"/>
+            </a:endParaRPr>
+          </a:p>
+        </p:txBody>
+      </p:sp>
+      <p:sp>
+        <p:nvSpPr>
+          <p:cNvPr id="12" name="文本框 11">
+            <a:extLst>
+              <a:ext uri="{FF2B5EF4-FFF2-40B4-BE49-F238E27FC236}">
+                <a16:creationId xmlns:a16="http://schemas.microsoft.com/office/drawing/2014/main" id="{438AE214-8808-3879-84D1-B54B6EC96E0A}"/>
+              </a:ext>
+            </a:extLst>
+          </p:cNvPr>
+          <p:cNvSpPr txBox="1"/>
+          <p:nvPr/>
+        </p:nvSpPr>
+        <p:spPr>
+          <a:xfrm>
+            <a:off x="4134789" y="2967335"/>
+            <a:ext cx="7010252" cy="923330"/>
+          </a:xfrm>
+          <a:prstGeom prst="rect">
+            <a:avLst/>
+          </a:prstGeom>
+          <a:noFill/>
+        </p:spPr>
+        <p:txBody>
+          <a:bodyPr wrap="none" rtlCol="0">
+            <a:spAutoFit/>
+          </a:bodyPr>
+          <a:lstStyle/>
+          <a:p>
+            <a:r>
+              <a:rPr lang="en-US" altLang="zh-CN" sz="5400" b="1" dirty="0">
+                <a:solidFill>
+                  <a:schemeClr val="bg1">
+                    <a:lumMod val="75000"/>
+                  </a:schemeClr>
+                </a:solidFill>
+                <a:latin typeface="Source Sans 3" panose="020B0503030403020204" pitchFamily="34" charset="0"/>
+              </a:rPr>
+              <a:t>Speech Onset Detection</a:t>
+            </a:r>
+            <a:endParaRPr lang="en-GB" sz="6000" b="1" dirty="0">
+              <a:solidFill>
+                <a:schemeClr val="bg1">
+                  <a:lumMod val="75000"/>
+                </a:schemeClr>
+              </a:solidFill>
+              <a:latin typeface="Source Sans 3" panose="020B0503030403020204" pitchFamily="34" charset="0"/>
+            </a:endParaRPr>
+          </a:p>
+        </p:txBody>
+      </p:sp>
+      <p:pic>
+        <p:nvPicPr>
+          <p:cNvPr id="13" name="图片 12">
+            <a:extLst>
+              <a:ext uri="{FF2B5EF4-FFF2-40B4-BE49-F238E27FC236}">
+                <a16:creationId xmlns:a16="http://schemas.microsoft.com/office/drawing/2014/main" id="{DB69242B-4F7B-3DC9-660B-6DACEE3ACB30}"/>
+              </a:ext>
+            </a:extLst>
+          </p:cNvPr>
+          <p:cNvPicPr>
+            <a:picLocks noChangeAspect="1"/>
+          </p:cNvPicPr>
+          <p:nvPr/>
+        </p:nvPicPr>
+        <p:blipFill>
+          <a:blip r:embed="rId3"/>
+          <a:stretch>
+            <a:fillRect/>
+          </a:stretch>
+        </p:blipFill>
+        <p:spPr>
+          <a:xfrm>
+            <a:off x="821871" y="7651681"/>
+            <a:ext cx="10261600" cy="832269"/>
+          </a:xfrm>
+          <a:prstGeom prst="rect">
+            <a:avLst/>
+          </a:prstGeom>
+        </p:spPr>
+      </p:pic>
+    </p:spTree>
+    <p:extLst>
+      <p:ext uri="{BB962C8B-B14F-4D97-AF65-F5344CB8AC3E}">
+        <p14:creationId xmlns:p14="http://schemas.microsoft.com/office/powerpoint/2010/main" val="1088065950"/>
+      </p:ext>
+    </p:extLst>
+  </p:cSld>
+  <p:clrMapOvr>
+    <a:masterClrMapping/>
+  </p:clrMapOvr>
+</p:sld>
+</file>
+
+<file path=ppt/slides/slide12.xml><?xml version="1.0" encoding="utf-8"?>
+<p:sld xmlns:a="http://schemas.openxmlformats.org/drawingml/2006/main" xmlns:r="http://schemas.openxmlformats.org/officeDocument/2006/relationships" xmlns:p="http://schemas.openxmlformats.org/presentationml/2006/main">
+  <p:cSld>
+    <p:spTree>
+      <p:nvGrpSpPr>
+        <p:cNvPr id="1" name=""/>
+        <p:cNvGrpSpPr/>
+        <p:nvPr/>
+      </p:nvGrpSpPr>
+      <p:grpSpPr>
+        <a:xfrm>
+          <a:off x="0" y="0"/>
+          <a:ext cx="0" cy="0"/>
+          <a:chOff x="0" y="0"/>
+          <a:chExt cx="0" cy="0"/>
+        </a:xfrm>
+      </p:grpSpPr>
+      <p:pic>
+        <p:nvPicPr>
+          <p:cNvPr id="3" name="图片 2">
+            <a:extLst>
+              <a:ext uri="{FF2B5EF4-FFF2-40B4-BE49-F238E27FC236}">
+                <a16:creationId xmlns:a16="http://schemas.microsoft.com/office/drawing/2014/main" id="{D8CAA08C-789B-56C2-7EC9-BD36CA474885}"/>
+              </a:ext>
+            </a:extLst>
+          </p:cNvPr>
+          <p:cNvPicPr>
+            <a:picLocks noChangeAspect="1"/>
+          </p:cNvPicPr>
+          <p:nvPr/>
+        </p:nvPicPr>
+        <p:blipFill>
+          <a:blip r:embed="rId2"/>
+          <a:srcRect t="25557" b="25557"/>
+          <a:stretch/>
+        </p:blipFill>
+        <p:spPr>
+          <a:xfrm>
+            <a:off x="449943" y="2452687"/>
+            <a:ext cx="13757602" cy="3783013"/>
+          </a:xfrm>
+          <a:prstGeom prst="rect">
+            <a:avLst/>
+          </a:prstGeom>
+        </p:spPr>
+      </p:pic>
+    </p:spTree>
+    <p:extLst>
+      <p:ext uri="{BB962C8B-B14F-4D97-AF65-F5344CB8AC3E}">
+        <p14:creationId xmlns:p14="http://schemas.microsoft.com/office/powerpoint/2010/main" val="3360775849"/>
+      </p:ext>
+    </p:extLst>
+  </p:cSld>
+  <p:clrMapOvr>
+    <a:masterClrMapping/>
+  </p:clrMapOvr>
+</p:sld>
+</file>
+
+<file path=ppt/slides/slide13.xml><?xml version="1.0" encoding="utf-8"?>
+<p:sld xmlns:a="http://schemas.openxmlformats.org/drawingml/2006/main" xmlns:r="http://schemas.openxmlformats.org/officeDocument/2006/relationships" xmlns:p="http://schemas.openxmlformats.org/presentationml/2006/main">
+  <p:cSld>
+    <p:spTree>
+      <p:nvGrpSpPr>
+        <p:cNvPr id="1" name=""/>
+        <p:cNvGrpSpPr/>
+        <p:nvPr/>
+      </p:nvGrpSpPr>
+      <p:grpSpPr>
+        <a:xfrm>
+          <a:off x="0" y="0"/>
+          <a:ext cx="0" cy="0"/>
+          <a:chOff x="0" y="0"/>
+          <a:chExt cx="0" cy="0"/>
+        </a:xfrm>
+      </p:grpSpPr>
+      <p:pic>
+        <p:nvPicPr>
+          <p:cNvPr id="3" name="图片 2" descr="图形用户界面&#10;&#10;描述已自动生成">
+            <a:extLst>
+              <a:ext uri="{FF2B5EF4-FFF2-40B4-BE49-F238E27FC236}">
+                <a16:creationId xmlns:a16="http://schemas.microsoft.com/office/drawing/2014/main" id="{2BAD476A-0214-5462-CB14-F4A8DC2DFAD4}"/>
+              </a:ext>
+            </a:extLst>
+          </p:cNvPr>
+          <p:cNvPicPr>
+            <a:picLocks noChangeAspect="1"/>
+          </p:cNvPicPr>
+          <p:nvPr/>
+        </p:nvPicPr>
+        <p:blipFill>
+          <a:blip r:embed="rId2">
+            <a:extLst>
+              <a:ext uri="{28A0092B-C50C-407E-A947-70E740481C1C}">
+                <a14:useLocalDpi xmlns:a14="http://schemas.microsoft.com/office/drawing/2010/main" val="0"/>
+              </a:ext>
+            </a:extLst>
+          </a:blip>
+          <a:stretch>
+            <a:fillRect/>
+          </a:stretch>
+        </p:blipFill>
+        <p:spPr>
+          <a:xfrm>
+            <a:off x="1898486" y="1328057"/>
+            <a:ext cx="8395028" cy="4201886"/>
+          </a:xfrm>
+          <a:prstGeom prst="rect">
+            <a:avLst/>
+          </a:prstGeom>
+        </p:spPr>
+      </p:pic>
+    </p:spTree>
+    <p:extLst>
+      <p:ext uri="{BB962C8B-B14F-4D97-AF65-F5344CB8AC3E}">
+        <p14:creationId xmlns:p14="http://schemas.microsoft.com/office/powerpoint/2010/main" val="782348349"/>
+      </p:ext>
+    </p:extLst>
+  </p:cSld>
+  <p:clrMapOvr>
+    <a:masterClrMapping/>
+  </p:clrMapOvr>
+</p:sld>
+</file>
+
+<file path=ppt/slides/slide14.xml><?xml version="1.0" encoding="utf-8"?>
+<p:sld xmlns:a="http://schemas.openxmlformats.org/drawingml/2006/main" xmlns:r="http://schemas.openxmlformats.org/officeDocument/2006/relationships" xmlns:p="http://schemas.openxmlformats.org/presentationml/2006/main">
+  <p:cSld>
+    <p:spTree>
+      <p:nvGrpSpPr>
+        <p:cNvPr id="1" name=""/>
+        <p:cNvGrpSpPr/>
+        <p:nvPr/>
+      </p:nvGrpSpPr>
+      <p:grpSpPr>
+        <a:xfrm>
+          <a:off x="0" y="0"/>
+          <a:ext cx="0" cy="0"/>
+          <a:chOff x="0" y="0"/>
+          <a:chExt cx="0" cy="0"/>
+        </a:xfrm>
+      </p:grpSpPr>
+      <p:pic>
+        <p:nvPicPr>
+          <p:cNvPr id="2" name="图片 1">
+            <a:extLst>
+              <a:ext uri="{FF2B5EF4-FFF2-40B4-BE49-F238E27FC236}">
+                <a16:creationId xmlns:a16="http://schemas.microsoft.com/office/drawing/2014/main" id="{5747CE85-8021-C2CD-5282-4A4E2F31173C}"/>
+              </a:ext>
+            </a:extLst>
+          </p:cNvPr>
+          <p:cNvPicPr>
+            <a:picLocks noChangeAspect="1"/>
+          </p:cNvPicPr>
+          <p:nvPr/>
+        </p:nvPicPr>
+        <p:blipFill>
+          <a:blip r:embed="rId2"/>
+          <a:srcRect t="17304" b="17304"/>
+          <a:stretch/>
+        </p:blipFill>
+        <p:spPr>
+          <a:xfrm>
+            <a:off x="147442" y="1240971"/>
+            <a:ext cx="11897116" cy="4376058"/>
+          </a:xfrm>
+          <a:prstGeom prst="rect">
+            <a:avLst/>
+          </a:prstGeom>
+        </p:spPr>
+      </p:pic>
+    </p:spTree>
+    <p:extLst>
+      <p:ext uri="{BB962C8B-B14F-4D97-AF65-F5344CB8AC3E}">
+        <p14:creationId xmlns:p14="http://schemas.microsoft.com/office/powerpoint/2010/main" val="4050767704"/>
+      </p:ext>
+    </p:extLst>
+  </p:cSld>
+  <p:clrMapOvr>
+    <a:masterClrMapping/>
+  </p:clrMapOvr>
+</p:sld>
+</file>
+
 <file path=ppt/slides/slide2.xml><?xml version="1.0" encoding="utf-8"?>
 <p:sld xmlns:a="http://schemas.openxmlformats.org/drawingml/2006/main" xmlns:r="http://schemas.openxmlformats.org/officeDocument/2006/relationships" xmlns:p="http://schemas.openxmlformats.org/presentationml/2006/main">
   <p:cSld>
@@ -3592,6 +4577,3259 @@
     <p:extLst>
       <p:ext uri="{BB962C8B-B14F-4D97-AF65-F5344CB8AC3E}">
         <p14:creationId xmlns:p14="http://schemas.microsoft.com/office/powerpoint/2010/main" val="4285427278"/>
+      </p:ext>
+    </p:extLst>
+  </p:cSld>
+  <p:clrMapOvr>
+    <a:masterClrMapping/>
+  </p:clrMapOvr>
+</p:sld>
+</file>
+
+<file path=ppt/slides/slide3.xml><?xml version="1.0" encoding="utf-8"?>
+<p:sld xmlns:a="http://schemas.openxmlformats.org/drawingml/2006/main" xmlns:r="http://schemas.openxmlformats.org/officeDocument/2006/relationships" xmlns:p="http://schemas.openxmlformats.org/presentationml/2006/main">
+  <p:cSld>
+    <p:spTree>
+      <p:nvGrpSpPr>
+        <p:cNvPr id="1" name="">
+          <a:extLst>
+            <a:ext uri="{FF2B5EF4-FFF2-40B4-BE49-F238E27FC236}">
+              <a16:creationId xmlns:a16="http://schemas.microsoft.com/office/drawing/2014/main" id="{C5DC359E-B3D3-AB33-2675-109ECE7F3728}"/>
+            </a:ext>
+          </a:extLst>
+        </p:cNvPr>
+        <p:cNvGrpSpPr/>
+        <p:nvPr/>
+      </p:nvGrpSpPr>
+      <p:grpSpPr>
+        <a:xfrm>
+          <a:off x="0" y="0"/>
+          <a:ext cx="0" cy="0"/>
+          <a:chOff x="0" y="0"/>
+          <a:chExt cx="0" cy="0"/>
+        </a:xfrm>
+      </p:grpSpPr>
+      <p:sp>
+        <p:nvSpPr>
+          <p:cNvPr id="10" name="箭头: 右 9">
+            <a:extLst>
+              <a:ext uri="{FF2B5EF4-FFF2-40B4-BE49-F238E27FC236}">
+                <a16:creationId xmlns:a16="http://schemas.microsoft.com/office/drawing/2014/main" id="{A8CE7391-3271-E9B0-3385-47B0E515DB9F}"/>
+              </a:ext>
+            </a:extLst>
+          </p:cNvPr>
+          <p:cNvSpPr/>
+          <p:nvPr/>
+        </p:nvSpPr>
+        <p:spPr>
+          <a:xfrm>
+            <a:off x="5798091" y="3070909"/>
+            <a:ext cx="569167" cy="403568"/>
+          </a:xfrm>
+          <a:prstGeom prst="rightArrow">
+            <a:avLst/>
+          </a:prstGeom>
+          <a:solidFill>
+            <a:schemeClr val="bg1">
+              <a:lumMod val="85000"/>
+            </a:schemeClr>
+          </a:solidFill>
+          <a:ln>
+            <a:noFill/>
+          </a:ln>
+        </p:spPr>
+        <p:style>
+          <a:lnRef idx="2">
+            <a:schemeClr val="accent1">
+              <a:shade val="15000"/>
+            </a:schemeClr>
+          </a:lnRef>
+          <a:fillRef idx="1">
+            <a:schemeClr val="accent1"/>
+          </a:fillRef>
+          <a:effectRef idx="0">
+            <a:schemeClr val="accent1"/>
+          </a:effectRef>
+          <a:fontRef idx="minor">
+            <a:schemeClr val="lt1"/>
+          </a:fontRef>
+        </p:style>
+        <p:txBody>
+          <a:bodyPr rtlCol="0" anchor="ctr"/>
+          <a:lstStyle/>
+          <a:p>
+            <a:pPr algn="ctr"/>
+            <a:endParaRPr lang="en-GB"/>
+          </a:p>
+        </p:txBody>
+      </p:sp>
+      <p:pic>
+        <p:nvPicPr>
+          <p:cNvPr id="8" name="图片 7">
+            <a:extLst>
+              <a:ext uri="{FF2B5EF4-FFF2-40B4-BE49-F238E27FC236}">
+                <a16:creationId xmlns:a16="http://schemas.microsoft.com/office/drawing/2014/main" id="{B6A12678-3BCA-B9E4-F517-CBFDBDD3BC68}"/>
+              </a:ext>
+            </a:extLst>
+          </p:cNvPr>
+          <p:cNvPicPr>
+            <a:picLocks noChangeAspect="1"/>
+          </p:cNvPicPr>
+          <p:nvPr/>
+        </p:nvPicPr>
+        <p:blipFill>
+          <a:blip r:embed="rId2"/>
+          <a:stretch>
+            <a:fillRect/>
+          </a:stretch>
+        </p:blipFill>
+        <p:spPr>
+          <a:xfrm>
+            <a:off x="519830" y="1832693"/>
+            <a:ext cx="4911226" cy="2880000"/>
+          </a:xfrm>
+          <a:prstGeom prst="rect">
+            <a:avLst/>
+          </a:prstGeom>
+        </p:spPr>
+      </p:pic>
+      <p:pic>
+        <p:nvPicPr>
+          <p:cNvPr id="13" name="图片 12">
+            <a:extLst>
+              <a:ext uri="{FF2B5EF4-FFF2-40B4-BE49-F238E27FC236}">
+                <a16:creationId xmlns:a16="http://schemas.microsoft.com/office/drawing/2014/main" id="{3B3E6B69-1621-29D1-E630-2BF989C1433F}"/>
+              </a:ext>
+            </a:extLst>
+          </p:cNvPr>
+          <p:cNvPicPr>
+            <a:picLocks noChangeAspect="1"/>
+          </p:cNvPicPr>
+          <p:nvPr/>
+        </p:nvPicPr>
+        <p:blipFill>
+          <a:blip r:embed="rId3"/>
+          <a:stretch>
+            <a:fillRect/>
+          </a:stretch>
+        </p:blipFill>
+        <p:spPr>
+          <a:xfrm>
+            <a:off x="6748243" y="1832693"/>
+            <a:ext cx="4911226" cy="2880000"/>
+          </a:xfrm>
+          <a:prstGeom prst="rect">
+            <a:avLst/>
+          </a:prstGeom>
+        </p:spPr>
+      </p:pic>
+    </p:spTree>
+    <p:extLst>
+      <p:ext uri="{BB962C8B-B14F-4D97-AF65-F5344CB8AC3E}">
+        <p14:creationId xmlns:p14="http://schemas.microsoft.com/office/powerpoint/2010/main" val="914515912"/>
+      </p:ext>
+    </p:extLst>
+  </p:cSld>
+  <p:clrMapOvr>
+    <a:masterClrMapping/>
+  </p:clrMapOvr>
+</p:sld>
+</file>
+
+<file path=ppt/slides/slide4.xml><?xml version="1.0" encoding="utf-8"?>
+<p:sld xmlns:a="http://schemas.openxmlformats.org/drawingml/2006/main" xmlns:r="http://schemas.openxmlformats.org/officeDocument/2006/relationships" xmlns:p="http://schemas.openxmlformats.org/presentationml/2006/main">
+  <p:cSld>
+    <p:spTree>
+      <p:nvGrpSpPr>
+        <p:cNvPr id="1" name=""/>
+        <p:cNvGrpSpPr/>
+        <p:nvPr/>
+      </p:nvGrpSpPr>
+      <p:grpSpPr>
+        <a:xfrm>
+          <a:off x="0" y="0"/>
+          <a:ext cx="0" cy="0"/>
+          <a:chOff x="0" y="0"/>
+          <a:chExt cx="0" cy="0"/>
+        </a:xfrm>
+      </p:grpSpPr>
+      <p:pic>
+        <p:nvPicPr>
+          <p:cNvPr id="3" name="图片 2">
+            <a:extLst>
+              <a:ext uri="{FF2B5EF4-FFF2-40B4-BE49-F238E27FC236}">
+                <a16:creationId xmlns:a16="http://schemas.microsoft.com/office/drawing/2014/main" id="{71709F05-4CA3-8FD7-1D6A-D99A0BE92EFE}"/>
+              </a:ext>
+            </a:extLst>
+          </p:cNvPr>
+          <p:cNvPicPr>
+            <a:picLocks noChangeAspect="1"/>
+          </p:cNvPicPr>
+          <p:nvPr/>
+        </p:nvPicPr>
+        <p:blipFill>
+          <a:blip r:embed="rId2"/>
+          <a:srcRect l="3059" t="24386" r="3059" b="28772"/>
+          <a:stretch/>
+        </p:blipFill>
+        <p:spPr>
+          <a:xfrm>
+            <a:off x="372979" y="1672389"/>
+            <a:ext cx="11446042" cy="3212432"/>
+          </a:xfrm>
+          <a:prstGeom prst="rect">
+            <a:avLst/>
+          </a:prstGeom>
+        </p:spPr>
+      </p:pic>
+    </p:spTree>
+    <p:extLst>
+      <p:ext uri="{BB962C8B-B14F-4D97-AF65-F5344CB8AC3E}">
+        <p14:creationId xmlns:p14="http://schemas.microsoft.com/office/powerpoint/2010/main" val="3362327325"/>
+      </p:ext>
+    </p:extLst>
+  </p:cSld>
+  <p:clrMapOvr>
+    <a:masterClrMapping/>
+  </p:clrMapOvr>
+</p:sld>
+</file>
+
+<file path=ppt/slides/slide5.xml><?xml version="1.0" encoding="utf-8"?>
+<p:sld xmlns:a="http://schemas.openxmlformats.org/drawingml/2006/main" xmlns:r="http://schemas.openxmlformats.org/officeDocument/2006/relationships" xmlns:p="http://schemas.openxmlformats.org/presentationml/2006/main">
+  <p:cSld>
+    <p:spTree>
+      <p:nvGrpSpPr>
+        <p:cNvPr id="1" name=""/>
+        <p:cNvGrpSpPr/>
+        <p:nvPr/>
+      </p:nvGrpSpPr>
+      <p:grpSpPr>
+        <a:xfrm>
+          <a:off x="0" y="0"/>
+          <a:ext cx="0" cy="0"/>
+          <a:chOff x="0" y="0"/>
+          <a:chExt cx="0" cy="0"/>
+        </a:xfrm>
+      </p:grpSpPr>
+      <p:sp>
+        <p:nvSpPr>
+          <p:cNvPr id="16" name="等腰三角形 15">
+            <a:extLst>
+              <a:ext uri="{FF2B5EF4-FFF2-40B4-BE49-F238E27FC236}">
+                <a16:creationId xmlns:a16="http://schemas.microsoft.com/office/drawing/2014/main" id="{09CEC0AB-99C5-AA55-F286-6BF89E78B7F0}"/>
+              </a:ext>
+            </a:extLst>
+          </p:cNvPr>
+          <p:cNvSpPr/>
+          <p:nvPr/>
+        </p:nvSpPr>
+        <p:spPr>
+          <a:xfrm>
+            <a:off x="7769691" y="1948379"/>
+            <a:ext cx="3049993" cy="2766155"/>
+          </a:xfrm>
+          <a:prstGeom prst="triangle">
+            <a:avLst>
+              <a:gd name="adj" fmla="val 100000"/>
+            </a:avLst>
+          </a:prstGeom>
+          <a:solidFill>
+            <a:schemeClr val="accent2">
+              <a:lumMod val="20000"/>
+              <a:lumOff val="80000"/>
+            </a:schemeClr>
+          </a:solidFill>
+          <a:ln>
+            <a:noFill/>
+          </a:ln>
+        </p:spPr>
+        <p:style>
+          <a:lnRef idx="2">
+            <a:schemeClr val="accent1">
+              <a:shade val="15000"/>
+            </a:schemeClr>
+          </a:lnRef>
+          <a:fillRef idx="1">
+            <a:schemeClr val="accent1"/>
+          </a:fillRef>
+          <a:effectRef idx="0">
+            <a:schemeClr val="accent1"/>
+          </a:effectRef>
+          <a:fontRef idx="minor">
+            <a:schemeClr val="lt1"/>
+          </a:fontRef>
+        </p:style>
+        <p:txBody>
+          <a:bodyPr rtlCol="0" anchor="ctr"/>
+          <a:lstStyle/>
+          <a:p>
+            <a:pPr algn="ctr"/>
+            <a:endParaRPr lang="en-GB"/>
+          </a:p>
+        </p:txBody>
+      </p:sp>
+      <p:sp>
+        <p:nvSpPr>
+          <p:cNvPr id="4" name="任意多边形: 形状 3">
+            <a:extLst>
+              <a:ext uri="{FF2B5EF4-FFF2-40B4-BE49-F238E27FC236}">
+                <a16:creationId xmlns:a16="http://schemas.microsoft.com/office/drawing/2014/main" id="{D468F23C-8621-C4C2-3B29-1217926BD624}"/>
+              </a:ext>
+            </a:extLst>
+          </p:cNvPr>
+          <p:cNvSpPr/>
+          <p:nvPr/>
+        </p:nvSpPr>
+        <p:spPr>
+          <a:xfrm>
+            <a:off x="7753739" y="1948380"/>
+            <a:ext cx="3081900" cy="2780522"/>
+          </a:xfrm>
+          <a:custGeom>
+            <a:avLst/>
+            <a:gdLst>
+              <a:gd name="connsiteX0" fmla="*/ 0 w 2593910"/>
+              <a:gd name="connsiteY0" fmla="*/ 2780522 h 2780522"/>
+              <a:gd name="connsiteX1" fmla="*/ 970383 w 2593910"/>
+              <a:gd name="connsiteY1" fmla="*/ 522514 h 2780522"/>
+              <a:gd name="connsiteX2" fmla="*/ 2593910 w 2593910"/>
+              <a:gd name="connsiteY2" fmla="*/ 0 h 2780522"/>
+            </a:gdLst>
+            <a:ahLst/>
+            <a:cxnLst>
+              <a:cxn ang="0">
+                <a:pos x="connsiteX0" y="connsiteY0"/>
+              </a:cxn>
+              <a:cxn ang="0">
+                <a:pos x="connsiteX1" y="connsiteY1"/>
+              </a:cxn>
+              <a:cxn ang="0">
+                <a:pos x="connsiteX2" y="connsiteY2"/>
+              </a:cxn>
+            </a:cxnLst>
+            <a:rect l="l" t="t" r="r" b="b"/>
+            <a:pathLst>
+              <a:path w="2593910" h="2780522">
+                <a:moveTo>
+                  <a:pt x="0" y="2780522"/>
+                </a:moveTo>
+                <a:cubicBezTo>
+                  <a:pt x="269032" y="1883228"/>
+                  <a:pt x="538065" y="985934"/>
+                  <a:pt x="970383" y="522514"/>
+                </a:cubicBezTo>
+                <a:cubicBezTo>
+                  <a:pt x="1402701" y="59094"/>
+                  <a:pt x="1998305" y="29547"/>
+                  <a:pt x="2593910" y="0"/>
+                </a:cubicBezTo>
+              </a:path>
+            </a:pathLst>
+          </a:custGeom>
+          <a:solidFill>
+            <a:schemeClr val="accent2">
+              <a:lumMod val="20000"/>
+              <a:lumOff val="80000"/>
+            </a:schemeClr>
+          </a:solidFill>
+          <a:ln w="38100"/>
+        </p:spPr>
+        <p:style>
+          <a:lnRef idx="2">
+            <a:schemeClr val="accent1">
+              <a:shade val="15000"/>
+            </a:schemeClr>
+          </a:lnRef>
+          <a:fillRef idx="1">
+            <a:schemeClr val="accent1"/>
+          </a:fillRef>
+          <a:effectRef idx="0">
+            <a:schemeClr val="accent1"/>
+          </a:effectRef>
+          <a:fontRef idx="minor">
+            <a:schemeClr val="lt1"/>
+          </a:fontRef>
+        </p:style>
+        <p:txBody>
+          <a:bodyPr rtlCol="0" anchor="ctr"/>
+          <a:lstStyle/>
+          <a:p>
+            <a:pPr algn="ctr"/>
+            <a:endParaRPr lang="en-GB"/>
+          </a:p>
+        </p:txBody>
+      </p:sp>
+      <p:cxnSp>
+        <p:nvCxnSpPr>
+          <p:cNvPr id="10" name="直接连接符 9">
+            <a:extLst>
+              <a:ext uri="{FF2B5EF4-FFF2-40B4-BE49-F238E27FC236}">
+                <a16:creationId xmlns:a16="http://schemas.microsoft.com/office/drawing/2014/main" id="{246854A1-0DB2-76F0-6EBB-B92E8AF440AC}"/>
+              </a:ext>
+            </a:extLst>
+          </p:cNvPr>
+          <p:cNvCxnSpPr>
+            <a:cxnSpLocks/>
+          </p:cNvCxnSpPr>
+          <p:nvPr/>
+        </p:nvCxnSpPr>
+        <p:spPr>
+          <a:xfrm>
+            <a:off x="5340350" y="2793422"/>
+            <a:ext cx="3285490" cy="0"/>
+          </a:xfrm>
+          <a:prstGeom prst="line">
+            <a:avLst/>
+          </a:prstGeom>
+          <a:noFill/>
+          <a:ln w="12700">
+            <a:prstDash val="sysDash"/>
+            <a:headEnd type="none" w="med" len="med"/>
+            <a:tailEnd type="arrow" w="med" len="med"/>
+          </a:ln>
+        </p:spPr>
+        <p:style>
+          <a:lnRef idx="2">
+            <a:schemeClr val="accent1">
+              <a:shade val="15000"/>
+            </a:schemeClr>
+          </a:lnRef>
+          <a:fillRef idx="1">
+            <a:schemeClr val="accent1"/>
+          </a:fillRef>
+          <a:effectRef idx="0">
+            <a:schemeClr val="accent1"/>
+          </a:effectRef>
+          <a:fontRef idx="minor">
+            <a:schemeClr val="lt1"/>
+          </a:fontRef>
+        </p:style>
+      </p:cxnSp>
+      <p:sp>
+        <p:nvSpPr>
+          <p:cNvPr id="12" name="文本框 11">
+            <a:extLst>
+              <a:ext uri="{FF2B5EF4-FFF2-40B4-BE49-F238E27FC236}">
+                <a16:creationId xmlns:a16="http://schemas.microsoft.com/office/drawing/2014/main" id="{F84B6973-6AEE-59A1-8B5D-182E2C59A5EF}"/>
+              </a:ext>
+            </a:extLst>
+          </p:cNvPr>
+          <p:cNvSpPr txBox="1"/>
+          <p:nvPr/>
+        </p:nvSpPr>
+        <p:spPr>
+          <a:xfrm>
+            <a:off x="4770076" y="4421122"/>
+            <a:ext cx="409086" cy="307777"/>
+          </a:xfrm>
+          <a:prstGeom prst="rect">
+            <a:avLst/>
+          </a:prstGeom>
+          <a:noFill/>
+        </p:spPr>
+        <p:txBody>
+          <a:bodyPr wrap="none" rtlCol="0">
+            <a:spAutoFit/>
+          </a:bodyPr>
+          <a:lstStyle/>
+          <a:p>
+            <a:pPr algn="ctr"/>
+            <a:r>
+              <a:rPr lang="en-GB" sz="1400" dirty="0">
+                <a:latin typeface="Source Sans 3" panose="020B0503030403020204" pitchFamily="34" charset="0"/>
+                <a:ea typeface="Source Han Serif" panose="02020700000000000000" pitchFamily="18" charset="-122"/>
+              </a:rPr>
+              <a:t>1.0</a:t>
+            </a:r>
+          </a:p>
+        </p:txBody>
+      </p:sp>
+      <p:sp>
+        <p:nvSpPr>
+          <p:cNvPr id="17" name="文本框 16">
+            <a:extLst>
+              <a:ext uri="{FF2B5EF4-FFF2-40B4-BE49-F238E27FC236}">
+                <a16:creationId xmlns:a16="http://schemas.microsoft.com/office/drawing/2014/main" id="{D87B3DE4-9AA1-53B1-21C2-806F43550CD4}"/>
+              </a:ext>
+            </a:extLst>
+          </p:cNvPr>
+          <p:cNvSpPr txBox="1"/>
+          <p:nvPr/>
+        </p:nvSpPr>
+        <p:spPr>
+          <a:xfrm>
+            <a:off x="9324342" y="3453385"/>
+            <a:ext cx="484428" cy="307777"/>
+          </a:xfrm>
+          <a:prstGeom prst="rect">
+            <a:avLst/>
+          </a:prstGeom>
+          <a:noFill/>
+        </p:spPr>
+        <p:txBody>
+          <a:bodyPr wrap="none" rtlCol="0">
+            <a:spAutoFit/>
+          </a:bodyPr>
+          <a:lstStyle/>
+          <a:p>
+            <a:pPr algn="ctr"/>
+            <a:r>
+              <a:rPr lang="en-GB" sz="1400" dirty="0">
+                <a:latin typeface="Source Sans 3" panose="020B0503030403020204" pitchFamily="34" charset="0"/>
+                <a:ea typeface="Source Han Serif" panose="02020700000000000000" pitchFamily="18" charset="-122"/>
+              </a:rPr>
+              <a:t>Cliff</a:t>
+            </a:r>
+          </a:p>
+        </p:txBody>
+      </p:sp>
+      <p:cxnSp>
+        <p:nvCxnSpPr>
+          <p:cNvPr id="19" name="直接连接符 18">
+            <a:extLst>
+              <a:ext uri="{FF2B5EF4-FFF2-40B4-BE49-F238E27FC236}">
+                <a16:creationId xmlns:a16="http://schemas.microsoft.com/office/drawing/2014/main" id="{EF4C452F-4C48-AA28-DF17-EA1C5C685F48}"/>
+              </a:ext>
+            </a:extLst>
+          </p:cNvPr>
+          <p:cNvCxnSpPr>
+            <a:cxnSpLocks/>
+          </p:cNvCxnSpPr>
+          <p:nvPr/>
+        </p:nvCxnSpPr>
+        <p:spPr>
+          <a:xfrm>
+            <a:off x="8625840" y="1353553"/>
+            <a:ext cx="0" cy="3360981"/>
+          </a:xfrm>
+          <a:prstGeom prst="line">
+            <a:avLst/>
+          </a:prstGeom>
+          <a:ln>
+            <a:solidFill>
+              <a:srgbClr val="C00000"/>
+            </a:solidFill>
+          </a:ln>
+        </p:spPr>
+        <p:style>
+          <a:lnRef idx="2">
+            <a:schemeClr val="accent1"/>
+          </a:lnRef>
+          <a:fillRef idx="0">
+            <a:schemeClr val="accent1"/>
+          </a:fillRef>
+          <a:effectRef idx="1">
+            <a:schemeClr val="accent1"/>
+          </a:effectRef>
+          <a:fontRef idx="minor">
+            <a:schemeClr val="tx1"/>
+          </a:fontRef>
+        </p:style>
+      </p:cxnSp>
+      <p:cxnSp>
+        <p:nvCxnSpPr>
+          <p:cNvPr id="21" name="直接连接符 20">
+            <a:extLst>
+              <a:ext uri="{FF2B5EF4-FFF2-40B4-BE49-F238E27FC236}">
+                <a16:creationId xmlns:a16="http://schemas.microsoft.com/office/drawing/2014/main" id="{62EAD0E1-EBB1-E373-ED90-2E501ADB2B69}"/>
+              </a:ext>
+            </a:extLst>
+          </p:cNvPr>
+          <p:cNvCxnSpPr>
+            <a:cxnSpLocks/>
+          </p:cNvCxnSpPr>
+          <p:nvPr/>
+        </p:nvCxnSpPr>
+        <p:spPr>
+          <a:xfrm>
+            <a:off x="5340350" y="4073582"/>
+            <a:ext cx="2660650" cy="0"/>
+          </a:xfrm>
+          <a:prstGeom prst="line">
+            <a:avLst/>
+          </a:prstGeom>
+          <a:noFill/>
+          <a:ln w="12700">
+            <a:prstDash val="sysDash"/>
+            <a:headEnd type="none" w="med" len="med"/>
+            <a:tailEnd type="arrow" w="med" len="med"/>
+          </a:ln>
+        </p:spPr>
+        <p:style>
+          <a:lnRef idx="2">
+            <a:schemeClr val="accent1">
+              <a:shade val="15000"/>
+            </a:schemeClr>
+          </a:lnRef>
+          <a:fillRef idx="1">
+            <a:schemeClr val="accent1"/>
+          </a:fillRef>
+          <a:effectRef idx="0">
+            <a:schemeClr val="accent1"/>
+          </a:effectRef>
+          <a:fontRef idx="minor">
+            <a:schemeClr val="lt1"/>
+          </a:fontRef>
+        </p:style>
+      </p:cxnSp>
+      <p:cxnSp>
+        <p:nvCxnSpPr>
+          <p:cNvPr id="24" name="直接连接符 23">
+            <a:extLst>
+              <a:ext uri="{FF2B5EF4-FFF2-40B4-BE49-F238E27FC236}">
+                <a16:creationId xmlns:a16="http://schemas.microsoft.com/office/drawing/2014/main" id="{F6EAD505-BD22-EA68-6DD9-738868FA351D}"/>
+              </a:ext>
+            </a:extLst>
+          </p:cNvPr>
+          <p:cNvCxnSpPr>
+            <a:cxnSpLocks/>
+          </p:cNvCxnSpPr>
+          <p:nvPr/>
+        </p:nvCxnSpPr>
+        <p:spPr>
+          <a:xfrm>
+            <a:off x="8001000" y="3453385"/>
+            <a:ext cx="0" cy="1275514"/>
+          </a:xfrm>
+          <a:prstGeom prst="line">
+            <a:avLst/>
+          </a:prstGeom>
+          <a:ln>
+            <a:solidFill>
+              <a:srgbClr val="C00000"/>
+            </a:solidFill>
+          </a:ln>
+        </p:spPr>
+        <p:style>
+          <a:lnRef idx="2">
+            <a:schemeClr val="accent1"/>
+          </a:lnRef>
+          <a:fillRef idx="0">
+            <a:schemeClr val="accent1"/>
+          </a:fillRef>
+          <a:effectRef idx="1">
+            <a:schemeClr val="accent1"/>
+          </a:effectRef>
+          <a:fontRef idx="minor">
+            <a:schemeClr val="tx1"/>
+          </a:fontRef>
+        </p:style>
+      </p:cxnSp>
+      <p:cxnSp>
+        <p:nvCxnSpPr>
+          <p:cNvPr id="3" name="直接连接符 2">
+            <a:extLst>
+              <a:ext uri="{FF2B5EF4-FFF2-40B4-BE49-F238E27FC236}">
+                <a16:creationId xmlns:a16="http://schemas.microsoft.com/office/drawing/2014/main" id="{5124D07D-788F-38ED-270A-89D1C7FDDD50}"/>
+              </a:ext>
+            </a:extLst>
+          </p:cNvPr>
+          <p:cNvCxnSpPr>
+            <a:cxnSpLocks/>
+            <a:stCxn id="39" idx="3"/>
+          </p:cNvCxnSpPr>
+          <p:nvPr/>
+        </p:nvCxnSpPr>
+        <p:spPr>
+          <a:xfrm>
+            <a:off x="2595009" y="4728898"/>
+            <a:ext cx="8240631" cy="4"/>
+          </a:xfrm>
+          <a:prstGeom prst="line">
+            <a:avLst/>
+          </a:prstGeom>
+          <a:noFill/>
+          <a:ln w="38100"/>
+        </p:spPr>
+        <p:style>
+          <a:lnRef idx="2">
+            <a:schemeClr val="accent1">
+              <a:shade val="15000"/>
+            </a:schemeClr>
+          </a:lnRef>
+          <a:fillRef idx="1">
+            <a:schemeClr val="accent1"/>
+          </a:fillRef>
+          <a:effectRef idx="0">
+            <a:schemeClr val="accent1"/>
+          </a:effectRef>
+          <a:fontRef idx="minor">
+            <a:schemeClr val="lt1"/>
+          </a:fontRef>
+        </p:style>
+      </p:cxnSp>
+      <p:sp>
+        <p:nvSpPr>
+          <p:cNvPr id="28" name="文本框 27">
+            <a:extLst>
+              <a:ext uri="{FF2B5EF4-FFF2-40B4-BE49-F238E27FC236}">
+                <a16:creationId xmlns:a16="http://schemas.microsoft.com/office/drawing/2014/main" id="{479D3533-5F9C-DAA1-3D49-23678E046541}"/>
+              </a:ext>
+            </a:extLst>
+          </p:cNvPr>
+          <p:cNvSpPr txBox="1"/>
+          <p:nvPr/>
+        </p:nvSpPr>
+        <p:spPr>
+          <a:xfrm>
+            <a:off x="4770076" y="3919693"/>
+            <a:ext cx="409086" cy="307777"/>
+          </a:xfrm>
+          <a:prstGeom prst="rect">
+            <a:avLst/>
+          </a:prstGeom>
+          <a:noFill/>
+        </p:spPr>
+        <p:txBody>
+          <a:bodyPr wrap="none" rtlCol="0">
+            <a:spAutoFit/>
+          </a:bodyPr>
+          <a:lstStyle/>
+          <a:p>
+            <a:pPr algn="ctr"/>
+            <a:r>
+              <a:rPr lang="en-GB" sz="1400" dirty="0">
+                <a:latin typeface="Source Sans 3" panose="020B0503030403020204" pitchFamily="34" charset="0"/>
+                <a:ea typeface="Source Han Serif" panose="02020700000000000000" pitchFamily="18" charset="-122"/>
+              </a:rPr>
+              <a:t>1.2</a:t>
+            </a:r>
+          </a:p>
+        </p:txBody>
+      </p:sp>
+      <p:sp>
+        <p:nvSpPr>
+          <p:cNvPr id="29" name="文本框 28">
+            <a:extLst>
+              <a:ext uri="{FF2B5EF4-FFF2-40B4-BE49-F238E27FC236}">
+                <a16:creationId xmlns:a16="http://schemas.microsoft.com/office/drawing/2014/main" id="{9E42C332-6A13-E5F1-E9E6-EA34ED580459}"/>
+              </a:ext>
+            </a:extLst>
+          </p:cNvPr>
+          <p:cNvSpPr txBox="1"/>
+          <p:nvPr/>
+        </p:nvSpPr>
+        <p:spPr>
+          <a:xfrm>
+            <a:off x="4770076" y="2639533"/>
+            <a:ext cx="409086" cy="307777"/>
+          </a:xfrm>
+          <a:prstGeom prst="rect">
+            <a:avLst/>
+          </a:prstGeom>
+          <a:noFill/>
+        </p:spPr>
+        <p:txBody>
+          <a:bodyPr wrap="none" rtlCol="0">
+            <a:spAutoFit/>
+          </a:bodyPr>
+          <a:lstStyle/>
+          <a:p>
+            <a:pPr algn="ctr"/>
+            <a:r>
+              <a:rPr lang="en-GB" sz="1400" dirty="0">
+                <a:latin typeface="Source Sans 3" panose="020B0503030403020204" pitchFamily="34" charset="0"/>
+                <a:ea typeface="Source Han Serif" panose="02020700000000000000" pitchFamily="18" charset="-122"/>
+              </a:rPr>
+              <a:t>3.0</a:t>
+            </a:r>
+          </a:p>
+        </p:txBody>
+      </p:sp>
+      <p:sp>
+        <p:nvSpPr>
+          <p:cNvPr id="30" name="文本框 29">
+            <a:extLst>
+              <a:ext uri="{FF2B5EF4-FFF2-40B4-BE49-F238E27FC236}">
+                <a16:creationId xmlns:a16="http://schemas.microsoft.com/office/drawing/2014/main" id="{11FE97BE-F55B-909F-6E81-311FE3E5BA30}"/>
+              </a:ext>
+            </a:extLst>
+          </p:cNvPr>
+          <p:cNvSpPr txBox="1"/>
+          <p:nvPr/>
+        </p:nvSpPr>
+        <p:spPr>
+          <a:xfrm>
+            <a:off x="7216031" y="4881121"/>
+            <a:ext cx="1678666" cy="307777"/>
+          </a:xfrm>
+          <a:prstGeom prst="rect">
+            <a:avLst/>
+          </a:prstGeom>
+          <a:noFill/>
+        </p:spPr>
+        <p:txBody>
+          <a:bodyPr wrap="none" rtlCol="0">
+            <a:spAutoFit/>
+          </a:bodyPr>
+          <a:lstStyle/>
+          <a:p>
+            <a:pPr algn="ctr"/>
+            <a:r>
+              <a:rPr lang="en-GB" sz="1400" dirty="0">
+                <a:latin typeface="Source Sans 3" panose="020B0503030403020204" pitchFamily="34" charset="0"/>
+                <a:ea typeface="Source Han Serif" panose="02020700000000000000" pitchFamily="18" charset="-122"/>
+              </a:rPr>
+              <a:t>As Close As </a:t>
+            </a:r>
+            <a:r>
+              <a:rPr lang="en-GB" sz="1400" b="1" dirty="0">
+                <a:solidFill>
+                  <a:srgbClr val="C00000"/>
+                </a:solidFill>
+                <a:latin typeface="Source Sans 3" panose="020B0503030403020204" pitchFamily="34" charset="0"/>
+                <a:ea typeface="Source Han Serif" panose="02020700000000000000" pitchFamily="18" charset="-122"/>
+              </a:rPr>
+              <a:t>Possible</a:t>
+            </a:r>
+          </a:p>
+        </p:txBody>
+      </p:sp>
+      <p:cxnSp>
+        <p:nvCxnSpPr>
+          <p:cNvPr id="31" name="直接连接符 30">
+            <a:extLst>
+              <a:ext uri="{FF2B5EF4-FFF2-40B4-BE49-F238E27FC236}">
+                <a16:creationId xmlns:a16="http://schemas.microsoft.com/office/drawing/2014/main" id="{64BF97BD-7058-2A4C-5A05-3AFAF204CF69}"/>
+              </a:ext>
+            </a:extLst>
+          </p:cNvPr>
+          <p:cNvCxnSpPr>
+            <a:cxnSpLocks/>
+          </p:cNvCxnSpPr>
+          <p:nvPr/>
+        </p:nvCxnSpPr>
+        <p:spPr>
+          <a:xfrm>
+            <a:off x="7731514" y="4227470"/>
+            <a:ext cx="0" cy="501429"/>
+          </a:xfrm>
+          <a:prstGeom prst="line">
+            <a:avLst/>
+          </a:prstGeom>
+          <a:ln>
+            <a:solidFill>
+              <a:schemeClr val="tx1"/>
+            </a:solidFill>
+          </a:ln>
+        </p:spPr>
+        <p:style>
+          <a:lnRef idx="2">
+            <a:schemeClr val="accent1"/>
+          </a:lnRef>
+          <a:fillRef idx="0">
+            <a:schemeClr val="accent1"/>
+          </a:fillRef>
+          <a:effectRef idx="1">
+            <a:schemeClr val="accent1"/>
+          </a:effectRef>
+          <a:fontRef idx="minor">
+            <a:schemeClr val="tx1"/>
+          </a:fontRef>
+        </p:style>
+      </p:cxnSp>
+      <p:sp>
+        <p:nvSpPr>
+          <p:cNvPr id="38" name="文本框 37">
+            <a:extLst>
+              <a:ext uri="{FF2B5EF4-FFF2-40B4-BE49-F238E27FC236}">
+                <a16:creationId xmlns:a16="http://schemas.microsoft.com/office/drawing/2014/main" id="{FD07AE86-309A-EF6C-C528-48B72F8821D8}"/>
+              </a:ext>
+            </a:extLst>
+          </p:cNvPr>
+          <p:cNvSpPr txBox="1"/>
+          <p:nvPr/>
+        </p:nvSpPr>
+        <p:spPr>
+          <a:xfrm>
+            <a:off x="2494274" y="4180709"/>
+            <a:ext cx="1500732" cy="307777"/>
+          </a:xfrm>
+          <a:prstGeom prst="rect">
+            <a:avLst/>
+          </a:prstGeom>
+          <a:noFill/>
+        </p:spPr>
+        <p:txBody>
+          <a:bodyPr wrap="none" rtlCol="0">
+            <a:spAutoFit/>
+          </a:bodyPr>
+          <a:lstStyle/>
+          <a:p>
+            <a:pPr algn="ctr"/>
+            <a:r>
+              <a:rPr lang="en-GB" sz="1400" dirty="0">
+                <a:solidFill>
+                  <a:srgbClr val="C00000"/>
+                </a:solidFill>
+                <a:latin typeface="Source Sans 3" panose="020B0503030403020204" pitchFamily="34" charset="0"/>
+                <a:ea typeface="Source Han Serif" panose="02020700000000000000" pitchFamily="18" charset="-122"/>
+              </a:rPr>
+              <a:t>actual noise (abs)</a:t>
+            </a:r>
+          </a:p>
+        </p:txBody>
+      </p:sp>
+      <p:sp>
+        <p:nvSpPr>
+          <p:cNvPr id="39" name="文本框 38">
+            <a:extLst>
+              <a:ext uri="{FF2B5EF4-FFF2-40B4-BE49-F238E27FC236}">
+                <a16:creationId xmlns:a16="http://schemas.microsoft.com/office/drawing/2014/main" id="{150B22D2-C2AD-3C6E-4841-F711CB352608}"/>
+              </a:ext>
+            </a:extLst>
+          </p:cNvPr>
+          <p:cNvSpPr txBox="1"/>
+          <p:nvPr/>
+        </p:nvSpPr>
+        <p:spPr>
+          <a:xfrm>
+            <a:off x="1171221" y="4575009"/>
+            <a:ext cx="1423788" cy="307777"/>
+          </a:xfrm>
+          <a:prstGeom prst="rect">
+            <a:avLst/>
+          </a:prstGeom>
+          <a:noFill/>
+        </p:spPr>
+        <p:txBody>
+          <a:bodyPr wrap="none" rtlCol="0">
+            <a:spAutoFit/>
+          </a:bodyPr>
+          <a:lstStyle/>
+          <a:p>
+            <a:pPr algn="ctr"/>
+            <a:r>
+              <a:rPr lang="en-GB" sz="1400" dirty="0">
+                <a:latin typeface="Source Sans 3" panose="020B0503030403020204" pitchFamily="34" charset="0"/>
+                <a:ea typeface="Source Han Serif" panose="02020700000000000000" pitchFamily="18" charset="-122"/>
+              </a:rPr>
+              <a:t>mean amplitude</a:t>
+            </a:r>
+          </a:p>
+        </p:txBody>
+      </p:sp>
+      <p:grpSp>
+        <p:nvGrpSpPr>
+          <p:cNvPr id="50" name="组合 49">
+            <a:extLst>
+              <a:ext uri="{FF2B5EF4-FFF2-40B4-BE49-F238E27FC236}">
+                <a16:creationId xmlns:a16="http://schemas.microsoft.com/office/drawing/2014/main" id="{B9F4E3F4-41D5-4F07-F105-522FC2E45B8F}"/>
+              </a:ext>
+            </a:extLst>
+          </p:cNvPr>
+          <p:cNvGrpSpPr/>
+          <p:nvPr/>
+        </p:nvGrpSpPr>
+        <p:grpSpPr>
+          <a:xfrm>
+            <a:off x="2921894" y="4536909"/>
+            <a:ext cx="638182" cy="463091"/>
+            <a:chOff x="2921894" y="4536909"/>
+            <a:chExt cx="638182" cy="463091"/>
+          </a:xfrm>
+        </p:grpSpPr>
+        <p:grpSp>
+          <p:nvGrpSpPr>
+            <p:cNvPr id="48" name="组合 47">
+              <a:extLst>
+                <a:ext uri="{FF2B5EF4-FFF2-40B4-BE49-F238E27FC236}">
+                  <a16:creationId xmlns:a16="http://schemas.microsoft.com/office/drawing/2014/main" id="{937B3CD7-6835-2D50-F8BC-5C5EF05B1368}"/>
+                </a:ext>
+              </a:extLst>
+            </p:cNvPr>
+            <p:cNvGrpSpPr/>
+            <p:nvPr/>
+          </p:nvGrpSpPr>
+          <p:grpSpPr>
+            <a:xfrm>
+              <a:off x="2921894" y="4536909"/>
+              <a:ext cx="638182" cy="463091"/>
+              <a:chOff x="2940061" y="4358990"/>
+              <a:chExt cx="1091030" cy="725452"/>
+            </a:xfrm>
+          </p:grpSpPr>
+          <p:sp>
+            <p:nvSpPr>
+              <p:cNvPr id="36" name="任意多边形: 形状 35">
+                <a:extLst>
+                  <a:ext uri="{FF2B5EF4-FFF2-40B4-BE49-F238E27FC236}">
+                    <a16:creationId xmlns:a16="http://schemas.microsoft.com/office/drawing/2014/main" id="{1E9CA4CB-1182-B256-8081-B992387C3CAE}"/>
+                  </a:ext>
+                </a:extLst>
+              </p:cNvPr>
+              <p:cNvSpPr/>
+              <p:nvPr/>
+            </p:nvSpPr>
+            <p:spPr>
+              <a:xfrm>
+                <a:off x="2940061" y="4373355"/>
+                <a:ext cx="365114" cy="711087"/>
+              </a:xfrm>
+              <a:custGeom>
+                <a:avLst/>
+                <a:gdLst>
+                  <a:gd name="connsiteX0" fmla="*/ 0 w 938212"/>
+                  <a:gd name="connsiteY0" fmla="*/ 1059656 h 1059656"/>
+                  <a:gd name="connsiteX1" fmla="*/ 433387 w 938212"/>
+                  <a:gd name="connsiteY1" fmla="*/ 0 h 1059656"/>
+                  <a:gd name="connsiteX2" fmla="*/ 938212 w 938212"/>
+                  <a:gd name="connsiteY2" fmla="*/ 1059656 h 1059656"/>
+                </a:gdLst>
+                <a:ahLst/>
+                <a:cxnLst>
+                  <a:cxn ang="0">
+                    <a:pos x="connsiteX0" y="connsiteY0"/>
+                  </a:cxn>
+                  <a:cxn ang="0">
+                    <a:pos x="connsiteX1" y="connsiteY1"/>
+                  </a:cxn>
+                  <a:cxn ang="0">
+                    <a:pos x="connsiteX2" y="connsiteY2"/>
+                  </a:cxn>
+                </a:cxnLst>
+                <a:rect l="l" t="t" r="r" b="b"/>
+                <a:pathLst>
+                  <a:path w="938212" h="1059656">
+                    <a:moveTo>
+                      <a:pt x="0" y="1059656"/>
+                    </a:moveTo>
+                    <a:cubicBezTo>
+                      <a:pt x="138509" y="529828"/>
+                      <a:pt x="277018" y="0"/>
+                      <a:pt x="433387" y="0"/>
+                    </a:cubicBezTo>
+                    <a:cubicBezTo>
+                      <a:pt x="589756" y="0"/>
+                      <a:pt x="763984" y="529828"/>
+                      <a:pt x="938212" y="1059656"/>
+                    </a:cubicBezTo>
+                  </a:path>
+                </a:pathLst>
+              </a:custGeom>
+              <a:noFill/>
+              <a:ln w="12700">
+                <a:solidFill>
+                  <a:srgbClr val="C00000"/>
+                </a:solidFill>
+              </a:ln>
+            </p:spPr>
+            <p:style>
+              <a:lnRef idx="2">
+                <a:schemeClr val="accent1">
+                  <a:shade val="15000"/>
+                </a:schemeClr>
+              </a:lnRef>
+              <a:fillRef idx="1">
+                <a:schemeClr val="accent1"/>
+              </a:fillRef>
+              <a:effectRef idx="0">
+                <a:schemeClr val="accent1"/>
+              </a:effectRef>
+              <a:fontRef idx="minor">
+                <a:schemeClr val="lt1"/>
+              </a:fontRef>
+            </p:style>
+            <p:txBody>
+              <a:bodyPr rtlCol="0" anchor="ctr"/>
+              <a:lstStyle/>
+              <a:p>
+                <a:pPr algn="ctr"/>
+                <a:endParaRPr lang="en-GB"/>
+              </a:p>
+            </p:txBody>
+          </p:sp>
+          <p:sp>
+            <p:nvSpPr>
+              <p:cNvPr id="47" name="任意多边形: 形状 46">
+                <a:extLst>
+                  <a:ext uri="{FF2B5EF4-FFF2-40B4-BE49-F238E27FC236}">
+                    <a16:creationId xmlns:a16="http://schemas.microsoft.com/office/drawing/2014/main" id="{30961093-8F5B-E4E6-7576-23D8502E96A1}"/>
+                  </a:ext>
+                </a:extLst>
+              </p:cNvPr>
+              <p:cNvSpPr/>
+              <p:nvPr/>
+            </p:nvSpPr>
+            <p:spPr>
+              <a:xfrm>
+                <a:off x="3665977" y="4358990"/>
+                <a:ext cx="365114" cy="711087"/>
+              </a:xfrm>
+              <a:custGeom>
+                <a:avLst/>
+                <a:gdLst>
+                  <a:gd name="connsiteX0" fmla="*/ 0 w 938212"/>
+                  <a:gd name="connsiteY0" fmla="*/ 1059656 h 1059656"/>
+                  <a:gd name="connsiteX1" fmla="*/ 433387 w 938212"/>
+                  <a:gd name="connsiteY1" fmla="*/ 0 h 1059656"/>
+                  <a:gd name="connsiteX2" fmla="*/ 938212 w 938212"/>
+                  <a:gd name="connsiteY2" fmla="*/ 1059656 h 1059656"/>
+                </a:gdLst>
+                <a:ahLst/>
+                <a:cxnLst>
+                  <a:cxn ang="0">
+                    <a:pos x="connsiteX0" y="connsiteY0"/>
+                  </a:cxn>
+                  <a:cxn ang="0">
+                    <a:pos x="connsiteX1" y="connsiteY1"/>
+                  </a:cxn>
+                  <a:cxn ang="0">
+                    <a:pos x="connsiteX2" y="connsiteY2"/>
+                  </a:cxn>
+                </a:cxnLst>
+                <a:rect l="l" t="t" r="r" b="b"/>
+                <a:pathLst>
+                  <a:path w="938212" h="1059656">
+                    <a:moveTo>
+                      <a:pt x="0" y="1059656"/>
+                    </a:moveTo>
+                    <a:cubicBezTo>
+                      <a:pt x="138509" y="529828"/>
+                      <a:pt x="277018" y="0"/>
+                      <a:pt x="433387" y="0"/>
+                    </a:cubicBezTo>
+                    <a:cubicBezTo>
+                      <a:pt x="589756" y="0"/>
+                      <a:pt x="763984" y="529828"/>
+                      <a:pt x="938212" y="1059656"/>
+                    </a:cubicBezTo>
+                  </a:path>
+                </a:pathLst>
+              </a:custGeom>
+              <a:noFill/>
+              <a:ln w="12700">
+                <a:solidFill>
+                  <a:srgbClr val="C00000"/>
+                </a:solidFill>
+              </a:ln>
+            </p:spPr>
+            <p:style>
+              <a:lnRef idx="2">
+                <a:schemeClr val="accent1">
+                  <a:shade val="15000"/>
+                </a:schemeClr>
+              </a:lnRef>
+              <a:fillRef idx="1">
+                <a:schemeClr val="accent1"/>
+              </a:fillRef>
+              <a:effectRef idx="0">
+                <a:schemeClr val="accent1"/>
+              </a:effectRef>
+              <a:fontRef idx="minor">
+                <a:schemeClr val="lt1"/>
+              </a:fontRef>
+            </p:style>
+            <p:txBody>
+              <a:bodyPr rtlCol="0" anchor="ctr"/>
+              <a:lstStyle/>
+              <a:p>
+                <a:pPr algn="ctr"/>
+                <a:endParaRPr lang="en-GB"/>
+              </a:p>
+            </p:txBody>
+          </p:sp>
+        </p:grpSp>
+        <p:sp>
+          <p:nvSpPr>
+            <p:cNvPr id="49" name="任意多边形: 形状 48">
+              <a:extLst>
+                <a:ext uri="{FF2B5EF4-FFF2-40B4-BE49-F238E27FC236}">
+                  <a16:creationId xmlns:a16="http://schemas.microsoft.com/office/drawing/2014/main" id="{BF4D2A56-A87E-6964-CE35-ECBE3B131021}"/>
+                </a:ext>
+              </a:extLst>
+            </p:cNvPr>
+            <p:cNvSpPr/>
+            <p:nvPr/>
+          </p:nvSpPr>
+          <p:spPr>
+            <a:xfrm>
+              <a:off x="3137856" y="4543256"/>
+              <a:ext cx="213568" cy="453921"/>
+            </a:xfrm>
+            <a:custGeom>
+              <a:avLst/>
+              <a:gdLst>
+                <a:gd name="connsiteX0" fmla="*/ 0 w 938212"/>
+                <a:gd name="connsiteY0" fmla="*/ 1059656 h 1059656"/>
+                <a:gd name="connsiteX1" fmla="*/ 433387 w 938212"/>
+                <a:gd name="connsiteY1" fmla="*/ 0 h 1059656"/>
+                <a:gd name="connsiteX2" fmla="*/ 938212 w 938212"/>
+                <a:gd name="connsiteY2" fmla="*/ 1059656 h 1059656"/>
+              </a:gdLst>
+              <a:ahLst/>
+              <a:cxnLst>
+                <a:cxn ang="0">
+                  <a:pos x="connsiteX0" y="connsiteY0"/>
+                </a:cxn>
+                <a:cxn ang="0">
+                  <a:pos x="connsiteX1" y="connsiteY1"/>
+                </a:cxn>
+                <a:cxn ang="0">
+                  <a:pos x="connsiteX2" y="connsiteY2"/>
+                </a:cxn>
+              </a:cxnLst>
+              <a:rect l="l" t="t" r="r" b="b"/>
+              <a:pathLst>
+                <a:path w="938212" h="1059656">
+                  <a:moveTo>
+                    <a:pt x="0" y="1059656"/>
+                  </a:moveTo>
+                  <a:cubicBezTo>
+                    <a:pt x="138509" y="529828"/>
+                    <a:pt x="277018" y="0"/>
+                    <a:pt x="433387" y="0"/>
+                  </a:cubicBezTo>
+                  <a:cubicBezTo>
+                    <a:pt x="589756" y="0"/>
+                    <a:pt x="763984" y="529828"/>
+                    <a:pt x="938212" y="1059656"/>
+                  </a:cubicBezTo>
+                </a:path>
+              </a:pathLst>
+            </a:custGeom>
+            <a:noFill/>
+            <a:ln w="12700">
+              <a:solidFill>
+                <a:srgbClr val="C00000"/>
+              </a:solidFill>
+            </a:ln>
+          </p:spPr>
+          <p:style>
+            <a:lnRef idx="2">
+              <a:schemeClr val="accent1">
+                <a:shade val="15000"/>
+              </a:schemeClr>
+            </a:lnRef>
+            <a:fillRef idx="1">
+              <a:schemeClr val="accent1"/>
+            </a:fillRef>
+            <a:effectRef idx="0">
+              <a:schemeClr val="accent1"/>
+            </a:effectRef>
+            <a:fontRef idx="minor">
+              <a:schemeClr val="lt1"/>
+            </a:fontRef>
+          </p:style>
+          <p:txBody>
+            <a:bodyPr rtlCol="0" anchor="ctr"/>
+            <a:lstStyle/>
+            <a:p>
+              <a:pPr algn="ctr"/>
+              <a:endParaRPr lang="en-GB"/>
+            </a:p>
+          </p:txBody>
+        </p:sp>
+      </p:grpSp>
+    </p:spTree>
+    <p:extLst>
+      <p:ext uri="{BB962C8B-B14F-4D97-AF65-F5344CB8AC3E}">
+        <p14:creationId xmlns:p14="http://schemas.microsoft.com/office/powerpoint/2010/main" val="990753690"/>
+      </p:ext>
+    </p:extLst>
+  </p:cSld>
+  <p:clrMapOvr>
+    <a:masterClrMapping/>
+  </p:clrMapOvr>
+</p:sld>
+</file>
+
+<file path=ppt/slides/slide6.xml><?xml version="1.0" encoding="utf-8"?>
+<p:sld xmlns:a="http://schemas.openxmlformats.org/drawingml/2006/main" xmlns:r="http://schemas.openxmlformats.org/officeDocument/2006/relationships" xmlns:p="http://schemas.openxmlformats.org/presentationml/2006/main">
+  <p:cSld>
+    <p:spTree>
+      <p:nvGrpSpPr>
+        <p:cNvPr id="1" name="">
+          <a:extLst>
+            <a:ext uri="{FF2B5EF4-FFF2-40B4-BE49-F238E27FC236}">
+              <a16:creationId xmlns:a16="http://schemas.microsoft.com/office/drawing/2014/main" id="{20FA2E3C-1BE2-EA0C-FD5E-12E1A32834B1}"/>
+            </a:ext>
+          </a:extLst>
+        </p:cNvPr>
+        <p:cNvGrpSpPr/>
+        <p:nvPr/>
+      </p:nvGrpSpPr>
+      <p:grpSpPr>
+        <a:xfrm>
+          <a:off x="0" y="0"/>
+          <a:ext cx="0" cy="0"/>
+          <a:chOff x="0" y="0"/>
+          <a:chExt cx="0" cy="0"/>
+        </a:xfrm>
+      </p:grpSpPr>
+      <p:pic>
+        <p:nvPicPr>
+          <p:cNvPr id="3" name="图片 2">
+            <a:extLst>
+              <a:ext uri="{FF2B5EF4-FFF2-40B4-BE49-F238E27FC236}">
+                <a16:creationId xmlns:a16="http://schemas.microsoft.com/office/drawing/2014/main" id="{CB804FB3-80A0-69D3-C355-C59F6DA60DD7}"/>
+              </a:ext>
+            </a:extLst>
+          </p:cNvPr>
+          <p:cNvPicPr>
+            <a:picLocks noChangeAspect="1"/>
+          </p:cNvPicPr>
+          <p:nvPr/>
+        </p:nvPicPr>
+        <p:blipFill>
+          <a:blip r:embed="rId2"/>
+          <a:srcRect t="18058" b="24724"/>
+          <a:stretch/>
+        </p:blipFill>
+        <p:spPr>
+          <a:xfrm>
+            <a:off x="1269013" y="2014538"/>
+            <a:ext cx="8789651" cy="2828924"/>
+          </a:xfrm>
+          <a:prstGeom prst="rect">
+            <a:avLst/>
+          </a:prstGeom>
+        </p:spPr>
+      </p:pic>
+    </p:spTree>
+    <p:extLst>
+      <p:ext uri="{BB962C8B-B14F-4D97-AF65-F5344CB8AC3E}">
+        <p14:creationId xmlns:p14="http://schemas.microsoft.com/office/powerpoint/2010/main" val="1942704351"/>
+      </p:ext>
+    </p:extLst>
+  </p:cSld>
+  <p:clrMapOvr>
+    <a:masterClrMapping/>
+  </p:clrMapOvr>
+</p:sld>
+</file>
+
+<file path=ppt/slides/slide7.xml><?xml version="1.0" encoding="utf-8"?>
+<p:sld xmlns:a="http://schemas.openxmlformats.org/drawingml/2006/main" xmlns:r="http://schemas.openxmlformats.org/officeDocument/2006/relationships" xmlns:p="http://schemas.openxmlformats.org/presentationml/2006/main">
+  <p:cSld>
+    <p:spTree>
+      <p:nvGrpSpPr>
+        <p:cNvPr id="1" name="">
+          <a:extLst>
+            <a:ext uri="{FF2B5EF4-FFF2-40B4-BE49-F238E27FC236}">
+              <a16:creationId xmlns:a16="http://schemas.microsoft.com/office/drawing/2014/main" id="{8F96EE78-93EE-2DB9-3E8C-BD9728BDB86F}"/>
+            </a:ext>
+          </a:extLst>
+        </p:cNvPr>
+        <p:cNvGrpSpPr/>
+        <p:nvPr/>
+      </p:nvGrpSpPr>
+      <p:grpSpPr>
+        <a:xfrm>
+          <a:off x="0" y="0"/>
+          <a:ext cx="0" cy="0"/>
+          <a:chOff x="0" y="0"/>
+          <a:chExt cx="0" cy="0"/>
+        </a:xfrm>
+      </p:grpSpPr>
+      <p:grpSp>
+        <p:nvGrpSpPr>
+          <p:cNvPr id="2" name="组合 1">
+            <a:extLst>
+              <a:ext uri="{FF2B5EF4-FFF2-40B4-BE49-F238E27FC236}">
+                <a16:creationId xmlns:a16="http://schemas.microsoft.com/office/drawing/2014/main" id="{F566C387-8FF9-3CE7-FE2D-845D01E84D97}"/>
+              </a:ext>
+            </a:extLst>
+          </p:cNvPr>
+          <p:cNvGrpSpPr/>
+          <p:nvPr/>
+        </p:nvGrpSpPr>
+        <p:grpSpPr>
+          <a:xfrm>
+            <a:off x="-10892834" y="821426"/>
+            <a:ext cx="7149814" cy="5301655"/>
+            <a:chOff x="1566569" y="31633160"/>
+            <a:chExt cx="7149814" cy="5301655"/>
+          </a:xfrm>
+        </p:grpSpPr>
+        <p:cxnSp>
+          <p:nvCxnSpPr>
+            <p:cNvPr id="3" name="直接箭头连接符 2">
+              <a:extLst>
+                <a:ext uri="{FF2B5EF4-FFF2-40B4-BE49-F238E27FC236}">
+                  <a16:creationId xmlns:a16="http://schemas.microsoft.com/office/drawing/2014/main" id="{16BFCB6A-170A-4D8F-9E25-400221C90B4E}"/>
+                </a:ext>
+              </a:extLst>
+            </p:cNvPr>
+            <p:cNvCxnSpPr>
+              <a:cxnSpLocks/>
+            </p:cNvCxnSpPr>
+            <p:nvPr/>
+          </p:nvCxnSpPr>
+          <p:spPr>
+            <a:xfrm flipV="1">
+              <a:off x="1604250" y="31633160"/>
+              <a:ext cx="0" cy="5301655"/>
+            </a:xfrm>
+            <a:prstGeom prst="straightConnector1">
+              <a:avLst/>
+            </a:prstGeom>
+            <a:ln w="76200">
+              <a:solidFill>
+                <a:schemeClr val="tx1"/>
+              </a:solidFill>
+              <a:tailEnd type="triangle"/>
+            </a:ln>
+          </p:spPr>
+          <p:style>
+            <a:lnRef idx="1">
+              <a:schemeClr val="accent1"/>
+            </a:lnRef>
+            <a:fillRef idx="0">
+              <a:schemeClr val="accent1"/>
+            </a:fillRef>
+            <a:effectRef idx="0">
+              <a:schemeClr val="accent1"/>
+            </a:effectRef>
+            <a:fontRef idx="minor">
+              <a:schemeClr val="tx1"/>
+            </a:fontRef>
+          </p:style>
+        </p:cxnSp>
+        <p:cxnSp>
+          <p:nvCxnSpPr>
+            <p:cNvPr id="4" name="直接箭头连接符 3">
+              <a:extLst>
+                <a:ext uri="{FF2B5EF4-FFF2-40B4-BE49-F238E27FC236}">
+                  <a16:creationId xmlns:a16="http://schemas.microsoft.com/office/drawing/2014/main" id="{11FFB259-3537-E389-6814-00C9BA8C3831}"/>
+                </a:ext>
+              </a:extLst>
+            </p:cNvPr>
+            <p:cNvCxnSpPr>
+              <a:cxnSpLocks/>
+            </p:cNvCxnSpPr>
+            <p:nvPr/>
+          </p:nvCxnSpPr>
+          <p:spPr>
+            <a:xfrm>
+              <a:off x="1566569" y="36895448"/>
+              <a:ext cx="7149814" cy="0"/>
+            </a:xfrm>
+            <a:prstGeom prst="straightConnector1">
+              <a:avLst/>
+            </a:prstGeom>
+            <a:ln w="76200">
+              <a:solidFill>
+                <a:schemeClr val="tx1"/>
+              </a:solidFill>
+              <a:tailEnd type="triangle"/>
+            </a:ln>
+          </p:spPr>
+          <p:style>
+            <a:lnRef idx="1">
+              <a:schemeClr val="accent1"/>
+            </a:lnRef>
+            <a:fillRef idx="0">
+              <a:schemeClr val="accent1"/>
+            </a:fillRef>
+            <a:effectRef idx="0">
+              <a:schemeClr val="accent1"/>
+            </a:effectRef>
+            <a:fontRef idx="minor">
+              <a:schemeClr val="tx1"/>
+            </a:fontRef>
+          </p:style>
+        </p:cxnSp>
+      </p:grpSp>
+      <p:sp>
+        <p:nvSpPr>
+          <p:cNvPr id="5" name="椭圆 4">
+            <a:extLst>
+              <a:ext uri="{FF2B5EF4-FFF2-40B4-BE49-F238E27FC236}">
+                <a16:creationId xmlns:a16="http://schemas.microsoft.com/office/drawing/2014/main" id="{E3631A17-82FF-1ABB-212B-078BE774EECE}"/>
+              </a:ext>
+            </a:extLst>
+          </p:cNvPr>
+          <p:cNvSpPr/>
+          <p:nvPr/>
+        </p:nvSpPr>
+        <p:spPr>
+          <a:xfrm>
+            <a:off x="-10344930" y="5495298"/>
+            <a:ext cx="222674" cy="222674"/>
+          </a:xfrm>
+          <a:prstGeom prst="ellipse">
+            <a:avLst/>
+          </a:prstGeom>
+          <a:solidFill>
+            <a:srgbClr val="C00000"/>
+          </a:solidFill>
+          <a:ln>
+            <a:noFill/>
+          </a:ln>
+        </p:spPr>
+        <p:style>
+          <a:lnRef idx="2">
+            <a:schemeClr val="accent1">
+              <a:shade val="15000"/>
+            </a:schemeClr>
+          </a:lnRef>
+          <a:fillRef idx="1">
+            <a:schemeClr val="accent1"/>
+          </a:fillRef>
+          <a:effectRef idx="0">
+            <a:schemeClr val="accent1"/>
+          </a:effectRef>
+          <a:fontRef idx="minor">
+            <a:schemeClr val="lt1"/>
+          </a:fontRef>
+        </p:style>
+        <p:txBody>
+          <a:bodyPr wrap="square" rtlCol="0" anchor="ctr">
+            <a:noAutofit/>
+          </a:bodyPr>
+          <a:lstStyle/>
+          <a:p>
+            <a:pPr algn="ctr">
+              <a:spcBef>
+                <a:spcPts val="600"/>
+              </a:spcBef>
+              <a:spcAft>
+                <a:spcPts val="600"/>
+              </a:spcAft>
+            </a:pPr>
+            <a:endParaRPr lang="zh-CN" altLang="en-US" sz="4000" b="1">
+              <a:solidFill>
+                <a:schemeClr val="bg1"/>
+              </a:solidFill>
+              <a:latin typeface="Arial" panose="020B0604020202020204" pitchFamily="34" charset="0"/>
+              <a:cs typeface="Arial" panose="020B0604020202020204" pitchFamily="34" charset="0"/>
+            </a:endParaRPr>
+          </a:p>
+        </p:txBody>
+      </p:sp>
+      <p:sp>
+        <p:nvSpPr>
+          <p:cNvPr id="6" name="椭圆 5">
+            <a:extLst>
+              <a:ext uri="{FF2B5EF4-FFF2-40B4-BE49-F238E27FC236}">
+                <a16:creationId xmlns:a16="http://schemas.microsoft.com/office/drawing/2014/main" id="{E0EB95E7-661D-2586-EC34-6CCF4126E661}"/>
+              </a:ext>
+            </a:extLst>
+          </p:cNvPr>
+          <p:cNvSpPr/>
+          <p:nvPr/>
+        </p:nvSpPr>
+        <p:spPr>
+          <a:xfrm>
+            <a:off x="-10306698" y="5143360"/>
+            <a:ext cx="222674" cy="222674"/>
+          </a:xfrm>
+          <a:prstGeom prst="ellipse">
+            <a:avLst/>
+          </a:prstGeom>
+          <a:solidFill>
+            <a:srgbClr val="C00000"/>
+          </a:solidFill>
+          <a:ln>
+            <a:noFill/>
+          </a:ln>
+        </p:spPr>
+        <p:style>
+          <a:lnRef idx="2">
+            <a:schemeClr val="accent1">
+              <a:shade val="15000"/>
+            </a:schemeClr>
+          </a:lnRef>
+          <a:fillRef idx="1">
+            <a:schemeClr val="accent1"/>
+          </a:fillRef>
+          <a:effectRef idx="0">
+            <a:schemeClr val="accent1"/>
+          </a:effectRef>
+          <a:fontRef idx="minor">
+            <a:schemeClr val="lt1"/>
+          </a:fontRef>
+        </p:style>
+        <p:txBody>
+          <a:bodyPr wrap="square" rtlCol="0" anchor="ctr">
+            <a:noAutofit/>
+          </a:bodyPr>
+          <a:lstStyle/>
+          <a:p>
+            <a:pPr algn="ctr">
+              <a:spcBef>
+                <a:spcPts val="600"/>
+              </a:spcBef>
+              <a:spcAft>
+                <a:spcPts val="600"/>
+              </a:spcAft>
+            </a:pPr>
+            <a:endParaRPr lang="zh-CN" altLang="en-US" sz="4000" b="1">
+              <a:solidFill>
+                <a:schemeClr val="bg1"/>
+              </a:solidFill>
+              <a:latin typeface="Arial" panose="020B0604020202020204" pitchFamily="34" charset="0"/>
+              <a:cs typeface="Arial" panose="020B0604020202020204" pitchFamily="34" charset="0"/>
+            </a:endParaRPr>
+          </a:p>
+        </p:txBody>
+      </p:sp>
+      <p:sp>
+        <p:nvSpPr>
+          <p:cNvPr id="7" name="椭圆 6">
+            <a:extLst>
+              <a:ext uri="{FF2B5EF4-FFF2-40B4-BE49-F238E27FC236}">
+                <a16:creationId xmlns:a16="http://schemas.microsoft.com/office/drawing/2014/main" id="{5FEE5D49-9829-226E-4CB5-7CA2DF847C79}"/>
+              </a:ext>
+            </a:extLst>
+          </p:cNvPr>
+          <p:cNvSpPr/>
+          <p:nvPr/>
+        </p:nvSpPr>
+        <p:spPr>
+          <a:xfrm>
+            <a:off x="-9979193" y="5272620"/>
+            <a:ext cx="222674" cy="222674"/>
+          </a:xfrm>
+          <a:prstGeom prst="ellipse">
+            <a:avLst/>
+          </a:prstGeom>
+          <a:solidFill>
+            <a:srgbClr val="C00000"/>
+          </a:solidFill>
+          <a:ln>
+            <a:noFill/>
+          </a:ln>
+        </p:spPr>
+        <p:style>
+          <a:lnRef idx="2">
+            <a:schemeClr val="accent1">
+              <a:shade val="15000"/>
+            </a:schemeClr>
+          </a:lnRef>
+          <a:fillRef idx="1">
+            <a:schemeClr val="accent1"/>
+          </a:fillRef>
+          <a:effectRef idx="0">
+            <a:schemeClr val="accent1"/>
+          </a:effectRef>
+          <a:fontRef idx="minor">
+            <a:schemeClr val="lt1"/>
+          </a:fontRef>
+        </p:style>
+        <p:txBody>
+          <a:bodyPr wrap="square" rtlCol="0" anchor="ctr">
+            <a:noAutofit/>
+          </a:bodyPr>
+          <a:lstStyle/>
+          <a:p>
+            <a:pPr algn="ctr">
+              <a:spcBef>
+                <a:spcPts val="600"/>
+              </a:spcBef>
+              <a:spcAft>
+                <a:spcPts val="600"/>
+              </a:spcAft>
+            </a:pPr>
+            <a:endParaRPr lang="zh-CN" altLang="en-US" sz="4000" b="1">
+              <a:solidFill>
+                <a:schemeClr val="bg1"/>
+              </a:solidFill>
+              <a:latin typeface="Arial" panose="020B0604020202020204" pitchFamily="34" charset="0"/>
+              <a:cs typeface="Arial" panose="020B0604020202020204" pitchFamily="34" charset="0"/>
+            </a:endParaRPr>
+          </a:p>
+        </p:txBody>
+      </p:sp>
+      <p:sp>
+        <p:nvSpPr>
+          <p:cNvPr id="8" name="椭圆 7">
+            <a:extLst>
+              <a:ext uri="{FF2B5EF4-FFF2-40B4-BE49-F238E27FC236}">
+                <a16:creationId xmlns:a16="http://schemas.microsoft.com/office/drawing/2014/main" id="{5566EF71-1563-8A34-5437-7BDD8BC0FF80}"/>
+              </a:ext>
+            </a:extLst>
+          </p:cNvPr>
+          <p:cNvSpPr/>
+          <p:nvPr/>
+        </p:nvSpPr>
+        <p:spPr>
+          <a:xfrm>
+            <a:off x="-10085496" y="5544573"/>
+            <a:ext cx="222674" cy="222674"/>
+          </a:xfrm>
+          <a:prstGeom prst="ellipse">
+            <a:avLst/>
+          </a:prstGeom>
+          <a:solidFill>
+            <a:srgbClr val="C00000"/>
+          </a:solidFill>
+          <a:ln>
+            <a:noFill/>
+          </a:ln>
+        </p:spPr>
+        <p:style>
+          <a:lnRef idx="2">
+            <a:schemeClr val="accent1">
+              <a:shade val="15000"/>
+            </a:schemeClr>
+          </a:lnRef>
+          <a:fillRef idx="1">
+            <a:schemeClr val="accent1"/>
+          </a:fillRef>
+          <a:effectRef idx="0">
+            <a:schemeClr val="accent1"/>
+          </a:effectRef>
+          <a:fontRef idx="minor">
+            <a:schemeClr val="lt1"/>
+          </a:fontRef>
+        </p:style>
+        <p:txBody>
+          <a:bodyPr wrap="square" rtlCol="0" anchor="ctr">
+            <a:noAutofit/>
+          </a:bodyPr>
+          <a:lstStyle/>
+          <a:p>
+            <a:pPr algn="ctr">
+              <a:spcBef>
+                <a:spcPts val="600"/>
+              </a:spcBef>
+              <a:spcAft>
+                <a:spcPts val="600"/>
+              </a:spcAft>
+            </a:pPr>
+            <a:endParaRPr lang="zh-CN" altLang="en-US" sz="4000" b="1">
+              <a:solidFill>
+                <a:schemeClr val="bg1"/>
+              </a:solidFill>
+              <a:latin typeface="Arial" panose="020B0604020202020204" pitchFamily="34" charset="0"/>
+              <a:cs typeface="Arial" panose="020B0604020202020204" pitchFamily="34" charset="0"/>
+            </a:endParaRPr>
+          </a:p>
+        </p:txBody>
+      </p:sp>
+      <p:sp>
+        <p:nvSpPr>
+          <p:cNvPr id="9" name="椭圆 8">
+            <a:extLst>
+              <a:ext uri="{FF2B5EF4-FFF2-40B4-BE49-F238E27FC236}">
+                <a16:creationId xmlns:a16="http://schemas.microsoft.com/office/drawing/2014/main" id="{9E2248B7-CE71-0370-26C3-BC490082F551}"/>
+              </a:ext>
+            </a:extLst>
+          </p:cNvPr>
+          <p:cNvSpPr/>
+          <p:nvPr/>
+        </p:nvSpPr>
+        <p:spPr>
+          <a:xfrm>
+            <a:off x="-9556317" y="5491826"/>
+            <a:ext cx="222674" cy="222674"/>
+          </a:xfrm>
+          <a:prstGeom prst="ellipse">
+            <a:avLst/>
+          </a:prstGeom>
+          <a:solidFill>
+            <a:srgbClr val="C00000"/>
+          </a:solidFill>
+          <a:ln>
+            <a:noFill/>
+          </a:ln>
+        </p:spPr>
+        <p:style>
+          <a:lnRef idx="2">
+            <a:schemeClr val="accent1">
+              <a:shade val="15000"/>
+            </a:schemeClr>
+          </a:lnRef>
+          <a:fillRef idx="1">
+            <a:schemeClr val="accent1"/>
+          </a:fillRef>
+          <a:effectRef idx="0">
+            <a:schemeClr val="accent1"/>
+          </a:effectRef>
+          <a:fontRef idx="minor">
+            <a:schemeClr val="lt1"/>
+          </a:fontRef>
+        </p:style>
+        <p:txBody>
+          <a:bodyPr wrap="square" rtlCol="0" anchor="ctr">
+            <a:noAutofit/>
+          </a:bodyPr>
+          <a:lstStyle/>
+          <a:p>
+            <a:pPr algn="ctr">
+              <a:spcBef>
+                <a:spcPts val="600"/>
+              </a:spcBef>
+              <a:spcAft>
+                <a:spcPts val="600"/>
+              </a:spcAft>
+            </a:pPr>
+            <a:endParaRPr lang="zh-CN" altLang="en-US" sz="4000" b="1">
+              <a:solidFill>
+                <a:schemeClr val="bg1"/>
+              </a:solidFill>
+              <a:latin typeface="Arial" panose="020B0604020202020204" pitchFamily="34" charset="0"/>
+              <a:cs typeface="Arial" panose="020B0604020202020204" pitchFamily="34" charset="0"/>
+            </a:endParaRPr>
+          </a:p>
+        </p:txBody>
+      </p:sp>
+      <p:sp>
+        <p:nvSpPr>
+          <p:cNvPr id="10" name="椭圆 9">
+            <a:extLst>
+              <a:ext uri="{FF2B5EF4-FFF2-40B4-BE49-F238E27FC236}">
+                <a16:creationId xmlns:a16="http://schemas.microsoft.com/office/drawing/2014/main" id="{4C81040E-6000-272D-EC3D-70D6F7CD302D}"/>
+              </a:ext>
+            </a:extLst>
+          </p:cNvPr>
+          <p:cNvSpPr/>
+          <p:nvPr/>
+        </p:nvSpPr>
+        <p:spPr>
+          <a:xfrm>
+            <a:off x="-9770884" y="4936719"/>
+            <a:ext cx="222674" cy="222674"/>
+          </a:xfrm>
+          <a:prstGeom prst="ellipse">
+            <a:avLst/>
+          </a:prstGeom>
+          <a:solidFill>
+            <a:srgbClr val="C00000"/>
+          </a:solidFill>
+          <a:ln>
+            <a:noFill/>
+          </a:ln>
+        </p:spPr>
+        <p:style>
+          <a:lnRef idx="2">
+            <a:schemeClr val="accent1">
+              <a:shade val="15000"/>
+            </a:schemeClr>
+          </a:lnRef>
+          <a:fillRef idx="1">
+            <a:schemeClr val="accent1"/>
+          </a:fillRef>
+          <a:effectRef idx="0">
+            <a:schemeClr val="accent1"/>
+          </a:effectRef>
+          <a:fontRef idx="minor">
+            <a:schemeClr val="lt1"/>
+          </a:fontRef>
+        </p:style>
+        <p:txBody>
+          <a:bodyPr wrap="square" rtlCol="0" anchor="ctr">
+            <a:noAutofit/>
+          </a:bodyPr>
+          <a:lstStyle/>
+          <a:p>
+            <a:pPr algn="ctr">
+              <a:spcBef>
+                <a:spcPts val="600"/>
+              </a:spcBef>
+              <a:spcAft>
+                <a:spcPts val="600"/>
+              </a:spcAft>
+            </a:pPr>
+            <a:endParaRPr lang="zh-CN" altLang="en-US" sz="4000" b="1">
+              <a:solidFill>
+                <a:schemeClr val="bg1"/>
+              </a:solidFill>
+              <a:latin typeface="Arial" panose="020B0604020202020204" pitchFamily="34" charset="0"/>
+              <a:cs typeface="Arial" panose="020B0604020202020204" pitchFamily="34" charset="0"/>
+            </a:endParaRPr>
+          </a:p>
+        </p:txBody>
+      </p:sp>
+      <p:sp>
+        <p:nvSpPr>
+          <p:cNvPr id="11" name="椭圆 10">
+            <a:extLst>
+              <a:ext uri="{FF2B5EF4-FFF2-40B4-BE49-F238E27FC236}">
+                <a16:creationId xmlns:a16="http://schemas.microsoft.com/office/drawing/2014/main" id="{74FC7DEA-2E97-3C96-A181-ECB71880C406}"/>
+              </a:ext>
+            </a:extLst>
+          </p:cNvPr>
+          <p:cNvSpPr/>
+          <p:nvPr/>
+        </p:nvSpPr>
+        <p:spPr>
+          <a:xfrm>
+            <a:off x="-10084078" y="4776105"/>
+            <a:ext cx="222674" cy="222674"/>
+          </a:xfrm>
+          <a:prstGeom prst="ellipse">
+            <a:avLst/>
+          </a:prstGeom>
+          <a:solidFill>
+            <a:srgbClr val="C00000"/>
+          </a:solidFill>
+          <a:ln>
+            <a:noFill/>
+          </a:ln>
+        </p:spPr>
+        <p:style>
+          <a:lnRef idx="2">
+            <a:schemeClr val="accent1">
+              <a:shade val="15000"/>
+            </a:schemeClr>
+          </a:lnRef>
+          <a:fillRef idx="1">
+            <a:schemeClr val="accent1"/>
+          </a:fillRef>
+          <a:effectRef idx="0">
+            <a:schemeClr val="accent1"/>
+          </a:effectRef>
+          <a:fontRef idx="minor">
+            <a:schemeClr val="lt1"/>
+          </a:fontRef>
+        </p:style>
+        <p:txBody>
+          <a:bodyPr wrap="square" rtlCol="0" anchor="ctr">
+            <a:noAutofit/>
+          </a:bodyPr>
+          <a:lstStyle/>
+          <a:p>
+            <a:pPr algn="ctr">
+              <a:spcBef>
+                <a:spcPts val="600"/>
+              </a:spcBef>
+              <a:spcAft>
+                <a:spcPts val="600"/>
+              </a:spcAft>
+            </a:pPr>
+            <a:endParaRPr lang="zh-CN" altLang="en-US" sz="4000" b="1">
+              <a:solidFill>
+                <a:schemeClr val="bg1"/>
+              </a:solidFill>
+              <a:latin typeface="Arial" panose="020B0604020202020204" pitchFamily="34" charset="0"/>
+              <a:cs typeface="Arial" panose="020B0604020202020204" pitchFamily="34" charset="0"/>
+            </a:endParaRPr>
+          </a:p>
+        </p:txBody>
+      </p:sp>
+      <p:sp>
+        <p:nvSpPr>
+          <p:cNvPr id="12" name="椭圆 11">
+            <a:extLst>
+              <a:ext uri="{FF2B5EF4-FFF2-40B4-BE49-F238E27FC236}">
+                <a16:creationId xmlns:a16="http://schemas.microsoft.com/office/drawing/2014/main" id="{0D7F2A4F-0E51-6F33-B104-196B3AF6DC6D}"/>
+              </a:ext>
+            </a:extLst>
+          </p:cNvPr>
+          <p:cNvSpPr/>
+          <p:nvPr/>
+        </p:nvSpPr>
+        <p:spPr>
+          <a:xfrm>
+            <a:off x="-7051580" y="5567595"/>
+            <a:ext cx="222674" cy="222674"/>
+          </a:xfrm>
+          <a:prstGeom prst="ellipse">
+            <a:avLst/>
+          </a:prstGeom>
+          <a:solidFill>
+            <a:srgbClr val="C00000"/>
+          </a:solidFill>
+          <a:ln>
+            <a:noFill/>
+          </a:ln>
+        </p:spPr>
+        <p:style>
+          <a:lnRef idx="2">
+            <a:schemeClr val="accent1">
+              <a:shade val="15000"/>
+            </a:schemeClr>
+          </a:lnRef>
+          <a:fillRef idx="1">
+            <a:schemeClr val="accent1"/>
+          </a:fillRef>
+          <a:effectRef idx="0">
+            <a:schemeClr val="accent1"/>
+          </a:effectRef>
+          <a:fontRef idx="minor">
+            <a:schemeClr val="lt1"/>
+          </a:fontRef>
+        </p:style>
+        <p:txBody>
+          <a:bodyPr wrap="square" rtlCol="0" anchor="ctr">
+            <a:noAutofit/>
+          </a:bodyPr>
+          <a:lstStyle/>
+          <a:p>
+            <a:pPr algn="ctr">
+              <a:spcBef>
+                <a:spcPts val="600"/>
+              </a:spcBef>
+              <a:spcAft>
+                <a:spcPts val="600"/>
+              </a:spcAft>
+            </a:pPr>
+            <a:endParaRPr lang="zh-CN" altLang="en-US" sz="4000" b="1">
+              <a:solidFill>
+                <a:schemeClr val="bg1"/>
+              </a:solidFill>
+              <a:latin typeface="Arial" panose="020B0604020202020204" pitchFamily="34" charset="0"/>
+              <a:cs typeface="Arial" panose="020B0604020202020204" pitchFamily="34" charset="0"/>
+            </a:endParaRPr>
+          </a:p>
+        </p:txBody>
+      </p:sp>
+      <p:sp>
+        <p:nvSpPr>
+          <p:cNvPr id="13" name="椭圆 12">
+            <a:extLst>
+              <a:ext uri="{FF2B5EF4-FFF2-40B4-BE49-F238E27FC236}">
+                <a16:creationId xmlns:a16="http://schemas.microsoft.com/office/drawing/2014/main" id="{B83BA663-899C-0B96-9299-9883DBF50939}"/>
+              </a:ext>
+            </a:extLst>
+          </p:cNvPr>
+          <p:cNvSpPr/>
+          <p:nvPr/>
+        </p:nvSpPr>
+        <p:spPr>
+          <a:xfrm>
+            <a:off x="-10547747" y="1775343"/>
+            <a:ext cx="222674" cy="222674"/>
+          </a:xfrm>
+          <a:prstGeom prst="ellipse">
+            <a:avLst/>
+          </a:prstGeom>
+          <a:solidFill>
+            <a:srgbClr val="C00000"/>
+          </a:solidFill>
+          <a:ln>
+            <a:noFill/>
+          </a:ln>
+        </p:spPr>
+        <p:style>
+          <a:lnRef idx="2">
+            <a:schemeClr val="accent1">
+              <a:shade val="15000"/>
+            </a:schemeClr>
+          </a:lnRef>
+          <a:fillRef idx="1">
+            <a:schemeClr val="accent1"/>
+          </a:fillRef>
+          <a:effectRef idx="0">
+            <a:schemeClr val="accent1"/>
+          </a:effectRef>
+          <a:fontRef idx="minor">
+            <a:schemeClr val="lt1"/>
+          </a:fontRef>
+        </p:style>
+        <p:txBody>
+          <a:bodyPr wrap="square" rtlCol="0" anchor="ctr">
+            <a:noAutofit/>
+          </a:bodyPr>
+          <a:lstStyle/>
+          <a:p>
+            <a:pPr algn="ctr">
+              <a:spcBef>
+                <a:spcPts val="600"/>
+              </a:spcBef>
+              <a:spcAft>
+                <a:spcPts val="600"/>
+              </a:spcAft>
+            </a:pPr>
+            <a:endParaRPr lang="zh-CN" altLang="en-US" sz="4000" b="1">
+              <a:solidFill>
+                <a:schemeClr val="bg1"/>
+              </a:solidFill>
+              <a:latin typeface="Arial" panose="020B0604020202020204" pitchFamily="34" charset="0"/>
+              <a:cs typeface="Arial" panose="020B0604020202020204" pitchFamily="34" charset="0"/>
+            </a:endParaRPr>
+          </a:p>
+        </p:txBody>
+      </p:sp>
+      <p:sp>
+        <p:nvSpPr>
+          <p:cNvPr id="14" name="椭圆 13">
+            <a:extLst>
+              <a:ext uri="{FF2B5EF4-FFF2-40B4-BE49-F238E27FC236}">
+                <a16:creationId xmlns:a16="http://schemas.microsoft.com/office/drawing/2014/main" id="{F1DC24B6-0BDB-98B3-FDD5-2556F3659EEB}"/>
+              </a:ext>
+            </a:extLst>
+          </p:cNvPr>
+          <p:cNvSpPr/>
+          <p:nvPr/>
+        </p:nvSpPr>
+        <p:spPr>
+          <a:xfrm>
+            <a:off x="-10513866" y="2052789"/>
+            <a:ext cx="222674" cy="222674"/>
+          </a:xfrm>
+          <a:prstGeom prst="ellipse">
+            <a:avLst/>
+          </a:prstGeom>
+          <a:solidFill>
+            <a:srgbClr val="C00000"/>
+          </a:solidFill>
+          <a:ln>
+            <a:noFill/>
+          </a:ln>
+        </p:spPr>
+        <p:style>
+          <a:lnRef idx="2">
+            <a:schemeClr val="accent1">
+              <a:shade val="15000"/>
+            </a:schemeClr>
+          </a:lnRef>
+          <a:fillRef idx="1">
+            <a:schemeClr val="accent1"/>
+          </a:fillRef>
+          <a:effectRef idx="0">
+            <a:schemeClr val="accent1"/>
+          </a:effectRef>
+          <a:fontRef idx="minor">
+            <a:schemeClr val="lt1"/>
+          </a:fontRef>
+        </p:style>
+        <p:txBody>
+          <a:bodyPr wrap="square" rtlCol="0" anchor="ctr">
+            <a:noAutofit/>
+          </a:bodyPr>
+          <a:lstStyle/>
+          <a:p>
+            <a:pPr algn="ctr">
+              <a:spcBef>
+                <a:spcPts val="600"/>
+              </a:spcBef>
+              <a:spcAft>
+                <a:spcPts val="600"/>
+              </a:spcAft>
+            </a:pPr>
+            <a:endParaRPr lang="zh-CN" altLang="en-US" sz="4000" b="1">
+              <a:solidFill>
+                <a:schemeClr val="bg1"/>
+              </a:solidFill>
+              <a:latin typeface="Arial" panose="020B0604020202020204" pitchFamily="34" charset="0"/>
+              <a:cs typeface="Arial" panose="020B0604020202020204" pitchFamily="34" charset="0"/>
+            </a:endParaRPr>
+          </a:p>
+        </p:txBody>
+      </p:sp>
+      <p:sp>
+        <p:nvSpPr>
+          <p:cNvPr id="15" name="椭圆 14">
+            <a:extLst>
+              <a:ext uri="{FF2B5EF4-FFF2-40B4-BE49-F238E27FC236}">
+                <a16:creationId xmlns:a16="http://schemas.microsoft.com/office/drawing/2014/main" id="{DFB2218A-3947-9670-3084-97EAD157A0FC}"/>
+              </a:ext>
+            </a:extLst>
+          </p:cNvPr>
+          <p:cNvSpPr/>
+          <p:nvPr/>
+        </p:nvSpPr>
+        <p:spPr>
+          <a:xfrm>
+            <a:off x="-6462542" y="5461673"/>
+            <a:ext cx="222674" cy="222674"/>
+          </a:xfrm>
+          <a:prstGeom prst="ellipse">
+            <a:avLst/>
+          </a:prstGeom>
+          <a:solidFill>
+            <a:srgbClr val="C00000"/>
+          </a:solidFill>
+          <a:ln>
+            <a:noFill/>
+          </a:ln>
+        </p:spPr>
+        <p:style>
+          <a:lnRef idx="2">
+            <a:schemeClr val="accent1">
+              <a:shade val="15000"/>
+            </a:schemeClr>
+          </a:lnRef>
+          <a:fillRef idx="1">
+            <a:schemeClr val="accent1"/>
+          </a:fillRef>
+          <a:effectRef idx="0">
+            <a:schemeClr val="accent1"/>
+          </a:effectRef>
+          <a:fontRef idx="minor">
+            <a:schemeClr val="lt1"/>
+          </a:fontRef>
+        </p:style>
+        <p:txBody>
+          <a:bodyPr wrap="square" rtlCol="0" anchor="ctr">
+            <a:noAutofit/>
+          </a:bodyPr>
+          <a:lstStyle/>
+          <a:p>
+            <a:pPr algn="ctr">
+              <a:spcBef>
+                <a:spcPts val="600"/>
+              </a:spcBef>
+              <a:spcAft>
+                <a:spcPts val="600"/>
+              </a:spcAft>
+            </a:pPr>
+            <a:endParaRPr lang="zh-CN" altLang="en-US" sz="4000" b="1">
+              <a:solidFill>
+                <a:schemeClr val="bg1"/>
+              </a:solidFill>
+              <a:latin typeface="Arial" panose="020B0604020202020204" pitchFamily="34" charset="0"/>
+              <a:cs typeface="Arial" panose="020B0604020202020204" pitchFamily="34" charset="0"/>
+            </a:endParaRPr>
+          </a:p>
+        </p:txBody>
+      </p:sp>
+      <p:sp>
+        <p:nvSpPr>
+          <p:cNvPr id="16" name="文本框 15">
+            <a:extLst>
+              <a:ext uri="{FF2B5EF4-FFF2-40B4-BE49-F238E27FC236}">
+                <a16:creationId xmlns:a16="http://schemas.microsoft.com/office/drawing/2014/main" id="{0D5C4B18-52C2-EEBE-8F83-19041E91585F}"/>
+              </a:ext>
+            </a:extLst>
+          </p:cNvPr>
+          <p:cNvSpPr txBox="1"/>
+          <p:nvPr/>
+        </p:nvSpPr>
+        <p:spPr>
+          <a:xfrm>
+            <a:off x="-10343315" y="4083498"/>
+            <a:ext cx="973343" cy="461665"/>
+          </a:xfrm>
+          <a:prstGeom prst="rect">
+            <a:avLst/>
+          </a:prstGeom>
+          <a:noFill/>
+        </p:spPr>
+        <p:txBody>
+          <a:bodyPr wrap="none" rtlCol="0">
+            <a:spAutoFit/>
+          </a:bodyPr>
+          <a:lstStyle/>
+          <a:p>
+            <a:pPr algn="ctr"/>
+            <a:r>
+              <a:rPr lang="en-US" altLang="zh-CN" sz="2400" dirty="0">
+                <a:solidFill>
+                  <a:srgbClr val="0D3454"/>
+                </a:solidFill>
+                <a:latin typeface="Arial" panose="020B0604020202020204" pitchFamily="34" charset="0"/>
+                <a:cs typeface="Arial" panose="020B0604020202020204" pitchFamily="34" charset="0"/>
+              </a:rPr>
+              <a:t>Noise</a:t>
+            </a:r>
+            <a:endParaRPr lang="zh-CN" altLang="en-US" sz="2400" dirty="0">
+              <a:solidFill>
+                <a:srgbClr val="0D3454"/>
+              </a:solidFill>
+              <a:latin typeface="Arial" panose="020B0604020202020204" pitchFamily="34" charset="0"/>
+              <a:cs typeface="Arial" panose="020B0604020202020204" pitchFamily="34" charset="0"/>
+            </a:endParaRPr>
+          </a:p>
+        </p:txBody>
+      </p:sp>
+      <p:sp>
+        <p:nvSpPr>
+          <p:cNvPr id="17" name="文本框 16">
+            <a:extLst>
+              <a:ext uri="{FF2B5EF4-FFF2-40B4-BE49-F238E27FC236}">
+                <a16:creationId xmlns:a16="http://schemas.microsoft.com/office/drawing/2014/main" id="{12FA422F-F409-6789-D258-FADA754F1624}"/>
+              </a:ext>
+            </a:extLst>
+          </p:cNvPr>
+          <p:cNvSpPr txBox="1"/>
+          <p:nvPr/>
+        </p:nvSpPr>
+        <p:spPr>
+          <a:xfrm>
+            <a:off x="-5432314" y="5579430"/>
+            <a:ext cx="1519968" cy="461665"/>
+          </a:xfrm>
+          <a:prstGeom prst="rect">
+            <a:avLst/>
+          </a:prstGeom>
+          <a:noFill/>
+        </p:spPr>
+        <p:txBody>
+          <a:bodyPr wrap="none" rtlCol="0">
+            <a:spAutoFit/>
+          </a:bodyPr>
+          <a:lstStyle/>
+          <a:p>
+            <a:r>
+              <a:rPr lang="en-US" altLang="zh-CN" sz="2400" b="1" dirty="0">
+                <a:solidFill>
+                  <a:srgbClr val="0D3454"/>
+                </a:solidFill>
+                <a:latin typeface="Arial" panose="020B0604020202020204" pitchFamily="34" charset="0"/>
+                <a:cs typeface="Arial" panose="020B0604020202020204" pitchFamily="34" charset="0"/>
+              </a:rPr>
+              <a:t>Next </a:t>
+            </a:r>
+            <a:r>
+              <a:rPr lang="en-US" altLang="zh-CN" sz="2400" b="1" dirty="0" err="1">
+                <a:solidFill>
+                  <a:srgbClr val="0D3454"/>
+                </a:solidFill>
+                <a:latin typeface="Arial" panose="020B0604020202020204" pitchFamily="34" charset="0"/>
+                <a:cs typeface="Arial" panose="020B0604020202020204" pitchFamily="34" charset="0"/>
+              </a:rPr>
+              <a:t>Frm</a:t>
+            </a:r>
+            <a:endParaRPr lang="zh-CN" altLang="en-US" sz="2400" b="1" dirty="0">
+              <a:solidFill>
+                <a:srgbClr val="0D3454"/>
+              </a:solidFill>
+              <a:latin typeface="Arial" panose="020B0604020202020204" pitchFamily="34" charset="0"/>
+              <a:cs typeface="Arial" panose="020B0604020202020204" pitchFamily="34" charset="0"/>
+            </a:endParaRPr>
+          </a:p>
+        </p:txBody>
+      </p:sp>
+      <p:sp>
+        <p:nvSpPr>
+          <p:cNvPr id="18" name="文本框 17">
+            <a:extLst>
+              <a:ext uri="{FF2B5EF4-FFF2-40B4-BE49-F238E27FC236}">
+                <a16:creationId xmlns:a16="http://schemas.microsoft.com/office/drawing/2014/main" id="{4EA8FEAC-116B-B3DC-21D7-E72A42E356EF}"/>
+              </a:ext>
+            </a:extLst>
+          </p:cNvPr>
+          <p:cNvSpPr txBox="1"/>
+          <p:nvPr/>
+        </p:nvSpPr>
+        <p:spPr>
+          <a:xfrm>
+            <a:off x="-10774562" y="997626"/>
+            <a:ext cx="1519968" cy="461665"/>
+          </a:xfrm>
+          <a:prstGeom prst="rect">
+            <a:avLst/>
+          </a:prstGeom>
+          <a:noFill/>
+        </p:spPr>
+        <p:txBody>
+          <a:bodyPr wrap="none" rtlCol="0">
+            <a:spAutoFit/>
+          </a:bodyPr>
+          <a:lstStyle/>
+          <a:p>
+            <a:r>
+              <a:rPr lang="en-US" altLang="zh-CN" sz="2400" b="1" dirty="0">
+                <a:solidFill>
+                  <a:srgbClr val="0D3454"/>
+                </a:solidFill>
+                <a:latin typeface="Arial" panose="020B0604020202020204" pitchFamily="34" charset="0"/>
+                <a:cs typeface="Arial" panose="020B0604020202020204" pitchFamily="34" charset="0"/>
+              </a:rPr>
+              <a:t>Prev </a:t>
+            </a:r>
+            <a:r>
+              <a:rPr lang="en-US" altLang="zh-CN" sz="2400" b="1" dirty="0" err="1">
+                <a:solidFill>
+                  <a:srgbClr val="0D3454"/>
+                </a:solidFill>
+                <a:latin typeface="Arial" panose="020B0604020202020204" pitchFamily="34" charset="0"/>
+                <a:cs typeface="Arial" panose="020B0604020202020204" pitchFamily="34" charset="0"/>
+              </a:rPr>
+              <a:t>Frm</a:t>
+            </a:r>
+            <a:endParaRPr lang="zh-CN" altLang="en-US" sz="2400" b="1" dirty="0">
+              <a:solidFill>
+                <a:srgbClr val="0D3454"/>
+              </a:solidFill>
+              <a:latin typeface="Arial" panose="020B0604020202020204" pitchFamily="34" charset="0"/>
+              <a:cs typeface="Arial" panose="020B0604020202020204" pitchFamily="34" charset="0"/>
+            </a:endParaRPr>
+          </a:p>
+        </p:txBody>
+      </p:sp>
+      <p:cxnSp>
+        <p:nvCxnSpPr>
+          <p:cNvPr id="19" name="直接连接符 18">
+            <a:extLst>
+              <a:ext uri="{FF2B5EF4-FFF2-40B4-BE49-F238E27FC236}">
+                <a16:creationId xmlns:a16="http://schemas.microsoft.com/office/drawing/2014/main" id="{D013689B-9828-3A89-CA01-7B2AFB29E63C}"/>
+              </a:ext>
+            </a:extLst>
+          </p:cNvPr>
+          <p:cNvCxnSpPr>
+            <a:cxnSpLocks/>
+          </p:cNvCxnSpPr>
+          <p:nvPr/>
+        </p:nvCxnSpPr>
+        <p:spPr>
+          <a:xfrm flipV="1">
+            <a:off x="-7248519" y="3774810"/>
+            <a:ext cx="2488666" cy="876632"/>
+          </a:xfrm>
+          <a:prstGeom prst="line">
+            <a:avLst/>
+          </a:prstGeom>
+          <a:ln w="38100">
+            <a:solidFill>
+              <a:srgbClr val="0D3454"/>
+            </a:solidFill>
+            <a:prstDash val="sysDash"/>
+          </a:ln>
+        </p:spPr>
+        <p:style>
+          <a:lnRef idx="1">
+            <a:schemeClr val="accent1"/>
+          </a:lnRef>
+          <a:fillRef idx="0">
+            <a:schemeClr val="accent1"/>
+          </a:fillRef>
+          <a:effectRef idx="0">
+            <a:schemeClr val="accent1"/>
+          </a:effectRef>
+          <a:fontRef idx="minor">
+            <a:schemeClr val="tx1"/>
+          </a:fontRef>
+        </p:style>
+      </p:cxnSp>
+      <p:sp>
+        <p:nvSpPr>
+          <p:cNvPr id="20" name="文本框 19">
+            <a:extLst>
+              <a:ext uri="{FF2B5EF4-FFF2-40B4-BE49-F238E27FC236}">
+                <a16:creationId xmlns:a16="http://schemas.microsoft.com/office/drawing/2014/main" id="{97F0B7FD-8FE6-658B-ADDE-504665A60FAA}"/>
+              </a:ext>
+            </a:extLst>
+          </p:cNvPr>
+          <p:cNvSpPr txBox="1"/>
+          <p:nvPr/>
+        </p:nvSpPr>
+        <p:spPr>
+          <a:xfrm>
+            <a:off x="-7283883" y="2943813"/>
+            <a:ext cx="5048059" cy="830997"/>
+          </a:xfrm>
+          <a:prstGeom prst="rect">
+            <a:avLst/>
+          </a:prstGeom>
+          <a:noFill/>
+        </p:spPr>
+        <p:txBody>
+          <a:bodyPr wrap="square" rtlCol="0">
+            <a:spAutoFit/>
+          </a:bodyPr>
+          <a:lstStyle/>
+          <a:p>
+            <a:pPr algn="ctr"/>
+            <a:r>
+              <a:rPr lang="en-US" altLang="zh-CN" sz="2400" dirty="0">
+                <a:solidFill>
+                  <a:srgbClr val="0D3454"/>
+                </a:solidFill>
+                <a:latin typeface="Arial" panose="020B0604020202020204" pitchFamily="34" charset="0"/>
+                <a:cs typeface="Arial" panose="020B0604020202020204" pitchFamily="34" charset="0"/>
+              </a:rPr>
+              <a:t>Each point represents </a:t>
+            </a:r>
+            <a:r>
+              <a:rPr lang="en-US" altLang="zh-CN" sz="2400" b="1" dirty="0">
+                <a:solidFill>
+                  <a:srgbClr val="0D3454"/>
+                </a:solidFill>
+                <a:latin typeface="Arial" panose="020B0604020202020204" pitchFamily="34" charset="0"/>
+                <a:cs typeface="Arial" panose="020B0604020202020204" pitchFamily="34" charset="0"/>
+              </a:rPr>
+              <a:t>a pair of down-sampled frames</a:t>
+            </a:r>
+            <a:endParaRPr lang="zh-CN" altLang="en-US" sz="2400" b="1" dirty="0">
+              <a:solidFill>
+                <a:srgbClr val="0D3454"/>
+              </a:solidFill>
+              <a:latin typeface="Arial" panose="020B0604020202020204" pitchFamily="34" charset="0"/>
+              <a:cs typeface="Arial" panose="020B0604020202020204" pitchFamily="34" charset="0"/>
+            </a:endParaRPr>
+          </a:p>
+        </p:txBody>
+      </p:sp>
+      <p:sp>
+        <p:nvSpPr>
+          <p:cNvPr id="21" name="椭圆 20">
+            <a:extLst>
+              <a:ext uri="{FF2B5EF4-FFF2-40B4-BE49-F238E27FC236}">
+                <a16:creationId xmlns:a16="http://schemas.microsoft.com/office/drawing/2014/main" id="{B9633A61-2693-C596-3BC2-B8820DA3B851}"/>
+              </a:ext>
+            </a:extLst>
+          </p:cNvPr>
+          <p:cNvSpPr/>
+          <p:nvPr/>
+        </p:nvSpPr>
+        <p:spPr>
+          <a:xfrm>
+            <a:off x="-9618484" y="5089119"/>
+            <a:ext cx="222674" cy="222674"/>
+          </a:xfrm>
+          <a:prstGeom prst="ellipse">
+            <a:avLst/>
+          </a:prstGeom>
+          <a:solidFill>
+            <a:srgbClr val="C00000"/>
+          </a:solidFill>
+          <a:ln>
+            <a:noFill/>
+          </a:ln>
+        </p:spPr>
+        <p:style>
+          <a:lnRef idx="2">
+            <a:schemeClr val="accent1">
+              <a:shade val="15000"/>
+            </a:schemeClr>
+          </a:lnRef>
+          <a:fillRef idx="1">
+            <a:schemeClr val="accent1"/>
+          </a:fillRef>
+          <a:effectRef idx="0">
+            <a:schemeClr val="accent1"/>
+          </a:effectRef>
+          <a:fontRef idx="minor">
+            <a:schemeClr val="lt1"/>
+          </a:fontRef>
+        </p:style>
+        <p:txBody>
+          <a:bodyPr wrap="square" rtlCol="0" anchor="ctr">
+            <a:noAutofit/>
+          </a:bodyPr>
+          <a:lstStyle/>
+          <a:p>
+            <a:pPr algn="ctr">
+              <a:spcBef>
+                <a:spcPts val="600"/>
+              </a:spcBef>
+              <a:spcAft>
+                <a:spcPts val="600"/>
+              </a:spcAft>
+            </a:pPr>
+            <a:endParaRPr lang="zh-CN" altLang="en-US" sz="4000" b="1">
+              <a:solidFill>
+                <a:schemeClr val="bg1"/>
+              </a:solidFill>
+              <a:latin typeface="Arial" panose="020B0604020202020204" pitchFamily="34" charset="0"/>
+              <a:cs typeface="Arial" panose="020B0604020202020204" pitchFamily="34" charset="0"/>
+            </a:endParaRPr>
+          </a:p>
+        </p:txBody>
+      </p:sp>
+      <p:sp>
+        <p:nvSpPr>
+          <p:cNvPr id="22" name="椭圆 21">
+            <a:extLst>
+              <a:ext uri="{FF2B5EF4-FFF2-40B4-BE49-F238E27FC236}">
+                <a16:creationId xmlns:a16="http://schemas.microsoft.com/office/drawing/2014/main" id="{A0D2B09A-4A0A-4249-2ECD-59A913EAD2BD}"/>
+              </a:ext>
+            </a:extLst>
+          </p:cNvPr>
+          <p:cNvSpPr/>
+          <p:nvPr/>
+        </p:nvSpPr>
+        <p:spPr>
+          <a:xfrm>
+            <a:off x="-9790918" y="5635144"/>
+            <a:ext cx="222674" cy="222674"/>
+          </a:xfrm>
+          <a:prstGeom prst="ellipse">
+            <a:avLst/>
+          </a:prstGeom>
+          <a:solidFill>
+            <a:srgbClr val="C00000"/>
+          </a:solidFill>
+          <a:ln>
+            <a:noFill/>
+          </a:ln>
+        </p:spPr>
+        <p:style>
+          <a:lnRef idx="2">
+            <a:schemeClr val="accent1">
+              <a:shade val="15000"/>
+            </a:schemeClr>
+          </a:lnRef>
+          <a:fillRef idx="1">
+            <a:schemeClr val="accent1"/>
+          </a:fillRef>
+          <a:effectRef idx="0">
+            <a:schemeClr val="accent1"/>
+          </a:effectRef>
+          <a:fontRef idx="minor">
+            <a:schemeClr val="lt1"/>
+          </a:fontRef>
+        </p:style>
+        <p:txBody>
+          <a:bodyPr wrap="square" rtlCol="0" anchor="ctr">
+            <a:noAutofit/>
+          </a:bodyPr>
+          <a:lstStyle/>
+          <a:p>
+            <a:pPr algn="ctr">
+              <a:spcBef>
+                <a:spcPts val="600"/>
+              </a:spcBef>
+              <a:spcAft>
+                <a:spcPts val="600"/>
+              </a:spcAft>
+            </a:pPr>
+            <a:endParaRPr lang="zh-CN" altLang="en-US" sz="4000" b="1">
+              <a:solidFill>
+                <a:schemeClr val="bg1"/>
+              </a:solidFill>
+              <a:latin typeface="Arial" panose="020B0604020202020204" pitchFamily="34" charset="0"/>
+              <a:cs typeface="Arial" panose="020B0604020202020204" pitchFamily="34" charset="0"/>
+            </a:endParaRPr>
+          </a:p>
+        </p:txBody>
+      </p:sp>
+      <p:sp>
+        <p:nvSpPr>
+          <p:cNvPr id="23" name="椭圆 22">
+            <a:extLst>
+              <a:ext uri="{FF2B5EF4-FFF2-40B4-BE49-F238E27FC236}">
+                <a16:creationId xmlns:a16="http://schemas.microsoft.com/office/drawing/2014/main" id="{69273FD2-A674-9E0F-2E85-68D17D63CFBA}"/>
+              </a:ext>
+            </a:extLst>
+          </p:cNvPr>
+          <p:cNvSpPr/>
+          <p:nvPr/>
+        </p:nvSpPr>
+        <p:spPr>
+          <a:xfrm>
+            <a:off x="-10263641" y="1928000"/>
+            <a:ext cx="222674" cy="222674"/>
+          </a:xfrm>
+          <a:prstGeom prst="ellipse">
+            <a:avLst/>
+          </a:prstGeom>
+          <a:solidFill>
+            <a:srgbClr val="C00000"/>
+          </a:solidFill>
+          <a:ln>
+            <a:noFill/>
+          </a:ln>
+        </p:spPr>
+        <p:style>
+          <a:lnRef idx="2">
+            <a:schemeClr val="accent1">
+              <a:shade val="15000"/>
+            </a:schemeClr>
+          </a:lnRef>
+          <a:fillRef idx="1">
+            <a:schemeClr val="accent1"/>
+          </a:fillRef>
+          <a:effectRef idx="0">
+            <a:schemeClr val="accent1"/>
+          </a:effectRef>
+          <a:fontRef idx="minor">
+            <a:schemeClr val="lt1"/>
+          </a:fontRef>
+        </p:style>
+        <p:txBody>
+          <a:bodyPr wrap="square" rtlCol="0" anchor="ctr">
+            <a:noAutofit/>
+          </a:bodyPr>
+          <a:lstStyle/>
+          <a:p>
+            <a:pPr algn="ctr">
+              <a:spcBef>
+                <a:spcPts val="600"/>
+              </a:spcBef>
+              <a:spcAft>
+                <a:spcPts val="600"/>
+              </a:spcAft>
+            </a:pPr>
+            <a:endParaRPr lang="zh-CN" altLang="en-US" sz="4000" b="1">
+              <a:solidFill>
+                <a:schemeClr val="bg1"/>
+              </a:solidFill>
+              <a:latin typeface="Arial" panose="020B0604020202020204" pitchFamily="34" charset="0"/>
+              <a:cs typeface="Arial" panose="020B0604020202020204" pitchFamily="34" charset="0"/>
+            </a:endParaRPr>
+          </a:p>
+        </p:txBody>
+      </p:sp>
+      <p:sp>
+        <p:nvSpPr>
+          <p:cNvPr id="24" name="椭圆 23">
+            <a:extLst>
+              <a:ext uri="{FF2B5EF4-FFF2-40B4-BE49-F238E27FC236}">
+                <a16:creationId xmlns:a16="http://schemas.microsoft.com/office/drawing/2014/main" id="{9473EC3A-A55F-524E-1A0E-4FB3235BDFB2}"/>
+              </a:ext>
+            </a:extLst>
+          </p:cNvPr>
+          <p:cNvSpPr/>
+          <p:nvPr/>
+        </p:nvSpPr>
+        <p:spPr>
+          <a:xfrm>
+            <a:off x="-10571863" y="4566047"/>
+            <a:ext cx="1422163" cy="1422163"/>
+          </a:xfrm>
+          <a:prstGeom prst="ellipse">
+            <a:avLst/>
+          </a:prstGeom>
+          <a:solidFill>
+            <a:srgbClr val="0D3454">
+              <a:alpha val="30000"/>
+            </a:srgbClr>
+          </a:solidFill>
+          <a:ln w="38100">
+            <a:solidFill>
+              <a:schemeClr val="tx1"/>
+            </a:solidFill>
+          </a:ln>
+        </p:spPr>
+        <p:style>
+          <a:lnRef idx="2">
+            <a:schemeClr val="accent1">
+              <a:shade val="15000"/>
+            </a:schemeClr>
+          </a:lnRef>
+          <a:fillRef idx="1">
+            <a:schemeClr val="accent1"/>
+          </a:fillRef>
+          <a:effectRef idx="0">
+            <a:schemeClr val="accent1"/>
+          </a:effectRef>
+          <a:fontRef idx="minor">
+            <a:schemeClr val="lt1"/>
+          </a:fontRef>
+        </p:style>
+        <p:txBody>
+          <a:bodyPr wrap="square" rtlCol="0" anchor="ctr">
+            <a:noAutofit/>
+          </a:bodyPr>
+          <a:lstStyle/>
+          <a:p>
+            <a:pPr>
+              <a:spcBef>
+                <a:spcPts val="600"/>
+              </a:spcBef>
+              <a:spcAft>
+                <a:spcPts val="600"/>
+              </a:spcAft>
+            </a:pPr>
+            <a:endParaRPr lang="zh-CN" altLang="en-US" sz="4000">
+              <a:latin typeface="Lucida Sans" panose="020B0602030504090204" pitchFamily="34" charset="0"/>
+              <a:cs typeface="Arial" panose="020B0604020202020204" pitchFamily="34" charset="0"/>
+            </a:endParaRPr>
+          </a:p>
+        </p:txBody>
+      </p:sp>
+      <p:sp>
+        <p:nvSpPr>
+          <p:cNvPr id="25" name="椭圆 24">
+            <a:extLst>
+              <a:ext uri="{FF2B5EF4-FFF2-40B4-BE49-F238E27FC236}">
+                <a16:creationId xmlns:a16="http://schemas.microsoft.com/office/drawing/2014/main" id="{AD0D921C-13FF-A038-C420-E59C0F81F19E}"/>
+              </a:ext>
+            </a:extLst>
+          </p:cNvPr>
+          <p:cNvSpPr/>
+          <p:nvPr/>
+        </p:nvSpPr>
+        <p:spPr>
+          <a:xfrm>
+            <a:off x="-6885418" y="5399642"/>
+            <a:ext cx="222674" cy="222674"/>
+          </a:xfrm>
+          <a:prstGeom prst="ellipse">
+            <a:avLst/>
+          </a:prstGeom>
+          <a:solidFill>
+            <a:srgbClr val="C00000"/>
+          </a:solidFill>
+          <a:ln>
+            <a:noFill/>
+          </a:ln>
+        </p:spPr>
+        <p:style>
+          <a:lnRef idx="2">
+            <a:schemeClr val="accent1">
+              <a:shade val="15000"/>
+            </a:schemeClr>
+          </a:lnRef>
+          <a:fillRef idx="1">
+            <a:schemeClr val="accent1"/>
+          </a:fillRef>
+          <a:effectRef idx="0">
+            <a:schemeClr val="accent1"/>
+          </a:effectRef>
+          <a:fontRef idx="minor">
+            <a:schemeClr val="lt1"/>
+          </a:fontRef>
+        </p:style>
+        <p:txBody>
+          <a:bodyPr wrap="square" rtlCol="0" anchor="ctr">
+            <a:noAutofit/>
+          </a:bodyPr>
+          <a:lstStyle/>
+          <a:p>
+            <a:pPr algn="ctr">
+              <a:spcBef>
+                <a:spcPts val="600"/>
+              </a:spcBef>
+              <a:spcAft>
+                <a:spcPts val="600"/>
+              </a:spcAft>
+            </a:pPr>
+            <a:endParaRPr lang="zh-CN" altLang="en-US" sz="4000" b="1">
+              <a:solidFill>
+                <a:schemeClr val="bg1"/>
+              </a:solidFill>
+              <a:latin typeface="Arial" panose="020B0604020202020204" pitchFamily="34" charset="0"/>
+              <a:cs typeface="Arial" panose="020B0604020202020204" pitchFamily="34" charset="0"/>
+            </a:endParaRPr>
+          </a:p>
+        </p:txBody>
+      </p:sp>
+      <p:sp>
+        <p:nvSpPr>
+          <p:cNvPr id="26" name="椭圆 25">
+            <a:extLst>
+              <a:ext uri="{FF2B5EF4-FFF2-40B4-BE49-F238E27FC236}">
+                <a16:creationId xmlns:a16="http://schemas.microsoft.com/office/drawing/2014/main" id="{438305DD-8828-B127-84EC-571F610C7A06}"/>
+              </a:ext>
+            </a:extLst>
+          </p:cNvPr>
+          <p:cNvSpPr/>
+          <p:nvPr/>
+        </p:nvSpPr>
+        <p:spPr>
+          <a:xfrm>
+            <a:off x="-8662040" y="2237883"/>
+            <a:ext cx="222674" cy="222674"/>
+          </a:xfrm>
+          <a:prstGeom prst="ellipse">
+            <a:avLst/>
+          </a:prstGeom>
+          <a:solidFill>
+            <a:srgbClr val="C00000"/>
+          </a:solidFill>
+          <a:ln>
+            <a:noFill/>
+          </a:ln>
+        </p:spPr>
+        <p:style>
+          <a:lnRef idx="2">
+            <a:schemeClr val="accent1">
+              <a:shade val="15000"/>
+            </a:schemeClr>
+          </a:lnRef>
+          <a:fillRef idx="1">
+            <a:schemeClr val="accent1"/>
+          </a:fillRef>
+          <a:effectRef idx="0">
+            <a:schemeClr val="accent1"/>
+          </a:effectRef>
+          <a:fontRef idx="minor">
+            <a:schemeClr val="lt1"/>
+          </a:fontRef>
+        </p:style>
+        <p:txBody>
+          <a:bodyPr wrap="square" rtlCol="0" anchor="ctr">
+            <a:noAutofit/>
+          </a:bodyPr>
+          <a:lstStyle/>
+          <a:p>
+            <a:pPr algn="ctr">
+              <a:spcBef>
+                <a:spcPts val="600"/>
+              </a:spcBef>
+              <a:spcAft>
+                <a:spcPts val="600"/>
+              </a:spcAft>
+            </a:pPr>
+            <a:endParaRPr lang="zh-CN" altLang="en-US" sz="4000" b="1">
+              <a:solidFill>
+                <a:schemeClr val="bg1"/>
+              </a:solidFill>
+              <a:latin typeface="Arial" panose="020B0604020202020204" pitchFamily="34" charset="0"/>
+              <a:cs typeface="Arial" panose="020B0604020202020204" pitchFamily="34" charset="0"/>
+            </a:endParaRPr>
+          </a:p>
+        </p:txBody>
+      </p:sp>
+      <p:sp>
+        <p:nvSpPr>
+          <p:cNvPr id="27" name="椭圆 26">
+            <a:extLst>
+              <a:ext uri="{FF2B5EF4-FFF2-40B4-BE49-F238E27FC236}">
+                <a16:creationId xmlns:a16="http://schemas.microsoft.com/office/drawing/2014/main" id="{C173215B-73E0-6CC6-1D3E-8E3E5E7078AC}"/>
+              </a:ext>
+            </a:extLst>
+          </p:cNvPr>
+          <p:cNvSpPr/>
+          <p:nvPr/>
+        </p:nvSpPr>
+        <p:spPr>
+          <a:xfrm>
+            <a:off x="-7438583" y="4618832"/>
+            <a:ext cx="222674" cy="222674"/>
+          </a:xfrm>
+          <a:prstGeom prst="ellipse">
+            <a:avLst/>
+          </a:prstGeom>
+          <a:solidFill>
+            <a:srgbClr val="C00000"/>
+          </a:solidFill>
+          <a:ln>
+            <a:noFill/>
+          </a:ln>
+        </p:spPr>
+        <p:style>
+          <a:lnRef idx="2">
+            <a:schemeClr val="accent1">
+              <a:shade val="15000"/>
+            </a:schemeClr>
+          </a:lnRef>
+          <a:fillRef idx="1">
+            <a:schemeClr val="accent1"/>
+          </a:fillRef>
+          <a:effectRef idx="0">
+            <a:schemeClr val="accent1"/>
+          </a:effectRef>
+          <a:fontRef idx="minor">
+            <a:schemeClr val="lt1"/>
+          </a:fontRef>
+        </p:style>
+        <p:txBody>
+          <a:bodyPr wrap="square" rtlCol="0" anchor="ctr">
+            <a:noAutofit/>
+          </a:bodyPr>
+          <a:lstStyle/>
+          <a:p>
+            <a:pPr algn="ctr">
+              <a:spcBef>
+                <a:spcPts val="600"/>
+              </a:spcBef>
+              <a:spcAft>
+                <a:spcPts val="600"/>
+              </a:spcAft>
+            </a:pPr>
+            <a:endParaRPr lang="zh-CN" altLang="en-US" sz="4000" b="1">
+              <a:solidFill>
+                <a:schemeClr val="bg1"/>
+              </a:solidFill>
+              <a:latin typeface="Arial" panose="020B0604020202020204" pitchFamily="34" charset="0"/>
+              <a:cs typeface="Arial" panose="020B0604020202020204" pitchFamily="34" charset="0"/>
+            </a:endParaRPr>
+          </a:p>
+        </p:txBody>
+      </p:sp>
+      <p:sp>
+        <p:nvSpPr>
+          <p:cNvPr id="28" name="椭圆 27">
+            <a:extLst>
+              <a:ext uri="{FF2B5EF4-FFF2-40B4-BE49-F238E27FC236}">
+                <a16:creationId xmlns:a16="http://schemas.microsoft.com/office/drawing/2014/main" id="{6A45F3F5-705C-16DD-6940-D902EE49BAF9}"/>
+              </a:ext>
+            </a:extLst>
+          </p:cNvPr>
+          <p:cNvSpPr/>
+          <p:nvPr/>
+        </p:nvSpPr>
+        <p:spPr>
+          <a:xfrm>
+            <a:off x="-8069263" y="2674475"/>
+            <a:ext cx="222674" cy="222674"/>
+          </a:xfrm>
+          <a:prstGeom prst="ellipse">
+            <a:avLst/>
+          </a:prstGeom>
+          <a:solidFill>
+            <a:srgbClr val="C00000"/>
+          </a:solidFill>
+          <a:ln>
+            <a:noFill/>
+          </a:ln>
+        </p:spPr>
+        <p:style>
+          <a:lnRef idx="2">
+            <a:schemeClr val="accent1">
+              <a:shade val="15000"/>
+            </a:schemeClr>
+          </a:lnRef>
+          <a:fillRef idx="1">
+            <a:schemeClr val="accent1"/>
+          </a:fillRef>
+          <a:effectRef idx="0">
+            <a:schemeClr val="accent1"/>
+          </a:effectRef>
+          <a:fontRef idx="minor">
+            <a:schemeClr val="lt1"/>
+          </a:fontRef>
+        </p:style>
+        <p:txBody>
+          <a:bodyPr wrap="square" rtlCol="0" anchor="ctr">
+            <a:noAutofit/>
+          </a:bodyPr>
+          <a:lstStyle/>
+          <a:p>
+            <a:pPr algn="ctr">
+              <a:spcBef>
+                <a:spcPts val="600"/>
+              </a:spcBef>
+              <a:spcAft>
+                <a:spcPts val="600"/>
+              </a:spcAft>
+            </a:pPr>
+            <a:endParaRPr lang="zh-CN" altLang="en-US" sz="4000" b="1">
+              <a:solidFill>
+                <a:schemeClr val="bg1"/>
+              </a:solidFill>
+              <a:latin typeface="Arial" panose="020B0604020202020204" pitchFamily="34" charset="0"/>
+              <a:cs typeface="Arial" panose="020B0604020202020204" pitchFamily="34" charset="0"/>
+            </a:endParaRPr>
+          </a:p>
+        </p:txBody>
+      </p:sp>
+      <p:sp>
+        <p:nvSpPr>
+          <p:cNvPr id="29" name="椭圆 28">
+            <a:extLst>
+              <a:ext uri="{FF2B5EF4-FFF2-40B4-BE49-F238E27FC236}">
+                <a16:creationId xmlns:a16="http://schemas.microsoft.com/office/drawing/2014/main" id="{8C1AD06F-A537-E8DB-93EE-003FFE67E164}"/>
+              </a:ext>
+            </a:extLst>
+          </p:cNvPr>
+          <p:cNvSpPr/>
+          <p:nvPr/>
+        </p:nvSpPr>
+        <p:spPr>
+          <a:xfrm>
+            <a:off x="-8945803" y="2502285"/>
+            <a:ext cx="222674" cy="222674"/>
+          </a:xfrm>
+          <a:prstGeom prst="ellipse">
+            <a:avLst/>
+          </a:prstGeom>
+          <a:solidFill>
+            <a:srgbClr val="C00000"/>
+          </a:solidFill>
+          <a:ln>
+            <a:noFill/>
+          </a:ln>
+        </p:spPr>
+        <p:style>
+          <a:lnRef idx="2">
+            <a:schemeClr val="accent1">
+              <a:shade val="15000"/>
+            </a:schemeClr>
+          </a:lnRef>
+          <a:fillRef idx="1">
+            <a:schemeClr val="accent1"/>
+          </a:fillRef>
+          <a:effectRef idx="0">
+            <a:schemeClr val="accent1"/>
+          </a:effectRef>
+          <a:fontRef idx="minor">
+            <a:schemeClr val="lt1"/>
+          </a:fontRef>
+        </p:style>
+        <p:txBody>
+          <a:bodyPr wrap="square" rtlCol="0" anchor="ctr">
+            <a:noAutofit/>
+          </a:bodyPr>
+          <a:lstStyle/>
+          <a:p>
+            <a:pPr algn="ctr">
+              <a:spcBef>
+                <a:spcPts val="600"/>
+              </a:spcBef>
+              <a:spcAft>
+                <a:spcPts val="600"/>
+              </a:spcAft>
+            </a:pPr>
+            <a:endParaRPr lang="zh-CN" altLang="en-US" sz="4000" b="1">
+              <a:solidFill>
+                <a:schemeClr val="bg1"/>
+              </a:solidFill>
+              <a:latin typeface="Arial" panose="020B0604020202020204" pitchFamily="34" charset="0"/>
+              <a:cs typeface="Arial" panose="020B0604020202020204" pitchFamily="34" charset="0"/>
+            </a:endParaRPr>
+          </a:p>
+        </p:txBody>
+      </p:sp>
+      <p:pic>
+        <p:nvPicPr>
+          <p:cNvPr id="30" name="图片 29">
+            <a:extLst>
+              <a:ext uri="{FF2B5EF4-FFF2-40B4-BE49-F238E27FC236}">
+                <a16:creationId xmlns:a16="http://schemas.microsoft.com/office/drawing/2014/main" id="{40F80689-5BB7-1027-76FE-3395C9156C56}"/>
+              </a:ext>
+            </a:extLst>
+          </p:cNvPr>
+          <p:cNvPicPr>
+            <a:picLocks noChangeAspect="1"/>
+          </p:cNvPicPr>
+          <p:nvPr/>
+        </p:nvPicPr>
+        <p:blipFill>
+          <a:blip r:embed="rId2"/>
+          <a:stretch>
+            <a:fillRect/>
+          </a:stretch>
+        </p:blipFill>
+        <p:spPr>
+          <a:xfrm>
+            <a:off x="-7377424" y="1028700"/>
+            <a:ext cx="6026230" cy="1865023"/>
+          </a:xfrm>
+          <a:prstGeom prst="rect">
+            <a:avLst/>
+          </a:prstGeom>
+        </p:spPr>
+      </p:pic>
+      <p:pic>
+        <p:nvPicPr>
+          <p:cNvPr id="31" name="图片 30">
+            <a:extLst>
+              <a:ext uri="{FF2B5EF4-FFF2-40B4-BE49-F238E27FC236}">
+                <a16:creationId xmlns:a16="http://schemas.microsoft.com/office/drawing/2014/main" id="{9D7E13CF-1C98-5793-4FF3-2E812A1CC511}"/>
+              </a:ext>
+            </a:extLst>
+          </p:cNvPr>
+          <p:cNvPicPr>
+            <a:picLocks noChangeAspect="1"/>
+          </p:cNvPicPr>
+          <p:nvPr/>
+        </p:nvPicPr>
+        <p:blipFill>
+          <a:blip r:embed="rId3"/>
+          <a:stretch>
+            <a:fillRect/>
+          </a:stretch>
+        </p:blipFill>
+        <p:spPr>
+          <a:xfrm>
+            <a:off x="2782529" y="1475752"/>
+            <a:ext cx="6626942" cy="3906496"/>
+          </a:xfrm>
+          <a:prstGeom prst="rect">
+            <a:avLst/>
+          </a:prstGeom>
+        </p:spPr>
+      </p:pic>
+    </p:spTree>
+    <p:extLst>
+      <p:ext uri="{BB962C8B-B14F-4D97-AF65-F5344CB8AC3E}">
+        <p14:creationId xmlns:p14="http://schemas.microsoft.com/office/powerpoint/2010/main" val="3734689457"/>
+      </p:ext>
+    </p:extLst>
+  </p:cSld>
+  <p:clrMapOvr>
+    <a:masterClrMapping/>
+  </p:clrMapOvr>
+</p:sld>
+</file>
+
+<file path=ppt/slides/slide8.xml><?xml version="1.0" encoding="utf-8"?>
+<p:sld xmlns:a="http://schemas.openxmlformats.org/drawingml/2006/main" xmlns:r="http://schemas.openxmlformats.org/officeDocument/2006/relationships" xmlns:p="http://schemas.openxmlformats.org/presentationml/2006/main">
+  <p:cSld>
+    <p:spTree>
+      <p:nvGrpSpPr>
+        <p:cNvPr id="1" name=""/>
+        <p:cNvGrpSpPr/>
+        <p:nvPr/>
+      </p:nvGrpSpPr>
+      <p:grpSpPr>
+        <a:xfrm>
+          <a:off x="0" y="0"/>
+          <a:ext cx="0" cy="0"/>
+          <a:chOff x="0" y="0"/>
+          <a:chExt cx="0" cy="0"/>
+        </a:xfrm>
+      </p:grpSpPr>
+      <p:pic>
+        <p:nvPicPr>
+          <p:cNvPr id="3" name="图片 2">
+            <a:extLst>
+              <a:ext uri="{FF2B5EF4-FFF2-40B4-BE49-F238E27FC236}">
+                <a16:creationId xmlns:a16="http://schemas.microsoft.com/office/drawing/2014/main" id="{A1BA8513-431C-2B03-20F9-850F92663A2C}"/>
+              </a:ext>
+            </a:extLst>
+          </p:cNvPr>
+          <p:cNvPicPr>
+            <a:picLocks noChangeAspect="1"/>
+          </p:cNvPicPr>
+          <p:nvPr/>
+        </p:nvPicPr>
+        <p:blipFill>
+          <a:blip r:embed="rId2"/>
+          <a:srcRect t="20281" b="20003"/>
+          <a:stretch/>
+        </p:blipFill>
+        <p:spPr>
+          <a:xfrm>
+            <a:off x="694194" y="1619250"/>
+            <a:ext cx="10803612" cy="3629026"/>
+          </a:xfrm>
+          <a:prstGeom prst="rect">
+            <a:avLst/>
+          </a:prstGeom>
+        </p:spPr>
+      </p:pic>
+    </p:spTree>
+    <p:extLst>
+      <p:ext uri="{BB962C8B-B14F-4D97-AF65-F5344CB8AC3E}">
+        <p14:creationId xmlns:p14="http://schemas.microsoft.com/office/powerpoint/2010/main" val="3108451813"/>
+      </p:ext>
+    </p:extLst>
+  </p:cSld>
+  <p:clrMapOvr>
+    <a:masterClrMapping/>
+  </p:clrMapOvr>
+</p:sld>
+</file>
+
+<file path=ppt/slides/slide9.xml><?xml version="1.0" encoding="utf-8"?>
+<p:sld xmlns:a="http://schemas.openxmlformats.org/drawingml/2006/main" xmlns:r="http://schemas.openxmlformats.org/officeDocument/2006/relationships" xmlns:p="http://schemas.openxmlformats.org/presentationml/2006/main">
+  <p:cSld>
+    <p:spTree>
+      <p:nvGrpSpPr>
+        <p:cNvPr id="1" name=""/>
+        <p:cNvGrpSpPr/>
+        <p:nvPr/>
+      </p:nvGrpSpPr>
+      <p:grpSpPr>
+        <a:xfrm>
+          <a:off x="0" y="0"/>
+          <a:ext cx="0" cy="0"/>
+          <a:chOff x="0" y="0"/>
+          <a:chExt cx="0" cy="0"/>
+        </a:xfrm>
+      </p:grpSpPr>
+      <p:pic>
+        <p:nvPicPr>
+          <p:cNvPr id="3" name="图片 2">
+            <a:extLst>
+              <a:ext uri="{FF2B5EF4-FFF2-40B4-BE49-F238E27FC236}">
+                <a16:creationId xmlns:a16="http://schemas.microsoft.com/office/drawing/2014/main" id="{65D7FE27-1B1F-EF9E-84AF-B5995800C964}"/>
+              </a:ext>
+            </a:extLst>
+          </p:cNvPr>
+          <p:cNvPicPr>
+            <a:picLocks noChangeAspect="1"/>
+          </p:cNvPicPr>
+          <p:nvPr/>
+        </p:nvPicPr>
+        <p:blipFill>
+          <a:blip r:embed="rId2">
+            <a:extLst>
+              <a:ext uri="{28A0092B-C50C-407E-A947-70E740481C1C}">
+                <a14:useLocalDpi xmlns:a14="http://schemas.microsoft.com/office/drawing/2010/main" val="0"/>
+              </a:ext>
+            </a:extLst>
+          </a:blip>
+          <a:stretch>
+            <a:fillRect/>
+          </a:stretch>
+        </p:blipFill>
+        <p:spPr>
+          <a:xfrm>
+            <a:off x="2587542" y="1371600"/>
+            <a:ext cx="7016916" cy="4114800"/>
+          </a:xfrm>
+          <a:prstGeom prst="rect">
+            <a:avLst/>
+          </a:prstGeom>
+        </p:spPr>
+      </p:pic>
+    </p:spTree>
+    <p:extLst>
+      <p:ext uri="{BB962C8B-B14F-4D97-AF65-F5344CB8AC3E}">
+        <p14:creationId xmlns:p14="http://schemas.microsoft.com/office/powerpoint/2010/main" val="646309965"/>
       </p:ext>
     </p:extLst>
   </p:cSld>
@@ -3914,4 +8152,319 @@
     </a:ext>
   </a:extLst>
 </a:theme>
+</file>
+
+<file path=ppt/theme/theme2.xml><?xml version="1.0" encoding="utf-8"?>
+<a:theme xmlns:a="http://schemas.openxmlformats.org/drawingml/2006/main" name="Office 主题​​">
+  <a:themeElements>
+    <a:clrScheme name="Office">
+      <a:dk1>
+        <a:sysClr val="windowText" lastClr="000000"/>
+      </a:dk1>
+      <a:lt1>
+        <a:sysClr val="window" lastClr="FFFFFF"/>
+      </a:lt1>
+      <a:dk2>
+        <a:srgbClr val="0E2841"/>
+      </a:dk2>
+      <a:lt2>
+        <a:srgbClr val="E8E8E8"/>
+      </a:lt2>
+      <a:accent1>
+        <a:srgbClr val="156082"/>
+      </a:accent1>
+      <a:accent2>
+        <a:srgbClr val="E97132"/>
+      </a:accent2>
+      <a:accent3>
+        <a:srgbClr val="196B24"/>
+      </a:accent3>
+      <a:accent4>
+        <a:srgbClr val="0F9ED5"/>
+      </a:accent4>
+      <a:accent5>
+        <a:srgbClr val="A02B93"/>
+      </a:accent5>
+      <a:accent6>
+        <a:srgbClr val="4EA72E"/>
+      </a:accent6>
+      <a:hlink>
+        <a:srgbClr val="467886"/>
+      </a:hlink>
+      <a:folHlink>
+        <a:srgbClr val="96607D"/>
+      </a:folHlink>
+    </a:clrScheme>
+    <a:fontScheme name="Office">
+      <a:majorFont>
+        <a:latin typeface="等线 Light" panose="02110004020202020204"/>
+        <a:ea typeface=""/>
+        <a:cs typeface=""/>
+        <a:font script="Jpan" typeface="游ゴシック Light"/>
+        <a:font script="Hang" typeface="맑은 고딕"/>
+        <a:font script="Hans" typeface="等线 Light"/>
+        <a:font script="Hant" typeface="新細明體"/>
+        <a:font script="Arab" typeface="Times New Roman"/>
+        <a:font script="Hebr" typeface="Times New Roman"/>
+        <a:font script="Thai" typeface="Angsana New"/>
+        <a:font script="Ethi" typeface="Nyala"/>
+        <a:font script="Beng" typeface="Vrinda"/>
+        <a:font script="Gujr" typeface="Shruti"/>
+        <a:font script="Khmr" typeface="MoolBoran"/>
+        <a:font script="Knda" typeface="Tunga"/>
+        <a:font script="Guru" typeface="Raavi"/>
+        <a:font script="Cans" typeface="Euphemia"/>
+        <a:font script="Cher" typeface="Plantagenet Cherokee"/>
+        <a:font script="Yiii" typeface="Microsoft Yi Baiti"/>
+        <a:font script="Tibt" typeface="Microsoft Himalaya"/>
+        <a:font script="Thaa" typeface="MV Boli"/>
+        <a:font script="Deva" typeface="Mangal"/>
+        <a:font script="Telu" typeface="Gautami"/>
+        <a:font script="Taml" typeface="Latha"/>
+        <a:font script="Syrc" typeface="Estrangelo Edessa"/>
+        <a:font script="Orya" typeface="Kalinga"/>
+        <a:font script="Mlym" typeface="Kartika"/>
+        <a:font script="Laoo" typeface="DokChampa"/>
+        <a:font script="Sinh" typeface="Iskoola Pota"/>
+        <a:font script="Mong" typeface="Mongolian Baiti"/>
+        <a:font script="Viet" typeface="Times New Roman"/>
+        <a:font script="Uigh" typeface="Microsoft Uighur"/>
+        <a:font script="Geor" typeface="Sylfaen"/>
+        <a:font script="Armn" typeface="Arial"/>
+        <a:font script="Bugi" typeface="Leelawadee UI"/>
+        <a:font script="Bopo" typeface="Microsoft JhengHei"/>
+        <a:font script="Java" typeface="Javanese Text"/>
+        <a:font script="Lisu" typeface="Segoe UI"/>
+        <a:font script="Mymr" typeface="Myanmar Text"/>
+        <a:font script="Nkoo" typeface="Ebrima"/>
+        <a:font script="Olck" typeface="Nirmala UI"/>
+        <a:font script="Osma" typeface="Ebrima"/>
+        <a:font script="Phag" typeface="Phagspa"/>
+        <a:font script="Syrn" typeface="Estrangelo Edessa"/>
+        <a:font script="Syrj" typeface="Estrangelo Edessa"/>
+        <a:font script="Syre" typeface="Estrangelo Edessa"/>
+        <a:font script="Sora" typeface="Nirmala UI"/>
+        <a:font script="Tale" typeface="Microsoft Tai Le"/>
+        <a:font script="Talu" typeface="Microsoft New Tai Lue"/>
+        <a:font script="Tfng" typeface="Ebrima"/>
+      </a:majorFont>
+      <a:minorFont>
+        <a:latin typeface="等线" panose="02110004020202020204"/>
+        <a:ea typeface=""/>
+        <a:cs typeface=""/>
+        <a:font script="Jpan" typeface="游ゴシック"/>
+        <a:font script="Hang" typeface="맑은 고딕"/>
+        <a:font script="Hans" typeface="等线"/>
+        <a:font script="Hant" typeface="新細明體"/>
+        <a:font script="Arab" typeface="Arial"/>
+        <a:font script="Hebr" typeface="Arial"/>
+        <a:font script="Thai" typeface="Cordia New"/>
+        <a:font script="Ethi" typeface="Nyala"/>
+        <a:font script="Beng" typeface="Vrinda"/>
+        <a:font script="Gujr" typeface="Shruti"/>
+        <a:font script="Khmr" typeface="DaunPenh"/>
+        <a:font script="Knda" typeface="Tunga"/>
+        <a:font script="Guru" typeface="Raavi"/>
+        <a:font script="Cans" typeface="Euphemia"/>
+        <a:font script="Cher" typeface="Plantagenet Cherokee"/>
+        <a:font script="Yiii" typeface="Microsoft Yi Baiti"/>
+        <a:font script="Tibt" typeface="Microsoft Himalaya"/>
+        <a:font script="Thaa" typeface="MV Boli"/>
+        <a:font script="Deva" typeface="Mangal"/>
+        <a:font script="Telu" typeface="Gautami"/>
+        <a:font script="Taml" typeface="Latha"/>
+        <a:font script="Syrc" typeface="Estrangelo Edessa"/>
+        <a:font script="Orya" typeface="Kalinga"/>
+        <a:font script="Mlym" typeface="Kartika"/>
+        <a:font script="Laoo" typeface="DokChampa"/>
+        <a:font script="Sinh" typeface="Iskoola Pota"/>
+        <a:font script="Mong" typeface="Mongolian Baiti"/>
+        <a:font script="Viet" typeface="Arial"/>
+        <a:font script="Uigh" typeface="Microsoft Uighur"/>
+        <a:font script="Geor" typeface="Sylfaen"/>
+        <a:font script="Armn" typeface="Arial"/>
+        <a:font script="Bugi" typeface="Leelawadee UI"/>
+        <a:font script="Bopo" typeface="Microsoft JhengHei"/>
+        <a:font script="Java" typeface="Javanese Text"/>
+        <a:font script="Lisu" typeface="Segoe UI"/>
+        <a:font script="Mymr" typeface="Myanmar Text"/>
+        <a:font script="Nkoo" typeface="Ebrima"/>
+        <a:font script="Olck" typeface="Nirmala UI"/>
+        <a:font script="Osma" typeface="Ebrima"/>
+        <a:font script="Phag" typeface="Phagspa"/>
+        <a:font script="Syrn" typeface="Estrangelo Edessa"/>
+        <a:font script="Syrj" typeface="Estrangelo Edessa"/>
+        <a:font script="Syre" typeface="Estrangelo Edessa"/>
+        <a:font script="Sora" typeface="Nirmala UI"/>
+        <a:font script="Tale" typeface="Microsoft Tai Le"/>
+        <a:font script="Talu" typeface="Microsoft New Tai Lue"/>
+        <a:font script="Tfng" typeface="Ebrima"/>
+      </a:minorFont>
+    </a:fontScheme>
+    <a:fmtScheme name="Office">
+      <a:fillStyleLst>
+        <a:solidFill>
+          <a:schemeClr val="phClr"/>
+        </a:solidFill>
+        <a:gradFill rotWithShape="1">
+          <a:gsLst>
+            <a:gs pos="0">
+              <a:schemeClr val="phClr">
+                <a:lumMod val="110000"/>
+                <a:satMod val="105000"/>
+                <a:tint val="67000"/>
+              </a:schemeClr>
+            </a:gs>
+            <a:gs pos="50000">
+              <a:schemeClr val="phClr">
+                <a:lumMod val="105000"/>
+                <a:satMod val="103000"/>
+                <a:tint val="73000"/>
+              </a:schemeClr>
+            </a:gs>
+            <a:gs pos="100000">
+              <a:schemeClr val="phClr">
+                <a:lumMod val="105000"/>
+                <a:satMod val="109000"/>
+                <a:tint val="81000"/>
+              </a:schemeClr>
+            </a:gs>
+          </a:gsLst>
+          <a:lin ang="5400000" scaled="0"/>
+        </a:gradFill>
+        <a:gradFill rotWithShape="1">
+          <a:gsLst>
+            <a:gs pos="0">
+              <a:schemeClr val="phClr">
+                <a:satMod val="103000"/>
+                <a:lumMod val="102000"/>
+                <a:tint val="94000"/>
+              </a:schemeClr>
+            </a:gs>
+            <a:gs pos="50000">
+              <a:schemeClr val="phClr">
+                <a:satMod val="110000"/>
+                <a:lumMod val="100000"/>
+                <a:shade val="100000"/>
+              </a:schemeClr>
+            </a:gs>
+            <a:gs pos="100000">
+              <a:schemeClr val="phClr">
+                <a:lumMod val="99000"/>
+                <a:satMod val="120000"/>
+                <a:shade val="78000"/>
+              </a:schemeClr>
+            </a:gs>
+          </a:gsLst>
+          <a:lin ang="5400000" scaled="0"/>
+        </a:gradFill>
+      </a:fillStyleLst>
+      <a:lnStyleLst>
+        <a:ln w="12700" cap="flat" cmpd="sng" algn="ctr">
+          <a:solidFill>
+            <a:schemeClr val="phClr"/>
+          </a:solidFill>
+          <a:prstDash val="solid"/>
+          <a:miter lim="800000"/>
+        </a:ln>
+        <a:ln w="19050" cap="flat" cmpd="sng" algn="ctr">
+          <a:solidFill>
+            <a:schemeClr val="phClr"/>
+          </a:solidFill>
+          <a:prstDash val="solid"/>
+          <a:miter lim="800000"/>
+        </a:ln>
+        <a:ln w="25400" cap="flat" cmpd="sng" algn="ctr">
+          <a:solidFill>
+            <a:schemeClr val="phClr"/>
+          </a:solidFill>
+          <a:prstDash val="solid"/>
+          <a:miter lim="800000"/>
+        </a:ln>
+      </a:lnStyleLst>
+      <a:effectStyleLst>
+        <a:effectStyle>
+          <a:effectLst/>
+        </a:effectStyle>
+        <a:effectStyle>
+          <a:effectLst/>
+        </a:effectStyle>
+        <a:effectStyle>
+          <a:effectLst>
+            <a:outerShdw blurRad="57150" dist="19050" dir="5400000" algn="ctr" rotWithShape="0">
+              <a:srgbClr val="000000">
+                <a:alpha val="63000"/>
+              </a:srgbClr>
+            </a:outerShdw>
+          </a:effectLst>
+        </a:effectStyle>
+      </a:effectStyleLst>
+      <a:bgFillStyleLst>
+        <a:solidFill>
+          <a:schemeClr val="phClr"/>
+        </a:solidFill>
+        <a:solidFill>
+          <a:schemeClr val="phClr">
+            <a:tint val="95000"/>
+            <a:satMod val="170000"/>
+          </a:schemeClr>
+        </a:solidFill>
+        <a:gradFill rotWithShape="1">
+          <a:gsLst>
+            <a:gs pos="0">
+              <a:schemeClr val="phClr">
+                <a:tint val="93000"/>
+                <a:satMod val="150000"/>
+                <a:shade val="98000"/>
+                <a:lumMod val="102000"/>
+              </a:schemeClr>
+            </a:gs>
+            <a:gs pos="50000">
+              <a:schemeClr val="phClr">
+                <a:tint val="98000"/>
+                <a:satMod val="130000"/>
+                <a:shade val="90000"/>
+                <a:lumMod val="103000"/>
+              </a:schemeClr>
+            </a:gs>
+            <a:gs pos="100000">
+              <a:schemeClr val="phClr">
+                <a:shade val="63000"/>
+                <a:satMod val="120000"/>
+              </a:schemeClr>
+            </a:gs>
+          </a:gsLst>
+          <a:lin ang="5400000" scaled="0"/>
+        </a:gradFill>
+      </a:bgFillStyleLst>
+    </a:fmtScheme>
+  </a:themeElements>
+  <a:objectDefaults>
+    <a:lnDef>
+      <a:spPr/>
+      <a:bodyPr/>
+      <a:lstStyle/>
+      <a:style>
+        <a:lnRef idx="2">
+          <a:schemeClr val="accent1"/>
+        </a:lnRef>
+        <a:fillRef idx="0">
+          <a:schemeClr val="accent1"/>
+        </a:fillRef>
+        <a:effectRef idx="1">
+          <a:schemeClr val="accent1"/>
+        </a:effectRef>
+        <a:fontRef idx="minor">
+          <a:schemeClr val="tx1"/>
+        </a:fontRef>
+      </a:style>
+    </a:lnDef>
+  </a:objectDefaults>
+  <a:extraClrSchemeLst/>
+  <a:extLst>
+    <a:ext uri="{05A4C25C-085E-4340-85A3-A5531E510DB2}">
+      <thm15:themeFamily xmlns:thm15="http://schemas.microsoft.com/office/thememl/2012/main" name="Office Theme" id="{2E142A2C-CD16-42D6-873A-C26D2A0506FA}" vid="{1BDDFF52-6CD6-40A5-AB3C-68EB2F1E4D0A}"/>
+    </a:ext>
+  </a:extLst>
+</a:theme>
 </file>
--- a/illustration.pptx
+++ b/illustration.pptx
@@ -2,34 +2,27 @@
 <file path=ppt/presentation.xml><?xml version="1.0" encoding="utf-8"?>
 <p:presentation xmlns:a="http://schemas.openxmlformats.org/drawingml/2006/main" xmlns:r="http://schemas.openxmlformats.org/officeDocument/2006/relationships" xmlns:p="http://schemas.openxmlformats.org/presentationml/2006/main" saveSubsetFonts="1">
   <p:sldMasterIdLst>
-    <p:sldMasterId id="2147483648" r:id="rId1"/>
+    <p:sldMasterId id="2147483684" r:id="rId1"/>
   </p:sldMasterIdLst>
   <p:notesMasterIdLst>
-    <p:notesMasterId r:id="rId16"/>
+    <p:notesMasterId r:id="rId9"/>
   </p:notesMasterIdLst>
   <p:sldIdLst>
     <p:sldId id="256" r:id="rId2"/>
-    <p:sldId id="257" r:id="rId3"/>
-    <p:sldId id="258" r:id="rId4"/>
-    <p:sldId id="259" r:id="rId5"/>
-    <p:sldId id="260" r:id="rId6"/>
-    <p:sldId id="261" r:id="rId7"/>
-    <p:sldId id="262" r:id="rId8"/>
-    <p:sldId id="263" r:id="rId9"/>
-    <p:sldId id="264" r:id="rId10"/>
-    <p:sldId id="265" r:id="rId11"/>
-    <p:sldId id="266" r:id="rId12"/>
-    <p:sldId id="267" r:id="rId13"/>
-    <p:sldId id="268" r:id="rId14"/>
-    <p:sldId id="269" r:id="rId15"/>
+    <p:sldId id="258" r:id="rId3"/>
+    <p:sldId id="260" r:id="rId4"/>
+    <p:sldId id="262" r:id="rId5"/>
+    <p:sldId id="264" r:id="rId6"/>
+    <p:sldId id="266" r:id="rId7"/>
+    <p:sldId id="268" r:id="rId8"/>
   </p:sldIdLst>
-  <p:sldSz cx="12192000" cy="6858000"/>
+  <p:sldSz cx="12599988" cy="3600450"/>
   <p:notesSz cx="6858000" cy="9144000"/>
   <p:defaultTextStyle>
     <a:defPPr>
-      <a:defRPr lang="zh-CN"/>
+      <a:defRPr lang="en-US"/>
     </a:defPPr>
-    <a:lvl1pPr marL="0" algn="l" defTabSz="914400" rtl="0" eaLnBrk="1" latinLnBrk="0" hangingPunct="1">
+    <a:lvl1pPr marL="0" algn="l" defTabSz="457200" rtl="0" eaLnBrk="1" latinLnBrk="0" hangingPunct="1">
       <a:defRPr sz="1800" kern="1200">
         <a:solidFill>
           <a:schemeClr val="tx1"/>
@@ -39,7 +32,7 @@
         <a:cs typeface="+mn-cs"/>
       </a:defRPr>
     </a:lvl1pPr>
-    <a:lvl2pPr marL="457200" algn="l" defTabSz="914400" rtl="0" eaLnBrk="1" latinLnBrk="0" hangingPunct="1">
+    <a:lvl2pPr marL="457200" algn="l" defTabSz="457200" rtl="0" eaLnBrk="1" latinLnBrk="0" hangingPunct="1">
       <a:defRPr sz="1800" kern="1200">
         <a:solidFill>
           <a:schemeClr val="tx1"/>
@@ -49,7 +42,7 @@
         <a:cs typeface="+mn-cs"/>
       </a:defRPr>
     </a:lvl2pPr>
-    <a:lvl3pPr marL="914400" algn="l" defTabSz="914400" rtl="0" eaLnBrk="1" latinLnBrk="0" hangingPunct="1">
+    <a:lvl3pPr marL="914400" algn="l" defTabSz="457200" rtl="0" eaLnBrk="1" latinLnBrk="0" hangingPunct="1">
       <a:defRPr sz="1800" kern="1200">
         <a:solidFill>
           <a:schemeClr val="tx1"/>
@@ -59,7 +52,7 @@
         <a:cs typeface="+mn-cs"/>
       </a:defRPr>
     </a:lvl3pPr>
-    <a:lvl4pPr marL="1371600" algn="l" defTabSz="914400" rtl="0" eaLnBrk="1" latinLnBrk="0" hangingPunct="1">
+    <a:lvl4pPr marL="1371600" algn="l" defTabSz="457200" rtl="0" eaLnBrk="1" latinLnBrk="0" hangingPunct="1">
       <a:defRPr sz="1800" kern="1200">
         <a:solidFill>
           <a:schemeClr val="tx1"/>
@@ -69,7 +62,7 @@
         <a:cs typeface="+mn-cs"/>
       </a:defRPr>
     </a:lvl4pPr>
-    <a:lvl5pPr marL="1828800" algn="l" defTabSz="914400" rtl="0" eaLnBrk="1" latinLnBrk="0" hangingPunct="1">
+    <a:lvl5pPr marL="1828800" algn="l" defTabSz="457200" rtl="0" eaLnBrk="1" latinLnBrk="0" hangingPunct="1">
       <a:defRPr sz="1800" kern="1200">
         <a:solidFill>
           <a:schemeClr val="tx1"/>
@@ -79,7 +72,7 @@
         <a:cs typeface="+mn-cs"/>
       </a:defRPr>
     </a:lvl5pPr>
-    <a:lvl6pPr marL="2286000" algn="l" defTabSz="914400" rtl="0" eaLnBrk="1" latinLnBrk="0" hangingPunct="1">
+    <a:lvl6pPr marL="2286000" algn="l" defTabSz="457200" rtl="0" eaLnBrk="1" latinLnBrk="0" hangingPunct="1">
       <a:defRPr sz="1800" kern="1200">
         <a:solidFill>
           <a:schemeClr val="tx1"/>
@@ -89,7 +82,7 @@
         <a:cs typeface="+mn-cs"/>
       </a:defRPr>
     </a:lvl6pPr>
-    <a:lvl7pPr marL="2743200" algn="l" defTabSz="914400" rtl="0" eaLnBrk="1" latinLnBrk="0" hangingPunct="1">
+    <a:lvl7pPr marL="2743200" algn="l" defTabSz="457200" rtl="0" eaLnBrk="1" latinLnBrk="0" hangingPunct="1">
       <a:defRPr sz="1800" kern="1200">
         <a:solidFill>
           <a:schemeClr val="tx1"/>
@@ -99,7 +92,7 @@
         <a:cs typeface="+mn-cs"/>
       </a:defRPr>
     </a:lvl7pPr>
-    <a:lvl8pPr marL="3200400" algn="l" defTabSz="914400" rtl="0" eaLnBrk="1" latinLnBrk="0" hangingPunct="1">
+    <a:lvl8pPr marL="3200400" algn="l" defTabSz="457200" rtl="0" eaLnBrk="1" latinLnBrk="0" hangingPunct="1">
       <a:defRPr sz="1800" kern="1200">
         <a:solidFill>
           <a:schemeClr val="tx1"/>
@@ -109,7 +102,7 @@
         <a:cs typeface="+mn-cs"/>
       </a:defRPr>
     </a:lvl8pPr>
-    <a:lvl9pPr marL="3657600" algn="l" defTabSz="914400" rtl="0" eaLnBrk="1" latinLnBrk="0" hangingPunct="1">
+    <a:lvl9pPr marL="3657600" algn="l" defTabSz="457200" rtl="0" eaLnBrk="1" latinLnBrk="0" hangingPunct="1">
       <a:defRPr sz="1800" kern="1200">
         <a:solidFill>
           <a:schemeClr val="tx1"/>
@@ -123,32 +116,32 @@
   <p:extLst>
     <p:ext uri="{EFAFB233-063F-42B5-8137-9DF3F51BA10A}">
       <p15:sldGuideLst xmlns:p15="http://schemas.microsoft.com/office/powerpoint/2012/main">
-        <p15:guide id="1" pos="416" userDrawn="1">
+        <p15:guide id="1" pos="429" userDrawn="1">
           <p15:clr>
             <a:srgbClr val="A4A3A4"/>
           </p15:clr>
         </p15:guide>
-        <p15:guide id="2" pos="7256" userDrawn="1">
+        <p15:guide id="2" pos="7498" userDrawn="1">
           <p15:clr>
             <a:srgbClr val="A4A3A4"/>
           </p15:clr>
         </p15:guide>
-        <p15:guide id="3" orient="horz" pos="648" userDrawn="1">
+        <p15:guide id="3" orient="horz" pos="340" userDrawn="1">
           <p15:clr>
             <a:srgbClr val="A4A3A4"/>
           </p15:clr>
         </p15:guide>
-        <p15:guide id="4" orient="horz" pos="709" userDrawn="1">
+        <p15:guide id="4" orient="horz" pos="372" userDrawn="1">
           <p15:clr>
             <a:srgbClr val="A4A3A4"/>
           </p15:clr>
         </p15:guide>
-        <p15:guide id="5" orient="horz" pos="3928" userDrawn="1">
+        <p15:guide id="5" orient="horz" pos="2062" userDrawn="1">
           <p15:clr>
             <a:srgbClr val="A4A3A4"/>
           </p15:clr>
         </p15:guide>
-        <p15:guide id="6" orient="horz" pos="3864" userDrawn="1">
+        <p15:guide id="6" orient="horz" pos="2029" userDrawn="1">
           <p15:clr>
             <a:srgbClr val="A4A3A4"/>
           </p15:clr>
@@ -259,8 +252,8 @@
         </p:nvSpPr>
         <p:spPr>
           <a:xfrm>
-            <a:off x="685800" y="1143000"/>
-            <a:ext cx="5486400" cy="3086100"/>
+            <a:off x="-1970088" y="1143000"/>
+            <a:ext cx="10798176" cy="3086100"/>
           </a:xfrm>
           <a:prstGeom prst="rect">
             <a:avLst/>
@@ -415,8 +408,8 @@
   </p:cSld>
   <p:clrMap bg1="lt1" tx1="dk1" bg2="lt2" tx2="dk2" accent1="accent1" accent2="accent2" accent3="accent3" accent4="accent4" accent5="accent5" accent6="accent6" hlink="hlink" folHlink="folHlink"/>
   <p:notesStyle>
-    <a:lvl1pPr marL="0" algn="l" defTabSz="914400" rtl="0" eaLnBrk="1" latinLnBrk="0" hangingPunct="1">
-      <a:defRPr sz="1200" kern="1200">
+    <a:lvl1pPr marL="0" algn="l" defTabSz="777574" rtl="0" eaLnBrk="1" latinLnBrk="0" hangingPunct="1">
+      <a:defRPr sz="1020" kern="1200">
         <a:solidFill>
           <a:schemeClr val="tx1"/>
         </a:solidFill>
@@ -425,8 +418,8 @@
         <a:cs typeface="+mn-cs"/>
       </a:defRPr>
     </a:lvl1pPr>
-    <a:lvl2pPr marL="457200" algn="l" defTabSz="914400" rtl="0" eaLnBrk="1" latinLnBrk="0" hangingPunct="1">
-      <a:defRPr sz="1200" kern="1200">
+    <a:lvl2pPr marL="388788" algn="l" defTabSz="777574" rtl="0" eaLnBrk="1" latinLnBrk="0" hangingPunct="1">
+      <a:defRPr sz="1020" kern="1200">
         <a:solidFill>
           <a:schemeClr val="tx1"/>
         </a:solidFill>
@@ -435,8 +428,8 @@
         <a:cs typeface="+mn-cs"/>
       </a:defRPr>
     </a:lvl2pPr>
-    <a:lvl3pPr marL="914400" algn="l" defTabSz="914400" rtl="0" eaLnBrk="1" latinLnBrk="0" hangingPunct="1">
-      <a:defRPr sz="1200" kern="1200">
+    <a:lvl3pPr marL="777574" algn="l" defTabSz="777574" rtl="0" eaLnBrk="1" latinLnBrk="0" hangingPunct="1">
+      <a:defRPr sz="1020" kern="1200">
         <a:solidFill>
           <a:schemeClr val="tx1"/>
         </a:solidFill>
@@ -445,8 +438,8 @@
         <a:cs typeface="+mn-cs"/>
       </a:defRPr>
     </a:lvl3pPr>
-    <a:lvl4pPr marL="1371600" algn="l" defTabSz="914400" rtl="0" eaLnBrk="1" latinLnBrk="0" hangingPunct="1">
-      <a:defRPr sz="1200" kern="1200">
+    <a:lvl4pPr marL="1166362" algn="l" defTabSz="777574" rtl="0" eaLnBrk="1" latinLnBrk="0" hangingPunct="1">
+      <a:defRPr sz="1020" kern="1200">
         <a:solidFill>
           <a:schemeClr val="tx1"/>
         </a:solidFill>
@@ -455,8 +448,8 @@
         <a:cs typeface="+mn-cs"/>
       </a:defRPr>
     </a:lvl4pPr>
-    <a:lvl5pPr marL="1828800" algn="l" defTabSz="914400" rtl="0" eaLnBrk="1" latinLnBrk="0" hangingPunct="1">
-      <a:defRPr sz="1200" kern="1200">
+    <a:lvl5pPr marL="1555149" algn="l" defTabSz="777574" rtl="0" eaLnBrk="1" latinLnBrk="0" hangingPunct="1">
+      <a:defRPr sz="1020" kern="1200">
         <a:solidFill>
           <a:schemeClr val="tx1"/>
         </a:solidFill>
@@ -465,8 +458,8 @@
         <a:cs typeface="+mn-cs"/>
       </a:defRPr>
     </a:lvl5pPr>
-    <a:lvl6pPr marL="2286000" algn="l" defTabSz="914400" rtl="0" eaLnBrk="1" latinLnBrk="0" hangingPunct="1">
-      <a:defRPr sz="1200" kern="1200">
+    <a:lvl6pPr marL="1943937" algn="l" defTabSz="777574" rtl="0" eaLnBrk="1" latinLnBrk="0" hangingPunct="1">
+      <a:defRPr sz="1020" kern="1200">
         <a:solidFill>
           <a:schemeClr val="tx1"/>
         </a:solidFill>
@@ -475,8 +468,8 @@
         <a:cs typeface="+mn-cs"/>
       </a:defRPr>
     </a:lvl6pPr>
-    <a:lvl7pPr marL="2743200" algn="l" defTabSz="914400" rtl="0" eaLnBrk="1" latinLnBrk="0" hangingPunct="1">
-      <a:defRPr sz="1200" kern="1200">
+    <a:lvl7pPr marL="2332724" algn="l" defTabSz="777574" rtl="0" eaLnBrk="1" latinLnBrk="0" hangingPunct="1">
+      <a:defRPr sz="1020" kern="1200">
         <a:solidFill>
           <a:schemeClr val="tx1"/>
         </a:solidFill>
@@ -485,8 +478,8 @@
         <a:cs typeface="+mn-cs"/>
       </a:defRPr>
     </a:lvl7pPr>
-    <a:lvl8pPr marL="3200400" algn="l" defTabSz="914400" rtl="0" eaLnBrk="1" latinLnBrk="0" hangingPunct="1">
-      <a:defRPr sz="1200" kern="1200">
+    <a:lvl8pPr marL="2721511" algn="l" defTabSz="777574" rtl="0" eaLnBrk="1" latinLnBrk="0" hangingPunct="1">
+      <a:defRPr sz="1020" kern="1200">
         <a:solidFill>
           <a:schemeClr val="tx1"/>
         </a:solidFill>
@@ -495,8 +488,8 @@
         <a:cs typeface="+mn-cs"/>
       </a:defRPr>
     </a:lvl8pPr>
-    <a:lvl9pPr marL="3657600" algn="l" defTabSz="914400" rtl="0" eaLnBrk="1" latinLnBrk="0" hangingPunct="1">
-      <a:defRPr sz="1200" kern="1200">
+    <a:lvl9pPr marL="3110299" algn="l" defTabSz="777574" rtl="0" eaLnBrk="1" latinLnBrk="0" hangingPunct="1">
+      <a:defRPr sz="1020" kern="1200">
         <a:solidFill>
           <a:schemeClr val="tx1"/>
         </a:solidFill>
@@ -507,90 +500,6 @@
     </a:lvl9pPr>
   </p:notesStyle>
 </p:notesMaster>
-</file>
-
-<file path=ppt/notesSlides/notesSlide1.xml><?xml version="1.0" encoding="utf-8"?>
-<p:notes xmlns:a="http://schemas.openxmlformats.org/drawingml/2006/main" xmlns:r="http://schemas.openxmlformats.org/officeDocument/2006/relationships" xmlns:p="http://schemas.openxmlformats.org/presentationml/2006/main">
-  <p:cSld>
-    <p:spTree>
-      <p:nvGrpSpPr>
-        <p:cNvPr id="1" name=""/>
-        <p:cNvGrpSpPr/>
-        <p:nvPr/>
-      </p:nvGrpSpPr>
-      <p:grpSpPr>
-        <a:xfrm>
-          <a:off x="0" y="0"/>
-          <a:ext cx="0" cy="0"/>
-          <a:chOff x="0" y="0"/>
-          <a:chExt cx="0" cy="0"/>
-        </a:xfrm>
-      </p:grpSpPr>
-      <p:sp>
-        <p:nvSpPr>
-          <p:cNvPr id="2" name="幻灯片图像占位符 1"/>
-          <p:cNvSpPr>
-            <a:spLocks noGrp="1" noRot="1" noChangeAspect="1"/>
-          </p:cNvSpPr>
-          <p:nvPr>
-            <p:ph type="sldImg"/>
-          </p:nvPr>
-        </p:nvSpPr>
-        <p:spPr/>
-      </p:sp>
-      <p:sp>
-        <p:nvSpPr>
-          <p:cNvPr id="3" name="备注占位符 2"/>
-          <p:cNvSpPr>
-            <a:spLocks noGrp="1"/>
-          </p:cNvSpPr>
-          <p:nvPr>
-            <p:ph type="body" idx="1"/>
-          </p:nvPr>
-        </p:nvSpPr>
-        <p:spPr/>
-        <p:txBody>
-          <a:bodyPr/>
-          <a:lstStyle/>
-          <a:p>
-            <a:endParaRPr lang="en-GB" dirty="0"/>
-          </a:p>
-        </p:txBody>
-      </p:sp>
-      <p:sp>
-        <p:nvSpPr>
-          <p:cNvPr id="4" name="灯片编号占位符 3"/>
-          <p:cNvSpPr>
-            <a:spLocks noGrp="1"/>
-          </p:cNvSpPr>
-          <p:nvPr>
-            <p:ph type="sldNum" sz="quarter" idx="5"/>
-          </p:nvPr>
-        </p:nvSpPr>
-        <p:spPr/>
-        <p:txBody>
-          <a:bodyPr/>
-          <a:lstStyle/>
-          <a:p>
-            <a:fld id="{293E1B12-DA3C-4DB2-A288-4B3F35771826}" type="slidenum">
-              <a:rPr lang="en-GB" smtClean="0"/>
-              <a:t>10</a:t>
-            </a:fld>
-            <a:endParaRPr lang="en-GB"/>
-          </a:p>
-        </p:txBody>
-      </p:sp>
-    </p:spTree>
-    <p:extLst>
-      <p:ext uri="{BB962C8B-B14F-4D97-AF65-F5344CB8AC3E}">
-        <p14:creationId xmlns:p14="http://schemas.microsoft.com/office/powerpoint/2010/main" val="2223392408"/>
-      </p:ext>
-    </p:extLst>
-  </p:cSld>
-  <p:clrMapOvr>
-    <a:masterClrMapping/>
-  </p:clrMapOvr>
-</p:notes>
 </file>
 
 <file path=ppt/slideLayouts/slideLayout1.xml><?xml version="1.0" encoding="utf-8"?>
@@ -612,13 +521,7 @@
       </p:grpSpPr>
       <p:sp>
         <p:nvSpPr>
-          <p:cNvPr id="2" name="标题 1">
-            <a:extLst>
-              <a:ext uri="{FF2B5EF4-FFF2-40B4-BE49-F238E27FC236}">
-                <a16:creationId xmlns:a16="http://schemas.microsoft.com/office/drawing/2014/main" id="{1AC463E2-0CD0-5720-26E4-D1B5E2F2A6FB}"/>
-              </a:ext>
-            </a:extLst>
-          </p:cNvPr>
+          <p:cNvPr id="2" name="Title 1"/>
           <p:cNvSpPr>
             <a:spLocks noGrp="1"/>
           </p:cNvSpPr>
@@ -628,15 +531,15 @@
         </p:nvSpPr>
         <p:spPr>
           <a:xfrm>
-            <a:off x="1524000" y="1122363"/>
-            <a:ext cx="9144000" cy="2387600"/>
+            <a:off x="1574999" y="589241"/>
+            <a:ext cx="9449991" cy="1253490"/>
           </a:xfrm>
         </p:spPr>
         <p:txBody>
           <a:bodyPr anchor="b"/>
           <a:lstStyle>
             <a:lvl1pPr algn="ctr">
-              <a:defRPr sz="6000"/>
+              <a:defRPr sz="3150"/>
             </a:lvl1pPr>
           </a:lstStyle>
           <a:p>
@@ -644,19 +547,13 @@
               <a:rPr lang="zh-CN" altLang="en-US"/>
               <a:t>单击此处编辑母版标题样式</a:t>
             </a:r>
-            <a:endParaRPr lang="en-GB"/>
-          </a:p>
-        </p:txBody>
-      </p:sp>
-      <p:sp>
-        <p:nvSpPr>
-          <p:cNvPr id="3" name="副标题 2">
-            <a:extLst>
-              <a:ext uri="{FF2B5EF4-FFF2-40B4-BE49-F238E27FC236}">
-                <a16:creationId xmlns:a16="http://schemas.microsoft.com/office/drawing/2014/main" id="{079C8847-95BA-4FB4-C8E3-5C981668DC5A}"/>
-              </a:ext>
-            </a:extLst>
-          </p:cNvPr>
+            <a:endParaRPr lang="en-US" dirty="0"/>
+          </a:p>
+        </p:txBody>
+      </p:sp>
+      <p:sp>
+        <p:nvSpPr>
+          <p:cNvPr id="3" name="Subtitle 2"/>
           <p:cNvSpPr>
             <a:spLocks noGrp="1"/>
           </p:cNvSpPr>
@@ -666,8 +563,8 @@
         </p:nvSpPr>
         <p:spPr>
           <a:xfrm>
-            <a:off x="1524000" y="3602038"/>
-            <a:ext cx="9144000" cy="1655762"/>
+            <a:off x="1574999" y="1891070"/>
+            <a:ext cx="9449991" cy="869275"/>
           </a:xfrm>
         </p:spPr>
         <p:txBody>
@@ -675,39 +572,39 @@
           <a:lstStyle>
             <a:lvl1pPr marL="0" indent="0" algn="ctr">
               <a:buNone/>
-              <a:defRPr sz="2400"/>
+              <a:defRPr sz="1260"/>
             </a:lvl1pPr>
-            <a:lvl2pPr marL="457200" indent="0" algn="ctr">
+            <a:lvl2pPr marL="240030" indent="0" algn="ctr">
               <a:buNone/>
-              <a:defRPr sz="2000"/>
+              <a:defRPr sz="1050"/>
             </a:lvl2pPr>
-            <a:lvl3pPr marL="914400" indent="0" algn="ctr">
+            <a:lvl3pPr marL="480060" indent="0" algn="ctr">
               <a:buNone/>
-              <a:defRPr sz="1800"/>
+              <a:defRPr sz="945"/>
             </a:lvl3pPr>
-            <a:lvl4pPr marL="1371600" indent="0" algn="ctr">
+            <a:lvl4pPr marL="720090" indent="0" algn="ctr">
               <a:buNone/>
-              <a:defRPr sz="1600"/>
+              <a:defRPr sz="840"/>
             </a:lvl4pPr>
-            <a:lvl5pPr marL="1828800" indent="0" algn="ctr">
+            <a:lvl5pPr marL="960120" indent="0" algn="ctr">
               <a:buNone/>
-              <a:defRPr sz="1600"/>
+              <a:defRPr sz="840"/>
             </a:lvl5pPr>
-            <a:lvl6pPr marL="2286000" indent="0" algn="ctr">
+            <a:lvl6pPr marL="1200150" indent="0" algn="ctr">
               <a:buNone/>
-              <a:defRPr sz="1600"/>
+              <a:defRPr sz="840"/>
             </a:lvl6pPr>
-            <a:lvl7pPr marL="2743200" indent="0" algn="ctr">
+            <a:lvl7pPr marL="1440180" indent="0" algn="ctr">
               <a:buNone/>
-              <a:defRPr sz="1600"/>
+              <a:defRPr sz="840"/>
             </a:lvl7pPr>
-            <a:lvl8pPr marL="3200400" indent="0" algn="ctr">
+            <a:lvl8pPr marL="1680210" indent="0" algn="ctr">
               <a:buNone/>
-              <a:defRPr sz="1600"/>
+              <a:defRPr sz="840"/>
             </a:lvl8pPr>
-            <a:lvl9pPr marL="3657600" indent="0" algn="ctr">
+            <a:lvl9pPr marL="1920240" indent="0" algn="ctr">
               <a:buNone/>
-              <a:defRPr sz="1600"/>
+              <a:defRPr sz="840"/>
             </a:lvl9pPr>
           </a:lstStyle>
           <a:p>
@@ -715,19 +612,13 @@
               <a:rPr lang="zh-CN" altLang="en-US"/>
               <a:t>单击此处编辑母版副标题样式</a:t>
             </a:r>
-            <a:endParaRPr lang="en-GB"/>
-          </a:p>
-        </p:txBody>
-      </p:sp>
-      <p:sp>
-        <p:nvSpPr>
-          <p:cNvPr id="4" name="日期占位符 3">
-            <a:extLst>
-              <a:ext uri="{FF2B5EF4-FFF2-40B4-BE49-F238E27FC236}">
-                <a16:creationId xmlns:a16="http://schemas.microsoft.com/office/drawing/2014/main" id="{9DC460C6-CA7A-1D93-F3C3-F0E637BD9008}"/>
-              </a:ext>
-            </a:extLst>
-          </p:cNvPr>
+            <a:endParaRPr lang="en-US" dirty="0"/>
+          </a:p>
+        </p:txBody>
+      </p:sp>
+      <p:sp>
+        <p:nvSpPr>
+          <p:cNvPr id="4" name="Date Placeholder 3"/>
           <p:cNvSpPr>
             <a:spLocks noGrp="1"/>
           </p:cNvSpPr>
@@ -750,13 +641,7 @@
       </p:sp>
       <p:sp>
         <p:nvSpPr>
-          <p:cNvPr id="5" name="页脚占位符 4">
-            <a:extLst>
-              <a:ext uri="{FF2B5EF4-FFF2-40B4-BE49-F238E27FC236}">
-                <a16:creationId xmlns:a16="http://schemas.microsoft.com/office/drawing/2014/main" id="{6B9C3C9D-D492-0EEF-409D-6F5C11C348B8}"/>
-              </a:ext>
-            </a:extLst>
-          </p:cNvPr>
+          <p:cNvPr id="5" name="Footer Placeholder 4"/>
           <p:cNvSpPr>
             <a:spLocks noGrp="1"/>
           </p:cNvSpPr>
@@ -775,13 +660,7 @@
       </p:sp>
       <p:sp>
         <p:nvSpPr>
-          <p:cNvPr id="6" name="灯片编号占位符 5">
-            <a:extLst>
-              <a:ext uri="{FF2B5EF4-FFF2-40B4-BE49-F238E27FC236}">
-                <a16:creationId xmlns:a16="http://schemas.microsoft.com/office/drawing/2014/main" id="{F5D97D57-2CFF-081E-FA3A-5E58CEF31D94}"/>
-              </a:ext>
-            </a:extLst>
-          </p:cNvPr>
+          <p:cNvPr id="6" name="Slide Number Placeholder 5"/>
           <p:cNvSpPr>
             <a:spLocks noGrp="1"/>
           </p:cNvSpPr>
@@ -805,7 +684,7 @@
     </p:spTree>
     <p:extLst>
       <p:ext uri="{BB962C8B-B14F-4D97-AF65-F5344CB8AC3E}">
-        <p14:creationId xmlns:p14="http://schemas.microsoft.com/office/powerpoint/2010/main" val="1145819758"/>
+        <p14:creationId xmlns:p14="http://schemas.microsoft.com/office/powerpoint/2010/main" val="2047258785"/>
       </p:ext>
     </p:extLst>
   </p:cSld>
@@ -834,13 +713,7 @@
       </p:grpSpPr>
       <p:sp>
         <p:nvSpPr>
-          <p:cNvPr id="2" name="标题 1">
-            <a:extLst>
-              <a:ext uri="{FF2B5EF4-FFF2-40B4-BE49-F238E27FC236}">
-                <a16:creationId xmlns:a16="http://schemas.microsoft.com/office/drawing/2014/main" id="{4F813633-EE34-E967-8DC9-A52CA993E90B}"/>
-              </a:ext>
-            </a:extLst>
-          </p:cNvPr>
+          <p:cNvPr id="2" name="Title 1"/>
           <p:cNvSpPr>
             <a:spLocks noGrp="1"/>
           </p:cNvSpPr>
@@ -857,19 +730,13 @@
               <a:rPr lang="zh-CN" altLang="en-US"/>
               <a:t>单击此处编辑母版标题样式</a:t>
             </a:r>
-            <a:endParaRPr lang="en-GB"/>
-          </a:p>
-        </p:txBody>
-      </p:sp>
-      <p:sp>
-        <p:nvSpPr>
-          <p:cNvPr id="3" name="竖排文字占位符 2">
-            <a:extLst>
-              <a:ext uri="{FF2B5EF4-FFF2-40B4-BE49-F238E27FC236}">
-                <a16:creationId xmlns:a16="http://schemas.microsoft.com/office/drawing/2014/main" id="{EB66BBEF-4DC2-FAD7-9D6E-CAA656141798}"/>
-              </a:ext>
-            </a:extLst>
-          </p:cNvPr>
+            <a:endParaRPr lang="en-US" dirty="0"/>
+          </a:p>
+        </p:txBody>
+      </p:sp>
+      <p:sp>
+        <p:nvSpPr>
+          <p:cNvPr id="3" name="Vertical Text Placeholder 2"/>
           <p:cNvSpPr>
             <a:spLocks noGrp="1"/>
           </p:cNvSpPr>
@@ -915,19 +782,13 @@
               <a:rPr lang="zh-CN" altLang="en-US"/>
               <a:t>五级</a:t>
             </a:r>
-            <a:endParaRPr lang="en-GB"/>
-          </a:p>
-        </p:txBody>
-      </p:sp>
-      <p:sp>
-        <p:nvSpPr>
-          <p:cNvPr id="4" name="日期占位符 3">
-            <a:extLst>
-              <a:ext uri="{FF2B5EF4-FFF2-40B4-BE49-F238E27FC236}">
-                <a16:creationId xmlns:a16="http://schemas.microsoft.com/office/drawing/2014/main" id="{811DB7F6-F013-503A-E641-25D4A1424E6E}"/>
-              </a:ext>
-            </a:extLst>
-          </p:cNvPr>
+            <a:endParaRPr lang="en-US" dirty="0"/>
+          </a:p>
+        </p:txBody>
+      </p:sp>
+      <p:sp>
+        <p:nvSpPr>
+          <p:cNvPr id="4" name="Date Placeholder 3"/>
           <p:cNvSpPr>
             <a:spLocks noGrp="1"/>
           </p:cNvSpPr>
@@ -950,13 +811,7 @@
       </p:sp>
       <p:sp>
         <p:nvSpPr>
-          <p:cNvPr id="5" name="页脚占位符 4">
-            <a:extLst>
-              <a:ext uri="{FF2B5EF4-FFF2-40B4-BE49-F238E27FC236}">
-                <a16:creationId xmlns:a16="http://schemas.microsoft.com/office/drawing/2014/main" id="{18DE9667-863E-5358-DEE4-F79B8A60BB82}"/>
-              </a:ext>
-            </a:extLst>
-          </p:cNvPr>
+          <p:cNvPr id="5" name="Footer Placeholder 4"/>
           <p:cNvSpPr>
             <a:spLocks noGrp="1"/>
           </p:cNvSpPr>
@@ -975,13 +830,7 @@
       </p:sp>
       <p:sp>
         <p:nvSpPr>
-          <p:cNvPr id="6" name="灯片编号占位符 5">
-            <a:extLst>
-              <a:ext uri="{FF2B5EF4-FFF2-40B4-BE49-F238E27FC236}">
-                <a16:creationId xmlns:a16="http://schemas.microsoft.com/office/drawing/2014/main" id="{AAFD2458-EEE2-DCAD-4FC4-8E626C15E985}"/>
-              </a:ext>
-            </a:extLst>
-          </p:cNvPr>
+          <p:cNvPr id="6" name="Slide Number Placeholder 5"/>
           <p:cNvSpPr>
             <a:spLocks noGrp="1"/>
           </p:cNvSpPr>
@@ -1005,7 +854,7 @@
     </p:spTree>
     <p:extLst>
       <p:ext uri="{BB962C8B-B14F-4D97-AF65-F5344CB8AC3E}">
-        <p14:creationId xmlns:p14="http://schemas.microsoft.com/office/powerpoint/2010/main" val="3557453602"/>
+        <p14:creationId xmlns:p14="http://schemas.microsoft.com/office/powerpoint/2010/main" val="2510311304"/>
       </p:ext>
     </p:extLst>
   </p:cSld>
@@ -1034,13 +883,7 @@
       </p:grpSpPr>
       <p:sp>
         <p:nvSpPr>
-          <p:cNvPr id="2" name="竖排标题 1">
-            <a:extLst>
-              <a:ext uri="{FF2B5EF4-FFF2-40B4-BE49-F238E27FC236}">
-                <a16:creationId xmlns:a16="http://schemas.microsoft.com/office/drawing/2014/main" id="{090529BA-721C-A100-35E0-68C64D1A7413}"/>
-              </a:ext>
-            </a:extLst>
-          </p:cNvPr>
+          <p:cNvPr id="2" name="Vertical Title 1"/>
           <p:cNvSpPr>
             <a:spLocks noGrp="1"/>
           </p:cNvSpPr>
@@ -1050,8 +893,8 @@
         </p:nvSpPr>
         <p:spPr>
           <a:xfrm>
-            <a:off x="8724900" y="365125"/>
-            <a:ext cx="2628900" cy="5811838"/>
+            <a:off x="9016867" y="191691"/>
+            <a:ext cx="2716872" cy="3051215"/>
           </a:xfrm>
         </p:spPr>
         <p:txBody>
@@ -1062,19 +905,13 @@
               <a:rPr lang="zh-CN" altLang="en-US"/>
               <a:t>单击此处编辑母版标题样式</a:t>
             </a:r>
-            <a:endParaRPr lang="en-GB"/>
-          </a:p>
-        </p:txBody>
-      </p:sp>
-      <p:sp>
-        <p:nvSpPr>
-          <p:cNvPr id="3" name="竖排文字占位符 2">
-            <a:extLst>
-              <a:ext uri="{FF2B5EF4-FFF2-40B4-BE49-F238E27FC236}">
-                <a16:creationId xmlns:a16="http://schemas.microsoft.com/office/drawing/2014/main" id="{7B018A8A-7E5D-0674-FC87-1116828E6257}"/>
-              </a:ext>
-            </a:extLst>
-          </p:cNvPr>
+            <a:endParaRPr lang="en-US" dirty="0"/>
+          </a:p>
+        </p:txBody>
+      </p:sp>
+      <p:sp>
+        <p:nvSpPr>
+          <p:cNvPr id="3" name="Vertical Text Placeholder 2"/>
           <p:cNvSpPr>
             <a:spLocks noGrp="1"/>
           </p:cNvSpPr>
@@ -1084,8 +921,8 @@
         </p:nvSpPr>
         <p:spPr>
           <a:xfrm>
-            <a:off x="838200" y="365125"/>
-            <a:ext cx="7734300" cy="5811838"/>
+            <a:off x="866249" y="191691"/>
+            <a:ext cx="7993117" cy="3051215"/>
           </a:xfrm>
         </p:spPr>
         <p:txBody>
@@ -1125,19 +962,13 @@
               <a:rPr lang="zh-CN" altLang="en-US"/>
               <a:t>五级</a:t>
             </a:r>
-            <a:endParaRPr lang="en-GB"/>
-          </a:p>
-        </p:txBody>
-      </p:sp>
-      <p:sp>
-        <p:nvSpPr>
-          <p:cNvPr id="4" name="日期占位符 3">
-            <a:extLst>
-              <a:ext uri="{FF2B5EF4-FFF2-40B4-BE49-F238E27FC236}">
-                <a16:creationId xmlns:a16="http://schemas.microsoft.com/office/drawing/2014/main" id="{3A4F8F80-4900-51DC-7715-D398AB950B65}"/>
-              </a:ext>
-            </a:extLst>
-          </p:cNvPr>
+            <a:endParaRPr lang="en-US" dirty="0"/>
+          </a:p>
+        </p:txBody>
+      </p:sp>
+      <p:sp>
+        <p:nvSpPr>
+          <p:cNvPr id="4" name="Date Placeholder 3"/>
           <p:cNvSpPr>
             <a:spLocks noGrp="1"/>
           </p:cNvSpPr>
@@ -1160,13 +991,7 @@
       </p:sp>
       <p:sp>
         <p:nvSpPr>
-          <p:cNvPr id="5" name="页脚占位符 4">
-            <a:extLst>
-              <a:ext uri="{FF2B5EF4-FFF2-40B4-BE49-F238E27FC236}">
-                <a16:creationId xmlns:a16="http://schemas.microsoft.com/office/drawing/2014/main" id="{F4606551-7A77-62BF-F417-6323474DD664}"/>
-              </a:ext>
-            </a:extLst>
-          </p:cNvPr>
+          <p:cNvPr id="5" name="Footer Placeholder 4"/>
           <p:cNvSpPr>
             <a:spLocks noGrp="1"/>
           </p:cNvSpPr>
@@ -1185,13 +1010,7 @@
       </p:sp>
       <p:sp>
         <p:nvSpPr>
-          <p:cNvPr id="6" name="灯片编号占位符 5">
-            <a:extLst>
-              <a:ext uri="{FF2B5EF4-FFF2-40B4-BE49-F238E27FC236}">
-                <a16:creationId xmlns:a16="http://schemas.microsoft.com/office/drawing/2014/main" id="{612A74CC-6284-9CE2-640B-833E348E5D95}"/>
-              </a:ext>
-            </a:extLst>
-          </p:cNvPr>
+          <p:cNvPr id="6" name="Slide Number Placeholder 5"/>
           <p:cNvSpPr>
             <a:spLocks noGrp="1"/>
           </p:cNvSpPr>
@@ -1215,7 +1034,7 @@
     </p:spTree>
     <p:extLst>
       <p:ext uri="{BB962C8B-B14F-4D97-AF65-F5344CB8AC3E}">
-        <p14:creationId xmlns:p14="http://schemas.microsoft.com/office/powerpoint/2010/main" val="3274595583"/>
+        <p14:creationId xmlns:p14="http://schemas.microsoft.com/office/powerpoint/2010/main" val="1121505693"/>
       </p:ext>
     </p:extLst>
   </p:cSld>
@@ -1244,13 +1063,7 @@
       </p:grpSpPr>
       <p:sp>
         <p:nvSpPr>
-          <p:cNvPr id="2" name="标题 1">
-            <a:extLst>
-              <a:ext uri="{FF2B5EF4-FFF2-40B4-BE49-F238E27FC236}">
-                <a16:creationId xmlns:a16="http://schemas.microsoft.com/office/drawing/2014/main" id="{69459D19-15F4-C555-5291-01BC1AFAD256}"/>
-              </a:ext>
-            </a:extLst>
-          </p:cNvPr>
+          <p:cNvPr id="2" name="Title 1"/>
           <p:cNvSpPr>
             <a:spLocks noGrp="1"/>
           </p:cNvSpPr>
@@ -1267,19 +1080,13 @@
               <a:rPr lang="zh-CN" altLang="en-US"/>
               <a:t>单击此处编辑母版标题样式</a:t>
             </a:r>
-            <a:endParaRPr lang="en-GB"/>
-          </a:p>
-        </p:txBody>
-      </p:sp>
-      <p:sp>
-        <p:nvSpPr>
-          <p:cNvPr id="3" name="内容占位符 2">
-            <a:extLst>
-              <a:ext uri="{FF2B5EF4-FFF2-40B4-BE49-F238E27FC236}">
-                <a16:creationId xmlns:a16="http://schemas.microsoft.com/office/drawing/2014/main" id="{91491D15-543B-F114-CBC8-FD0D0840F755}"/>
-              </a:ext>
-            </a:extLst>
-          </p:cNvPr>
+            <a:endParaRPr lang="en-US" dirty="0"/>
+          </a:p>
+        </p:txBody>
+      </p:sp>
+      <p:sp>
+        <p:nvSpPr>
+          <p:cNvPr id="3" name="Content Placeholder 2"/>
           <p:cNvSpPr>
             <a:spLocks noGrp="1"/>
           </p:cNvSpPr>
@@ -1325,19 +1132,13 @@
               <a:rPr lang="zh-CN" altLang="en-US"/>
               <a:t>五级</a:t>
             </a:r>
-            <a:endParaRPr lang="en-GB"/>
-          </a:p>
-        </p:txBody>
-      </p:sp>
-      <p:sp>
-        <p:nvSpPr>
-          <p:cNvPr id="4" name="日期占位符 3">
-            <a:extLst>
-              <a:ext uri="{FF2B5EF4-FFF2-40B4-BE49-F238E27FC236}">
-                <a16:creationId xmlns:a16="http://schemas.microsoft.com/office/drawing/2014/main" id="{C6A8FD4F-B563-6DA4-3F6C-6C34F1A6F139}"/>
-              </a:ext>
-            </a:extLst>
-          </p:cNvPr>
+            <a:endParaRPr lang="en-US" dirty="0"/>
+          </a:p>
+        </p:txBody>
+      </p:sp>
+      <p:sp>
+        <p:nvSpPr>
+          <p:cNvPr id="4" name="Date Placeholder 3"/>
           <p:cNvSpPr>
             <a:spLocks noGrp="1"/>
           </p:cNvSpPr>
@@ -1360,13 +1161,7 @@
       </p:sp>
       <p:sp>
         <p:nvSpPr>
-          <p:cNvPr id="5" name="页脚占位符 4">
-            <a:extLst>
-              <a:ext uri="{FF2B5EF4-FFF2-40B4-BE49-F238E27FC236}">
-                <a16:creationId xmlns:a16="http://schemas.microsoft.com/office/drawing/2014/main" id="{8CC587B6-BEA7-0B11-9F86-A49EFA051B95}"/>
-              </a:ext>
-            </a:extLst>
-          </p:cNvPr>
+          <p:cNvPr id="5" name="Footer Placeholder 4"/>
           <p:cNvSpPr>
             <a:spLocks noGrp="1"/>
           </p:cNvSpPr>
@@ -1385,13 +1180,7 @@
       </p:sp>
       <p:sp>
         <p:nvSpPr>
-          <p:cNvPr id="6" name="灯片编号占位符 5">
-            <a:extLst>
-              <a:ext uri="{FF2B5EF4-FFF2-40B4-BE49-F238E27FC236}">
-                <a16:creationId xmlns:a16="http://schemas.microsoft.com/office/drawing/2014/main" id="{271BB3DD-49C0-53F1-50B3-3B1A0458D396}"/>
-              </a:ext>
-            </a:extLst>
-          </p:cNvPr>
+          <p:cNvPr id="6" name="Slide Number Placeholder 5"/>
           <p:cNvSpPr>
             <a:spLocks noGrp="1"/>
           </p:cNvSpPr>
@@ -1415,7 +1204,7 @@
     </p:spTree>
     <p:extLst>
       <p:ext uri="{BB962C8B-B14F-4D97-AF65-F5344CB8AC3E}">
-        <p14:creationId xmlns:p14="http://schemas.microsoft.com/office/powerpoint/2010/main" val="468182875"/>
+        <p14:creationId xmlns:p14="http://schemas.microsoft.com/office/powerpoint/2010/main" val="1868839418"/>
       </p:ext>
     </p:extLst>
   </p:cSld>
@@ -1444,13 +1233,7 @@
       </p:grpSpPr>
       <p:sp>
         <p:nvSpPr>
-          <p:cNvPr id="2" name="标题 1">
-            <a:extLst>
-              <a:ext uri="{FF2B5EF4-FFF2-40B4-BE49-F238E27FC236}">
-                <a16:creationId xmlns:a16="http://schemas.microsoft.com/office/drawing/2014/main" id="{FA6629A1-1786-63C3-0916-EC033D952025}"/>
-              </a:ext>
-            </a:extLst>
-          </p:cNvPr>
+          <p:cNvPr id="2" name="Title 1"/>
           <p:cNvSpPr>
             <a:spLocks noGrp="1"/>
           </p:cNvSpPr>
@@ -1460,15 +1243,15 @@
         </p:nvSpPr>
         <p:spPr>
           <a:xfrm>
-            <a:off x="831850" y="1709738"/>
-            <a:ext cx="10515600" cy="2852737"/>
+            <a:off x="859687" y="897613"/>
+            <a:ext cx="10867490" cy="1497687"/>
           </a:xfrm>
         </p:spPr>
         <p:txBody>
           <a:bodyPr anchor="b"/>
           <a:lstStyle>
             <a:lvl1pPr>
-              <a:defRPr sz="6000"/>
+              <a:defRPr sz="3150"/>
             </a:lvl1pPr>
           </a:lstStyle>
           <a:p>
@@ -1476,19 +1259,13 @@
               <a:rPr lang="zh-CN" altLang="en-US"/>
               <a:t>单击此处编辑母版标题样式</a:t>
             </a:r>
-            <a:endParaRPr lang="en-GB"/>
-          </a:p>
-        </p:txBody>
-      </p:sp>
-      <p:sp>
-        <p:nvSpPr>
-          <p:cNvPr id="3" name="文本占位符 2">
-            <a:extLst>
-              <a:ext uri="{FF2B5EF4-FFF2-40B4-BE49-F238E27FC236}">
-                <a16:creationId xmlns:a16="http://schemas.microsoft.com/office/drawing/2014/main" id="{EFE2243B-8BDE-92FB-28F2-0F8AA91A9911}"/>
-              </a:ext>
-            </a:extLst>
-          </p:cNvPr>
+            <a:endParaRPr lang="en-US" dirty="0"/>
+          </a:p>
+        </p:txBody>
+      </p:sp>
+      <p:sp>
+        <p:nvSpPr>
+          <p:cNvPr id="3" name="Text Placeholder 2"/>
           <p:cNvSpPr>
             <a:spLocks noGrp="1"/>
           </p:cNvSpPr>
@@ -1498,8 +1275,8 @@
         </p:nvSpPr>
         <p:spPr>
           <a:xfrm>
-            <a:off x="831850" y="4589463"/>
-            <a:ext cx="10515600" cy="1500187"/>
+            <a:off x="859687" y="2409468"/>
+            <a:ext cx="10867490" cy="787598"/>
           </a:xfrm>
         </p:spPr>
         <p:txBody>
@@ -1507,7 +1284,7 @@
           <a:lstStyle>
             <a:lvl1pPr marL="0" indent="0">
               <a:buNone/>
-              <a:defRPr sz="2400">
+              <a:defRPr sz="1260">
                 <a:solidFill>
                   <a:schemeClr val="tx1">
                     <a:tint val="82000"/>
@@ -1515,9 +1292,9 @@
                 </a:solidFill>
               </a:defRPr>
             </a:lvl1pPr>
-            <a:lvl2pPr marL="457200" indent="0">
+            <a:lvl2pPr marL="240030" indent="0">
               <a:buNone/>
-              <a:defRPr sz="2000">
+              <a:defRPr sz="1050">
                 <a:solidFill>
                   <a:schemeClr val="tx1">
                     <a:tint val="82000"/>
@@ -1525,9 +1302,9 @@
                 </a:solidFill>
               </a:defRPr>
             </a:lvl2pPr>
-            <a:lvl3pPr marL="914400" indent="0">
+            <a:lvl3pPr marL="480060" indent="0">
               <a:buNone/>
-              <a:defRPr sz="1800">
+              <a:defRPr sz="945">
                 <a:solidFill>
                   <a:schemeClr val="tx1">
                     <a:tint val="82000"/>
@@ -1535,9 +1312,9 @@
                 </a:solidFill>
               </a:defRPr>
             </a:lvl3pPr>
-            <a:lvl4pPr marL="1371600" indent="0">
+            <a:lvl4pPr marL="720090" indent="0">
               <a:buNone/>
-              <a:defRPr sz="1600">
+              <a:defRPr sz="840">
                 <a:solidFill>
                   <a:schemeClr val="tx1">
                     <a:tint val="82000"/>
@@ -1545,9 +1322,9 @@
                 </a:solidFill>
               </a:defRPr>
             </a:lvl4pPr>
-            <a:lvl5pPr marL="1828800" indent="0">
+            <a:lvl5pPr marL="960120" indent="0">
               <a:buNone/>
-              <a:defRPr sz="1600">
+              <a:defRPr sz="840">
                 <a:solidFill>
                   <a:schemeClr val="tx1">
                     <a:tint val="82000"/>
@@ -1555,9 +1332,9 @@
                 </a:solidFill>
               </a:defRPr>
             </a:lvl5pPr>
-            <a:lvl6pPr marL="2286000" indent="0">
+            <a:lvl6pPr marL="1200150" indent="0">
               <a:buNone/>
-              <a:defRPr sz="1600">
+              <a:defRPr sz="840">
                 <a:solidFill>
                   <a:schemeClr val="tx1">
                     <a:tint val="82000"/>
@@ -1565,9 +1342,9 @@
                 </a:solidFill>
               </a:defRPr>
             </a:lvl6pPr>
-            <a:lvl7pPr marL="2743200" indent="0">
+            <a:lvl7pPr marL="1440180" indent="0">
               <a:buNone/>
-              <a:defRPr sz="1600">
+              <a:defRPr sz="840">
                 <a:solidFill>
                   <a:schemeClr val="tx1">
                     <a:tint val="82000"/>
@@ -1575,9 +1352,9 @@
                 </a:solidFill>
               </a:defRPr>
             </a:lvl7pPr>
-            <a:lvl8pPr marL="3200400" indent="0">
+            <a:lvl8pPr marL="1680210" indent="0">
               <a:buNone/>
-              <a:defRPr sz="1600">
+              <a:defRPr sz="840">
                 <a:solidFill>
                   <a:schemeClr val="tx1">
                     <a:tint val="82000"/>
@@ -1585,9 +1362,9 @@
                 </a:solidFill>
               </a:defRPr>
             </a:lvl8pPr>
-            <a:lvl9pPr marL="3657600" indent="0">
+            <a:lvl9pPr marL="1920240" indent="0">
               <a:buNone/>
-              <a:defRPr sz="1600">
+              <a:defRPr sz="840">
                 <a:solidFill>
                   <a:schemeClr val="tx1">
                     <a:tint val="82000"/>
@@ -1607,13 +1384,7 @@
       </p:sp>
       <p:sp>
         <p:nvSpPr>
-          <p:cNvPr id="4" name="日期占位符 3">
-            <a:extLst>
-              <a:ext uri="{FF2B5EF4-FFF2-40B4-BE49-F238E27FC236}">
-                <a16:creationId xmlns:a16="http://schemas.microsoft.com/office/drawing/2014/main" id="{8B191EAF-2E56-E882-A39C-CE0281BDD779}"/>
-              </a:ext>
-            </a:extLst>
-          </p:cNvPr>
+          <p:cNvPr id="4" name="Date Placeholder 3"/>
           <p:cNvSpPr>
             <a:spLocks noGrp="1"/>
           </p:cNvSpPr>
@@ -1636,13 +1407,7 @@
       </p:sp>
       <p:sp>
         <p:nvSpPr>
-          <p:cNvPr id="5" name="页脚占位符 4">
-            <a:extLst>
-              <a:ext uri="{FF2B5EF4-FFF2-40B4-BE49-F238E27FC236}">
-                <a16:creationId xmlns:a16="http://schemas.microsoft.com/office/drawing/2014/main" id="{7B3964E8-AD62-6951-B17F-E8D3C6CA0F66}"/>
-              </a:ext>
-            </a:extLst>
-          </p:cNvPr>
+          <p:cNvPr id="5" name="Footer Placeholder 4"/>
           <p:cNvSpPr>
             <a:spLocks noGrp="1"/>
           </p:cNvSpPr>
@@ -1661,13 +1426,7 @@
       </p:sp>
       <p:sp>
         <p:nvSpPr>
-          <p:cNvPr id="6" name="灯片编号占位符 5">
-            <a:extLst>
-              <a:ext uri="{FF2B5EF4-FFF2-40B4-BE49-F238E27FC236}">
-                <a16:creationId xmlns:a16="http://schemas.microsoft.com/office/drawing/2014/main" id="{0AB76626-5515-0790-C4F0-A9472DE7F98B}"/>
-              </a:ext>
-            </a:extLst>
-          </p:cNvPr>
+          <p:cNvPr id="6" name="Slide Number Placeholder 5"/>
           <p:cNvSpPr>
             <a:spLocks noGrp="1"/>
           </p:cNvSpPr>
@@ -1691,7 +1450,7 @@
     </p:spTree>
     <p:extLst>
       <p:ext uri="{BB962C8B-B14F-4D97-AF65-F5344CB8AC3E}">
-        <p14:creationId xmlns:p14="http://schemas.microsoft.com/office/powerpoint/2010/main" val="3198181778"/>
+        <p14:creationId xmlns:p14="http://schemas.microsoft.com/office/powerpoint/2010/main" val="4130855194"/>
       </p:ext>
     </p:extLst>
   </p:cSld>
@@ -1720,13 +1479,7 @@
       </p:grpSpPr>
       <p:sp>
         <p:nvSpPr>
-          <p:cNvPr id="2" name="标题 1">
-            <a:extLst>
-              <a:ext uri="{FF2B5EF4-FFF2-40B4-BE49-F238E27FC236}">
-                <a16:creationId xmlns:a16="http://schemas.microsoft.com/office/drawing/2014/main" id="{372DD75A-E620-60D3-005D-8CD773255293}"/>
-              </a:ext>
-            </a:extLst>
-          </p:cNvPr>
+          <p:cNvPr id="2" name="Title 1"/>
           <p:cNvSpPr>
             <a:spLocks noGrp="1"/>
           </p:cNvSpPr>
@@ -1743,19 +1496,13 @@
               <a:rPr lang="zh-CN" altLang="en-US"/>
               <a:t>单击此处编辑母版标题样式</a:t>
             </a:r>
-            <a:endParaRPr lang="en-GB"/>
-          </a:p>
-        </p:txBody>
-      </p:sp>
-      <p:sp>
-        <p:nvSpPr>
-          <p:cNvPr id="3" name="内容占位符 2">
-            <a:extLst>
-              <a:ext uri="{FF2B5EF4-FFF2-40B4-BE49-F238E27FC236}">
-                <a16:creationId xmlns:a16="http://schemas.microsoft.com/office/drawing/2014/main" id="{57E175B7-ACEC-CEBF-F9CF-2D8501303731}"/>
-              </a:ext>
-            </a:extLst>
-          </p:cNvPr>
+            <a:endParaRPr lang="en-US" dirty="0"/>
+          </a:p>
+        </p:txBody>
+      </p:sp>
+      <p:sp>
+        <p:nvSpPr>
+          <p:cNvPr id="3" name="Content Placeholder 2"/>
           <p:cNvSpPr>
             <a:spLocks noGrp="1"/>
           </p:cNvSpPr>
@@ -1765,8 +1512,8 @@
         </p:nvSpPr>
         <p:spPr>
           <a:xfrm>
-            <a:off x="838200" y="1825625"/>
-            <a:ext cx="5181600" cy="4351338"/>
+            <a:off x="866249" y="958453"/>
+            <a:ext cx="5354995" cy="2284452"/>
           </a:xfrm>
         </p:spPr>
         <p:txBody>
@@ -1806,19 +1553,13 @@
               <a:rPr lang="zh-CN" altLang="en-US"/>
               <a:t>五级</a:t>
             </a:r>
-            <a:endParaRPr lang="en-GB"/>
-          </a:p>
-        </p:txBody>
-      </p:sp>
-      <p:sp>
-        <p:nvSpPr>
-          <p:cNvPr id="4" name="内容占位符 3">
-            <a:extLst>
-              <a:ext uri="{FF2B5EF4-FFF2-40B4-BE49-F238E27FC236}">
-                <a16:creationId xmlns:a16="http://schemas.microsoft.com/office/drawing/2014/main" id="{3C8A9884-E2FE-AEE5-41F6-7242EF595E56}"/>
-              </a:ext>
-            </a:extLst>
-          </p:cNvPr>
+            <a:endParaRPr lang="en-US" dirty="0"/>
+          </a:p>
+        </p:txBody>
+      </p:sp>
+      <p:sp>
+        <p:nvSpPr>
+          <p:cNvPr id="4" name="Content Placeholder 3"/>
           <p:cNvSpPr>
             <a:spLocks noGrp="1"/>
           </p:cNvSpPr>
@@ -1828,8 +1569,8 @@
         </p:nvSpPr>
         <p:spPr>
           <a:xfrm>
-            <a:off x="6172200" y="1825625"/>
-            <a:ext cx="5181600" cy="4351338"/>
+            <a:off x="6378744" y="958453"/>
+            <a:ext cx="5354995" cy="2284452"/>
           </a:xfrm>
         </p:spPr>
         <p:txBody>
@@ -1869,19 +1610,13 @@
               <a:rPr lang="zh-CN" altLang="en-US"/>
               <a:t>五级</a:t>
             </a:r>
-            <a:endParaRPr lang="en-GB"/>
-          </a:p>
-        </p:txBody>
-      </p:sp>
-      <p:sp>
-        <p:nvSpPr>
-          <p:cNvPr id="5" name="日期占位符 4">
-            <a:extLst>
-              <a:ext uri="{FF2B5EF4-FFF2-40B4-BE49-F238E27FC236}">
-                <a16:creationId xmlns:a16="http://schemas.microsoft.com/office/drawing/2014/main" id="{AF48D4C5-70A4-1DAD-E09C-46D4EC0F34F3}"/>
-              </a:ext>
-            </a:extLst>
-          </p:cNvPr>
+            <a:endParaRPr lang="en-US" dirty="0"/>
+          </a:p>
+        </p:txBody>
+      </p:sp>
+      <p:sp>
+        <p:nvSpPr>
+          <p:cNvPr id="5" name="Date Placeholder 4"/>
           <p:cNvSpPr>
             <a:spLocks noGrp="1"/>
           </p:cNvSpPr>
@@ -1904,13 +1639,7 @@
       </p:sp>
       <p:sp>
         <p:nvSpPr>
-          <p:cNvPr id="6" name="页脚占位符 5">
-            <a:extLst>
-              <a:ext uri="{FF2B5EF4-FFF2-40B4-BE49-F238E27FC236}">
-                <a16:creationId xmlns:a16="http://schemas.microsoft.com/office/drawing/2014/main" id="{C4DB6C3A-AEAA-0929-F276-DF1624CACBF9}"/>
-              </a:ext>
-            </a:extLst>
-          </p:cNvPr>
+          <p:cNvPr id="6" name="Footer Placeholder 5"/>
           <p:cNvSpPr>
             <a:spLocks noGrp="1"/>
           </p:cNvSpPr>
@@ -1929,13 +1658,7 @@
       </p:sp>
       <p:sp>
         <p:nvSpPr>
-          <p:cNvPr id="7" name="灯片编号占位符 6">
-            <a:extLst>
-              <a:ext uri="{FF2B5EF4-FFF2-40B4-BE49-F238E27FC236}">
-                <a16:creationId xmlns:a16="http://schemas.microsoft.com/office/drawing/2014/main" id="{DA6D474E-C32A-9EEB-E099-8CA58AEF64B7}"/>
-              </a:ext>
-            </a:extLst>
-          </p:cNvPr>
+          <p:cNvPr id="7" name="Slide Number Placeholder 6"/>
           <p:cNvSpPr>
             <a:spLocks noGrp="1"/>
           </p:cNvSpPr>
@@ -1959,7 +1682,7 @@
     </p:spTree>
     <p:extLst>
       <p:ext uri="{BB962C8B-B14F-4D97-AF65-F5344CB8AC3E}">
-        <p14:creationId xmlns:p14="http://schemas.microsoft.com/office/powerpoint/2010/main" val="4276396428"/>
+        <p14:creationId xmlns:p14="http://schemas.microsoft.com/office/powerpoint/2010/main" val="2708941405"/>
       </p:ext>
     </p:extLst>
   </p:cSld>
@@ -1988,13 +1711,7 @@
       </p:grpSpPr>
       <p:sp>
         <p:nvSpPr>
-          <p:cNvPr id="2" name="标题 1">
-            <a:extLst>
-              <a:ext uri="{FF2B5EF4-FFF2-40B4-BE49-F238E27FC236}">
-                <a16:creationId xmlns:a16="http://schemas.microsoft.com/office/drawing/2014/main" id="{1AB2E5A6-5272-F91E-7CAA-0088C3BCE29B}"/>
-              </a:ext>
-            </a:extLst>
-          </p:cNvPr>
+          <p:cNvPr id="2" name="Title 1"/>
           <p:cNvSpPr>
             <a:spLocks noGrp="1"/>
           </p:cNvSpPr>
@@ -2004,8 +1721,8 @@
         </p:nvSpPr>
         <p:spPr>
           <a:xfrm>
-            <a:off x="839788" y="365125"/>
-            <a:ext cx="10515600" cy="1325563"/>
+            <a:off x="867890" y="191691"/>
+            <a:ext cx="10867490" cy="695921"/>
           </a:xfrm>
         </p:spPr>
         <p:txBody>
@@ -2016,19 +1733,13 @@
               <a:rPr lang="zh-CN" altLang="en-US"/>
               <a:t>单击此处编辑母版标题样式</a:t>
             </a:r>
-            <a:endParaRPr lang="en-GB"/>
-          </a:p>
-        </p:txBody>
-      </p:sp>
-      <p:sp>
-        <p:nvSpPr>
-          <p:cNvPr id="3" name="文本占位符 2">
-            <a:extLst>
-              <a:ext uri="{FF2B5EF4-FFF2-40B4-BE49-F238E27FC236}">
-                <a16:creationId xmlns:a16="http://schemas.microsoft.com/office/drawing/2014/main" id="{05AE153C-3916-6C83-88E8-2CFEA71131B4}"/>
-              </a:ext>
-            </a:extLst>
-          </p:cNvPr>
+            <a:endParaRPr lang="en-US" dirty="0"/>
+          </a:p>
+        </p:txBody>
+      </p:sp>
+      <p:sp>
+        <p:nvSpPr>
+          <p:cNvPr id="3" name="Text Placeholder 2"/>
           <p:cNvSpPr>
             <a:spLocks noGrp="1"/>
           </p:cNvSpPr>
@@ -2038,8 +1749,8 @@
         </p:nvSpPr>
         <p:spPr>
           <a:xfrm>
-            <a:off x="839788" y="1681163"/>
-            <a:ext cx="5157787" cy="823912"/>
+            <a:off x="867891" y="882610"/>
+            <a:ext cx="5330385" cy="432554"/>
           </a:xfrm>
         </p:spPr>
         <p:txBody>
@@ -2047,39 +1758,39 @@
           <a:lstStyle>
             <a:lvl1pPr marL="0" indent="0">
               <a:buNone/>
-              <a:defRPr sz="2400" b="1"/>
+              <a:defRPr sz="1260" b="1"/>
             </a:lvl1pPr>
-            <a:lvl2pPr marL="457200" indent="0">
+            <a:lvl2pPr marL="240030" indent="0">
               <a:buNone/>
-              <a:defRPr sz="2000" b="1"/>
+              <a:defRPr sz="1050" b="1"/>
             </a:lvl2pPr>
-            <a:lvl3pPr marL="914400" indent="0">
+            <a:lvl3pPr marL="480060" indent="0">
               <a:buNone/>
-              <a:defRPr sz="1800" b="1"/>
+              <a:defRPr sz="945" b="1"/>
             </a:lvl3pPr>
-            <a:lvl4pPr marL="1371600" indent="0">
+            <a:lvl4pPr marL="720090" indent="0">
               <a:buNone/>
-              <a:defRPr sz="1600" b="1"/>
+              <a:defRPr sz="840" b="1"/>
             </a:lvl4pPr>
-            <a:lvl5pPr marL="1828800" indent="0">
+            <a:lvl5pPr marL="960120" indent="0">
               <a:buNone/>
-              <a:defRPr sz="1600" b="1"/>
+              <a:defRPr sz="840" b="1"/>
             </a:lvl5pPr>
-            <a:lvl6pPr marL="2286000" indent="0">
+            <a:lvl6pPr marL="1200150" indent="0">
               <a:buNone/>
-              <a:defRPr sz="1600" b="1"/>
+              <a:defRPr sz="840" b="1"/>
             </a:lvl6pPr>
-            <a:lvl7pPr marL="2743200" indent="0">
+            <a:lvl7pPr marL="1440180" indent="0">
               <a:buNone/>
-              <a:defRPr sz="1600" b="1"/>
+              <a:defRPr sz="840" b="1"/>
             </a:lvl7pPr>
-            <a:lvl8pPr marL="3200400" indent="0">
+            <a:lvl8pPr marL="1680210" indent="0">
               <a:buNone/>
-              <a:defRPr sz="1600" b="1"/>
+              <a:defRPr sz="840" b="1"/>
             </a:lvl8pPr>
-            <a:lvl9pPr marL="3657600" indent="0">
+            <a:lvl9pPr marL="1920240" indent="0">
               <a:buNone/>
-              <a:defRPr sz="1600" b="1"/>
+              <a:defRPr sz="840" b="1"/>
             </a:lvl9pPr>
           </a:lstStyle>
           <a:p>
@@ -2093,13 +1804,7 @@
       </p:sp>
       <p:sp>
         <p:nvSpPr>
-          <p:cNvPr id="4" name="内容占位符 3">
-            <a:extLst>
-              <a:ext uri="{FF2B5EF4-FFF2-40B4-BE49-F238E27FC236}">
-                <a16:creationId xmlns:a16="http://schemas.microsoft.com/office/drawing/2014/main" id="{B0401382-18D1-4C6B-73A1-A0CF8ACE9253}"/>
-              </a:ext>
-            </a:extLst>
-          </p:cNvPr>
+          <p:cNvPr id="4" name="Content Placeholder 3"/>
           <p:cNvSpPr>
             <a:spLocks noGrp="1"/>
           </p:cNvSpPr>
@@ -2109,8 +1814,8 @@
         </p:nvSpPr>
         <p:spPr>
           <a:xfrm>
-            <a:off x="839788" y="2505075"/>
-            <a:ext cx="5157787" cy="3684588"/>
+            <a:off x="867891" y="1315164"/>
+            <a:ext cx="5330385" cy="1934409"/>
           </a:xfrm>
         </p:spPr>
         <p:txBody>
@@ -2150,19 +1855,13 @@
               <a:rPr lang="zh-CN" altLang="en-US"/>
               <a:t>五级</a:t>
             </a:r>
-            <a:endParaRPr lang="en-GB"/>
-          </a:p>
-        </p:txBody>
-      </p:sp>
-      <p:sp>
-        <p:nvSpPr>
-          <p:cNvPr id="5" name="文本占位符 4">
-            <a:extLst>
-              <a:ext uri="{FF2B5EF4-FFF2-40B4-BE49-F238E27FC236}">
-                <a16:creationId xmlns:a16="http://schemas.microsoft.com/office/drawing/2014/main" id="{870A9FAF-F9E6-C9FF-3BA5-7346337CEC18}"/>
-              </a:ext>
-            </a:extLst>
-          </p:cNvPr>
+            <a:endParaRPr lang="en-US" dirty="0"/>
+          </a:p>
+        </p:txBody>
+      </p:sp>
+      <p:sp>
+        <p:nvSpPr>
+          <p:cNvPr id="5" name="Text Placeholder 4"/>
           <p:cNvSpPr>
             <a:spLocks noGrp="1"/>
           </p:cNvSpPr>
@@ -2172,8 +1871,8 @@
         </p:nvSpPr>
         <p:spPr>
           <a:xfrm>
-            <a:off x="6172200" y="1681163"/>
-            <a:ext cx="5183188" cy="823912"/>
+            <a:off x="6378744" y="882610"/>
+            <a:ext cx="5356636" cy="432554"/>
           </a:xfrm>
         </p:spPr>
         <p:txBody>
@@ -2181,39 +1880,39 @@
           <a:lstStyle>
             <a:lvl1pPr marL="0" indent="0">
               <a:buNone/>
-              <a:defRPr sz="2400" b="1"/>
+              <a:defRPr sz="1260" b="1"/>
             </a:lvl1pPr>
-            <a:lvl2pPr marL="457200" indent="0">
+            <a:lvl2pPr marL="240030" indent="0">
               <a:buNone/>
-              <a:defRPr sz="2000" b="1"/>
+              <a:defRPr sz="1050" b="1"/>
             </a:lvl2pPr>
-            <a:lvl3pPr marL="914400" indent="0">
+            <a:lvl3pPr marL="480060" indent="0">
               <a:buNone/>
-              <a:defRPr sz="1800" b="1"/>
+              <a:defRPr sz="945" b="1"/>
             </a:lvl3pPr>
-            <a:lvl4pPr marL="1371600" indent="0">
+            <a:lvl4pPr marL="720090" indent="0">
               <a:buNone/>
-              <a:defRPr sz="1600" b="1"/>
+              <a:defRPr sz="840" b="1"/>
             </a:lvl4pPr>
-            <a:lvl5pPr marL="1828800" indent="0">
+            <a:lvl5pPr marL="960120" indent="0">
               <a:buNone/>
-              <a:defRPr sz="1600" b="1"/>
+              <a:defRPr sz="840" b="1"/>
             </a:lvl5pPr>
-            <a:lvl6pPr marL="2286000" indent="0">
+            <a:lvl6pPr marL="1200150" indent="0">
               <a:buNone/>
-              <a:defRPr sz="1600" b="1"/>
+              <a:defRPr sz="840" b="1"/>
             </a:lvl6pPr>
-            <a:lvl7pPr marL="2743200" indent="0">
+            <a:lvl7pPr marL="1440180" indent="0">
               <a:buNone/>
-              <a:defRPr sz="1600" b="1"/>
+              <a:defRPr sz="840" b="1"/>
             </a:lvl7pPr>
-            <a:lvl8pPr marL="3200400" indent="0">
+            <a:lvl8pPr marL="1680210" indent="0">
               <a:buNone/>
-              <a:defRPr sz="1600" b="1"/>
+              <a:defRPr sz="840" b="1"/>
             </a:lvl8pPr>
-            <a:lvl9pPr marL="3657600" indent="0">
+            <a:lvl9pPr marL="1920240" indent="0">
               <a:buNone/>
-              <a:defRPr sz="1600" b="1"/>
+              <a:defRPr sz="840" b="1"/>
             </a:lvl9pPr>
           </a:lstStyle>
           <a:p>
@@ -2227,13 +1926,7 @@
       </p:sp>
       <p:sp>
         <p:nvSpPr>
-          <p:cNvPr id="6" name="内容占位符 5">
-            <a:extLst>
-              <a:ext uri="{FF2B5EF4-FFF2-40B4-BE49-F238E27FC236}">
-                <a16:creationId xmlns:a16="http://schemas.microsoft.com/office/drawing/2014/main" id="{E193A1B0-CF22-7BD0-31CA-109D8AA90423}"/>
-              </a:ext>
-            </a:extLst>
-          </p:cNvPr>
+          <p:cNvPr id="6" name="Content Placeholder 5"/>
           <p:cNvSpPr>
             <a:spLocks noGrp="1"/>
           </p:cNvSpPr>
@@ -2243,8 +1936,8 @@
         </p:nvSpPr>
         <p:spPr>
           <a:xfrm>
-            <a:off x="6172200" y="2505075"/>
-            <a:ext cx="5183188" cy="3684588"/>
+            <a:off x="6378744" y="1315164"/>
+            <a:ext cx="5356636" cy="1934409"/>
           </a:xfrm>
         </p:spPr>
         <p:txBody>
@@ -2284,19 +1977,13 @@
               <a:rPr lang="zh-CN" altLang="en-US"/>
               <a:t>五级</a:t>
             </a:r>
-            <a:endParaRPr lang="en-GB"/>
-          </a:p>
-        </p:txBody>
-      </p:sp>
-      <p:sp>
-        <p:nvSpPr>
-          <p:cNvPr id="7" name="日期占位符 6">
-            <a:extLst>
-              <a:ext uri="{FF2B5EF4-FFF2-40B4-BE49-F238E27FC236}">
-                <a16:creationId xmlns:a16="http://schemas.microsoft.com/office/drawing/2014/main" id="{086C9923-A8BE-A563-5168-BF9C2CF70AD9}"/>
-              </a:ext>
-            </a:extLst>
-          </p:cNvPr>
+            <a:endParaRPr lang="en-US" dirty="0"/>
+          </a:p>
+        </p:txBody>
+      </p:sp>
+      <p:sp>
+        <p:nvSpPr>
+          <p:cNvPr id="7" name="Date Placeholder 6"/>
           <p:cNvSpPr>
             <a:spLocks noGrp="1"/>
           </p:cNvSpPr>
@@ -2319,13 +2006,7 @@
       </p:sp>
       <p:sp>
         <p:nvSpPr>
-          <p:cNvPr id="8" name="页脚占位符 7">
-            <a:extLst>
-              <a:ext uri="{FF2B5EF4-FFF2-40B4-BE49-F238E27FC236}">
-                <a16:creationId xmlns:a16="http://schemas.microsoft.com/office/drawing/2014/main" id="{2A02B6F8-2C9F-56E8-9D4B-FE17341A56F3}"/>
-              </a:ext>
-            </a:extLst>
-          </p:cNvPr>
+          <p:cNvPr id="8" name="Footer Placeholder 7"/>
           <p:cNvSpPr>
             <a:spLocks noGrp="1"/>
           </p:cNvSpPr>
@@ -2344,13 +2025,7 @@
       </p:sp>
       <p:sp>
         <p:nvSpPr>
-          <p:cNvPr id="9" name="灯片编号占位符 8">
-            <a:extLst>
-              <a:ext uri="{FF2B5EF4-FFF2-40B4-BE49-F238E27FC236}">
-                <a16:creationId xmlns:a16="http://schemas.microsoft.com/office/drawing/2014/main" id="{A2B9DDE9-FC2C-E30C-8246-4DC0E51317E8}"/>
-              </a:ext>
-            </a:extLst>
-          </p:cNvPr>
+          <p:cNvPr id="9" name="Slide Number Placeholder 8"/>
           <p:cNvSpPr>
             <a:spLocks noGrp="1"/>
           </p:cNvSpPr>
@@ -2374,7 +2049,7 @@
     </p:spTree>
     <p:extLst>
       <p:ext uri="{BB962C8B-B14F-4D97-AF65-F5344CB8AC3E}">
-        <p14:creationId xmlns:p14="http://schemas.microsoft.com/office/powerpoint/2010/main" val="1903114257"/>
+        <p14:creationId xmlns:p14="http://schemas.microsoft.com/office/powerpoint/2010/main" val="3314550357"/>
       </p:ext>
     </p:extLst>
   </p:cSld>
@@ -2403,13 +2078,7 @@
       </p:grpSpPr>
       <p:sp>
         <p:nvSpPr>
-          <p:cNvPr id="2" name="标题 1">
-            <a:extLst>
-              <a:ext uri="{FF2B5EF4-FFF2-40B4-BE49-F238E27FC236}">
-                <a16:creationId xmlns:a16="http://schemas.microsoft.com/office/drawing/2014/main" id="{438645ED-6AD5-BFA7-7619-5ABC47065AFB}"/>
-              </a:ext>
-            </a:extLst>
-          </p:cNvPr>
+          <p:cNvPr id="2" name="Title 1"/>
           <p:cNvSpPr>
             <a:spLocks noGrp="1"/>
           </p:cNvSpPr>
@@ -2426,19 +2095,13 @@
               <a:rPr lang="zh-CN" altLang="en-US"/>
               <a:t>单击此处编辑母版标题样式</a:t>
             </a:r>
-            <a:endParaRPr lang="en-GB"/>
-          </a:p>
-        </p:txBody>
-      </p:sp>
-      <p:sp>
-        <p:nvSpPr>
-          <p:cNvPr id="3" name="日期占位符 2">
-            <a:extLst>
-              <a:ext uri="{FF2B5EF4-FFF2-40B4-BE49-F238E27FC236}">
-                <a16:creationId xmlns:a16="http://schemas.microsoft.com/office/drawing/2014/main" id="{8F17306D-BADB-B868-9CD1-B3672754535E}"/>
-              </a:ext>
-            </a:extLst>
-          </p:cNvPr>
+            <a:endParaRPr lang="en-US" dirty="0"/>
+          </a:p>
+        </p:txBody>
+      </p:sp>
+      <p:sp>
+        <p:nvSpPr>
+          <p:cNvPr id="3" name="Date Placeholder 2"/>
           <p:cNvSpPr>
             <a:spLocks noGrp="1"/>
           </p:cNvSpPr>
@@ -2461,13 +2124,7 @@
       </p:sp>
       <p:sp>
         <p:nvSpPr>
-          <p:cNvPr id="4" name="页脚占位符 3">
-            <a:extLst>
-              <a:ext uri="{FF2B5EF4-FFF2-40B4-BE49-F238E27FC236}">
-                <a16:creationId xmlns:a16="http://schemas.microsoft.com/office/drawing/2014/main" id="{F2DFDD18-EFF4-8687-D764-C566C002C88C}"/>
-              </a:ext>
-            </a:extLst>
-          </p:cNvPr>
+          <p:cNvPr id="4" name="Footer Placeholder 3"/>
           <p:cNvSpPr>
             <a:spLocks noGrp="1"/>
           </p:cNvSpPr>
@@ -2486,13 +2143,7 @@
       </p:sp>
       <p:sp>
         <p:nvSpPr>
-          <p:cNvPr id="5" name="灯片编号占位符 4">
-            <a:extLst>
-              <a:ext uri="{FF2B5EF4-FFF2-40B4-BE49-F238E27FC236}">
-                <a16:creationId xmlns:a16="http://schemas.microsoft.com/office/drawing/2014/main" id="{FAE0B239-B7BE-D4F7-5F0A-13E8E091B44F}"/>
-              </a:ext>
-            </a:extLst>
-          </p:cNvPr>
+          <p:cNvPr id="5" name="Slide Number Placeholder 4"/>
           <p:cNvSpPr>
             <a:spLocks noGrp="1"/>
           </p:cNvSpPr>
@@ -2516,7 +2167,7 @@
     </p:spTree>
     <p:extLst>
       <p:ext uri="{BB962C8B-B14F-4D97-AF65-F5344CB8AC3E}">
-        <p14:creationId xmlns:p14="http://schemas.microsoft.com/office/powerpoint/2010/main" val="1465771060"/>
+        <p14:creationId xmlns:p14="http://schemas.microsoft.com/office/powerpoint/2010/main" val="3731038025"/>
       </p:ext>
     </p:extLst>
   </p:cSld>
@@ -2545,13 +2196,7 @@
       </p:grpSpPr>
       <p:sp>
         <p:nvSpPr>
-          <p:cNvPr id="2" name="日期占位符 1">
-            <a:extLst>
-              <a:ext uri="{FF2B5EF4-FFF2-40B4-BE49-F238E27FC236}">
-                <a16:creationId xmlns:a16="http://schemas.microsoft.com/office/drawing/2014/main" id="{7993EABC-380B-A817-4CC5-12198FD1B782}"/>
-              </a:ext>
-            </a:extLst>
-          </p:cNvPr>
+          <p:cNvPr id="2" name="Date Placeholder 1"/>
           <p:cNvSpPr>
             <a:spLocks noGrp="1"/>
           </p:cNvSpPr>
@@ -2574,13 +2219,7 @@
       </p:sp>
       <p:sp>
         <p:nvSpPr>
-          <p:cNvPr id="3" name="页脚占位符 2">
-            <a:extLst>
-              <a:ext uri="{FF2B5EF4-FFF2-40B4-BE49-F238E27FC236}">
-                <a16:creationId xmlns:a16="http://schemas.microsoft.com/office/drawing/2014/main" id="{2C787444-2F91-1E8E-34B1-42F75C3B26DC}"/>
-              </a:ext>
-            </a:extLst>
-          </p:cNvPr>
+          <p:cNvPr id="3" name="Footer Placeholder 2"/>
           <p:cNvSpPr>
             <a:spLocks noGrp="1"/>
           </p:cNvSpPr>
@@ -2599,13 +2238,7 @@
       </p:sp>
       <p:sp>
         <p:nvSpPr>
-          <p:cNvPr id="4" name="灯片编号占位符 3">
-            <a:extLst>
-              <a:ext uri="{FF2B5EF4-FFF2-40B4-BE49-F238E27FC236}">
-                <a16:creationId xmlns:a16="http://schemas.microsoft.com/office/drawing/2014/main" id="{1AA219F6-2845-7216-0249-14E608A61690}"/>
-              </a:ext>
-            </a:extLst>
-          </p:cNvPr>
+          <p:cNvPr id="4" name="Slide Number Placeholder 3"/>
           <p:cNvSpPr>
             <a:spLocks noGrp="1"/>
           </p:cNvSpPr>
@@ -2629,7 +2262,7 @@
     </p:spTree>
     <p:extLst>
       <p:ext uri="{BB962C8B-B14F-4D97-AF65-F5344CB8AC3E}">
-        <p14:creationId xmlns:p14="http://schemas.microsoft.com/office/powerpoint/2010/main" val="1293646059"/>
+        <p14:creationId xmlns:p14="http://schemas.microsoft.com/office/powerpoint/2010/main" val="2346638543"/>
       </p:ext>
     </p:extLst>
   </p:cSld>
@@ -2658,13 +2291,7 @@
       </p:grpSpPr>
       <p:sp>
         <p:nvSpPr>
-          <p:cNvPr id="2" name="标题 1">
-            <a:extLst>
-              <a:ext uri="{FF2B5EF4-FFF2-40B4-BE49-F238E27FC236}">
-                <a16:creationId xmlns:a16="http://schemas.microsoft.com/office/drawing/2014/main" id="{92E571C8-C369-BE5E-19A4-42AC9B3C42A7}"/>
-              </a:ext>
-            </a:extLst>
-          </p:cNvPr>
+          <p:cNvPr id="2" name="Title 1"/>
           <p:cNvSpPr>
             <a:spLocks noGrp="1"/>
           </p:cNvSpPr>
@@ -2674,15 +2301,15 @@
         </p:nvSpPr>
         <p:spPr>
           <a:xfrm>
-            <a:off x="839788" y="457200"/>
-            <a:ext cx="3932237" cy="1600200"/>
+            <a:off x="867891" y="240030"/>
+            <a:ext cx="4063824" cy="840105"/>
           </a:xfrm>
         </p:spPr>
         <p:txBody>
           <a:bodyPr anchor="b"/>
           <a:lstStyle>
             <a:lvl1pPr>
-              <a:defRPr sz="3200"/>
+              <a:defRPr sz="1680"/>
             </a:lvl1pPr>
           </a:lstStyle>
           <a:p>
@@ -2690,19 +2317,13 @@
               <a:rPr lang="zh-CN" altLang="en-US"/>
               <a:t>单击此处编辑母版标题样式</a:t>
             </a:r>
-            <a:endParaRPr lang="en-GB"/>
-          </a:p>
-        </p:txBody>
-      </p:sp>
-      <p:sp>
-        <p:nvSpPr>
-          <p:cNvPr id="3" name="内容占位符 2">
-            <a:extLst>
-              <a:ext uri="{FF2B5EF4-FFF2-40B4-BE49-F238E27FC236}">
-                <a16:creationId xmlns:a16="http://schemas.microsoft.com/office/drawing/2014/main" id="{019A5EB0-9827-061B-25FF-1CD56CE75633}"/>
-              </a:ext>
-            </a:extLst>
-          </p:cNvPr>
+            <a:endParaRPr lang="en-US" dirty="0"/>
+          </a:p>
+        </p:txBody>
+      </p:sp>
+      <p:sp>
+        <p:nvSpPr>
+          <p:cNvPr id="3" name="Content Placeholder 2"/>
           <p:cNvSpPr>
             <a:spLocks noGrp="1"/>
           </p:cNvSpPr>
@@ -2712,39 +2333,39 @@
         </p:nvSpPr>
         <p:spPr>
           <a:xfrm>
-            <a:off x="5183188" y="987425"/>
-            <a:ext cx="6172200" cy="4873625"/>
+            <a:off x="5356636" y="518398"/>
+            <a:ext cx="6378744" cy="2558653"/>
           </a:xfrm>
         </p:spPr>
         <p:txBody>
           <a:bodyPr/>
           <a:lstStyle>
             <a:lvl1pPr>
-              <a:defRPr sz="3200"/>
+              <a:defRPr sz="1680"/>
             </a:lvl1pPr>
             <a:lvl2pPr>
-              <a:defRPr sz="2800"/>
+              <a:defRPr sz="1470"/>
             </a:lvl2pPr>
             <a:lvl3pPr>
-              <a:defRPr sz="2400"/>
+              <a:defRPr sz="1260"/>
             </a:lvl3pPr>
             <a:lvl4pPr>
-              <a:defRPr sz="2000"/>
+              <a:defRPr sz="1050"/>
             </a:lvl4pPr>
             <a:lvl5pPr>
-              <a:defRPr sz="2000"/>
+              <a:defRPr sz="1050"/>
             </a:lvl5pPr>
             <a:lvl6pPr>
-              <a:defRPr sz="2000"/>
+              <a:defRPr sz="1050"/>
             </a:lvl6pPr>
             <a:lvl7pPr>
-              <a:defRPr sz="2000"/>
+              <a:defRPr sz="1050"/>
             </a:lvl7pPr>
             <a:lvl8pPr>
-              <a:defRPr sz="2000"/>
+              <a:defRPr sz="1050"/>
             </a:lvl8pPr>
             <a:lvl9pPr>
-              <a:defRPr sz="2000"/>
+              <a:defRPr sz="1050"/>
             </a:lvl9pPr>
           </a:lstStyle>
           <a:p>
@@ -2781,19 +2402,13 @@
               <a:rPr lang="zh-CN" altLang="en-US"/>
               <a:t>五级</a:t>
             </a:r>
-            <a:endParaRPr lang="en-GB"/>
-          </a:p>
-        </p:txBody>
-      </p:sp>
-      <p:sp>
-        <p:nvSpPr>
-          <p:cNvPr id="4" name="文本占位符 3">
-            <a:extLst>
-              <a:ext uri="{FF2B5EF4-FFF2-40B4-BE49-F238E27FC236}">
-                <a16:creationId xmlns:a16="http://schemas.microsoft.com/office/drawing/2014/main" id="{10637440-47E2-848C-0C92-A28A3E2B04A4}"/>
-              </a:ext>
-            </a:extLst>
-          </p:cNvPr>
+            <a:endParaRPr lang="en-US" dirty="0"/>
+          </a:p>
+        </p:txBody>
+      </p:sp>
+      <p:sp>
+        <p:nvSpPr>
+          <p:cNvPr id="4" name="Text Placeholder 3"/>
           <p:cNvSpPr>
             <a:spLocks noGrp="1"/>
           </p:cNvSpPr>
@@ -2803,8 +2418,8 @@
         </p:nvSpPr>
         <p:spPr>
           <a:xfrm>
-            <a:off x="839788" y="2057400"/>
-            <a:ext cx="3932237" cy="3811588"/>
+            <a:off x="867891" y="1080135"/>
+            <a:ext cx="4063824" cy="2001084"/>
           </a:xfrm>
         </p:spPr>
         <p:txBody>
@@ -2812,39 +2427,39 @@
           <a:lstStyle>
             <a:lvl1pPr marL="0" indent="0">
               <a:buNone/>
-              <a:defRPr sz="1600"/>
+              <a:defRPr sz="840"/>
             </a:lvl1pPr>
-            <a:lvl2pPr marL="457200" indent="0">
+            <a:lvl2pPr marL="240030" indent="0">
               <a:buNone/>
-              <a:defRPr sz="1400"/>
+              <a:defRPr sz="735"/>
             </a:lvl2pPr>
-            <a:lvl3pPr marL="914400" indent="0">
+            <a:lvl3pPr marL="480060" indent="0">
               <a:buNone/>
-              <a:defRPr sz="1200"/>
+              <a:defRPr sz="630"/>
             </a:lvl3pPr>
-            <a:lvl4pPr marL="1371600" indent="0">
+            <a:lvl4pPr marL="720090" indent="0">
               <a:buNone/>
-              <a:defRPr sz="1000"/>
+              <a:defRPr sz="525"/>
             </a:lvl4pPr>
-            <a:lvl5pPr marL="1828800" indent="0">
+            <a:lvl5pPr marL="960120" indent="0">
               <a:buNone/>
-              <a:defRPr sz="1000"/>
+              <a:defRPr sz="525"/>
             </a:lvl5pPr>
-            <a:lvl6pPr marL="2286000" indent="0">
+            <a:lvl6pPr marL="1200150" indent="0">
               <a:buNone/>
-              <a:defRPr sz="1000"/>
+              <a:defRPr sz="525"/>
             </a:lvl6pPr>
-            <a:lvl7pPr marL="2743200" indent="0">
+            <a:lvl7pPr marL="1440180" indent="0">
               <a:buNone/>
-              <a:defRPr sz="1000"/>
+              <a:defRPr sz="525"/>
             </a:lvl7pPr>
-            <a:lvl8pPr marL="3200400" indent="0">
+            <a:lvl8pPr marL="1680210" indent="0">
               <a:buNone/>
-              <a:defRPr sz="1000"/>
+              <a:defRPr sz="525"/>
             </a:lvl8pPr>
-            <a:lvl9pPr marL="3657600" indent="0">
+            <a:lvl9pPr marL="1920240" indent="0">
               <a:buNone/>
-              <a:defRPr sz="1000"/>
+              <a:defRPr sz="525"/>
             </a:lvl9pPr>
           </a:lstStyle>
           <a:p>
@@ -2858,13 +2473,7 @@
       </p:sp>
       <p:sp>
         <p:nvSpPr>
-          <p:cNvPr id="5" name="日期占位符 4">
-            <a:extLst>
-              <a:ext uri="{FF2B5EF4-FFF2-40B4-BE49-F238E27FC236}">
-                <a16:creationId xmlns:a16="http://schemas.microsoft.com/office/drawing/2014/main" id="{65DECC8F-D19C-FF7E-5BD5-946D2B3BC15D}"/>
-              </a:ext>
-            </a:extLst>
-          </p:cNvPr>
+          <p:cNvPr id="5" name="Date Placeholder 4"/>
           <p:cNvSpPr>
             <a:spLocks noGrp="1"/>
           </p:cNvSpPr>
@@ -2887,13 +2496,7 @@
       </p:sp>
       <p:sp>
         <p:nvSpPr>
-          <p:cNvPr id="6" name="页脚占位符 5">
-            <a:extLst>
-              <a:ext uri="{FF2B5EF4-FFF2-40B4-BE49-F238E27FC236}">
-                <a16:creationId xmlns:a16="http://schemas.microsoft.com/office/drawing/2014/main" id="{7B933FB5-5E3F-1852-1C46-A7164DACCA7A}"/>
-              </a:ext>
-            </a:extLst>
-          </p:cNvPr>
+          <p:cNvPr id="6" name="Footer Placeholder 5"/>
           <p:cNvSpPr>
             <a:spLocks noGrp="1"/>
           </p:cNvSpPr>
@@ -2912,13 +2515,7 @@
       </p:sp>
       <p:sp>
         <p:nvSpPr>
-          <p:cNvPr id="7" name="灯片编号占位符 6">
-            <a:extLst>
-              <a:ext uri="{FF2B5EF4-FFF2-40B4-BE49-F238E27FC236}">
-                <a16:creationId xmlns:a16="http://schemas.microsoft.com/office/drawing/2014/main" id="{0CA5CC7E-EA17-072C-579D-F2FAC01AD2BA}"/>
-              </a:ext>
-            </a:extLst>
-          </p:cNvPr>
+          <p:cNvPr id="7" name="Slide Number Placeholder 6"/>
           <p:cNvSpPr>
             <a:spLocks noGrp="1"/>
           </p:cNvSpPr>
@@ -2942,7 +2539,7 @@
     </p:spTree>
     <p:extLst>
       <p:ext uri="{BB962C8B-B14F-4D97-AF65-F5344CB8AC3E}">
-        <p14:creationId xmlns:p14="http://schemas.microsoft.com/office/powerpoint/2010/main" val="746561037"/>
+        <p14:creationId xmlns:p14="http://schemas.microsoft.com/office/powerpoint/2010/main" val="61827679"/>
       </p:ext>
     </p:extLst>
   </p:cSld>
@@ -2971,13 +2568,7 @@
       </p:grpSpPr>
       <p:sp>
         <p:nvSpPr>
-          <p:cNvPr id="2" name="标题 1">
-            <a:extLst>
-              <a:ext uri="{FF2B5EF4-FFF2-40B4-BE49-F238E27FC236}">
-                <a16:creationId xmlns:a16="http://schemas.microsoft.com/office/drawing/2014/main" id="{C256A3B8-DC8C-9217-8538-967578A74CB8}"/>
-              </a:ext>
-            </a:extLst>
-          </p:cNvPr>
+          <p:cNvPr id="2" name="Title 1"/>
           <p:cNvSpPr>
             <a:spLocks noGrp="1"/>
           </p:cNvSpPr>
@@ -2987,15 +2578,15 @@
         </p:nvSpPr>
         <p:spPr>
           <a:xfrm>
-            <a:off x="839788" y="457200"/>
-            <a:ext cx="3932237" cy="1600200"/>
+            <a:off x="867891" y="240030"/>
+            <a:ext cx="4063824" cy="840105"/>
           </a:xfrm>
         </p:spPr>
         <p:txBody>
           <a:bodyPr anchor="b"/>
           <a:lstStyle>
             <a:lvl1pPr>
-              <a:defRPr sz="3200"/>
+              <a:defRPr sz="1680"/>
             </a:lvl1pPr>
           </a:lstStyle>
           <a:p>
@@ -3003,21 +2594,15 @@
               <a:rPr lang="zh-CN" altLang="en-US"/>
               <a:t>单击此处编辑母版标题样式</a:t>
             </a:r>
-            <a:endParaRPr lang="en-GB"/>
-          </a:p>
-        </p:txBody>
-      </p:sp>
-      <p:sp>
-        <p:nvSpPr>
-          <p:cNvPr id="3" name="图片占位符 2">
-            <a:extLst>
-              <a:ext uri="{FF2B5EF4-FFF2-40B4-BE49-F238E27FC236}">
-                <a16:creationId xmlns:a16="http://schemas.microsoft.com/office/drawing/2014/main" id="{37497D54-5DF7-7D0F-8759-01392824E96C}"/>
-              </a:ext>
-            </a:extLst>
-          </p:cNvPr>
+            <a:endParaRPr lang="en-US" dirty="0"/>
+          </a:p>
+        </p:txBody>
+      </p:sp>
+      <p:sp>
+        <p:nvSpPr>
+          <p:cNvPr id="3" name="Picture Placeholder 2"/>
           <p:cNvSpPr>
-            <a:spLocks noGrp="1"/>
+            <a:spLocks noGrp="1" noChangeAspect="1"/>
           </p:cNvSpPr>
           <p:nvPr>
             <p:ph type="pic" idx="1"/>
@@ -3025,64 +2610,62 @@
         </p:nvSpPr>
         <p:spPr>
           <a:xfrm>
-            <a:off x="5183188" y="987425"/>
-            <a:ext cx="6172200" cy="4873625"/>
-          </a:xfrm>
-        </p:spPr>
-        <p:txBody>
-          <a:bodyPr/>
+            <a:off x="5356636" y="518398"/>
+            <a:ext cx="6378744" cy="2558653"/>
+          </a:xfrm>
+        </p:spPr>
+        <p:txBody>
+          <a:bodyPr anchor="t"/>
           <a:lstStyle>
             <a:lvl1pPr marL="0" indent="0">
               <a:buNone/>
-              <a:defRPr sz="3200"/>
+              <a:defRPr sz="1680"/>
             </a:lvl1pPr>
-            <a:lvl2pPr marL="457200" indent="0">
+            <a:lvl2pPr marL="240030" indent="0">
               <a:buNone/>
-              <a:defRPr sz="2800"/>
+              <a:defRPr sz="1470"/>
             </a:lvl2pPr>
-            <a:lvl3pPr marL="914400" indent="0">
+            <a:lvl3pPr marL="480060" indent="0">
               <a:buNone/>
-              <a:defRPr sz="2400"/>
+              <a:defRPr sz="1260"/>
             </a:lvl3pPr>
-            <a:lvl4pPr marL="1371600" indent="0">
+            <a:lvl4pPr marL="720090" indent="0">
               <a:buNone/>
-              <a:defRPr sz="2000"/>
+              <a:defRPr sz="1050"/>
             </a:lvl4pPr>
-            <a:lvl5pPr marL="1828800" indent="0">
+            <a:lvl5pPr marL="960120" indent="0">
               <a:buNone/>
-              <a:defRPr sz="2000"/>
+              <a:defRPr sz="1050"/>
             </a:lvl5pPr>
-            <a:lvl6pPr marL="2286000" indent="0">
+            <a:lvl6pPr marL="1200150" indent="0">
               <a:buNone/>
-              <a:defRPr sz="2000"/>
+              <a:defRPr sz="1050"/>
             </a:lvl6pPr>
-            <a:lvl7pPr marL="2743200" indent="0">
+            <a:lvl7pPr marL="1440180" indent="0">
               <a:buNone/>
-              <a:defRPr sz="2000"/>
+              <a:defRPr sz="1050"/>
             </a:lvl7pPr>
-            <a:lvl8pPr marL="3200400" indent="0">
+            <a:lvl8pPr marL="1680210" indent="0">
               <a:buNone/>
-              <a:defRPr sz="2000"/>
+              <a:defRPr sz="1050"/>
             </a:lvl8pPr>
-            <a:lvl9pPr marL="3657600" indent="0">
+            <a:lvl9pPr marL="1920240" indent="0">
               <a:buNone/>
-              <a:defRPr sz="2000"/>
+              <a:defRPr sz="1050"/>
             </a:lvl9pPr>
           </a:lstStyle>
           <a:p>
-            <a:endParaRPr lang="en-GB"/>
-          </a:p>
-        </p:txBody>
-      </p:sp>
-      <p:sp>
-        <p:nvSpPr>
-          <p:cNvPr id="4" name="文本占位符 3">
-            <a:extLst>
-              <a:ext uri="{FF2B5EF4-FFF2-40B4-BE49-F238E27FC236}">
-                <a16:creationId xmlns:a16="http://schemas.microsoft.com/office/drawing/2014/main" id="{35935532-F526-326A-DEF6-7FD675D170B4}"/>
-              </a:ext>
-            </a:extLst>
-          </p:cNvPr>
+            <a:r>
+              <a:rPr lang="zh-CN" altLang="en-US"/>
+              <a:t>单击图标添加图片</a:t>
+            </a:r>
+            <a:endParaRPr lang="en-US" dirty="0"/>
+          </a:p>
+        </p:txBody>
+      </p:sp>
+      <p:sp>
+        <p:nvSpPr>
+          <p:cNvPr id="4" name="Text Placeholder 3"/>
           <p:cNvSpPr>
             <a:spLocks noGrp="1"/>
           </p:cNvSpPr>
@@ -3092,8 +2675,8 @@
         </p:nvSpPr>
         <p:spPr>
           <a:xfrm>
-            <a:off x="839788" y="2057400"/>
-            <a:ext cx="3932237" cy="3811588"/>
+            <a:off x="867891" y="1080135"/>
+            <a:ext cx="4063824" cy="2001084"/>
           </a:xfrm>
         </p:spPr>
         <p:txBody>
@@ -3101,39 +2684,39 @@
           <a:lstStyle>
             <a:lvl1pPr marL="0" indent="0">
               <a:buNone/>
-              <a:defRPr sz="1600"/>
+              <a:defRPr sz="840"/>
             </a:lvl1pPr>
-            <a:lvl2pPr marL="457200" indent="0">
+            <a:lvl2pPr marL="240030" indent="0">
               <a:buNone/>
-              <a:defRPr sz="1400"/>
+              <a:defRPr sz="735"/>
             </a:lvl2pPr>
-            <a:lvl3pPr marL="914400" indent="0">
+            <a:lvl3pPr marL="480060" indent="0">
               <a:buNone/>
-              <a:defRPr sz="1200"/>
+              <a:defRPr sz="630"/>
             </a:lvl3pPr>
-            <a:lvl4pPr marL="1371600" indent="0">
+            <a:lvl4pPr marL="720090" indent="0">
               <a:buNone/>
-              <a:defRPr sz="1000"/>
+              <a:defRPr sz="525"/>
             </a:lvl4pPr>
-            <a:lvl5pPr marL="1828800" indent="0">
+            <a:lvl5pPr marL="960120" indent="0">
               <a:buNone/>
-              <a:defRPr sz="1000"/>
+              <a:defRPr sz="525"/>
             </a:lvl5pPr>
-            <a:lvl6pPr marL="2286000" indent="0">
+            <a:lvl6pPr marL="1200150" indent="0">
               <a:buNone/>
-              <a:defRPr sz="1000"/>
+              <a:defRPr sz="525"/>
             </a:lvl6pPr>
-            <a:lvl7pPr marL="2743200" indent="0">
+            <a:lvl7pPr marL="1440180" indent="0">
               <a:buNone/>
-              <a:defRPr sz="1000"/>
+              <a:defRPr sz="525"/>
             </a:lvl7pPr>
-            <a:lvl8pPr marL="3200400" indent="0">
+            <a:lvl8pPr marL="1680210" indent="0">
               <a:buNone/>
-              <a:defRPr sz="1000"/>
+              <a:defRPr sz="525"/>
             </a:lvl8pPr>
-            <a:lvl9pPr marL="3657600" indent="0">
+            <a:lvl9pPr marL="1920240" indent="0">
               <a:buNone/>
-              <a:defRPr sz="1000"/>
+              <a:defRPr sz="525"/>
             </a:lvl9pPr>
           </a:lstStyle>
           <a:p>
@@ -3147,13 +2730,7 @@
       </p:sp>
       <p:sp>
         <p:nvSpPr>
-          <p:cNvPr id="5" name="日期占位符 4">
-            <a:extLst>
-              <a:ext uri="{FF2B5EF4-FFF2-40B4-BE49-F238E27FC236}">
-                <a16:creationId xmlns:a16="http://schemas.microsoft.com/office/drawing/2014/main" id="{F9684A0C-199D-9AA1-F65F-07406ADB8BDF}"/>
-              </a:ext>
-            </a:extLst>
-          </p:cNvPr>
+          <p:cNvPr id="5" name="Date Placeholder 4"/>
           <p:cNvSpPr>
             <a:spLocks noGrp="1"/>
           </p:cNvSpPr>
@@ -3176,13 +2753,7 @@
       </p:sp>
       <p:sp>
         <p:nvSpPr>
-          <p:cNvPr id="6" name="页脚占位符 5">
-            <a:extLst>
-              <a:ext uri="{FF2B5EF4-FFF2-40B4-BE49-F238E27FC236}">
-                <a16:creationId xmlns:a16="http://schemas.microsoft.com/office/drawing/2014/main" id="{F7EBD3EC-0C36-1448-E09E-81796577370F}"/>
-              </a:ext>
-            </a:extLst>
-          </p:cNvPr>
+          <p:cNvPr id="6" name="Footer Placeholder 5"/>
           <p:cNvSpPr>
             <a:spLocks noGrp="1"/>
           </p:cNvSpPr>
@@ -3201,13 +2772,7 @@
       </p:sp>
       <p:sp>
         <p:nvSpPr>
-          <p:cNvPr id="7" name="灯片编号占位符 6">
-            <a:extLst>
-              <a:ext uri="{FF2B5EF4-FFF2-40B4-BE49-F238E27FC236}">
-                <a16:creationId xmlns:a16="http://schemas.microsoft.com/office/drawing/2014/main" id="{DC726C27-70A9-78BF-80AD-C692279F256D}"/>
-              </a:ext>
-            </a:extLst>
-          </p:cNvPr>
+          <p:cNvPr id="7" name="Slide Number Placeholder 6"/>
           <p:cNvSpPr>
             <a:spLocks noGrp="1"/>
           </p:cNvSpPr>
@@ -3231,7 +2796,7 @@
     </p:spTree>
     <p:extLst>
       <p:ext uri="{BB962C8B-B14F-4D97-AF65-F5344CB8AC3E}">
-        <p14:creationId xmlns:p14="http://schemas.microsoft.com/office/powerpoint/2010/main" val="4112236804"/>
+        <p14:creationId xmlns:p14="http://schemas.microsoft.com/office/powerpoint/2010/main" val="558511947"/>
       </p:ext>
     </p:extLst>
   </p:cSld>
@@ -3265,13 +2830,7 @@
       </p:grpSpPr>
       <p:sp>
         <p:nvSpPr>
-          <p:cNvPr id="2" name="标题占位符 1">
-            <a:extLst>
-              <a:ext uri="{FF2B5EF4-FFF2-40B4-BE49-F238E27FC236}">
-                <a16:creationId xmlns:a16="http://schemas.microsoft.com/office/drawing/2014/main" id="{AFDA0D6A-C2B6-8E14-3EFF-1CF47713E4FC}"/>
-              </a:ext>
-            </a:extLst>
-          </p:cNvPr>
+          <p:cNvPr id="2" name="Title Placeholder 1"/>
           <p:cNvSpPr>
             <a:spLocks noGrp="1"/>
           </p:cNvSpPr>
@@ -3281,8 +2840,8 @@
         </p:nvSpPr>
         <p:spPr>
           <a:xfrm>
-            <a:off x="838200" y="365125"/>
-            <a:ext cx="10515600" cy="1325563"/>
+            <a:off x="866249" y="191691"/>
+            <a:ext cx="10867490" cy="695921"/>
           </a:xfrm>
           <a:prstGeom prst="rect">
             <a:avLst/>
@@ -3298,19 +2857,13 @@
               <a:rPr lang="zh-CN" altLang="en-US"/>
               <a:t>单击此处编辑母版标题样式</a:t>
             </a:r>
-            <a:endParaRPr lang="en-GB"/>
-          </a:p>
-        </p:txBody>
-      </p:sp>
-      <p:sp>
-        <p:nvSpPr>
-          <p:cNvPr id="3" name="文本占位符 2">
-            <a:extLst>
-              <a:ext uri="{FF2B5EF4-FFF2-40B4-BE49-F238E27FC236}">
-                <a16:creationId xmlns:a16="http://schemas.microsoft.com/office/drawing/2014/main" id="{35BB4D3F-A03D-7622-13F2-DCD03AE27107}"/>
-              </a:ext>
-            </a:extLst>
-          </p:cNvPr>
+            <a:endParaRPr lang="en-US" dirty="0"/>
+          </a:p>
+        </p:txBody>
+      </p:sp>
+      <p:sp>
+        <p:nvSpPr>
+          <p:cNvPr id="3" name="Text Placeholder 2"/>
           <p:cNvSpPr>
             <a:spLocks noGrp="1"/>
           </p:cNvSpPr>
@@ -3320,8 +2873,8 @@
         </p:nvSpPr>
         <p:spPr>
           <a:xfrm>
-            <a:off x="838200" y="1825625"/>
-            <a:ext cx="10515600" cy="4351338"/>
+            <a:off x="866249" y="958453"/>
+            <a:ext cx="10867490" cy="2284452"/>
           </a:xfrm>
           <a:prstGeom prst="rect">
             <a:avLst/>
@@ -3366,19 +2919,13 @@
               <a:rPr lang="zh-CN" altLang="en-US"/>
               <a:t>五级</a:t>
             </a:r>
-            <a:endParaRPr lang="en-GB"/>
-          </a:p>
-        </p:txBody>
-      </p:sp>
-      <p:sp>
-        <p:nvSpPr>
-          <p:cNvPr id="4" name="日期占位符 3">
-            <a:extLst>
-              <a:ext uri="{FF2B5EF4-FFF2-40B4-BE49-F238E27FC236}">
-                <a16:creationId xmlns:a16="http://schemas.microsoft.com/office/drawing/2014/main" id="{C063F921-EDB7-383D-6CA5-F2F8926FF06F}"/>
-              </a:ext>
-            </a:extLst>
-          </p:cNvPr>
+            <a:endParaRPr lang="en-US" dirty="0"/>
+          </a:p>
+        </p:txBody>
+      </p:sp>
+      <p:sp>
+        <p:nvSpPr>
+          <p:cNvPr id="4" name="Date Placeholder 3"/>
           <p:cNvSpPr>
             <a:spLocks noGrp="1"/>
           </p:cNvSpPr>
@@ -3388,8 +2935,8 @@
         </p:nvSpPr>
         <p:spPr>
           <a:xfrm>
-            <a:off x="838200" y="6356350"/>
-            <a:ext cx="2743200" cy="365125"/>
+            <a:off x="866249" y="3337084"/>
+            <a:ext cx="2834997" cy="191691"/>
           </a:xfrm>
           <a:prstGeom prst="rect">
             <a:avLst/>
@@ -3399,7 +2946,7 @@
           <a:bodyPr vert="horz" lIns="91440" tIns="45720" rIns="91440" bIns="45720" rtlCol="0" anchor="ctr"/>
           <a:lstStyle>
             <a:lvl1pPr algn="l">
-              <a:defRPr sz="1200">
+              <a:defRPr sz="630">
                 <a:solidFill>
                   <a:schemeClr val="tx1">
                     <a:tint val="82000"/>
@@ -3419,13 +2966,7 @@
       </p:sp>
       <p:sp>
         <p:nvSpPr>
-          <p:cNvPr id="5" name="页脚占位符 4">
-            <a:extLst>
-              <a:ext uri="{FF2B5EF4-FFF2-40B4-BE49-F238E27FC236}">
-                <a16:creationId xmlns:a16="http://schemas.microsoft.com/office/drawing/2014/main" id="{BF5647E0-C6CC-37D9-3E35-DDADE4D85485}"/>
-              </a:ext>
-            </a:extLst>
-          </p:cNvPr>
+          <p:cNvPr id="5" name="Footer Placeholder 4"/>
           <p:cNvSpPr>
             <a:spLocks noGrp="1"/>
           </p:cNvSpPr>
@@ -3435,8 +2976,8 @@
         </p:nvSpPr>
         <p:spPr>
           <a:xfrm>
-            <a:off x="4038600" y="6356350"/>
-            <a:ext cx="4114800" cy="365125"/>
+            <a:off x="4173746" y="3337084"/>
+            <a:ext cx="4252496" cy="191691"/>
           </a:xfrm>
           <a:prstGeom prst="rect">
             <a:avLst/>
@@ -3446,7 +2987,7 @@
           <a:bodyPr vert="horz" lIns="91440" tIns="45720" rIns="91440" bIns="45720" rtlCol="0" anchor="ctr"/>
           <a:lstStyle>
             <a:lvl1pPr algn="ctr">
-              <a:defRPr sz="1200">
+              <a:defRPr sz="630">
                 <a:solidFill>
                   <a:schemeClr val="tx1">
                     <a:tint val="82000"/>
@@ -3462,13 +3003,7 @@
       </p:sp>
       <p:sp>
         <p:nvSpPr>
-          <p:cNvPr id="6" name="灯片编号占位符 5">
-            <a:extLst>
-              <a:ext uri="{FF2B5EF4-FFF2-40B4-BE49-F238E27FC236}">
-                <a16:creationId xmlns:a16="http://schemas.microsoft.com/office/drawing/2014/main" id="{0520D25F-F7DD-AB35-CE13-4DFC5C3CA6A7}"/>
-              </a:ext>
-            </a:extLst>
-          </p:cNvPr>
+          <p:cNvPr id="6" name="Slide Number Placeholder 5"/>
           <p:cNvSpPr>
             <a:spLocks noGrp="1"/>
           </p:cNvSpPr>
@@ -3478,8 +3013,8 @@
         </p:nvSpPr>
         <p:spPr>
           <a:xfrm>
-            <a:off x="8610600" y="6356350"/>
-            <a:ext cx="2743200" cy="365125"/>
+            <a:off x="8898742" y="3337084"/>
+            <a:ext cx="2834997" cy="191691"/>
           </a:xfrm>
           <a:prstGeom prst="rect">
             <a:avLst/>
@@ -3489,7 +3024,7 @@
           <a:bodyPr vert="horz" lIns="91440" tIns="45720" rIns="91440" bIns="45720" rtlCol="0" anchor="ctr"/>
           <a:lstStyle>
             <a:lvl1pPr algn="r">
-              <a:defRPr sz="1200">
+              <a:defRPr sz="630">
                 <a:solidFill>
                   <a:schemeClr val="tx1">
                     <a:tint val="82000"/>
@@ -3510,27 +3045,27 @@
     </p:spTree>
     <p:extLst>
       <p:ext uri="{BB962C8B-B14F-4D97-AF65-F5344CB8AC3E}">
-        <p14:creationId xmlns:p14="http://schemas.microsoft.com/office/powerpoint/2010/main" val="1173753591"/>
+        <p14:creationId xmlns:p14="http://schemas.microsoft.com/office/powerpoint/2010/main" val="2270536462"/>
       </p:ext>
     </p:extLst>
   </p:cSld>
   <p:clrMap bg1="lt1" tx1="dk1" bg2="lt2" tx2="dk2" accent1="accent1" accent2="accent2" accent3="accent3" accent4="accent4" accent5="accent5" accent6="accent6" hlink="hlink" folHlink="folHlink"/>
   <p:sldLayoutIdLst>
-    <p:sldLayoutId id="2147483649" r:id="rId1"/>
-    <p:sldLayoutId id="2147483650" r:id="rId2"/>
-    <p:sldLayoutId id="2147483651" r:id="rId3"/>
-    <p:sldLayoutId id="2147483652" r:id="rId4"/>
-    <p:sldLayoutId id="2147483653" r:id="rId5"/>
-    <p:sldLayoutId id="2147483654" r:id="rId6"/>
-    <p:sldLayoutId id="2147483655" r:id="rId7"/>
-    <p:sldLayoutId id="2147483656" r:id="rId8"/>
-    <p:sldLayoutId id="2147483657" r:id="rId9"/>
-    <p:sldLayoutId id="2147483658" r:id="rId10"/>
-    <p:sldLayoutId id="2147483659" r:id="rId11"/>
+    <p:sldLayoutId id="2147483685" r:id="rId1"/>
+    <p:sldLayoutId id="2147483686" r:id="rId2"/>
+    <p:sldLayoutId id="2147483687" r:id="rId3"/>
+    <p:sldLayoutId id="2147483688" r:id="rId4"/>
+    <p:sldLayoutId id="2147483689" r:id="rId5"/>
+    <p:sldLayoutId id="2147483690" r:id="rId6"/>
+    <p:sldLayoutId id="2147483691" r:id="rId7"/>
+    <p:sldLayoutId id="2147483692" r:id="rId8"/>
+    <p:sldLayoutId id="2147483693" r:id="rId9"/>
+    <p:sldLayoutId id="2147483694" r:id="rId10"/>
+    <p:sldLayoutId id="2147483695" r:id="rId11"/>
   </p:sldLayoutIdLst>
   <p:txStyles>
     <p:titleStyle>
-      <a:lvl1pPr algn="l" defTabSz="914400" rtl="0" eaLnBrk="1" latinLnBrk="0" hangingPunct="1">
+      <a:lvl1pPr algn="l" defTabSz="480060" rtl="0" eaLnBrk="1" latinLnBrk="0" hangingPunct="1">
         <a:lnSpc>
           <a:spcPct val="90000"/>
         </a:lnSpc>
@@ -3538,7 +3073,7 @@
           <a:spcPct val="0"/>
         </a:spcBef>
         <a:buNone/>
-        <a:defRPr sz="4400" kern="1200">
+        <a:defRPr sz="2310" kern="1200">
           <a:solidFill>
             <a:schemeClr val="tx1"/>
           </a:solidFill>
@@ -3549,16 +3084,16 @@
       </a:lvl1pPr>
     </p:titleStyle>
     <p:bodyStyle>
-      <a:lvl1pPr marL="228600" indent="-228600" algn="l" defTabSz="914400" rtl="0" eaLnBrk="1" latinLnBrk="0" hangingPunct="1">
+      <a:lvl1pPr marL="120015" indent="-120015" algn="l" defTabSz="480060" rtl="0" eaLnBrk="1" latinLnBrk="0" hangingPunct="1">
         <a:lnSpc>
           <a:spcPct val="90000"/>
         </a:lnSpc>
         <a:spcBef>
-          <a:spcPts val="1000"/>
+          <a:spcPts val="525"/>
         </a:spcBef>
         <a:buFont typeface="Arial" panose="020B0604020202020204" pitchFamily="34" charset="0"/>
         <a:buChar char="•"/>
-        <a:defRPr sz="2800" kern="1200">
+        <a:defRPr sz="1470" kern="1200">
           <a:solidFill>
             <a:schemeClr val="tx1"/>
           </a:solidFill>
@@ -3567,16 +3102,16 @@
           <a:cs typeface="+mn-cs"/>
         </a:defRPr>
       </a:lvl1pPr>
-      <a:lvl2pPr marL="685800" indent="-228600" algn="l" defTabSz="914400" rtl="0" eaLnBrk="1" latinLnBrk="0" hangingPunct="1">
+      <a:lvl2pPr marL="360045" indent="-120015" algn="l" defTabSz="480060" rtl="0" eaLnBrk="1" latinLnBrk="0" hangingPunct="1">
         <a:lnSpc>
           <a:spcPct val="90000"/>
         </a:lnSpc>
         <a:spcBef>
-          <a:spcPts val="500"/>
+          <a:spcPts val="263"/>
         </a:spcBef>
         <a:buFont typeface="Arial" panose="020B0604020202020204" pitchFamily="34" charset="0"/>
         <a:buChar char="•"/>
-        <a:defRPr sz="2400" kern="1200">
+        <a:defRPr sz="1260" kern="1200">
           <a:solidFill>
             <a:schemeClr val="tx1"/>
           </a:solidFill>
@@ -3585,16 +3120,16 @@
           <a:cs typeface="+mn-cs"/>
         </a:defRPr>
       </a:lvl2pPr>
-      <a:lvl3pPr marL="1143000" indent="-228600" algn="l" defTabSz="914400" rtl="0" eaLnBrk="1" latinLnBrk="0" hangingPunct="1">
+      <a:lvl3pPr marL="600075" indent="-120015" algn="l" defTabSz="480060" rtl="0" eaLnBrk="1" latinLnBrk="0" hangingPunct="1">
         <a:lnSpc>
           <a:spcPct val="90000"/>
         </a:lnSpc>
         <a:spcBef>
-          <a:spcPts val="500"/>
+          <a:spcPts val="263"/>
         </a:spcBef>
         <a:buFont typeface="Arial" panose="020B0604020202020204" pitchFamily="34" charset="0"/>
         <a:buChar char="•"/>
-        <a:defRPr sz="2000" kern="1200">
+        <a:defRPr sz="1050" kern="1200">
           <a:solidFill>
             <a:schemeClr val="tx1"/>
           </a:solidFill>
@@ -3603,16 +3138,16 @@
           <a:cs typeface="+mn-cs"/>
         </a:defRPr>
       </a:lvl3pPr>
-      <a:lvl4pPr marL="1600200" indent="-228600" algn="l" defTabSz="914400" rtl="0" eaLnBrk="1" latinLnBrk="0" hangingPunct="1">
+      <a:lvl4pPr marL="840105" indent="-120015" algn="l" defTabSz="480060" rtl="0" eaLnBrk="1" latinLnBrk="0" hangingPunct="1">
         <a:lnSpc>
           <a:spcPct val="90000"/>
         </a:lnSpc>
         <a:spcBef>
-          <a:spcPts val="500"/>
+          <a:spcPts val="263"/>
         </a:spcBef>
         <a:buFont typeface="Arial" panose="020B0604020202020204" pitchFamily="34" charset="0"/>
         <a:buChar char="•"/>
-        <a:defRPr sz="1800" kern="1200">
+        <a:defRPr sz="945" kern="1200">
           <a:solidFill>
             <a:schemeClr val="tx1"/>
           </a:solidFill>
@@ -3621,16 +3156,16 @@
           <a:cs typeface="+mn-cs"/>
         </a:defRPr>
       </a:lvl4pPr>
-      <a:lvl5pPr marL="2057400" indent="-228600" algn="l" defTabSz="914400" rtl="0" eaLnBrk="1" latinLnBrk="0" hangingPunct="1">
+      <a:lvl5pPr marL="1080135" indent="-120015" algn="l" defTabSz="480060" rtl="0" eaLnBrk="1" latinLnBrk="0" hangingPunct="1">
         <a:lnSpc>
           <a:spcPct val="90000"/>
         </a:lnSpc>
         <a:spcBef>
-          <a:spcPts val="500"/>
+          <a:spcPts val="263"/>
         </a:spcBef>
         <a:buFont typeface="Arial" panose="020B0604020202020204" pitchFamily="34" charset="0"/>
         <a:buChar char="•"/>
-        <a:defRPr sz="1800" kern="1200">
+        <a:defRPr sz="945" kern="1200">
           <a:solidFill>
             <a:schemeClr val="tx1"/>
           </a:solidFill>
@@ -3639,16 +3174,16 @@
           <a:cs typeface="+mn-cs"/>
         </a:defRPr>
       </a:lvl5pPr>
-      <a:lvl6pPr marL="2514600" indent="-228600" algn="l" defTabSz="914400" rtl="0" eaLnBrk="1" latinLnBrk="0" hangingPunct="1">
+      <a:lvl6pPr marL="1320165" indent="-120015" algn="l" defTabSz="480060" rtl="0" eaLnBrk="1" latinLnBrk="0" hangingPunct="1">
         <a:lnSpc>
           <a:spcPct val="90000"/>
         </a:lnSpc>
         <a:spcBef>
-          <a:spcPts val="500"/>
+          <a:spcPts val="263"/>
         </a:spcBef>
         <a:buFont typeface="Arial" panose="020B0604020202020204" pitchFamily="34" charset="0"/>
         <a:buChar char="•"/>
-        <a:defRPr sz="1800" kern="1200">
+        <a:defRPr sz="945" kern="1200">
           <a:solidFill>
             <a:schemeClr val="tx1"/>
           </a:solidFill>
@@ -3657,16 +3192,16 @@
           <a:cs typeface="+mn-cs"/>
         </a:defRPr>
       </a:lvl6pPr>
-      <a:lvl7pPr marL="2971800" indent="-228600" algn="l" defTabSz="914400" rtl="0" eaLnBrk="1" latinLnBrk="0" hangingPunct="1">
+      <a:lvl7pPr marL="1560195" indent="-120015" algn="l" defTabSz="480060" rtl="0" eaLnBrk="1" latinLnBrk="0" hangingPunct="1">
         <a:lnSpc>
           <a:spcPct val="90000"/>
         </a:lnSpc>
         <a:spcBef>
-          <a:spcPts val="500"/>
+          <a:spcPts val="263"/>
         </a:spcBef>
         <a:buFont typeface="Arial" panose="020B0604020202020204" pitchFamily="34" charset="0"/>
         <a:buChar char="•"/>
-        <a:defRPr sz="1800" kern="1200">
+        <a:defRPr sz="945" kern="1200">
           <a:solidFill>
             <a:schemeClr val="tx1"/>
           </a:solidFill>
@@ -3675,16 +3210,16 @@
           <a:cs typeface="+mn-cs"/>
         </a:defRPr>
       </a:lvl7pPr>
-      <a:lvl8pPr marL="3429000" indent="-228600" algn="l" defTabSz="914400" rtl="0" eaLnBrk="1" latinLnBrk="0" hangingPunct="1">
+      <a:lvl8pPr marL="1800225" indent="-120015" algn="l" defTabSz="480060" rtl="0" eaLnBrk="1" latinLnBrk="0" hangingPunct="1">
         <a:lnSpc>
           <a:spcPct val="90000"/>
         </a:lnSpc>
         <a:spcBef>
-          <a:spcPts val="500"/>
+          <a:spcPts val="263"/>
         </a:spcBef>
         <a:buFont typeface="Arial" panose="020B0604020202020204" pitchFamily="34" charset="0"/>
         <a:buChar char="•"/>
-        <a:defRPr sz="1800" kern="1200">
+        <a:defRPr sz="945" kern="1200">
           <a:solidFill>
             <a:schemeClr val="tx1"/>
           </a:solidFill>
@@ -3693,16 +3228,16 @@
           <a:cs typeface="+mn-cs"/>
         </a:defRPr>
       </a:lvl8pPr>
-      <a:lvl9pPr marL="3886200" indent="-228600" algn="l" defTabSz="914400" rtl="0" eaLnBrk="1" latinLnBrk="0" hangingPunct="1">
+      <a:lvl9pPr marL="2040255" indent="-120015" algn="l" defTabSz="480060" rtl="0" eaLnBrk="1" latinLnBrk="0" hangingPunct="1">
         <a:lnSpc>
           <a:spcPct val="90000"/>
         </a:lnSpc>
         <a:spcBef>
-          <a:spcPts val="500"/>
+          <a:spcPts val="263"/>
         </a:spcBef>
         <a:buFont typeface="Arial" panose="020B0604020202020204" pitchFamily="34" charset="0"/>
         <a:buChar char="•"/>
-        <a:defRPr sz="1800" kern="1200">
+        <a:defRPr sz="945" kern="1200">
           <a:solidFill>
             <a:schemeClr val="tx1"/>
           </a:solidFill>
@@ -3714,10 +3249,10 @@
     </p:bodyStyle>
     <p:otherStyle>
       <a:defPPr>
-        <a:defRPr lang="zh-CN"/>
+        <a:defRPr lang="en-US"/>
       </a:defPPr>
-      <a:lvl1pPr marL="0" algn="l" defTabSz="914400" rtl="0" eaLnBrk="1" latinLnBrk="0" hangingPunct="1">
-        <a:defRPr sz="1800" kern="1200">
+      <a:lvl1pPr marL="0" algn="l" defTabSz="480060" rtl="0" eaLnBrk="1" latinLnBrk="0" hangingPunct="1">
+        <a:defRPr sz="945" kern="1200">
           <a:solidFill>
             <a:schemeClr val="tx1"/>
           </a:solidFill>
@@ -3726,8 +3261,8 @@
           <a:cs typeface="+mn-cs"/>
         </a:defRPr>
       </a:lvl1pPr>
-      <a:lvl2pPr marL="457200" algn="l" defTabSz="914400" rtl="0" eaLnBrk="1" latinLnBrk="0" hangingPunct="1">
-        <a:defRPr sz="1800" kern="1200">
+      <a:lvl2pPr marL="240030" algn="l" defTabSz="480060" rtl="0" eaLnBrk="1" latinLnBrk="0" hangingPunct="1">
+        <a:defRPr sz="945" kern="1200">
           <a:solidFill>
             <a:schemeClr val="tx1"/>
           </a:solidFill>
@@ -3736,8 +3271,8 @@
           <a:cs typeface="+mn-cs"/>
         </a:defRPr>
       </a:lvl2pPr>
-      <a:lvl3pPr marL="914400" algn="l" defTabSz="914400" rtl="0" eaLnBrk="1" latinLnBrk="0" hangingPunct="1">
-        <a:defRPr sz="1800" kern="1200">
+      <a:lvl3pPr marL="480060" algn="l" defTabSz="480060" rtl="0" eaLnBrk="1" latinLnBrk="0" hangingPunct="1">
+        <a:defRPr sz="945" kern="1200">
           <a:solidFill>
             <a:schemeClr val="tx1"/>
           </a:solidFill>
@@ -3746,8 +3281,8 @@
           <a:cs typeface="+mn-cs"/>
         </a:defRPr>
       </a:lvl3pPr>
-      <a:lvl4pPr marL="1371600" algn="l" defTabSz="914400" rtl="0" eaLnBrk="1" latinLnBrk="0" hangingPunct="1">
-        <a:defRPr sz="1800" kern="1200">
+      <a:lvl4pPr marL="720090" algn="l" defTabSz="480060" rtl="0" eaLnBrk="1" latinLnBrk="0" hangingPunct="1">
+        <a:defRPr sz="945" kern="1200">
           <a:solidFill>
             <a:schemeClr val="tx1"/>
           </a:solidFill>
@@ -3756,8 +3291,8 @@
           <a:cs typeface="+mn-cs"/>
         </a:defRPr>
       </a:lvl4pPr>
-      <a:lvl5pPr marL="1828800" algn="l" defTabSz="914400" rtl="0" eaLnBrk="1" latinLnBrk="0" hangingPunct="1">
-        <a:defRPr sz="1800" kern="1200">
+      <a:lvl5pPr marL="960120" algn="l" defTabSz="480060" rtl="0" eaLnBrk="1" latinLnBrk="0" hangingPunct="1">
+        <a:defRPr sz="945" kern="1200">
           <a:solidFill>
             <a:schemeClr val="tx1"/>
           </a:solidFill>
@@ -3766,8 +3301,8 @@
           <a:cs typeface="+mn-cs"/>
         </a:defRPr>
       </a:lvl5pPr>
-      <a:lvl6pPr marL="2286000" algn="l" defTabSz="914400" rtl="0" eaLnBrk="1" latinLnBrk="0" hangingPunct="1">
-        <a:defRPr sz="1800" kern="1200">
+      <a:lvl6pPr marL="1200150" algn="l" defTabSz="480060" rtl="0" eaLnBrk="1" latinLnBrk="0" hangingPunct="1">
+        <a:defRPr sz="945" kern="1200">
           <a:solidFill>
             <a:schemeClr val="tx1"/>
           </a:solidFill>
@@ -3776,8 +3311,8 @@
           <a:cs typeface="+mn-cs"/>
         </a:defRPr>
       </a:lvl6pPr>
-      <a:lvl7pPr marL="2743200" algn="l" defTabSz="914400" rtl="0" eaLnBrk="1" latinLnBrk="0" hangingPunct="1">
-        <a:defRPr sz="1800" kern="1200">
+      <a:lvl7pPr marL="1440180" algn="l" defTabSz="480060" rtl="0" eaLnBrk="1" latinLnBrk="0" hangingPunct="1">
+        <a:defRPr sz="945" kern="1200">
           <a:solidFill>
             <a:schemeClr val="tx1"/>
           </a:solidFill>
@@ -3786,8 +3321,8 @@
           <a:cs typeface="+mn-cs"/>
         </a:defRPr>
       </a:lvl7pPr>
-      <a:lvl8pPr marL="3200400" algn="l" defTabSz="914400" rtl="0" eaLnBrk="1" latinLnBrk="0" hangingPunct="1">
-        <a:defRPr sz="1800" kern="1200">
+      <a:lvl8pPr marL="1680210" algn="l" defTabSz="480060" rtl="0" eaLnBrk="1" latinLnBrk="0" hangingPunct="1">
+        <a:defRPr sz="945" kern="1200">
           <a:solidFill>
             <a:schemeClr val="tx1"/>
           </a:solidFill>
@@ -3796,8 +3331,8 @@
           <a:cs typeface="+mn-cs"/>
         </a:defRPr>
       </a:lvl8pPr>
-      <a:lvl9pPr marL="3657600" algn="l" defTabSz="914400" rtl="0" eaLnBrk="1" latinLnBrk="0" hangingPunct="1">
-        <a:defRPr sz="1800" kern="1200">
+      <a:lvl9pPr marL="1920240" algn="l" defTabSz="480060" rtl="0" eaLnBrk="1" latinLnBrk="0" hangingPunct="1">
+        <a:defRPr sz="945" kern="1200">
           <a:solidFill>
             <a:schemeClr val="tx1"/>
           </a:solidFill>
@@ -3811,32 +3346,32 @@
   <p:extLst>
     <p:ext uri="{27BBF7A9-308A-43DC-89C8-2F10F3537804}">
       <p15:sldGuideLst xmlns:p15="http://schemas.microsoft.com/office/powerpoint/2012/main">
-        <p15:guide id="1" pos="416" userDrawn="1">
+        <p15:guide id="1" pos="429" userDrawn="1">
           <p15:clr>
             <a:srgbClr val="F26B43"/>
           </p15:clr>
         </p15:guide>
-        <p15:guide id="2" pos="7256" userDrawn="1">
+        <p15:guide id="2" pos="7498" userDrawn="1">
           <p15:clr>
             <a:srgbClr val="F26B43"/>
           </p15:clr>
         </p15:guide>
-        <p15:guide id="3" orient="horz" pos="648" userDrawn="1">
+        <p15:guide id="3" orient="horz" pos="340" userDrawn="1">
           <p15:clr>
             <a:srgbClr val="F26B43"/>
           </p15:clr>
         </p15:guide>
-        <p15:guide id="4" orient="horz" pos="712" userDrawn="1">
+        <p15:guide id="4" orient="horz" pos="374" userDrawn="1">
           <p15:clr>
             <a:srgbClr val="F26B43"/>
           </p15:clr>
         </p15:guide>
-        <p15:guide id="5" orient="horz" pos="3928" userDrawn="1">
+        <p15:guide id="5" orient="horz" pos="2062" userDrawn="1">
           <p15:clr>
             <a:srgbClr val="F26B43"/>
           </p15:clr>
         </p15:guide>
-        <p15:guide id="6" orient="horz" pos="3864" userDrawn="1">
+        <p15:guide id="6" orient="horz" pos="2029" userDrawn="1">
           <p15:clr>
             <a:srgbClr val="F26B43"/>
           </p15:clr>
@@ -3886,8 +3421,8 @@
         </p:blipFill>
         <p:spPr>
           <a:xfrm>
-            <a:off x="6671194" y="1832693"/>
-            <a:ext cx="5079273" cy="2880000"/>
+            <a:off x="7068687" y="424595"/>
+            <a:ext cx="4852220" cy="2751260"/>
           </a:xfrm>
           <a:prstGeom prst="rect">
             <a:avLst/>
@@ -3908,8 +3443,8 @@
         </p:nvSpPr>
         <p:spPr>
           <a:xfrm>
-            <a:off x="5721043" y="3070909"/>
-            <a:ext cx="569167" cy="403568"/>
+            <a:off x="5988474" y="1641320"/>
+            <a:ext cx="448220" cy="317810"/>
           </a:xfrm>
           <a:prstGeom prst="rightArrow">
             <a:avLst/>
@@ -3944,7 +3479,7 @@
           <a:lstStyle/>
           <a:p>
             <a:pPr algn="ctr"/>
-            <a:endParaRPr lang="en-GB"/>
+            <a:endParaRPr lang="en-GB" sz="1106"/>
           </a:p>
         </p:txBody>
       </p:sp>
@@ -3970,8 +3505,8 @@
         </p:blipFill>
         <p:spPr>
           <a:xfrm>
-            <a:off x="428834" y="1832693"/>
-            <a:ext cx="4911226" cy="2880000"/>
+            <a:off x="664793" y="424595"/>
+            <a:ext cx="4691687" cy="2751260"/>
           </a:xfrm>
           <a:prstGeom prst="rect">
             <a:avLst/>
@@ -3991,602 +3526,7 @@
 </p:sld>
 </file>
 
-<file path=ppt/slides/slide10.xml><?xml version="1.0" encoding="utf-8"?>
-<p:sld xmlns:a="http://schemas.openxmlformats.org/drawingml/2006/main" xmlns:r="http://schemas.openxmlformats.org/officeDocument/2006/relationships" xmlns:p="http://schemas.openxmlformats.org/presentationml/2006/main">
-  <p:cSld>
-    <p:spTree>
-      <p:nvGrpSpPr>
-        <p:cNvPr id="1" name=""/>
-        <p:cNvGrpSpPr/>
-        <p:nvPr/>
-      </p:nvGrpSpPr>
-      <p:grpSpPr>
-        <a:xfrm>
-          <a:off x="0" y="0"/>
-          <a:ext cx="0" cy="0"/>
-          <a:chOff x="0" y="0"/>
-          <a:chExt cx="0" cy="0"/>
-        </a:xfrm>
-      </p:grpSpPr>
-      <p:pic>
-        <p:nvPicPr>
-          <p:cNvPr id="2" name="图片 1">
-            <a:extLst>
-              <a:ext uri="{FF2B5EF4-FFF2-40B4-BE49-F238E27FC236}">
-                <a16:creationId xmlns:a16="http://schemas.microsoft.com/office/drawing/2014/main" id="{25106422-59BC-D310-603C-95E1B55FD15B}"/>
-              </a:ext>
-            </a:extLst>
-          </p:cNvPr>
-          <p:cNvPicPr>
-            <a:picLocks noChangeAspect="1"/>
-          </p:cNvPicPr>
-          <p:nvPr/>
-        </p:nvPicPr>
-        <p:blipFill>
-          <a:blip r:embed="rId3"/>
-          <a:srcRect l="6349" t="18574" r="6349" b="18574"/>
-          <a:stretch/>
-        </p:blipFill>
-        <p:spPr>
-          <a:xfrm>
-            <a:off x="255216" y="1063690"/>
-            <a:ext cx="11681568" cy="4730620"/>
-          </a:xfrm>
-          <a:prstGeom prst="rect">
-            <a:avLst/>
-          </a:prstGeom>
-        </p:spPr>
-      </p:pic>
-    </p:spTree>
-    <p:extLst>
-      <p:ext uri="{BB962C8B-B14F-4D97-AF65-F5344CB8AC3E}">
-        <p14:creationId xmlns:p14="http://schemas.microsoft.com/office/powerpoint/2010/main" val="4224832536"/>
-      </p:ext>
-    </p:extLst>
-  </p:cSld>
-  <p:clrMapOvr>
-    <a:masterClrMapping/>
-  </p:clrMapOvr>
-</p:sld>
-</file>
-
-<file path=ppt/slides/slide11.xml><?xml version="1.0" encoding="utf-8"?>
-<p:sld xmlns:a="http://schemas.openxmlformats.org/drawingml/2006/main" xmlns:r="http://schemas.openxmlformats.org/officeDocument/2006/relationships" xmlns:p="http://schemas.openxmlformats.org/presentationml/2006/main">
-  <p:cSld>
-    <p:spTree>
-      <p:nvGrpSpPr>
-        <p:cNvPr id="1" name=""/>
-        <p:cNvGrpSpPr/>
-        <p:nvPr/>
-      </p:nvGrpSpPr>
-      <p:grpSpPr>
-        <a:xfrm>
-          <a:off x="0" y="0"/>
-          <a:ext cx="0" cy="0"/>
-          <a:chOff x="0" y="0"/>
-          <a:chExt cx="0" cy="0"/>
-        </a:xfrm>
-      </p:grpSpPr>
-      <p:pic>
-        <p:nvPicPr>
-          <p:cNvPr id="5" name="图片 4">
-            <a:extLst>
-              <a:ext uri="{FF2B5EF4-FFF2-40B4-BE49-F238E27FC236}">
-                <a16:creationId xmlns:a16="http://schemas.microsoft.com/office/drawing/2014/main" id="{C6EAC08F-BA82-8A0A-175A-2EB00B005DEC}"/>
-              </a:ext>
-            </a:extLst>
-          </p:cNvPr>
-          <p:cNvPicPr>
-            <a:picLocks noChangeAspect="1"/>
-          </p:cNvPicPr>
-          <p:nvPr/>
-        </p:nvPicPr>
-        <p:blipFill>
-          <a:blip r:embed="rId2">
-            <a:extLst>
-              <a:ext uri="{28A0092B-C50C-407E-A947-70E740481C1C}">
-                <a14:useLocalDpi xmlns:a14="http://schemas.microsoft.com/office/drawing/2010/main" val="0"/>
-              </a:ext>
-            </a:extLst>
-          </a:blip>
-          <a:stretch>
-            <a:fillRect/>
-          </a:stretch>
-        </p:blipFill>
-        <p:spPr>
-          <a:xfrm>
-            <a:off x="1537000" y="8698108"/>
-            <a:ext cx="950976" cy="950974"/>
-          </a:xfrm>
-          <a:prstGeom prst="rect">
-            <a:avLst/>
-          </a:prstGeom>
-        </p:spPr>
-      </p:pic>
-      <p:sp>
-        <p:nvSpPr>
-          <p:cNvPr id="6" name="文本框 5">
-            <a:extLst>
-              <a:ext uri="{FF2B5EF4-FFF2-40B4-BE49-F238E27FC236}">
-                <a16:creationId xmlns:a16="http://schemas.microsoft.com/office/drawing/2014/main" id="{60C4DC7E-97AA-524B-6DA4-9C26819E0817}"/>
-              </a:ext>
-            </a:extLst>
-          </p:cNvPr>
-          <p:cNvSpPr txBox="1"/>
-          <p:nvPr/>
-        </p:nvSpPr>
-        <p:spPr>
-          <a:xfrm>
-            <a:off x="1034260" y="2967335"/>
-            <a:ext cx="3100529" cy="923330"/>
-          </a:xfrm>
-          <a:prstGeom prst="rect">
-            <a:avLst/>
-          </a:prstGeom>
-          <a:noFill/>
-        </p:spPr>
-        <p:txBody>
-          <a:bodyPr wrap="none" rtlCol="0">
-            <a:spAutoFit/>
-          </a:bodyPr>
-          <a:lstStyle/>
-          <a:p>
-            <a:r>
-              <a:rPr lang="en-GB" sz="5400" b="1" dirty="0">
-                <a:gradFill flip="none" rotWithShape="1">
-                  <a:gsLst>
-                    <a:gs pos="100000">
-                      <a:srgbClr val="1790D3"/>
-                    </a:gs>
-                    <a:gs pos="0">
-                      <a:srgbClr val="28D25C"/>
-                    </a:gs>
-                  </a:gsLst>
-                  <a:path path="circle">
-                    <a:fillToRect l="100000" t="100000"/>
-                  </a:path>
-                  <a:tileRect r="-100000" b="-100000"/>
-                </a:gradFill>
-                <a:latin typeface="Source Sans 3" panose="020B0503030403020204" pitchFamily="34" charset="0"/>
-              </a:rPr>
-              <a:t>Praditor  | </a:t>
-            </a:r>
-            <a:endParaRPr lang="en-GB" sz="6000" b="1" dirty="0">
-              <a:gradFill flip="none" rotWithShape="1">
-                <a:gsLst>
-                  <a:gs pos="100000">
-                    <a:srgbClr val="1790D3"/>
-                  </a:gs>
-                  <a:gs pos="0">
-                    <a:srgbClr val="28D25C"/>
-                  </a:gs>
-                </a:gsLst>
-                <a:path path="circle">
-                  <a:fillToRect l="100000" t="100000"/>
-                </a:path>
-                <a:tileRect r="-100000" b="-100000"/>
-              </a:gradFill>
-              <a:latin typeface="Source Sans 3" panose="020B0503030403020204" pitchFamily="34" charset="0"/>
-            </a:endParaRPr>
-          </a:p>
-        </p:txBody>
-      </p:sp>
-      <p:sp>
-        <p:nvSpPr>
-          <p:cNvPr id="11" name="矩形: 圆角 10">
-            <a:extLst>
-              <a:ext uri="{FF2B5EF4-FFF2-40B4-BE49-F238E27FC236}">
-                <a16:creationId xmlns:a16="http://schemas.microsoft.com/office/drawing/2014/main" id="{A410C2FD-104B-50C2-FB19-113A9C55307A}"/>
-              </a:ext>
-            </a:extLst>
-          </p:cNvPr>
-          <p:cNvSpPr/>
-          <p:nvPr/>
-        </p:nvSpPr>
-        <p:spPr>
-          <a:xfrm>
-            <a:off x="-11839008" y="0"/>
-            <a:ext cx="10799763" cy="10799763"/>
-          </a:xfrm>
-          <a:prstGeom prst="roundRect">
-            <a:avLst>
-              <a:gd name="adj" fmla="val 9511"/>
-            </a:avLst>
-          </a:prstGeom>
-          <a:gradFill flip="none" rotWithShape="1">
-            <a:gsLst>
-              <a:gs pos="0">
-                <a:srgbClr val="1790D3"/>
-              </a:gs>
-              <a:gs pos="100000">
-                <a:srgbClr val="28D25C"/>
-              </a:gs>
-            </a:gsLst>
-            <a:path path="circle">
-              <a:fillToRect r="100000" b="100000"/>
-            </a:path>
-            <a:tileRect l="-100000" t="-100000"/>
-          </a:gradFill>
-          <a:ln>
-            <a:noFill/>
-          </a:ln>
-          <a:effectLst>
-            <a:softEdge rad="12700"/>
-          </a:effectLst>
-        </p:spPr>
-        <p:style>
-          <a:lnRef idx="2">
-            <a:schemeClr val="accent1">
-              <a:shade val="15000"/>
-            </a:schemeClr>
-          </a:lnRef>
-          <a:fillRef idx="1">
-            <a:schemeClr val="accent1"/>
-          </a:fillRef>
-          <a:effectRef idx="0">
-            <a:schemeClr val="accent1"/>
-          </a:effectRef>
-          <a:fontRef idx="minor">
-            <a:schemeClr val="lt1"/>
-          </a:fontRef>
-        </p:style>
-        <p:txBody>
-          <a:bodyPr lIns="91440" tIns="582120" rIns="91440" bIns="45720" rtlCol="0" anchor="ctr"/>
-          <a:lstStyle/>
-          <a:p>
-            <a:pPr algn="ctr"/>
-            <a:endParaRPr lang="en-GB" altLang="zh-CN" sz="82900" b="1" dirty="0">
-              <a:effectLst>
-                <a:innerShdw blurRad="38100">
-                  <a:schemeClr val="tx1">
-                    <a:lumMod val="50000"/>
-                    <a:lumOff val="50000"/>
-                  </a:schemeClr>
-                </a:innerShdw>
-              </a:effectLst>
-              <a:latin typeface="得意黑" pitchFamily="50" charset="-122"/>
-              <a:ea typeface="得意黑" pitchFamily="50" charset="-122"/>
-            </a:endParaRPr>
-          </a:p>
-        </p:txBody>
-      </p:sp>
-      <p:sp>
-        <p:nvSpPr>
-          <p:cNvPr id="12" name="文本框 11">
-            <a:extLst>
-              <a:ext uri="{FF2B5EF4-FFF2-40B4-BE49-F238E27FC236}">
-                <a16:creationId xmlns:a16="http://schemas.microsoft.com/office/drawing/2014/main" id="{438AE214-8808-3879-84D1-B54B6EC96E0A}"/>
-              </a:ext>
-            </a:extLst>
-          </p:cNvPr>
-          <p:cNvSpPr txBox="1"/>
-          <p:nvPr/>
-        </p:nvSpPr>
-        <p:spPr>
-          <a:xfrm>
-            <a:off x="4134789" y="2967335"/>
-            <a:ext cx="7010252" cy="923330"/>
-          </a:xfrm>
-          <a:prstGeom prst="rect">
-            <a:avLst/>
-          </a:prstGeom>
-          <a:noFill/>
-        </p:spPr>
-        <p:txBody>
-          <a:bodyPr wrap="none" rtlCol="0">
-            <a:spAutoFit/>
-          </a:bodyPr>
-          <a:lstStyle/>
-          <a:p>
-            <a:r>
-              <a:rPr lang="en-US" altLang="zh-CN" sz="5400" b="1" dirty="0">
-                <a:solidFill>
-                  <a:schemeClr val="bg1">
-                    <a:lumMod val="75000"/>
-                  </a:schemeClr>
-                </a:solidFill>
-                <a:latin typeface="Source Sans 3" panose="020B0503030403020204" pitchFamily="34" charset="0"/>
-              </a:rPr>
-              <a:t>Speech Onset Detection</a:t>
-            </a:r>
-            <a:endParaRPr lang="en-GB" sz="6000" b="1" dirty="0">
-              <a:solidFill>
-                <a:schemeClr val="bg1">
-                  <a:lumMod val="75000"/>
-                </a:schemeClr>
-              </a:solidFill>
-              <a:latin typeface="Source Sans 3" panose="020B0503030403020204" pitchFamily="34" charset="0"/>
-            </a:endParaRPr>
-          </a:p>
-        </p:txBody>
-      </p:sp>
-      <p:pic>
-        <p:nvPicPr>
-          <p:cNvPr id="13" name="图片 12">
-            <a:extLst>
-              <a:ext uri="{FF2B5EF4-FFF2-40B4-BE49-F238E27FC236}">
-                <a16:creationId xmlns:a16="http://schemas.microsoft.com/office/drawing/2014/main" id="{DB69242B-4F7B-3DC9-660B-6DACEE3ACB30}"/>
-              </a:ext>
-            </a:extLst>
-          </p:cNvPr>
-          <p:cNvPicPr>
-            <a:picLocks noChangeAspect="1"/>
-          </p:cNvPicPr>
-          <p:nvPr/>
-        </p:nvPicPr>
-        <p:blipFill>
-          <a:blip r:embed="rId3"/>
-          <a:stretch>
-            <a:fillRect/>
-          </a:stretch>
-        </p:blipFill>
-        <p:spPr>
-          <a:xfrm>
-            <a:off x="821871" y="7651681"/>
-            <a:ext cx="10261600" cy="832269"/>
-          </a:xfrm>
-          <a:prstGeom prst="rect">
-            <a:avLst/>
-          </a:prstGeom>
-        </p:spPr>
-      </p:pic>
-    </p:spTree>
-    <p:extLst>
-      <p:ext uri="{BB962C8B-B14F-4D97-AF65-F5344CB8AC3E}">
-        <p14:creationId xmlns:p14="http://schemas.microsoft.com/office/powerpoint/2010/main" val="1088065950"/>
-      </p:ext>
-    </p:extLst>
-  </p:cSld>
-  <p:clrMapOvr>
-    <a:masterClrMapping/>
-  </p:clrMapOvr>
-</p:sld>
-</file>
-
-<file path=ppt/slides/slide12.xml><?xml version="1.0" encoding="utf-8"?>
-<p:sld xmlns:a="http://schemas.openxmlformats.org/drawingml/2006/main" xmlns:r="http://schemas.openxmlformats.org/officeDocument/2006/relationships" xmlns:p="http://schemas.openxmlformats.org/presentationml/2006/main">
-  <p:cSld>
-    <p:spTree>
-      <p:nvGrpSpPr>
-        <p:cNvPr id="1" name=""/>
-        <p:cNvGrpSpPr/>
-        <p:nvPr/>
-      </p:nvGrpSpPr>
-      <p:grpSpPr>
-        <a:xfrm>
-          <a:off x="0" y="0"/>
-          <a:ext cx="0" cy="0"/>
-          <a:chOff x="0" y="0"/>
-          <a:chExt cx="0" cy="0"/>
-        </a:xfrm>
-      </p:grpSpPr>
-      <p:pic>
-        <p:nvPicPr>
-          <p:cNvPr id="3" name="图片 2">
-            <a:extLst>
-              <a:ext uri="{FF2B5EF4-FFF2-40B4-BE49-F238E27FC236}">
-                <a16:creationId xmlns:a16="http://schemas.microsoft.com/office/drawing/2014/main" id="{D8CAA08C-789B-56C2-7EC9-BD36CA474885}"/>
-              </a:ext>
-            </a:extLst>
-          </p:cNvPr>
-          <p:cNvPicPr>
-            <a:picLocks noChangeAspect="1"/>
-          </p:cNvPicPr>
-          <p:nvPr/>
-        </p:nvPicPr>
-        <p:blipFill>
-          <a:blip r:embed="rId2"/>
-          <a:srcRect t="25557" b="25557"/>
-          <a:stretch/>
-        </p:blipFill>
-        <p:spPr>
-          <a:xfrm>
-            <a:off x="449943" y="2452687"/>
-            <a:ext cx="13757602" cy="3783013"/>
-          </a:xfrm>
-          <a:prstGeom prst="rect">
-            <a:avLst/>
-          </a:prstGeom>
-        </p:spPr>
-      </p:pic>
-    </p:spTree>
-    <p:extLst>
-      <p:ext uri="{BB962C8B-B14F-4D97-AF65-F5344CB8AC3E}">
-        <p14:creationId xmlns:p14="http://schemas.microsoft.com/office/powerpoint/2010/main" val="3360775849"/>
-      </p:ext>
-    </p:extLst>
-  </p:cSld>
-  <p:clrMapOvr>
-    <a:masterClrMapping/>
-  </p:clrMapOvr>
-</p:sld>
-</file>
-
-<file path=ppt/slides/slide13.xml><?xml version="1.0" encoding="utf-8"?>
-<p:sld xmlns:a="http://schemas.openxmlformats.org/drawingml/2006/main" xmlns:r="http://schemas.openxmlformats.org/officeDocument/2006/relationships" xmlns:p="http://schemas.openxmlformats.org/presentationml/2006/main">
-  <p:cSld>
-    <p:spTree>
-      <p:nvGrpSpPr>
-        <p:cNvPr id="1" name=""/>
-        <p:cNvGrpSpPr/>
-        <p:nvPr/>
-      </p:nvGrpSpPr>
-      <p:grpSpPr>
-        <a:xfrm>
-          <a:off x="0" y="0"/>
-          <a:ext cx="0" cy="0"/>
-          <a:chOff x="0" y="0"/>
-          <a:chExt cx="0" cy="0"/>
-        </a:xfrm>
-      </p:grpSpPr>
-      <p:pic>
-        <p:nvPicPr>
-          <p:cNvPr id="3" name="图片 2" descr="图形用户界面&#10;&#10;描述已自动生成">
-            <a:extLst>
-              <a:ext uri="{FF2B5EF4-FFF2-40B4-BE49-F238E27FC236}">
-                <a16:creationId xmlns:a16="http://schemas.microsoft.com/office/drawing/2014/main" id="{2BAD476A-0214-5462-CB14-F4A8DC2DFAD4}"/>
-              </a:ext>
-            </a:extLst>
-          </p:cNvPr>
-          <p:cNvPicPr>
-            <a:picLocks noChangeAspect="1"/>
-          </p:cNvPicPr>
-          <p:nvPr/>
-        </p:nvPicPr>
-        <p:blipFill>
-          <a:blip r:embed="rId2">
-            <a:extLst>
-              <a:ext uri="{28A0092B-C50C-407E-A947-70E740481C1C}">
-                <a14:useLocalDpi xmlns:a14="http://schemas.microsoft.com/office/drawing/2010/main" val="0"/>
-              </a:ext>
-            </a:extLst>
-          </a:blip>
-          <a:stretch>
-            <a:fillRect/>
-          </a:stretch>
-        </p:blipFill>
-        <p:spPr>
-          <a:xfrm>
-            <a:off x="1898486" y="1328057"/>
-            <a:ext cx="8395028" cy="4201886"/>
-          </a:xfrm>
-          <a:prstGeom prst="rect">
-            <a:avLst/>
-          </a:prstGeom>
-        </p:spPr>
-      </p:pic>
-    </p:spTree>
-    <p:extLst>
-      <p:ext uri="{BB962C8B-B14F-4D97-AF65-F5344CB8AC3E}">
-        <p14:creationId xmlns:p14="http://schemas.microsoft.com/office/powerpoint/2010/main" val="782348349"/>
-      </p:ext>
-    </p:extLst>
-  </p:cSld>
-  <p:clrMapOvr>
-    <a:masterClrMapping/>
-  </p:clrMapOvr>
-</p:sld>
-</file>
-
-<file path=ppt/slides/slide14.xml><?xml version="1.0" encoding="utf-8"?>
-<p:sld xmlns:a="http://schemas.openxmlformats.org/drawingml/2006/main" xmlns:r="http://schemas.openxmlformats.org/officeDocument/2006/relationships" xmlns:p="http://schemas.openxmlformats.org/presentationml/2006/main">
-  <p:cSld>
-    <p:spTree>
-      <p:nvGrpSpPr>
-        <p:cNvPr id="1" name=""/>
-        <p:cNvGrpSpPr/>
-        <p:nvPr/>
-      </p:nvGrpSpPr>
-      <p:grpSpPr>
-        <a:xfrm>
-          <a:off x="0" y="0"/>
-          <a:ext cx="0" cy="0"/>
-          <a:chOff x="0" y="0"/>
-          <a:chExt cx="0" cy="0"/>
-        </a:xfrm>
-      </p:grpSpPr>
-      <p:pic>
-        <p:nvPicPr>
-          <p:cNvPr id="2" name="图片 1">
-            <a:extLst>
-              <a:ext uri="{FF2B5EF4-FFF2-40B4-BE49-F238E27FC236}">
-                <a16:creationId xmlns:a16="http://schemas.microsoft.com/office/drawing/2014/main" id="{5747CE85-8021-C2CD-5282-4A4E2F31173C}"/>
-              </a:ext>
-            </a:extLst>
-          </p:cNvPr>
-          <p:cNvPicPr>
-            <a:picLocks noChangeAspect="1"/>
-          </p:cNvPicPr>
-          <p:nvPr/>
-        </p:nvPicPr>
-        <p:blipFill>
-          <a:blip r:embed="rId2"/>
-          <a:srcRect t="17304" b="17304"/>
-          <a:stretch/>
-        </p:blipFill>
-        <p:spPr>
-          <a:xfrm>
-            <a:off x="147442" y="1240971"/>
-            <a:ext cx="11897116" cy="4376058"/>
-          </a:xfrm>
-          <a:prstGeom prst="rect">
-            <a:avLst/>
-          </a:prstGeom>
-        </p:spPr>
-      </p:pic>
-    </p:spTree>
-    <p:extLst>
-      <p:ext uri="{BB962C8B-B14F-4D97-AF65-F5344CB8AC3E}">
-        <p14:creationId xmlns:p14="http://schemas.microsoft.com/office/powerpoint/2010/main" val="4050767704"/>
-      </p:ext>
-    </p:extLst>
-  </p:cSld>
-  <p:clrMapOvr>
-    <a:masterClrMapping/>
-  </p:clrMapOvr>
-</p:sld>
-</file>
-
 <file path=ppt/slides/slide2.xml><?xml version="1.0" encoding="utf-8"?>
-<p:sld xmlns:a="http://schemas.openxmlformats.org/drawingml/2006/main" xmlns:r="http://schemas.openxmlformats.org/officeDocument/2006/relationships" xmlns:p="http://schemas.openxmlformats.org/presentationml/2006/main">
-  <p:cSld>
-    <p:spTree>
-      <p:nvGrpSpPr>
-        <p:cNvPr id="1" name=""/>
-        <p:cNvGrpSpPr/>
-        <p:nvPr/>
-      </p:nvGrpSpPr>
-      <p:grpSpPr>
-        <a:xfrm>
-          <a:off x="0" y="0"/>
-          <a:ext cx="0" cy="0"/>
-          <a:chOff x="0" y="0"/>
-          <a:chExt cx="0" cy="0"/>
-        </a:xfrm>
-      </p:grpSpPr>
-      <p:pic>
-        <p:nvPicPr>
-          <p:cNvPr id="6" name="图片 5">
-            <a:extLst>
-              <a:ext uri="{FF2B5EF4-FFF2-40B4-BE49-F238E27FC236}">
-                <a16:creationId xmlns:a16="http://schemas.microsoft.com/office/drawing/2014/main" id="{7C94CB8F-9423-96A0-CAF9-8C6C2D897A5D}"/>
-              </a:ext>
-            </a:extLst>
-          </p:cNvPr>
-          <p:cNvPicPr>
-            <a:picLocks noChangeAspect="1"/>
-          </p:cNvPicPr>
-          <p:nvPr/>
-        </p:nvPicPr>
-        <p:blipFill>
-          <a:blip r:embed="rId2"/>
-          <a:srcRect l="2712" t="24817" r="2712" b="29261"/>
-          <a:stretch/>
-        </p:blipFill>
-        <p:spPr>
-          <a:xfrm>
-            <a:off x="189478" y="1739563"/>
-            <a:ext cx="11813044" cy="3226474"/>
-          </a:xfrm>
-          <a:prstGeom prst="rect">
-            <a:avLst/>
-          </a:prstGeom>
-        </p:spPr>
-      </p:pic>
-    </p:spTree>
-    <p:extLst>
-      <p:ext uri="{BB962C8B-B14F-4D97-AF65-F5344CB8AC3E}">
-        <p14:creationId xmlns:p14="http://schemas.microsoft.com/office/powerpoint/2010/main" val="4285427278"/>
-      </p:ext>
-    </p:extLst>
-  </p:cSld>
-  <p:clrMapOvr>
-    <a:masterClrMapping/>
-  </p:clrMapOvr>
-</p:sld>
-</file>
-
-<file path=ppt/slides/slide3.xml><?xml version="1.0" encoding="utf-8"?>
 <p:sld xmlns:a="http://schemas.openxmlformats.org/drawingml/2006/main" xmlns:r="http://schemas.openxmlformats.org/officeDocument/2006/relationships" xmlns:p="http://schemas.openxmlformats.org/presentationml/2006/main">
   <p:cSld>
     <p:spTree>
@@ -4623,8 +3563,8 @@
         </p:nvSpPr>
         <p:spPr>
           <a:xfrm>
-            <a:off x="5798091" y="3070909"/>
-            <a:ext cx="569167" cy="403568"/>
+            <a:off x="6065395" y="1518229"/>
+            <a:ext cx="448220" cy="317810"/>
           </a:xfrm>
           <a:prstGeom prst="rightArrow">
             <a:avLst/>
@@ -4659,7 +3599,7 @@
           <a:lstStyle/>
           <a:p>
             <a:pPr algn="ctr"/>
-            <a:endParaRPr lang="en-GB"/>
+            <a:endParaRPr lang="en-GB" sz="1106"/>
           </a:p>
         </p:txBody>
       </p:sp>
@@ -4685,8 +3625,8 @@
         </p:blipFill>
         <p:spPr>
           <a:xfrm>
-            <a:off x="519830" y="1832693"/>
-            <a:ext cx="4911226" cy="2880000"/>
+            <a:off x="1908763" y="543134"/>
+            <a:ext cx="3867591" cy="2268000"/>
           </a:xfrm>
           <a:prstGeom prst="rect">
             <a:avLst/>
@@ -4715,8 +3655,8 @@
         </p:blipFill>
         <p:spPr>
           <a:xfrm>
-            <a:off x="6748243" y="1832693"/>
-            <a:ext cx="4911226" cy="2880000"/>
+            <a:off x="6813639" y="543134"/>
+            <a:ext cx="3867591" cy="2268000"/>
           </a:xfrm>
           <a:prstGeom prst="rect">
             <a:avLst/>
@@ -4736,7 +3676,7 @@
 </p:sld>
 </file>
 
-<file path=ppt/slides/slide4.xml><?xml version="1.0" encoding="utf-8"?>
+<file path=ppt/slides/slide3.xml><?xml version="1.0" encoding="utf-8"?>
 <p:sld xmlns:a="http://schemas.openxmlformats.org/drawingml/2006/main" xmlns:r="http://schemas.openxmlformats.org/officeDocument/2006/relationships" xmlns:p="http://schemas.openxmlformats.org/presentationml/2006/main">
   <p:cSld>
     <p:spTree>
@@ -4753,65 +3693,6 @@
           <a:chExt cx="0" cy="0"/>
         </a:xfrm>
       </p:grpSpPr>
-      <p:pic>
-        <p:nvPicPr>
-          <p:cNvPr id="3" name="图片 2">
-            <a:extLst>
-              <a:ext uri="{FF2B5EF4-FFF2-40B4-BE49-F238E27FC236}">
-                <a16:creationId xmlns:a16="http://schemas.microsoft.com/office/drawing/2014/main" id="{71709F05-4CA3-8FD7-1D6A-D99A0BE92EFE}"/>
-              </a:ext>
-            </a:extLst>
-          </p:cNvPr>
-          <p:cNvPicPr>
-            <a:picLocks noChangeAspect="1"/>
-          </p:cNvPicPr>
-          <p:nvPr/>
-        </p:nvPicPr>
-        <p:blipFill>
-          <a:blip r:embed="rId2"/>
-          <a:srcRect l="3059" t="24386" r="3059" b="28772"/>
-          <a:stretch/>
-        </p:blipFill>
-        <p:spPr>
-          <a:xfrm>
-            <a:off x="372979" y="1672389"/>
-            <a:ext cx="11446042" cy="3212432"/>
-          </a:xfrm>
-          <a:prstGeom prst="rect">
-            <a:avLst/>
-          </a:prstGeom>
-        </p:spPr>
-      </p:pic>
-    </p:spTree>
-    <p:extLst>
-      <p:ext uri="{BB962C8B-B14F-4D97-AF65-F5344CB8AC3E}">
-        <p14:creationId xmlns:p14="http://schemas.microsoft.com/office/powerpoint/2010/main" val="3362327325"/>
-      </p:ext>
-    </p:extLst>
-  </p:cSld>
-  <p:clrMapOvr>
-    <a:masterClrMapping/>
-  </p:clrMapOvr>
-</p:sld>
-</file>
-
-<file path=ppt/slides/slide5.xml><?xml version="1.0" encoding="utf-8"?>
-<p:sld xmlns:a="http://schemas.openxmlformats.org/drawingml/2006/main" xmlns:r="http://schemas.openxmlformats.org/officeDocument/2006/relationships" xmlns:p="http://schemas.openxmlformats.org/presentationml/2006/main">
-  <p:cSld>
-    <p:spTree>
-      <p:nvGrpSpPr>
-        <p:cNvPr id="1" name=""/>
-        <p:cNvGrpSpPr/>
-        <p:nvPr/>
-      </p:nvGrpSpPr>
-      <p:grpSpPr>
-        <a:xfrm>
-          <a:off x="0" y="0"/>
-          <a:ext cx="0" cy="0"/>
-          <a:chOff x="0" y="0"/>
-          <a:chExt cx="0" cy="0"/>
-        </a:xfrm>
-      </p:grpSpPr>
       <p:sp>
         <p:nvSpPr>
           <p:cNvPr id="16" name="等腰三角形 15">
@@ -4826,8 +3707,8 @@
         </p:nvSpPr>
         <p:spPr>
           <a:xfrm>
-            <a:off x="7769691" y="1948379"/>
-            <a:ext cx="3049993" cy="2766155"/>
+            <a:off x="7618030" y="634241"/>
+            <a:ext cx="2401869" cy="2178347"/>
           </a:xfrm>
           <a:prstGeom prst="triangle">
             <a:avLst>
@@ -4865,7 +3746,7 @@
           <a:lstStyle/>
           <a:p>
             <a:pPr algn="ctr"/>
-            <a:endParaRPr lang="en-GB"/>
+            <a:endParaRPr lang="en-GB" sz="1106"/>
           </a:p>
         </p:txBody>
       </p:sp>
@@ -4883,8 +3764,8 @@
         </p:nvSpPr>
         <p:spPr>
           <a:xfrm>
-            <a:off x="7753739" y="1948380"/>
-            <a:ext cx="3081900" cy="2780522"/>
+            <a:off x="7605466" y="634239"/>
+            <a:ext cx="2426996" cy="2189663"/>
           </a:xfrm>
           <a:custGeom>
             <a:avLst/>
@@ -4956,7 +3837,7 @@
           <a:lstStyle/>
           <a:p>
             <a:pPr algn="ctr"/>
-            <a:endParaRPr lang="en-GB"/>
+            <a:endParaRPr lang="en-GB" sz="1106"/>
           </a:p>
         </p:txBody>
       </p:sp>
@@ -4976,8 +3857,8 @@
         </p:nvCxnSpPr>
         <p:spPr>
           <a:xfrm>
-            <a:off x="5340350" y="2793422"/>
-            <a:ext cx="3285490" cy="0"/>
+            <a:off x="5704920" y="1299708"/>
+            <a:ext cx="2587325" cy="0"/>
           </a:xfrm>
           <a:prstGeom prst="line">
             <a:avLst/>
@@ -5020,8 +3901,8 @@
         </p:nvSpPr>
         <p:spPr>
           <a:xfrm>
-            <a:off x="4770076" y="4421122"/>
-            <a:ext cx="409086" cy="307777"/>
+            <a:off x="5236412" y="2581526"/>
+            <a:ext cx="360996" cy="262059"/>
           </a:xfrm>
           <a:prstGeom prst="rect">
             <a:avLst/>
@@ -5036,7 +3917,7 @@
           <a:p>
             <a:pPr algn="ctr"/>
             <a:r>
-              <a:rPr lang="en-GB" sz="1400" dirty="0">
+              <a:rPr lang="en-GB" sz="1103" dirty="0">
                 <a:latin typeface="Source Sans 3" panose="020B0503030403020204" pitchFamily="34" charset="0"/>
                 <a:ea typeface="Source Han Serif" panose="02020700000000000000" pitchFamily="18" charset="-122"/>
               </a:rPr>
@@ -5059,8 +3940,8 @@
         </p:nvSpPr>
         <p:spPr>
           <a:xfrm>
-            <a:off x="9324342" y="3453385"/>
-            <a:ext cx="484428" cy="307777"/>
+            <a:off x="8822906" y="1819433"/>
+            <a:ext cx="420307" cy="262059"/>
           </a:xfrm>
           <a:prstGeom prst="rect">
             <a:avLst/>
@@ -5075,7 +3956,7 @@
           <a:p>
             <a:pPr algn="ctr"/>
             <a:r>
-              <a:rPr lang="en-GB" sz="1400" dirty="0">
+              <a:rPr lang="en-GB" sz="1103" dirty="0">
                 <a:latin typeface="Source Sans 3" panose="020B0503030403020204" pitchFamily="34" charset="0"/>
                 <a:ea typeface="Source Han Serif" panose="02020700000000000000" pitchFamily="18" charset="-122"/>
               </a:rPr>
@@ -5100,8 +3981,8 @@
         </p:nvCxnSpPr>
         <p:spPr>
           <a:xfrm>
-            <a:off x="8625840" y="1353553"/>
-            <a:ext cx="0" cy="3360981"/>
+            <a:off x="8292243" y="165815"/>
+            <a:ext cx="0" cy="2646773"/>
           </a:xfrm>
           <a:prstGeom prst="line">
             <a:avLst/>
@@ -5143,8 +4024,8 @@
         </p:nvCxnSpPr>
         <p:spPr>
           <a:xfrm>
-            <a:off x="5340350" y="4073582"/>
-            <a:ext cx="2660650" cy="0"/>
+            <a:off x="5704921" y="2307834"/>
+            <a:ext cx="2095263" cy="0"/>
           </a:xfrm>
           <a:prstGeom prst="line">
             <a:avLst/>
@@ -5189,8 +4070,8 @@
         </p:nvCxnSpPr>
         <p:spPr>
           <a:xfrm>
-            <a:off x="8001000" y="3453385"/>
-            <a:ext cx="0" cy="1275514"/>
+            <a:off x="7800182" y="1819430"/>
+            <a:ext cx="0" cy="1004468"/>
           </a:xfrm>
           <a:prstGeom prst="line">
             <a:avLst/>
@@ -5232,9 +4113,9 @@
           <p:nvPr/>
         </p:nvCxnSpPr>
         <p:spPr>
-          <a:xfrm>
-            <a:off x="2595009" y="4728898"/>
-            <a:ext cx="8240631" cy="4"/>
+          <a:xfrm flipV="1">
+            <a:off x="3562798" y="2823899"/>
+            <a:ext cx="6469665" cy="9842"/>
           </a:xfrm>
           <a:prstGeom prst="line">
             <a:avLst/>
@@ -5273,8 +4154,8 @@
         </p:nvSpPr>
         <p:spPr>
           <a:xfrm>
-            <a:off x="4770076" y="3919693"/>
-            <a:ext cx="409086" cy="307777"/>
+            <a:off x="5236412" y="2186651"/>
+            <a:ext cx="360996" cy="262059"/>
           </a:xfrm>
           <a:prstGeom prst="rect">
             <a:avLst/>
@@ -5289,7 +4170,7 @@
           <a:p>
             <a:pPr algn="ctr"/>
             <a:r>
-              <a:rPr lang="en-GB" sz="1400" dirty="0">
+              <a:rPr lang="en-GB" sz="1103" dirty="0">
                 <a:latin typeface="Source Sans 3" panose="020B0503030403020204" pitchFamily="34" charset="0"/>
                 <a:ea typeface="Source Han Serif" panose="02020700000000000000" pitchFamily="18" charset="-122"/>
               </a:rPr>
@@ -5312,8 +4193,8 @@
         </p:nvSpPr>
         <p:spPr>
           <a:xfrm>
-            <a:off x="4770076" y="2639533"/>
-            <a:ext cx="409086" cy="307777"/>
+            <a:off x="5236412" y="1178525"/>
+            <a:ext cx="360996" cy="262059"/>
           </a:xfrm>
           <a:prstGeom prst="rect">
             <a:avLst/>
@@ -5328,7 +4209,7 @@
           <a:p>
             <a:pPr algn="ctr"/>
             <a:r>
-              <a:rPr lang="en-GB" sz="1400" dirty="0">
+              <a:rPr lang="en-GB" sz="1103" dirty="0">
                 <a:latin typeface="Source Sans 3" panose="020B0503030403020204" pitchFamily="34" charset="0"/>
                 <a:ea typeface="Source Han Serif" panose="02020700000000000000" pitchFamily="18" charset="-122"/>
               </a:rPr>
@@ -5351,8 +4232,8 @@
         </p:nvSpPr>
         <p:spPr>
           <a:xfrm>
-            <a:off x="7216031" y="4881121"/>
-            <a:ext cx="1678666" cy="307777"/>
+            <a:off x="7167169" y="2943776"/>
+            <a:ext cx="1351652" cy="262059"/>
           </a:xfrm>
           <a:prstGeom prst="rect">
             <a:avLst/>
@@ -5367,14 +4248,14 @@
           <a:p>
             <a:pPr algn="ctr"/>
             <a:r>
-              <a:rPr lang="en-GB" sz="1400" dirty="0">
+              <a:rPr lang="en-GB" sz="1103" dirty="0">
                 <a:latin typeface="Source Sans 3" panose="020B0503030403020204" pitchFamily="34" charset="0"/>
                 <a:ea typeface="Source Han Serif" panose="02020700000000000000" pitchFamily="18" charset="-122"/>
               </a:rPr>
               <a:t>As Close As </a:t>
             </a:r>
             <a:r>
-              <a:rPr lang="en-GB" sz="1400" b="1" dirty="0">
+              <a:rPr lang="en-GB" sz="1103" b="1" dirty="0">
                 <a:solidFill>
                   <a:srgbClr val="C00000"/>
                 </a:solidFill>
@@ -5402,8 +4283,8 @@
         </p:nvCxnSpPr>
         <p:spPr>
           <a:xfrm>
-            <a:off x="7731514" y="4227470"/>
-            <a:ext cx="0" cy="501429"/>
+            <a:off x="7587962" y="2429023"/>
+            <a:ext cx="0" cy="394875"/>
           </a:xfrm>
           <a:prstGeom prst="line">
             <a:avLst/>
@@ -5443,8 +4324,8 @@
         </p:nvSpPr>
         <p:spPr>
           <a:xfrm>
-            <a:off x="2494274" y="4180709"/>
-            <a:ext cx="1500732" cy="307777"/>
+            <a:off x="3442844" y="2392200"/>
+            <a:ext cx="1223412" cy="262059"/>
           </a:xfrm>
           <a:prstGeom prst="rect">
             <a:avLst/>
@@ -5459,7 +4340,7 @@
           <a:p>
             <a:pPr algn="ctr"/>
             <a:r>
-              <a:rPr lang="en-GB" sz="1400" dirty="0">
+              <a:rPr lang="en-GB" sz="1103" dirty="0">
                 <a:solidFill>
                   <a:srgbClr val="C00000"/>
                 </a:solidFill>
@@ -5485,8 +4366,8 @@
         </p:nvSpPr>
         <p:spPr>
           <a:xfrm>
-            <a:off x="1171221" y="4575009"/>
-            <a:ext cx="1423788" cy="307777"/>
+            <a:off x="2401903" y="2702712"/>
+            <a:ext cx="1160895" cy="262059"/>
           </a:xfrm>
           <a:prstGeom prst="rect">
             <a:avLst/>
@@ -5501,7 +4382,7 @@
           <a:p>
             <a:pPr algn="ctr"/>
             <a:r>
-              <a:rPr lang="en-GB" sz="1400" dirty="0">
+              <a:rPr lang="en-GB" sz="1103" dirty="0">
                 <a:latin typeface="Source Sans 3" panose="020B0503030403020204" pitchFamily="34" charset="0"/>
                 <a:ea typeface="Source Han Serif" panose="02020700000000000000" pitchFamily="18" charset="-122"/>
               </a:rPr>
@@ -5524,8 +4405,8 @@
         </p:nvGrpSpPr>
         <p:grpSpPr>
           <a:xfrm>
-            <a:off x="2921894" y="4536909"/>
-            <a:ext cx="638182" cy="463091"/>
+            <a:off x="3800389" y="2672706"/>
+            <a:ext cx="502569" cy="364685"/>
             <a:chOff x="2921894" y="4536909"/>
             <a:chExt cx="638182" cy="463091"/>
           </a:xfrm>
@@ -5636,7 +4517,7 @@
               <a:lstStyle/>
               <a:p>
                 <a:pPr algn="ctr"/>
-                <a:endParaRPr lang="en-GB"/>
+                <a:endParaRPr lang="en-GB" sz="1106"/>
               </a:p>
             </p:txBody>
           </p:sp>
@@ -5726,7 +4607,7 @@
               <a:lstStyle/>
               <a:p>
                 <a:pPr algn="ctr"/>
-                <a:endParaRPr lang="en-GB"/>
+                <a:endParaRPr lang="en-GB" sz="1106"/>
               </a:p>
             </p:txBody>
           </p:sp>
@@ -5817,7 +4698,7 @@
             <a:lstStyle/>
             <a:p>
               <a:pPr algn="ctr"/>
-              <a:endParaRPr lang="en-GB"/>
+              <a:endParaRPr lang="en-GB" sz="1106"/>
             </a:p>
           </p:txBody>
         </p:sp>
@@ -5835,72 +4716,7 @@
 </p:sld>
 </file>
 
-<file path=ppt/slides/slide6.xml><?xml version="1.0" encoding="utf-8"?>
-<p:sld xmlns:a="http://schemas.openxmlformats.org/drawingml/2006/main" xmlns:r="http://schemas.openxmlformats.org/officeDocument/2006/relationships" xmlns:p="http://schemas.openxmlformats.org/presentationml/2006/main">
-  <p:cSld>
-    <p:spTree>
-      <p:nvGrpSpPr>
-        <p:cNvPr id="1" name="">
-          <a:extLst>
-            <a:ext uri="{FF2B5EF4-FFF2-40B4-BE49-F238E27FC236}">
-              <a16:creationId xmlns:a16="http://schemas.microsoft.com/office/drawing/2014/main" id="{20FA2E3C-1BE2-EA0C-FD5E-12E1A32834B1}"/>
-            </a:ext>
-          </a:extLst>
-        </p:cNvPr>
-        <p:cNvGrpSpPr/>
-        <p:nvPr/>
-      </p:nvGrpSpPr>
-      <p:grpSpPr>
-        <a:xfrm>
-          <a:off x="0" y="0"/>
-          <a:ext cx="0" cy="0"/>
-          <a:chOff x="0" y="0"/>
-          <a:chExt cx="0" cy="0"/>
-        </a:xfrm>
-      </p:grpSpPr>
-      <p:pic>
-        <p:nvPicPr>
-          <p:cNvPr id="3" name="图片 2">
-            <a:extLst>
-              <a:ext uri="{FF2B5EF4-FFF2-40B4-BE49-F238E27FC236}">
-                <a16:creationId xmlns:a16="http://schemas.microsoft.com/office/drawing/2014/main" id="{CB804FB3-80A0-69D3-C355-C59F6DA60DD7}"/>
-              </a:ext>
-            </a:extLst>
-          </p:cNvPr>
-          <p:cNvPicPr>
-            <a:picLocks noChangeAspect="1"/>
-          </p:cNvPicPr>
-          <p:nvPr/>
-        </p:nvPicPr>
-        <p:blipFill>
-          <a:blip r:embed="rId2"/>
-          <a:srcRect t="18058" b="24724"/>
-          <a:stretch/>
-        </p:blipFill>
-        <p:spPr>
-          <a:xfrm>
-            <a:off x="1269013" y="2014538"/>
-            <a:ext cx="8789651" cy="2828924"/>
-          </a:xfrm>
-          <a:prstGeom prst="rect">
-            <a:avLst/>
-          </a:prstGeom>
-        </p:spPr>
-      </p:pic>
-    </p:spTree>
-    <p:extLst>
-      <p:ext uri="{BB962C8B-B14F-4D97-AF65-F5344CB8AC3E}">
-        <p14:creationId xmlns:p14="http://schemas.microsoft.com/office/powerpoint/2010/main" val="1942704351"/>
-      </p:ext>
-    </p:extLst>
-  </p:cSld>
-  <p:clrMapOvr>
-    <a:masterClrMapping/>
-  </p:clrMapOvr>
-</p:sld>
-</file>
-
-<file path=ppt/slides/slide7.xml><?xml version="1.0" encoding="utf-8"?>
+<file path=ppt/slides/slide4.xml><?xml version="1.0" encoding="utf-8"?>
 <p:sld xmlns:a="http://schemas.openxmlformats.org/drawingml/2006/main" xmlns:r="http://schemas.openxmlformats.org/officeDocument/2006/relationships" xmlns:p="http://schemas.openxmlformats.org/presentationml/2006/main">
   <p:cSld>
     <p:spTree>
@@ -5937,8 +4753,8 @@
         </p:nvGrpSpPr>
         <p:grpSpPr>
           <a:xfrm>
-            <a:off x="-10892834" y="821426"/>
-            <a:ext cx="7149814" cy="5301655"/>
+            <a:off x="-8578107" y="-253238"/>
+            <a:ext cx="5630479" cy="4175053"/>
             <a:chOff x="1566569" y="31633160"/>
             <a:chExt cx="7149814" cy="5301655"/>
           </a:xfrm>
@@ -6046,8 +4862,8 @@
         </p:nvSpPr>
         <p:spPr>
           <a:xfrm>
-            <a:off x="-10344930" y="5495298"/>
-            <a:ext cx="222674" cy="222674"/>
+            <a:off x="-8146633" y="3427435"/>
+            <a:ext cx="175356" cy="175356"/>
           </a:xfrm>
           <a:prstGeom prst="ellipse">
             <a:avLst/>
@@ -6083,13 +4899,13 @@
           <a:p>
             <a:pPr algn="ctr">
               <a:spcBef>
-                <a:spcPts val="600"/>
+                <a:spcPts val="472"/>
               </a:spcBef>
               <a:spcAft>
-                <a:spcPts val="600"/>
+                <a:spcPts val="472"/>
               </a:spcAft>
             </a:pPr>
-            <a:endParaRPr lang="zh-CN" altLang="en-US" sz="4000" b="1">
+            <a:endParaRPr lang="zh-CN" altLang="en-US" sz="3150" b="1">
               <a:solidFill>
                 <a:schemeClr val="bg1"/>
               </a:solidFill>
@@ -6113,8 +4929,8 @@
         </p:nvSpPr>
         <p:spPr>
           <a:xfrm>
-            <a:off x="-10306698" y="5143360"/>
-            <a:ext cx="222674" cy="222674"/>
+            <a:off x="-8116525" y="3150283"/>
+            <a:ext cx="175356" cy="175356"/>
           </a:xfrm>
           <a:prstGeom prst="ellipse">
             <a:avLst/>
@@ -6150,13 +4966,13 @@
           <a:p>
             <a:pPr algn="ctr">
               <a:spcBef>
-                <a:spcPts val="600"/>
+                <a:spcPts val="472"/>
               </a:spcBef>
               <a:spcAft>
-                <a:spcPts val="600"/>
+                <a:spcPts val="472"/>
               </a:spcAft>
             </a:pPr>
-            <a:endParaRPr lang="zh-CN" altLang="en-US" sz="4000" b="1">
+            <a:endParaRPr lang="zh-CN" altLang="en-US" sz="3150" b="1">
               <a:solidFill>
                 <a:schemeClr val="bg1"/>
               </a:solidFill>
@@ -6180,8 +4996,8 @@
         </p:nvSpPr>
         <p:spPr>
           <a:xfrm>
-            <a:off x="-9979193" y="5272620"/>
-            <a:ext cx="222674" cy="222674"/>
+            <a:off x="-7858615" y="3252076"/>
+            <a:ext cx="175356" cy="175356"/>
           </a:xfrm>
           <a:prstGeom prst="ellipse">
             <a:avLst/>
@@ -6217,13 +5033,13 @@
           <a:p>
             <a:pPr algn="ctr">
               <a:spcBef>
-                <a:spcPts val="600"/>
+                <a:spcPts val="472"/>
               </a:spcBef>
               <a:spcAft>
-                <a:spcPts val="600"/>
+                <a:spcPts val="472"/>
               </a:spcAft>
             </a:pPr>
-            <a:endParaRPr lang="zh-CN" altLang="en-US" sz="4000" b="1">
+            <a:endParaRPr lang="zh-CN" altLang="en-US" sz="3150" b="1">
               <a:solidFill>
                 <a:schemeClr val="bg1"/>
               </a:solidFill>
@@ -6247,8 +5063,8 @@
         </p:nvSpPr>
         <p:spPr>
           <a:xfrm>
-            <a:off x="-10085496" y="5544573"/>
-            <a:ext cx="222674" cy="222674"/>
+            <a:off x="-7942328" y="3466239"/>
+            <a:ext cx="175356" cy="175356"/>
           </a:xfrm>
           <a:prstGeom prst="ellipse">
             <a:avLst/>
@@ -6284,13 +5100,13 @@
           <a:p>
             <a:pPr algn="ctr">
               <a:spcBef>
-                <a:spcPts val="600"/>
+                <a:spcPts val="472"/>
               </a:spcBef>
               <a:spcAft>
-                <a:spcPts val="600"/>
+                <a:spcPts val="472"/>
               </a:spcAft>
             </a:pPr>
-            <a:endParaRPr lang="zh-CN" altLang="en-US" sz="4000" b="1">
+            <a:endParaRPr lang="zh-CN" altLang="en-US" sz="3150" b="1">
               <a:solidFill>
                 <a:schemeClr val="bg1"/>
               </a:solidFill>
@@ -6314,8 +5130,8 @@
         </p:nvSpPr>
         <p:spPr>
           <a:xfrm>
-            <a:off x="-9556317" y="5491826"/>
-            <a:ext cx="222674" cy="222674"/>
+            <a:off x="-7525600" y="3424700"/>
+            <a:ext cx="175356" cy="175356"/>
           </a:xfrm>
           <a:prstGeom prst="ellipse">
             <a:avLst/>
@@ -6351,13 +5167,13 @@
           <a:p>
             <a:pPr algn="ctr">
               <a:spcBef>
-                <a:spcPts val="600"/>
+                <a:spcPts val="472"/>
               </a:spcBef>
               <a:spcAft>
-                <a:spcPts val="600"/>
+                <a:spcPts val="472"/>
               </a:spcAft>
             </a:pPr>
-            <a:endParaRPr lang="zh-CN" altLang="en-US" sz="4000" b="1">
+            <a:endParaRPr lang="zh-CN" altLang="en-US" sz="3150" b="1">
               <a:solidFill>
                 <a:schemeClr val="bg1"/>
               </a:solidFill>
@@ -6381,8 +5197,8 @@
         </p:nvSpPr>
         <p:spPr>
           <a:xfrm>
-            <a:off x="-9770884" y="4936719"/>
-            <a:ext cx="222674" cy="222674"/>
+            <a:off x="-7694571" y="2987554"/>
+            <a:ext cx="175356" cy="175356"/>
           </a:xfrm>
           <a:prstGeom prst="ellipse">
             <a:avLst/>
@@ -6418,13 +5234,13 @@
           <a:p>
             <a:pPr algn="ctr">
               <a:spcBef>
-                <a:spcPts val="600"/>
+                <a:spcPts val="472"/>
               </a:spcBef>
               <a:spcAft>
-                <a:spcPts val="600"/>
+                <a:spcPts val="472"/>
               </a:spcAft>
             </a:pPr>
-            <a:endParaRPr lang="zh-CN" altLang="en-US" sz="4000" b="1">
+            <a:endParaRPr lang="zh-CN" altLang="en-US" sz="3150" b="1">
               <a:solidFill>
                 <a:schemeClr val="bg1"/>
               </a:solidFill>
@@ -6448,8 +5264,8 @@
         </p:nvSpPr>
         <p:spPr>
           <a:xfrm>
-            <a:off x="-10084078" y="4776105"/>
-            <a:ext cx="222674" cy="222674"/>
+            <a:off x="-7941212" y="2861070"/>
+            <a:ext cx="175356" cy="175356"/>
           </a:xfrm>
           <a:prstGeom prst="ellipse">
             <a:avLst/>
@@ -6485,13 +5301,13 @@
           <a:p>
             <a:pPr algn="ctr">
               <a:spcBef>
-                <a:spcPts val="600"/>
+                <a:spcPts val="472"/>
               </a:spcBef>
               <a:spcAft>
-                <a:spcPts val="600"/>
+                <a:spcPts val="472"/>
               </a:spcAft>
             </a:pPr>
-            <a:endParaRPr lang="zh-CN" altLang="en-US" sz="4000" b="1">
+            <a:endParaRPr lang="zh-CN" altLang="en-US" sz="3150" b="1">
               <a:solidFill>
                 <a:schemeClr val="bg1"/>
               </a:solidFill>
@@ -6515,8 +5331,8 @@
         </p:nvSpPr>
         <p:spPr>
           <a:xfrm>
-            <a:off x="-7051580" y="5567595"/>
-            <a:ext cx="222674" cy="222674"/>
+            <a:off x="-5553119" y="3484368"/>
+            <a:ext cx="175356" cy="175356"/>
           </a:xfrm>
           <a:prstGeom prst="ellipse">
             <a:avLst/>
@@ -6552,13 +5368,13 @@
           <a:p>
             <a:pPr algn="ctr">
               <a:spcBef>
-                <a:spcPts val="600"/>
+                <a:spcPts val="472"/>
               </a:spcBef>
               <a:spcAft>
-                <a:spcPts val="600"/>
+                <a:spcPts val="472"/>
               </a:spcAft>
             </a:pPr>
-            <a:endParaRPr lang="zh-CN" altLang="en-US" sz="4000" b="1">
+            <a:endParaRPr lang="zh-CN" altLang="en-US" sz="3150" b="1">
               <a:solidFill>
                 <a:schemeClr val="bg1"/>
               </a:solidFill>
@@ -6582,8 +5398,8 @@
         </p:nvSpPr>
         <p:spPr>
           <a:xfrm>
-            <a:off x="-10547747" y="1775343"/>
-            <a:ext cx="222674" cy="222674"/>
+            <a:off x="-8306351" y="497970"/>
+            <a:ext cx="175356" cy="175356"/>
           </a:xfrm>
           <a:prstGeom prst="ellipse">
             <a:avLst/>
@@ -6619,13 +5435,13 @@
           <a:p>
             <a:pPr algn="ctr">
               <a:spcBef>
-                <a:spcPts val="600"/>
+                <a:spcPts val="472"/>
               </a:spcBef>
               <a:spcAft>
-                <a:spcPts val="600"/>
+                <a:spcPts val="472"/>
               </a:spcAft>
             </a:pPr>
-            <a:endParaRPr lang="zh-CN" altLang="en-US" sz="4000" b="1">
+            <a:endParaRPr lang="zh-CN" altLang="en-US" sz="3150" b="1">
               <a:solidFill>
                 <a:schemeClr val="bg1"/>
               </a:solidFill>
@@ -6649,8 +5465,8 @@
         </p:nvSpPr>
         <p:spPr>
           <a:xfrm>
-            <a:off x="-10513866" y="2052789"/>
-            <a:ext cx="222674" cy="222674"/>
+            <a:off x="-8279670" y="716459"/>
+            <a:ext cx="175356" cy="175356"/>
           </a:xfrm>
           <a:prstGeom prst="ellipse">
             <a:avLst/>
@@ -6686,13 +5502,13 @@
           <a:p>
             <a:pPr algn="ctr">
               <a:spcBef>
-                <a:spcPts val="600"/>
+                <a:spcPts val="472"/>
               </a:spcBef>
               <a:spcAft>
-                <a:spcPts val="600"/>
+                <a:spcPts val="472"/>
               </a:spcAft>
             </a:pPr>
-            <a:endParaRPr lang="zh-CN" altLang="en-US" sz="4000" b="1">
+            <a:endParaRPr lang="zh-CN" altLang="en-US" sz="3150" b="1">
               <a:solidFill>
                 <a:schemeClr val="bg1"/>
               </a:solidFill>
@@ -6716,8 +5532,8 @@
         </p:nvSpPr>
         <p:spPr>
           <a:xfrm>
-            <a:off x="-6462542" y="5461673"/>
-            <a:ext cx="222674" cy="222674"/>
+            <a:off x="-5089252" y="3400955"/>
+            <a:ext cx="175356" cy="175356"/>
           </a:xfrm>
           <a:prstGeom prst="ellipse">
             <a:avLst/>
@@ -6753,13 +5569,13 @@
           <a:p>
             <a:pPr algn="ctr">
               <a:spcBef>
-                <a:spcPts val="600"/>
+                <a:spcPts val="472"/>
               </a:spcBef>
               <a:spcAft>
-                <a:spcPts val="600"/>
+                <a:spcPts val="472"/>
               </a:spcAft>
             </a:pPr>
-            <a:endParaRPr lang="zh-CN" altLang="en-US" sz="4000" b="1">
+            <a:endParaRPr lang="zh-CN" altLang="en-US" sz="3150" b="1">
               <a:solidFill>
                 <a:schemeClr val="bg1"/>
               </a:solidFill>
@@ -6783,8 +5599,8 @@
         </p:nvSpPr>
         <p:spPr>
           <a:xfrm>
-            <a:off x="-10343315" y="4083498"/>
-            <a:ext cx="973343" cy="461665"/>
+            <a:off x="-8164621" y="2315642"/>
+            <a:ext cx="805029" cy="383182"/>
           </a:xfrm>
           <a:prstGeom prst="rect">
             <a:avLst/>
@@ -6799,7 +5615,7 @@
           <a:p>
             <a:pPr algn="ctr"/>
             <a:r>
-              <a:rPr lang="en-US" altLang="zh-CN" sz="2400" dirty="0">
+              <a:rPr lang="en-US" altLang="zh-CN" sz="1890" dirty="0">
                 <a:solidFill>
                   <a:srgbClr val="0D3454"/>
                 </a:solidFill>
@@ -6808,7 +5624,7 @@
               </a:rPr>
               <a:t>Noise</a:t>
             </a:r>
-            <a:endParaRPr lang="zh-CN" altLang="en-US" sz="2400" dirty="0">
+            <a:endParaRPr lang="zh-CN" altLang="en-US" sz="1890" dirty="0">
               <a:solidFill>
                 <a:srgbClr val="0D3454"/>
               </a:solidFill>
@@ -6832,8 +5648,8 @@
         </p:nvSpPr>
         <p:spPr>
           <a:xfrm>
-            <a:off x="-5432314" y="5579430"/>
-            <a:ext cx="1519968" cy="461665"/>
+            <a:off x="-4277947" y="3493689"/>
+            <a:ext cx="1233030" cy="383182"/>
           </a:xfrm>
           <a:prstGeom prst="rect">
             <a:avLst/>
@@ -6847,7 +5663,7 @@
           <a:lstStyle/>
           <a:p>
             <a:r>
-              <a:rPr lang="en-US" altLang="zh-CN" sz="2400" b="1" dirty="0">
+              <a:rPr lang="en-US" altLang="zh-CN" sz="1890" b="1" dirty="0">
                 <a:solidFill>
                   <a:srgbClr val="0D3454"/>
                 </a:solidFill>
@@ -6857,7 +5673,7 @@
               <a:t>Next </a:t>
             </a:r>
             <a:r>
-              <a:rPr lang="en-US" altLang="zh-CN" sz="2400" b="1" dirty="0" err="1">
+              <a:rPr lang="en-US" altLang="zh-CN" sz="1890" b="1" dirty="0" err="1">
                 <a:solidFill>
                   <a:srgbClr val="0D3454"/>
                 </a:solidFill>
@@ -6866,7 +5682,7 @@
               </a:rPr>
               <a:t>Frm</a:t>
             </a:r>
-            <a:endParaRPr lang="zh-CN" altLang="en-US" sz="2400" b="1" dirty="0">
+            <a:endParaRPr lang="zh-CN" altLang="en-US" sz="1890" b="1" dirty="0">
               <a:solidFill>
                 <a:srgbClr val="0D3454"/>
               </a:solidFill>
@@ -6890,8 +5706,8 @@
         </p:nvSpPr>
         <p:spPr>
           <a:xfrm>
-            <a:off x="-10774562" y="997626"/>
-            <a:ext cx="1519968" cy="461665"/>
+            <a:off x="-8484967" y="-114482"/>
+            <a:ext cx="1234633" cy="383182"/>
           </a:xfrm>
           <a:prstGeom prst="rect">
             <a:avLst/>
@@ -6905,7 +5721,7 @@
           <a:lstStyle/>
           <a:p>
             <a:r>
-              <a:rPr lang="en-US" altLang="zh-CN" sz="2400" b="1" dirty="0">
+              <a:rPr lang="en-US" altLang="zh-CN" sz="1890" b="1" dirty="0">
                 <a:solidFill>
                   <a:srgbClr val="0D3454"/>
                 </a:solidFill>
@@ -6915,7 +5731,7 @@
               <a:t>Prev </a:t>
             </a:r>
             <a:r>
-              <a:rPr lang="en-US" altLang="zh-CN" sz="2400" b="1" dirty="0" err="1">
+              <a:rPr lang="en-US" altLang="zh-CN" sz="1890" b="1" dirty="0" err="1">
                 <a:solidFill>
                   <a:srgbClr val="0D3454"/>
                 </a:solidFill>
@@ -6924,7 +5740,7 @@
               </a:rPr>
               <a:t>Frm</a:t>
             </a:r>
-            <a:endParaRPr lang="zh-CN" altLang="en-US" sz="2400" b="1" dirty="0">
+            <a:endParaRPr lang="zh-CN" altLang="en-US" sz="1890" b="1" dirty="0">
               <a:solidFill>
                 <a:srgbClr val="0D3454"/>
               </a:solidFill>
@@ -6950,8 +5766,8 @@
         </p:nvCxnSpPr>
         <p:spPr>
           <a:xfrm flipV="1">
-            <a:off x="-7248519" y="3774810"/>
-            <a:ext cx="2488666" cy="876632"/>
+            <a:off x="-5708208" y="2072550"/>
+            <a:ext cx="1959824" cy="690348"/>
           </a:xfrm>
           <a:prstGeom prst="line">
             <a:avLst/>
@@ -6992,8 +5808,8 @@
         </p:nvSpPr>
         <p:spPr>
           <a:xfrm>
-            <a:off x="-7283883" y="2943813"/>
-            <a:ext cx="5048059" cy="830997"/>
+            <a:off x="-5736057" y="1418143"/>
+            <a:ext cx="3975346" cy="674031"/>
           </a:xfrm>
           <a:prstGeom prst="rect">
             <a:avLst/>
@@ -7008,7 +5824,7 @@
           <a:p>
             <a:pPr algn="ctr"/>
             <a:r>
-              <a:rPr lang="en-US" altLang="zh-CN" sz="2400" dirty="0">
+              <a:rPr lang="en-US" altLang="zh-CN" sz="1890" dirty="0">
                 <a:solidFill>
                   <a:srgbClr val="0D3454"/>
                 </a:solidFill>
@@ -7018,7 +5834,7 @@
               <a:t>Each point represents </a:t>
             </a:r>
             <a:r>
-              <a:rPr lang="en-US" altLang="zh-CN" sz="2400" b="1" dirty="0">
+              <a:rPr lang="en-US" altLang="zh-CN" sz="1890" b="1" dirty="0">
                 <a:solidFill>
                   <a:srgbClr val="0D3454"/>
                 </a:solidFill>
@@ -7027,7 +5843,7 @@
               </a:rPr>
               <a:t>a pair of down-sampled frames</a:t>
             </a:r>
-            <a:endParaRPr lang="zh-CN" altLang="en-US" sz="2400" b="1" dirty="0">
+            <a:endParaRPr lang="zh-CN" altLang="en-US" sz="1890" b="1" dirty="0">
               <a:solidFill>
                 <a:srgbClr val="0D3454"/>
               </a:solidFill>
@@ -7051,8 +5867,8 @@
         </p:nvSpPr>
         <p:spPr>
           <a:xfrm>
-            <a:off x="-9618484" y="5089119"/>
-            <a:ext cx="222674" cy="222674"/>
+            <a:off x="-7574556" y="3107569"/>
+            <a:ext cx="175356" cy="175356"/>
           </a:xfrm>
           <a:prstGeom prst="ellipse">
             <a:avLst/>
@@ -7088,13 +5904,13 @@
           <a:p>
             <a:pPr algn="ctr">
               <a:spcBef>
-                <a:spcPts val="600"/>
+                <a:spcPts val="472"/>
               </a:spcBef>
               <a:spcAft>
-                <a:spcPts val="600"/>
+                <a:spcPts val="472"/>
               </a:spcAft>
             </a:pPr>
-            <a:endParaRPr lang="zh-CN" altLang="en-US" sz="4000" b="1">
+            <a:endParaRPr lang="zh-CN" altLang="en-US" sz="3150" b="1">
               <a:solidFill>
                 <a:schemeClr val="bg1"/>
               </a:solidFill>
@@ -7118,8 +5934,8 @@
         </p:nvSpPr>
         <p:spPr>
           <a:xfrm>
-            <a:off x="-9790918" y="5635144"/>
-            <a:ext cx="222674" cy="222674"/>
+            <a:off x="-7710348" y="3537563"/>
+            <a:ext cx="175356" cy="175356"/>
           </a:xfrm>
           <a:prstGeom prst="ellipse">
             <a:avLst/>
@@ -7155,13 +5971,13 @@
           <a:p>
             <a:pPr algn="ctr">
               <a:spcBef>
-                <a:spcPts val="600"/>
+                <a:spcPts val="472"/>
               </a:spcBef>
               <a:spcAft>
-                <a:spcPts val="600"/>
+                <a:spcPts val="472"/>
               </a:spcAft>
             </a:pPr>
-            <a:endParaRPr lang="zh-CN" altLang="en-US" sz="4000" b="1">
+            <a:endParaRPr lang="zh-CN" altLang="en-US" sz="3150" b="1">
               <a:solidFill>
                 <a:schemeClr val="bg1"/>
               </a:solidFill>
@@ -7185,8 +6001,8 @@
         </p:nvSpPr>
         <p:spPr>
           <a:xfrm>
-            <a:off x="-10263641" y="1928000"/>
-            <a:ext cx="222674" cy="222674"/>
+            <a:off x="-8082618" y="618187"/>
+            <a:ext cx="175356" cy="175356"/>
           </a:xfrm>
           <a:prstGeom prst="ellipse">
             <a:avLst/>
@@ -7222,13 +6038,13 @@
           <a:p>
             <a:pPr algn="ctr">
               <a:spcBef>
-                <a:spcPts val="600"/>
+                <a:spcPts val="472"/>
               </a:spcBef>
               <a:spcAft>
-                <a:spcPts val="600"/>
+                <a:spcPts val="472"/>
               </a:spcAft>
             </a:pPr>
-            <a:endParaRPr lang="zh-CN" altLang="en-US" sz="4000" b="1">
+            <a:endParaRPr lang="zh-CN" altLang="en-US" sz="3150" b="1">
               <a:solidFill>
                 <a:schemeClr val="bg1"/>
               </a:solidFill>
@@ -7252,8 +6068,8 @@
         </p:nvSpPr>
         <p:spPr>
           <a:xfrm>
-            <a:off x="-10571863" y="4566047"/>
-            <a:ext cx="1422163" cy="1422163"/>
+            <a:off x="-8325342" y="2695652"/>
+            <a:ext cx="1119953" cy="1119953"/>
           </a:xfrm>
           <a:prstGeom prst="ellipse">
             <a:avLst/>
@@ -7293,13 +6109,13 @@
           <a:p>
             <a:pPr>
               <a:spcBef>
-                <a:spcPts val="600"/>
+                <a:spcPts val="472"/>
               </a:spcBef>
               <a:spcAft>
-                <a:spcPts val="600"/>
+                <a:spcPts val="472"/>
               </a:spcAft>
             </a:pPr>
-            <a:endParaRPr lang="zh-CN" altLang="en-US" sz="4000">
+            <a:endParaRPr lang="zh-CN" altLang="en-US" sz="3150">
               <a:latin typeface="Lucida Sans" panose="020B0602030504090204" pitchFamily="34" charset="0"/>
               <a:cs typeface="Arial" panose="020B0604020202020204" pitchFamily="34" charset="0"/>
             </a:endParaRPr>
@@ -7320,8 +6136,8 @@
         </p:nvSpPr>
         <p:spPr>
           <a:xfrm>
-            <a:off x="-6885418" y="5399642"/>
-            <a:ext cx="222674" cy="222674"/>
+            <a:off x="-5422267" y="3352105"/>
+            <a:ext cx="175356" cy="175356"/>
           </a:xfrm>
           <a:prstGeom prst="ellipse">
             <a:avLst/>
@@ -7357,13 +6173,13 @@
           <a:p>
             <a:pPr algn="ctr">
               <a:spcBef>
-                <a:spcPts val="600"/>
+                <a:spcPts val="472"/>
               </a:spcBef>
               <a:spcAft>
-                <a:spcPts val="600"/>
+                <a:spcPts val="472"/>
               </a:spcAft>
             </a:pPr>
-            <a:endParaRPr lang="zh-CN" altLang="en-US" sz="4000" b="1">
+            <a:endParaRPr lang="zh-CN" altLang="en-US" sz="3150" b="1">
               <a:solidFill>
                 <a:schemeClr val="bg1"/>
               </a:solidFill>
@@ -7387,8 +6203,8 @@
         </p:nvSpPr>
         <p:spPr>
           <a:xfrm>
-            <a:off x="-8662040" y="2237883"/>
-            <a:ext cx="222674" cy="222674"/>
+            <a:off x="-6821357" y="862220"/>
+            <a:ext cx="175356" cy="175356"/>
           </a:xfrm>
           <a:prstGeom prst="ellipse">
             <a:avLst/>
@@ -7424,13 +6240,13 @@
           <a:p>
             <a:pPr algn="ctr">
               <a:spcBef>
-                <a:spcPts val="600"/>
+                <a:spcPts val="472"/>
               </a:spcBef>
               <a:spcAft>
-                <a:spcPts val="600"/>
+                <a:spcPts val="472"/>
               </a:spcAft>
             </a:pPr>
-            <a:endParaRPr lang="zh-CN" altLang="en-US" sz="4000" b="1">
+            <a:endParaRPr lang="zh-CN" altLang="en-US" sz="3150" b="1">
               <a:solidFill>
                 <a:schemeClr val="bg1"/>
               </a:solidFill>
@@ -7454,8 +6270,8 @@
         </p:nvSpPr>
         <p:spPr>
           <a:xfrm>
-            <a:off x="-7438583" y="4618832"/>
-            <a:ext cx="222674" cy="222674"/>
+            <a:off x="-5857884" y="2737218"/>
+            <a:ext cx="175356" cy="175356"/>
           </a:xfrm>
           <a:prstGeom prst="ellipse">
             <a:avLst/>
@@ -7491,13 +6307,13 @@
           <a:p>
             <a:pPr algn="ctr">
               <a:spcBef>
-                <a:spcPts val="600"/>
+                <a:spcPts val="472"/>
               </a:spcBef>
               <a:spcAft>
-                <a:spcPts val="600"/>
+                <a:spcPts val="472"/>
               </a:spcAft>
             </a:pPr>
-            <a:endParaRPr lang="zh-CN" altLang="en-US" sz="4000" b="1">
+            <a:endParaRPr lang="zh-CN" altLang="en-US" sz="3150" b="1">
               <a:solidFill>
                 <a:schemeClr val="bg1"/>
               </a:solidFill>
@@ -7521,8 +6337,8 @@
         </p:nvSpPr>
         <p:spPr>
           <a:xfrm>
-            <a:off x="-8069263" y="2674475"/>
-            <a:ext cx="222674" cy="222674"/>
+            <a:off x="-6354545" y="1206036"/>
+            <a:ext cx="175356" cy="175356"/>
           </a:xfrm>
           <a:prstGeom prst="ellipse">
             <a:avLst/>
@@ -7558,13 +6374,13 @@
           <a:p>
             <a:pPr algn="ctr">
               <a:spcBef>
-                <a:spcPts val="600"/>
+                <a:spcPts val="472"/>
               </a:spcBef>
               <a:spcAft>
-                <a:spcPts val="600"/>
+                <a:spcPts val="472"/>
               </a:spcAft>
             </a:pPr>
-            <a:endParaRPr lang="zh-CN" altLang="en-US" sz="4000" b="1">
+            <a:endParaRPr lang="zh-CN" altLang="en-US" sz="3150" b="1">
               <a:solidFill>
                 <a:schemeClr val="bg1"/>
               </a:solidFill>
@@ -7588,8 +6404,8 @@
         </p:nvSpPr>
         <p:spPr>
           <a:xfrm>
-            <a:off x="-8945803" y="2502285"/>
-            <a:ext cx="222674" cy="222674"/>
+            <a:off x="-7044820" y="1070437"/>
+            <a:ext cx="175356" cy="175356"/>
           </a:xfrm>
           <a:prstGeom prst="ellipse">
             <a:avLst/>
@@ -7625,13 +6441,13 @@
           <a:p>
             <a:pPr algn="ctr">
               <a:spcBef>
-                <a:spcPts val="600"/>
+                <a:spcPts val="472"/>
               </a:spcBef>
               <a:spcAft>
-                <a:spcPts val="600"/>
+                <a:spcPts val="472"/>
               </a:spcAft>
             </a:pPr>
-            <a:endParaRPr lang="zh-CN" altLang="en-US" sz="4000" b="1">
+            <a:endParaRPr lang="zh-CN" altLang="en-US" sz="3150" b="1">
               <a:solidFill>
                 <a:schemeClr val="bg1"/>
               </a:solidFill>
@@ -7663,8 +6479,8 @@
         </p:blipFill>
         <p:spPr>
           <a:xfrm>
-            <a:off x="-7377424" y="1028700"/>
-            <a:ext cx="6026230" cy="1865023"/>
+            <a:off x="-5809721" y="-90011"/>
+            <a:ext cx="4745656" cy="1468706"/>
           </a:xfrm>
           <a:prstGeom prst="rect">
             <a:avLst/>
@@ -7693,8 +6509,8 @@
         </p:blipFill>
         <p:spPr>
           <a:xfrm>
-            <a:off x="2782529" y="1475752"/>
-            <a:ext cx="6626942" cy="3906496"/>
+            <a:off x="3690638" y="262044"/>
+            <a:ext cx="5218718" cy="3076367"/>
           </a:xfrm>
           <a:prstGeom prst="rect">
             <a:avLst/>
@@ -7714,66 +6530,7 @@
 </p:sld>
 </file>
 
-<file path=ppt/slides/slide8.xml><?xml version="1.0" encoding="utf-8"?>
-<p:sld xmlns:a="http://schemas.openxmlformats.org/drawingml/2006/main" xmlns:r="http://schemas.openxmlformats.org/officeDocument/2006/relationships" xmlns:p="http://schemas.openxmlformats.org/presentationml/2006/main">
-  <p:cSld>
-    <p:spTree>
-      <p:nvGrpSpPr>
-        <p:cNvPr id="1" name=""/>
-        <p:cNvGrpSpPr/>
-        <p:nvPr/>
-      </p:nvGrpSpPr>
-      <p:grpSpPr>
-        <a:xfrm>
-          <a:off x="0" y="0"/>
-          <a:ext cx="0" cy="0"/>
-          <a:chOff x="0" y="0"/>
-          <a:chExt cx="0" cy="0"/>
-        </a:xfrm>
-      </p:grpSpPr>
-      <p:pic>
-        <p:nvPicPr>
-          <p:cNvPr id="3" name="图片 2">
-            <a:extLst>
-              <a:ext uri="{FF2B5EF4-FFF2-40B4-BE49-F238E27FC236}">
-                <a16:creationId xmlns:a16="http://schemas.microsoft.com/office/drawing/2014/main" id="{A1BA8513-431C-2B03-20F9-850F92663A2C}"/>
-              </a:ext>
-            </a:extLst>
-          </p:cNvPr>
-          <p:cNvPicPr>
-            <a:picLocks noChangeAspect="1"/>
-          </p:cNvPicPr>
-          <p:nvPr/>
-        </p:nvPicPr>
-        <p:blipFill>
-          <a:blip r:embed="rId2"/>
-          <a:srcRect t="20281" b="20003"/>
-          <a:stretch/>
-        </p:blipFill>
-        <p:spPr>
-          <a:xfrm>
-            <a:off x="694194" y="1619250"/>
-            <a:ext cx="10803612" cy="3629026"/>
-          </a:xfrm>
-          <a:prstGeom prst="rect">
-            <a:avLst/>
-          </a:prstGeom>
-        </p:spPr>
-      </p:pic>
-    </p:spTree>
-    <p:extLst>
-      <p:ext uri="{BB962C8B-B14F-4D97-AF65-F5344CB8AC3E}">
-        <p14:creationId xmlns:p14="http://schemas.microsoft.com/office/powerpoint/2010/main" val="3108451813"/>
-      </p:ext>
-    </p:extLst>
-  </p:cSld>
-  <p:clrMapOvr>
-    <a:masterClrMapping/>
-  </p:clrMapOvr>
-</p:sld>
-</file>
-
-<file path=ppt/slides/slide9.xml><?xml version="1.0" encoding="utf-8"?>
+<file path=ppt/slides/slide5.xml><?xml version="1.0" encoding="utf-8"?>
 <p:sld xmlns:a="http://schemas.openxmlformats.org/drawingml/2006/main" xmlns:r="http://schemas.openxmlformats.org/officeDocument/2006/relationships" xmlns:p="http://schemas.openxmlformats.org/presentationml/2006/main">
   <p:cSld>
     <p:spTree>
@@ -7818,8 +6575,8 @@
         </p:blipFill>
         <p:spPr>
           <a:xfrm>
-            <a:off x="2587542" y="1371600"/>
-            <a:ext cx="7016916" cy="4114800"/>
+            <a:off x="3537086" y="180025"/>
+            <a:ext cx="5525822" cy="3240405"/>
           </a:xfrm>
           <a:prstGeom prst="rect">
             <a:avLst/>
@@ -7839,10 +6596,369 @@
 </p:sld>
 </file>
 
+<file path=ppt/slides/slide6.xml><?xml version="1.0" encoding="utf-8"?>
+<p:sld xmlns:a="http://schemas.openxmlformats.org/drawingml/2006/main" xmlns:r="http://schemas.openxmlformats.org/officeDocument/2006/relationships" xmlns:p="http://schemas.openxmlformats.org/presentationml/2006/main">
+  <p:cSld>
+    <p:spTree>
+      <p:nvGrpSpPr>
+        <p:cNvPr id="1" name=""/>
+        <p:cNvGrpSpPr/>
+        <p:nvPr/>
+      </p:nvGrpSpPr>
+      <p:grpSpPr>
+        <a:xfrm>
+          <a:off x="0" y="0"/>
+          <a:ext cx="0" cy="0"/>
+          <a:chOff x="0" y="0"/>
+          <a:chExt cx="0" cy="0"/>
+        </a:xfrm>
+      </p:grpSpPr>
+      <p:pic>
+        <p:nvPicPr>
+          <p:cNvPr id="5" name="图片 4">
+            <a:extLst>
+              <a:ext uri="{FF2B5EF4-FFF2-40B4-BE49-F238E27FC236}">
+                <a16:creationId xmlns:a16="http://schemas.microsoft.com/office/drawing/2014/main" id="{C6EAC08F-BA82-8A0A-175A-2EB00B005DEC}"/>
+              </a:ext>
+            </a:extLst>
+          </p:cNvPr>
+          <p:cNvPicPr>
+            <a:picLocks noChangeAspect="1"/>
+          </p:cNvPicPr>
+          <p:nvPr/>
+        </p:nvPicPr>
+        <p:blipFill>
+          <a:blip r:embed="rId2">
+            <a:extLst>
+              <a:ext uri="{28A0092B-C50C-407E-A947-70E740481C1C}">
+                <a14:useLocalDpi xmlns:a14="http://schemas.microsoft.com/office/drawing/2010/main" val="0"/>
+              </a:ext>
+            </a:extLst>
+          </a:blip>
+          <a:stretch>
+            <a:fillRect/>
+          </a:stretch>
+        </p:blipFill>
+        <p:spPr>
+          <a:xfrm>
+            <a:off x="2709781" y="5049535"/>
+            <a:ext cx="748894" cy="748892"/>
+          </a:xfrm>
+          <a:prstGeom prst="rect">
+            <a:avLst/>
+          </a:prstGeom>
+        </p:spPr>
+      </p:pic>
+      <p:sp>
+        <p:nvSpPr>
+          <p:cNvPr id="6" name="文本框 5">
+            <a:extLst>
+              <a:ext uri="{FF2B5EF4-FFF2-40B4-BE49-F238E27FC236}">
+                <a16:creationId xmlns:a16="http://schemas.microsoft.com/office/drawing/2014/main" id="{60C4DC7E-97AA-524B-6DA4-9C26819E0817}"/>
+              </a:ext>
+            </a:extLst>
+          </p:cNvPr>
+          <p:cNvSpPr txBox="1"/>
+          <p:nvPr/>
+        </p:nvSpPr>
+        <p:spPr>
+          <a:xfrm>
+            <a:off x="2313875" y="1436666"/>
+            <a:ext cx="2480166" cy="746808"/>
+          </a:xfrm>
+          <a:prstGeom prst="rect">
+            <a:avLst/>
+          </a:prstGeom>
+          <a:noFill/>
+        </p:spPr>
+        <p:txBody>
+          <a:bodyPr wrap="none" rtlCol="0">
+            <a:spAutoFit/>
+          </a:bodyPr>
+          <a:lstStyle/>
+          <a:p>
+            <a:r>
+              <a:rPr lang="en-GB" sz="4253" b="1" dirty="0">
+                <a:gradFill flip="none" rotWithShape="1">
+                  <a:gsLst>
+                    <a:gs pos="100000">
+                      <a:srgbClr val="1790D3"/>
+                    </a:gs>
+                    <a:gs pos="0">
+                      <a:srgbClr val="28D25C"/>
+                    </a:gs>
+                  </a:gsLst>
+                  <a:path path="circle">
+                    <a:fillToRect l="100000" t="100000"/>
+                  </a:path>
+                  <a:tileRect r="-100000" b="-100000"/>
+                </a:gradFill>
+                <a:latin typeface="Source Sans 3" panose="020B0503030403020204" pitchFamily="34" charset="0"/>
+              </a:rPr>
+              <a:t>Praditor  | </a:t>
+            </a:r>
+            <a:endParaRPr lang="en-GB" sz="4725" b="1" dirty="0">
+              <a:gradFill flip="none" rotWithShape="1">
+                <a:gsLst>
+                  <a:gs pos="100000">
+                    <a:srgbClr val="1790D3"/>
+                  </a:gs>
+                  <a:gs pos="0">
+                    <a:srgbClr val="28D25C"/>
+                  </a:gs>
+                </a:gsLst>
+                <a:path path="circle">
+                  <a:fillToRect l="100000" t="100000"/>
+                </a:path>
+                <a:tileRect r="-100000" b="-100000"/>
+              </a:gradFill>
+              <a:latin typeface="Source Sans 3" panose="020B0503030403020204" pitchFamily="34" charset="0"/>
+            </a:endParaRPr>
+          </a:p>
+        </p:txBody>
+      </p:sp>
+      <p:sp>
+        <p:nvSpPr>
+          <p:cNvPr id="11" name="矩形: 圆角 10">
+            <a:extLst>
+              <a:ext uri="{FF2B5EF4-FFF2-40B4-BE49-F238E27FC236}">
+                <a16:creationId xmlns:a16="http://schemas.microsoft.com/office/drawing/2014/main" id="{A410C2FD-104B-50C2-FB19-113A9C55307A}"/>
+              </a:ext>
+            </a:extLst>
+          </p:cNvPr>
+          <p:cNvSpPr/>
+          <p:nvPr/>
+        </p:nvSpPr>
+        <p:spPr>
+          <a:xfrm>
+            <a:off x="-9323218" y="-900111"/>
+            <a:ext cx="8504813" cy="8504813"/>
+          </a:xfrm>
+          <a:prstGeom prst="roundRect">
+            <a:avLst>
+              <a:gd name="adj" fmla="val 9511"/>
+            </a:avLst>
+          </a:prstGeom>
+          <a:gradFill flip="none" rotWithShape="1">
+            <a:gsLst>
+              <a:gs pos="0">
+                <a:srgbClr val="1790D3"/>
+              </a:gs>
+              <a:gs pos="100000">
+                <a:srgbClr val="28D25C"/>
+              </a:gs>
+            </a:gsLst>
+            <a:path path="circle">
+              <a:fillToRect r="100000" b="100000"/>
+            </a:path>
+            <a:tileRect l="-100000" t="-100000"/>
+          </a:gradFill>
+          <a:ln>
+            <a:noFill/>
+          </a:ln>
+          <a:effectLst>
+            <a:softEdge rad="12700"/>
+          </a:effectLst>
+        </p:spPr>
+        <p:style>
+          <a:lnRef idx="2">
+            <a:schemeClr val="accent1">
+              <a:shade val="15000"/>
+            </a:schemeClr>
+          </a:lnRef>
+          <a:fillRef idx="1">
+            <a:schemeClr val="accent1"/>
+          </a:fillRef>
+          <a:effectRef idx="0">
+            <a:schemeClr val="accent1"/>
+          </a:effectRef>
+          <a:fontRef idx="minor">
+            <a:schemeClr val="lt1"/>
+          </a:fontRef>
+        </p:style>
+        <p:txBody>
+          <a:bodyPr lIns="72009" tIns="458420" rIns="72009" bIns="36005" rtlCol="0" anchor="ctr"/>
+          <a:lstStyle/>
+          <a:p>
+            <a:pPr algn="ctr"/>
+            <a:endParaRPr lang="en-GB" altLang="zh-CN" sz="65286" b="1" dirty="0">
+              <a:effectLst>
+                <a:innerShdw blurRad="38100">
+                  <a:schemeClr val="tx1">
+                    <a:lumMod val="50000"/>
+                    <a:lumOff val="50000"/>
+                  </a:schemeClr>
+                </a:innerShdw>
+              </a:effectLst>
+              <a:latin typeface="得意黑" pitchFamily="50" charset="-122"/>
+              <a:ea typeface="得意黑" pitchFamily="50" charset="-122"/>
+            </a:endParaRPr>
+          </a:p>
+        </p:txBody>
+      </p:sp>
+      <p:sp>
+        <p:nvSpPr>
+          <p:cNvPr id="12" name="文本框 11">
+            <a:extLst>
+              <a:ext uri="{FF2B5EF4-FFF2-40B4-BE49-F238E27FC236}">
+                <a16:creationId xmlns:a16="http://schemas.microsoft.com/office/drawing/2014/main" id="{438AE214-8808-3879-84D1-B54B6EC96E0A}"/>
+              </a:ext>
+            </a:extLst>
+          </p:cNvPr>
+          <p:cNvSpPr txBox="1"/>
+          <p:nvPr/>
+        </p:nvSpPr>
+        <p:spPr>
+          <a:xfrm>
+            <a:off x="4755540" y="1436666"/>
+            <a:ext cx="5554726" cy="746808"/>
+          </a:xfrm>
+          <a:prstGeom prst="rect">
+            <a:avLst/>
+          </a:prstGeom>
+          <a:noFill/>
+        </p:spPr>
+        <p:txBody>
+          <a:bodyPr wrap="none" rtlCol="0">
+            <a:spAutoFit/>
+          </a:bodyPr>
+          <a:lstStyle/>
+          <a:p>
+            <a:r>
+              <a:rPr lang="en-US" altLang="zh-CN" sz="4253" b="1" dirty="0">
+                <a:solidFill>
+                  <a:schemeClr val="bg1">
+                    <a:lumMod val="75000"/>
+                  </a:schemeClr>
+                </a:solidFill>
+                <a:latin typeface="Source Sans 3" panose="020B0503030403020204" pitchFamily="34" charset="0"/>
+              </a:rPr>
+              <a:t>Speech Onset Detection</a:t>
+            </a:r>
+            <a:endParaRPr lang="en-GB" sz="4725" b="1" dirty="0">
+              <a:solidFill>
+                <a:schemeClr val="bg1">
+                  <a:lumMod val="75000"/>
+                </a:schemeClr>
+              </a:solidFill>
+              <a:latin typeface="Source Sans 3" panose="020B0503030403020204" pitchFamily="34" charset="0"/>
+            </a:endParaRPr>
+          </a:p>
+        </p:txBody>
+      </p:sp>
+      <p:pic>
+        <p:nvPicPr>
+          <p:cNvPr id="13" name="图片 12">
+            <a:extLst>
+              <a:ext uri="{FF2B5EF4-FFF2-40B4-BE49-F238E27FC236}">
+                <a16:creationId xmlns:a16="http://schemas.microsoft.com/office/drawing/2014/main" id="{DB69242B-4F7B-3DC9-660B-6DACEE3ACB30}"/>
+              </a:ext>
+            </a:extLst>
+          </p:cNvPr>
+          <p:cNvPicPr>
+            <a:picLocks noChangeAspect="1"/>
+          </p:cNvPicPr>
+          <p:nvPr/>
+        </p:nvPicPr>
+        <p:blipFill>
+          <a:blip r:embed="rId3"/>
+          <a:stretch>
+            <a:fillRect/>
+          </a:stretch>
+        </p:blipFill>
+        <p:spPr>
+          <a:xfrm>
+            <a:off x="2146617" y="4225474"/>
+            <a:ext cx="8081010" cy="655412"/>
+          </a:xfrm>
+          <a:prstGeom prst="rect">
+            <a:avLst/>
+          </a:prstGeom>
+        </p:spPr>
+      </p:pic>
+    </p:spTree>
+    <p:extLst>
+      <p:ext uri="{BB962C8B-B14F-4D97-AF65-F5344CB8AC3E}">
+        <p14:creationId xmlns:p14="http://schemas.microsoft.com/office/powerpoint/2010/main" val="1088065950"/>
+      </p:ext>
+    </p:extLst>
+  </p:cSld>
+  <p:clrMapOvr>
+    <a:masterClrMapping/>
+  </p:clrMapOvr>
+</p:sld>
+</file>
+
+<file path=ppt/slides/slide7.xml><?xml version="1.0" encoding="utf-8"?>
+<p:sld xmlns:a="http://schemas.openxmlformats.org/drawingml/2006/main" xmlns:r="http://schemas.openxmlformats.org/officeDocument/2006/relationships" xmlns:p="http://schemas.openxmlformats.org/presentationml/2006/main">
+  <p:cSld>
+    <p:spTree>
+      <p:nvGrpSpPr>
+        <p:cNvPr id="1" name=""/>
+        <p:cNvGrpSpPr/>
+        <p:nvPr/>
+      </p:nvGrpSpPr>
+      <p:grpSpPr>
+        <a:xfrm>
+          <a:off x="0" y="0"/>
+          <a:ext cx="0" cy="0"/>
+          <a:chOff x="0" y="0"/>
+          <a:chExt cx="0" cy="0"/>
+        </a:xfrm>
+      </p:grpSpPr>
+      <p:pic>
+        <p:nvPicPr>
+          <p:cNvPr id="3" name="图片 2" descr="图形用户界面&#10;&#10;描述已自动生成">
+            <a:extLst>
+              <a:ext uri="{FF2B5EF4-FFF2-40B4-BE49-F238E27FC236}">
+                <a16:creationId xmlns:a16="http://schemas.microsoft.com/office/drawing/2014/main" id="{2BAD476A-0214-5462-CB14-F4A8DC2DFAD4}"/>
+              </a:ext>
+            </a:extLst>
+          </p:cNvPr>
+          <p:cNvPicPr>
+            <a:picLocks noChangeAspect="1"/>
+          </p:cNvPicPr>
+          <p:nvPr/>
+        </p:nvPicPr>
+        <p:blipFill>
+          <a:blip r:embed="rId2">
+            <a:extLst>
+              <a:ext uri="{28A0092B-C50C-407E-A947-70E740481C1C}">
+                <a14:useLocalDpi xmlns:a14="http://schemas.microsoft.com/office/drawing/2010/main" val="0"/>
+              </a:ext>
+            </a:extLst>
+          </a:blip>
+          <a:stretch>
+            <a:fillRect/>
+          </a:stretch>
+        </p:blipFill>
+        <p:spPr>
+          <a:xfrm>
+            <a:off x="2994454" y="145736"/>
+            <a:ext cx="6611085" cy="3308987"/>
+          </a:xfrm>
+          <a:prstGeom prst="rect">
+            <a:avLst/>
+          </a:prstGeom>
+        </p:spPr>
+      </p:pic>
+    </p:spTree>
+    <p:extLst>
+      <p:ext uri="{BB962C8B-B14F-4D97-AF65-F5344CB8AC3E}">
+        <p14:creationId xmlns:p14="http://schemas.microsoft.com/office/powerpoint/2010/main" val="782348349"/>
+      </p:ext>
+    </p:extLst>
+  </p:cSld>
+  <p:clrMapOvr>
+    <a:masterClrMapping/>
+  </p:clrMapOvr>
+</p:sld>
+</file>
+
 <file path=ppt/theme/theme1.xml><?xml version="1.0" encoding="utf-8"?>
 <a:theme xmlns:a="http://schemas.openxmlformats.org/drawingml/2006/main" name="Office 主题​​">
   <a:themeElements>
-    <a:clrScheme name="Office">
+    <a:clrScheme name="Office 主题​​">
       <a:dk1>
         <a:sysClr val="windowText" lastClr="000000"/>
       </a:dk1>
@@ -7880,9 +6996,9 @@
         <a:srgbClr val="96607D"/>
       </a:folHlink>
     </a:clrScheme>
-    <a:fontScheme name="Office">
+    <a:fontScheme name="Office 主题​​">
       <a:majorFont>
-        <a:latin typeface="等线 Light" panose="02110004020202020204"/>
+        <a:latin typeface="Aptos Display" panose="02110004020202020204"/>
         <a:ea typeface=""/>
         <a:cs typeface=""/>
         <a:font script="Jpan" typeface="游ゴシック Light"/>
@@ -7934,7 +7050,7 @@
         <a:font script="Tfng" typeface="Ebrima"/>
       </a:majorFont>
       <a:minorFont>
-        <a:latin typeface="等线" panose="02110004020202020204"/>
+        <a:latin typeface="Aptos" panose="02110004020202020204"/>
         <a:ea typeface=""/>
         <a:cs typeface=""/>
         <a:font script="Jpan" typeface="游ゴシック"/>
@@ -7986,7 +7102,7 @@
         <a:font script="Tfng" typeface="Ebrima"/>
       </a:minorFont>
     </a:fontScheme>
-    <a:fmtScheme name="Office">
+    <a:fmtScheme name="Office 主题​​">
       <a:fillStyleLst>
         <a:solidFill>
           <a:schemeClr val="phClr"/>

--- a/illustration.pptx
+++ b/illustration.pptx
@@ -5,7 +5,7 @@
     <p:sldMasterId id="2147483684" r:id="rId1"/>
   </p:sldMasterIdLst>
   <p:notesMasterIdLst>
-    <p:notesMasterId r:id="rId9"/>
+    <p:notesMasterId r:id="rId10"/>
   </p:notesMasterIdLst>
   <p:sldIdLst>
     <p:sldId id="256" r:id="rId2"/>
@@ -15,6 +15,7 @@
     <p:sldId id="264" r:id="rId6"/>
     <p:sldId id="266" r:id="rId7"/>
     <p:sldId id="268" r:id="rId8"/>
+    <p:sldId id="269" r:id="rId9"/>
   </p:sldIdLst>
   <p:sldSz cx="12599988" cy="3600450"/>
   <p:notesSz cx="6858000" cy="9144000"/>
@@ -6946,6 +6947,2551 @@
     <p:extLst>
       <p:ext uri="{BB962C8B-B14F-4D97-AF65-F5344CB8AC3E}">
         <p14:creationId xmlns:p14="http://schemas.microsoft.com/office/powerpoint/2010/main" val="782348349"/>
+      </p:ext>
+    </p:extLst>
+  </p:cSld>
+  <p:clrMapOvr>
+    <a:masterClrMapping/>
+  </p:clrMapOvr>
+</p:sld>
+</file>
+
+<file path=ppt/slides/slide8.xml><?xml version="1.0" encoding="utf-8"?>
+<p:sld xmlns:a="http://schemas.openxmlformats.org/drawingml/2006/main" xmlns:r="http://schemas.openxmlformats.org/officeDocument/2006/relationships" xmlns:p="http://schemas.openxmlformats.org/presentationml/2006/main">
+  <p:cSld>
+    <p:spTree>
+      <p:nvGrpSpPr>
+        <p:cNvPr id="1" name=""/>
+        <p:cNvGrpSpPr/>
+        <p:nvPr/>
+      </p:nvGrpSpPr>
+      <p:grpSpPr>
+        <a:xfrm>
+          <a:off x="0" y="0"/>
+          <a:ext cx="0" cy="0"/>
+          <a:chOff x="0" y="0"/>
+          <a:chExt cx="0" cy="0"/>
+        </a:xfrm>
+      </p:grpSpPr>
+      <p:sp>
+        <p:nvSpPr>
+          <p:cNvPr id="51" name="文本框 50">
+            <a:extLst>
+              <a:ext uri="{FF2B5EF4-FFF2-40B4-BE49-F238E27FC236}">
+                <a16:creationId xmlns:a16="http://schemas.microsoft.com/office/drawing/2014/main" id="{83A2479E-A9E8-E272-AB51-25B708F2DB1A}"/>
+              </a:ext>
+            </a:extLst>
+          </p:cNvPr>
+          <p:cNvSpPr txBox="1"/>
+          <p:nvPr/>
+        </p:nvSpPr>
+        <p:spPr>
+          <a:xfrm>
+            <a:off x="579701" y="690589"/>
+            <a:ext cx="2781531" cy="369332"/>
+          </a:xfrm>
+          <a:prstGeom prst="rect">
+            <a:avLst/>
+          </a:prstGeom>
+          <a:noFill/>
+        </p:spPr>
+        <p:txBody>
+          <a:bodyPr wrap="none" rtlCol="0">
+            <a:spAutoFit/>
+          </a:bodyPr>
+          <a:lstStyle/>
+          <a:p>
+            <a:pPr algn="ctr"/>
+            <a:r>
+              <a:rPr lang="en-US" altLang="zh-CN" sz="1800" dirty="0" err="1">
+                <a:latin typeface="Source Sans 3" panose="020B0503030403020204" pitchFamily="34" charset="0"/>
+              </a:rPr>
+              <a:t>ValidCount</a:t>
+            </a:r>
+            <a:r>
+              <a:rPr lang="en-US" altLang="zh-CN" sz="1800" dirty="0">
+                <a:latin typeface="Source Sans 3" panose="020B0503030403020204" pitchFamily="34" charset="0"/>
+              </a:rPr>
+              <a:t> = 3	Penalty = 1</a:t>
+            </a:r>
+            <a:endParaRPr lang="en-GB" altLang="zh-CN" sz="2000" dirty="0">
+              <a:latin typeface="Source Sans 3" panose="020B0503030403020204" pitchFamily="34" charset="0"/>
+            </a:endParaRPr>
+          </a:p>
+        </p:txBody>
+      </p:sp>
+      <p:grpSp>
+        <p:nvGrpSpPr>
+          <p:cNvPr id="151" name="组合 150">
+            <a:extLst>
+              <a:ext uri="{FF2B5EF4-FFF2-40B4-BE49-F238E27FC236}">
+                <a16:creationId xmlns:a16="http://schemas.microsoft.com/office/drawing/2014/main" id="{C0C819AD-3DAC-732E-DEE9-1E5600005272}"/>
+              </a:ext>
+            </a:extLst>
+          </p:cNvPr>
+          <p:cNvGrpSpPr/>
+          <p:nvPr/>
+        </p:nvGrpSpPr>
+        <p:grpSpPr>
+          <a:xfrm>
+            <a:off x="387161" y="1816744"/>
+            <a:ext cx="3166610" cy="822064"/>
+            <a:chOff x="124332" y="1622991"/>
+            <a:chExt cx="3990975" cy="1036072"/>
+          </a:xfrm>
+        </p:grpSpPr>
+        <p:grpSp>
+          <p:nvGrpSpPr>
+            <p:cNvPr id="77" name="组合 76">
+              <a:extLst>
+                <a:ext uri="{FF2B5EF4-FFF2-40B4-BE49-F238E27FC236}">
+                  <a16:creationId xmlns:a16="http://schemas.microsoft.com/office/drawing/2014/main" id="{888E01D5-CF95-8374-8362-54F9EC5005CC}"/>
+                </a:ext>
+              </a:extLst>
+            </p:cNvPr>
+            <p:cNvGrpSpPr/>
+            <p:nvPr/>
+          </p:nvGrpSpPr>
+          <p:grpSpPr>
+            <a:xfrm>
+              <a:off x="124332" y="1622991"/>
+              <a:ext cx="3990975" cy="1036072"/>
+              <a:chOff x="124332" y="2184966"/>
+              <a:chExt cx="3990975" cy="1036072"/>
+            </a:xfrm>
+          </p:grpSpPr>
+          <p:cxnSp>
+            <p:nvCxnSpPr>
+              <p:cNvPr id="2" name="直接连接符 1">
+                <a:extLst>
+                  <a:ext uri="{FF2B5EF4-FFF2-40B4-BE49-F238E27FC236}">
+                    <a16:creationId xmlns:a16="http://schemas.microsoft.com/office/drawing/2014/main" id="{9C971075-E66A-EBDA-8468-3E205A89D652}"/>
+                  </a:ext>
+                </a:extLst>
+              </p:cNvPr>
+              <p:cNvCxnSpPr>
+                <a:cxnSpLocks/>
+              </p:cNvCxnSpPr>
+              <p:nvPr/>
+            </p:nvCxnSpPr>
+            <p:spPr>
+              <a:xfrm>
+                <a:off x="124332" y="2884957"/>
+                <a:ext cx="3990975" cy="0"/>
+              </a:xfrm>
+              <a:prstGeom prst="line">
+                <a:avLst/>
+              </a:prstGeom>
+              <a:noFill/>
+              <a:ln w="38100"/>
+            </p:spPr>
+            <p:style>
+              <a:lnRef idx="2">
+                <a:schemeClr val="accent1">
+                  <a:shade val="15000"/>
+                </a:schemeClr>
+              </a:lnRef>
+              <a:fillRef idx="1">
+                <a:schemeClr val="accent1"/>
+              </a:fillRef>
+              <a:effectRef idx="0">
+                <a:schemeClr val="accent1"/>
+              </a:effectRef>
+              <a:fontRef idx="minor">
+                <a:schemeClr val="lt1"/>
+              </a:fontRef>
+            </p:style>
+          </p:cxnSp>
+          <p:sp>
+            <p:nvSpPr>
+              <p:cNvPr id="10" name="椭圆 9">
+                <a:extLst>
+                  <a:ext uri="{FF2B5EF4-FFF2-40B4-BE49-F238E27FC236}">
+                    <a16:creationId xmlns:a16="http://schemas.microsoft.com/office/drawing/2014/main" id="{917E2F81-6BE5-B47A-0168-49385D213E7E}"/>
+                  </a:ext>
+                </a:extLst>
+              </p:cNvPr>
+              <p:cNvSpPr/>
+              <p:nvPr/>
+            </p:nvSpPr>
+            <p:spPr>
+              <a:xfrm>
+                <a:off x="495096" y="2585244"/>
+                <a:ext cx="205051" cy="205051"/>
+              </a:xfrm>
+              <a:prstGeom prst="ellipse">
+                <a:avLst/>
+              </a:prstGeom>
+              <a:solidFill>
+                <a:srgbClr val="C00000"/>
+              </a:solidFill>
+              <a:ln>
+                <a:noFill/>
+              </a:ln>
+            </p:spPr>
+            <p:style>
+              <a:lnRef idx="2">
+                <a:schemeClr val="accent1">
+                  <a:shade val="15000"/>
+                </a:schemeClr>
+              </a:lnRef>
+              <a:fillRef idx="1">
+                <a:schemeClr val="accent1"/>
+              </a:fillRef>
+              <a:effectRef idx="0">
+                <a:schemeClr val="accent1"/>
+              </a:effectRef>
+              <a:fontRef idx="minor">
+                <a:schemeClr val="lt1"/>
+              </a:fontRef>
+            </p:style>
+            <p:txBody>
+              <a:bodyPr rtlCol="0" anchor="ctr"/>
+              <a:lstStyle/>
+              <a:p>
+                <a:pPr algn="ctr"/>
+                <a:endParaRPr lang="en-GB"/>
+              </a:p>
+            </p:txBody>
+          </p:sp>
+          <p:sp>
+            <p:nvSpPr>
+              <p:cNvPr id="11" name="椭圆 10">
+                <a:extLst>
+                  <a:ext uri="{FF2B5EF4-FFF2-40B4-BE49-F238E27FC236}">
+                    <a16:creationId xmlns:a16="http://schemas.microsoft.com/office/drawing/2014/main" id="{4DF3A165-F09C-3603-BBEB-CCFE339E4668}"/>
+                  </a:ext>
+                </a:extLst>
+              </p:cNvPr>
+              <p:cNvSpPr/>
+              <p:nvPr/>
+            </p:nvSpPr>
+            <p:spPr>
+              <a:xfrm>
+                <a:off x="884177" y="3015987"/>
+                <a:ext cx="205051" cy="205051"/>
+              </a:xfrm>
+              <a:prstGeom prst="ellipse">
+                <a:avLst/>
+              </a:prstGeom>
+              <a:solidFill>
+                <a:schemeClr val="bg1">
+                  <a:lumMod val="75000"/>
+                </a:schemeClr>
+              </a:solidFill>
+              <a:ln>
+                <a:noFill/>
+              </a:ln>
+            </p:spPr>
+            <p:style>
+              <a:lnRef idx="2">
+                <a:schemeClr val="accent1">
+                  <a:shade val="15000"/>
+                </a:schemeClr>
+              </a:lnRef>
+              <a:fillRef idx="1">
+                <a:schemeClr val="accent1"/>
+              </a:fillRef>
+              <a:effectRef idx="0">
+                <a:schemeClr val="accent1"/>
+              </a:effectRef>
+              <a:fontRef idx="minor">
+                <a:schemeClr val="lt1"/>
+              </a:fontRef>
+            </p:style>
+            <p:txBody>
+              <a:bodyPr rtlCol="0" anchor="ctr"/>
+              <a:lstStyle/>
+              <a:p>
+                <a:pPr algn="ctr"/>
+                <a:endParaRPr lang="en-GB" dirty="0">
+                  <a:solidFill>
+                    <a:schemeClr val="bg1">
+                      <a:lumMod val="95000"/>
+                    </a:schemeClr>
+                  </a:solidFill>
+                </a:endParaRPr>
+              </a:p>
+            </p:txBody>
+          </p:sp>
+          <p:sp>
+            <p:nvSpPr>
+              <p:cNvPr id="12" name="椭圆 11">
+                <a:extLst>
+                  <a:ext uri="{FF2B5EF4-FFF2-40B4-BE49-F238E27FC236}">
+                    <a16:creationId xmlns:a16="http://schemas.microsoft.com/office/drawing/2014/main" id="{E0414D03-9D86-1249-1CFA-C76E2F812091}"/>
+                  </a:ext>
+                </a:extLst>
+              </p:cNvPr>
+              <p:cNvSpPr/>
+              <p:nvPr/>
+            </p:nvSpPr>
+            <p:spPr>
+              <a:xfrm>
+                <a:off x="1450581" y="2560490"/>
+                <a:ext cx="205051" cy="205051"/>
+              </a:xfrm>
+              <a:prstGeom prst="ellipse">
+                <a:avLst/>
+              </a:prstGeom>
+              <a:solidFill>
+                <a:srgbClr val="C00000"/>
+              </a:solidFill>
+              <a:ln>
+                <a:noFill/>
+              </a:ln>
+            </p:spPr>
+            <p:style>
+              <a:lnRef idx="2">
+                <a:schemeClr val="accent1">
+                  <a:shade val="15000"/>
+                </a:schemeClr>
+              </a:lnRef>
+              <a:fillRef idx="1">
+                <a:schemeClr val="accent1"/>
+              </a:fillRef>
+              <a:effectRef idx="0">
+                <a:schemeClr val="accent1"/>
+              </a:effectRef>
+              <a:fontRef idx="minor">
+                <a:schemeClr val="lt1"/>
+              </a:fontRef>
+            </p:style>
+            <p:txBody>
+              <a:bodyPr rtlCol="0" anchor="ctr"/>
+              <a:lstStyle/>
+              <a:p>
+                <a:pPr algn="ctr"/>
+                <a:endParaRPr lang="en-GB"/>
+              </a:p>
+            </p:txBody>
+          </p:sp>
+          <p:sp>
+            <p:nvSpPr>
+              <p:cNvPr id="13" name="椭圆 12">
+                <a:extLst>
+                  <a:ext uri="{FF2B5EF4-FFF2-40B4-BE49-F238E27FC236}">
+                    <a16:creationId xmlns:a16="http://schemas.microsoft.com/office/drawing/2014/main" id="{BEE99AC3-93A4-B54F-F6B2-BFC4F54CC166}"/>
+                  </a:ext>
+                </a:extLst>
+              </p:cNvPr>
+              <p:cNvSpPr/>
+              <p:nvPr/>
+            </p:nvSpPr>
+            <p:spPr>
+              <a:xfrm>
+                <a:off x="1821602" y="2548877"/>
+                <a:ext cx="205051" cy="205051"/>
+              </a:xfrm>
+              <a:prstGeom prst="ellipse">
+                <a:avLst/>
+              </a:prstGeom>
+              <a:solidFill>
+                <a:srgbClr val="C00000"/>
+              </a:solidFill>
+              <a:ln>
+                <a:noFill/>
+              </a:ln>
+            </p:spPr>
+            <p:style>
+              <a:lnRef idx="2">
+                <a:schemeClr val="accent1">
+                  <a:shade val="15000"/>
+                </a:schemeClr>
+              </a:lnRef>
+              <a:fillRef idx="1">
+                <a:schemeClr val="accent1"/>
+              </a:fillRef>
+              <a:effectRef idx="0">
+                <a:schemeClr val="accent1"/>
+              </a:effectRef>
+              <a:fontRef idx="minor">
+                <a:schemeClr val="lt1"/>
+              </a:fontRef>
+            </p:style>
+            <p:txBody>
+              <a:bodyPr rtlCol="0" anchor="ctr"/>
+              <a:lstStyle/>
+              <a:p>
+                <a:pPr algn="ctr"/>
+                <a:endParaRPr lang="en-GB"/>
+              </a:p>
+            </p:txBody>
+          </p:sp>
+          <p:sp>
+            <p:nvSpPr>
+              <p:cNvPr id="14" name="椭圆 13">
+                <a:extLst>
+                  <a:ext uri="{FF2B5EF4-FFF2-40B4-BE49-F238E27FC236}">
+                    <a16:creationId xmlns:a16="http://schemas.microsoft.com/office/drawing/2014/main" id="{0A85AB52-7644-F3AE-7D09-C5F20AD2A061}"/>
+                  </a:ext>
+                </a:extLst>
+              </p:cNvPr>
+              <p:cNvSpPr/>
+              <p:nvPr/>
+            </p:nvSpPr>
+            <p:spPr>
+              <a:xfrm>
+                <a:off x="2119819" y="3000774"/>
+                <a:ext cx="205051" cy="205051"/>
+              </a:xfrm>
+              <a:prstGeom prst="ellipse">
+                <a:avLst/>
+              </a:prstGeom>
+              <a:solidFill>
+                <a:schemeClr val="bg1">
+                  <a:lumMod val="75000"/>
+                </a:schemeClr>
+              </a:solidFill>
+              <a:ln>
+                <a:noFill/>
+              </a:ln>
+            </p:spPr>
+            <p:style>
+              <a:lnRef idx="2">
+                <a:schemeClr val="accent1">
+                  <a:shade val="15000"/>
+                </a:schemeClr>
+              </a:lnRef>
+              <a:fillRef idx="1">
+                <a:schemeClr val="accent1"/>
+              </a:fillRef>
+              <a:effectRef idx="0">
+                <a:schemeClr val="accent1"/>
+              </a:effectRef>
+              <a:fontRef idx="minor">
+                <a:schemeClr val="lt1"/>
+              </a:fontRef>
+            </p:style>
+            <p:txBody>
+              <a:bodyPr rtlCol="0" anchor="ctr"/>
+              <a:lstStyle/>
+              <a:p>
+                <a:pPr algn="ctr"/>
+                <a:endParaRPr lang="en-GB">
+                  <a:solidFill>
+                    <a:schemeClr val="bg1">
+                      <a:lumMod val="95000"/>
+                    </a:schemeClr>
+                  </a:solidFill>
+                </a:endParaRPr>
+              </a:p>
+            </p:txBody>
+          </p:sp>
+          <p:sp>
+            <p:nvSpPr>
+              <p:cNvPr id="15" name="椭圆 14">
+                <a:extLst>
+                  <a:ext uri="{FF2B5EF4-FFF2-40B4-BE49-F238E27FC236}">
+                    <a16:creationId xmlns:a16="http://schemas.microsoft.com/office/drawing/2014/main" id="{39BE7274-E5EA-9466-15B7-B06273B63006}"/>
+                  </a:ext>
+                </a:extLst>
+              </p:cNvPr>
+              <p:cNvSpPr/>
+              <p:nvPr/>
+            </p:nvSpPr>
+            <p:spPr>
+              <a:xfrm>
+                <a:off x="2449441" y="2979620"/>
+                <a:ext cx="205051" cy="205051"/>
+              </a:xfrm>
+              <a:prstGeom prst="ellipse">
+                <a:avLst/>
+              </a:prstGeom>
+              <a:solidFill>
+                <a:schemeClr val="bg1">
+                  <a:lumMod val="75000"/>
+                </a:schemeClr>
+              </a:solidFill>
+              <a:ln>
+                <a:noFill/>
+              </a:ln>
+            </p:spPr>
+            <p:style>
+              <a:lnRef idx="2">
+                <a:schemeClr val="accent1">
+                  <a:shade val="15000"/>
+                </a:schemeClr>
+              </a:lnRef>
+              <a:fillRef idx="1">
+                <a:schemeClr val="accent1"/>
+              </a:fillRef>
+              <a:effectRef idx="0">
+                <a:schemeClr val="accent1"/>
+              </a:effectRef>
+              <a:fontRef idx="minor">
+                <a:schemeClr val="lt1"/>
+              </a:fontRef>
+            </p:style>
+            <p:txBody>
+              <a:bodyPr rtlCol="0" anchor="ctr"/>
+              <a:lstStyle/>
+              <a:p>
+                <a:pPr algn="ctr"/>
+                <a:endParaRPr lang="en-GB">
+                  <a:solidFill>
+                    <a:schemeClr val="bg1">
+                      <a:lumMod val="95000"/>
+                    </a:schemeClr>
+                  </a:solidFill>
+                </a:endParaRPr>
+              </a:p>
+            </p:txBody>
+          </p:sp>
+          <p:sp>
+            <p:nvSpPr>
+              <p:cNvPr id="16" name="椭圆 15">
+                <a:extLst>
+                  <a:ext uri="{FF2B5EF4-FFF2-40B4-BE49-F238E27FC236}">
+                    <a16:creationId xmlns:a16="http://schemas.microsoft.com/office/drawing/2014/main" id="{D2724984-4543-550A-8B24-148C150C9C77}"/>
+                  </a:ext>
+                </a:extLst>
+              </p:cNvPr>
+              <p:cNvSpPr/>
+              <p:nvPr/>
+            </p:nvSpPr>
+            <p:spPr>
+              <a:xfrm>
+                <a:off x="2885341" y="2353720"/>
+                <a:ext cx="205051" cy="205051"/>
+              </a:xfrm>
+              <a:prstGeom prst="ellipse">
+                <a:avLst/>
+              </a:prstGeom>
+              <a:solidFill>
+                <a:srgbClr val="C00000"/>
+              </a:solidFill>
+              <a:ln>
+                <a:noFill/>
+              </a:ln>
+            </p:spPr>
+            <p:style>
+              <a:lnRef idx="2">
+                <a:schemeClr val="accent1">
+                  <a:shade val="15000"/>
+                </a:schemeClr>
+              </a:lnRef>
+              <a:fillRef idx="1">
+                <a:schemeClr val="accent1"/>
+              </a:fillRef>
+              <a:effectRef idx="0">
+                <a:schemeClr val="accent1"/>
+              </a:effectRef>
+              <a:fontRef idx="minor">
+                <a:schemeClr val="lt1"/>
+              </a:fontRef>
+            </p:style>
+            <p:txBody>
+              <a:bodyPr rtlCol="0" anchor="ctr"/>
+              <a:lstStyle/>
+              <a:p>
+                <a:pPr algn="ctr"/>
+                <a:endParaRPr lang="en-GB"/>
+              </a:p>
+            </p:txBody>
+          </p:sp>
+          <p:sp>
+            <p:nvSpPr>
+              <p:cNvPr id="17" name="椭圆 16">
+                <a:extLst>
+                  <a:ext uri="{FF2B5EF4-FFF2-40B4-BE49-F238E27FC236}">
+                    <a16:creationId xmlns:a16="http://schemas.microsoft.com/office/drawing/2014/main" id="{3D4D95C5-A704-3195-8B77-AC942C59F8A3}"/>
+                  </a:ext>
+                </a:extLst>
+              </p:cNvPr>
+              <p:cNvSpPr/>
+              <p:nvPr/>
+            </p:nvSpPr>
+            <p:spPr>
+              <a:xfrm>
+                <a:off x="3243800" y="2184966"/>
+                <a:ext cx="205051" cy="205051"/>
+              </a:xfrm>
+              <a:prstGeom prst="ellipse">
+                <a:avLst/>
+              </a:prstGeom>
+              <a:solidFill>
+                <a:srgbClr val="C00000"/>
+              </a:solidFill>
+              <a:ln>
+                <a:noFill/>
+              </a:ln>
+            </p:spPr>
+            <p:style>
+              <a:lnRef idx="2">
+                <a:schemeClr val="accent1">
+                  <a:shade val="15000"/>
+                </a:schemeClr>
+              </a:lnRef>
+              <a:fillRef idx="1">
+                <a:schemeClr val="accent1"/>
+              </a:fillRef>
+              <a:effectRef idx="0">
+                <a:schemeClr val="accent1"/>
+              </a:effectRef>
+              <a:fontRef idx="minor">
+                <a:schemeClr val="lt1"/>
+              </a:fontRef>
+            </p:style>
+            <p:txBody>
+              <a:bodyPr rtlCol="0" anchor="ctr"/>
+              <a:lstStyle/>
+              <a:p>
+                <a:pPr algn="ctr"/>
+                <a:endParaRPr lang="en-GB"/>
+              </a:p>
+            </p:txBody>
+          </p:sp>
+          <p:sp>
+            <p:nvSpPr>
+              <p:cNvPr id="18" name="椭圆 17">
+                <a:extLst>
+                  <a:ext uri="{FF2B5EF4-FFF2-40B4-BE49-F238E27FC236}">
+                    <a16:creationId xmlns:a16="http://schemas.microsoft.com/office/drawing/2014/main" id="{1C33E2E8-AF17-CE85-0D15-E0707E481823}"/>
+                  </a:ext>
+                </a:extLst>
+              </p:cNvPr>
+              <p:cNvSpPr/>
+              <p:nvPr/>
+            </p:nvSpPr>
+            <p:spPr>
+              <a:xfrm>
+                <a:off x="3579718" y="2240247"/>
+                <a:ext cx="205051" cy="205051"/>
+              </a:xfrm>
+              <a:prstGeom prst="ellipse">
+                <a:avLst/>
+              </a:prstGeom>
+              <a:solidFill>
+                <a:srgbClr val="C00000"/>
+              </a:solidFill>
+              <a:ln>
+                <a:noFill/>
+              </a:ln>
+            </p:spPr>
+            <p:style>
+              <a:lnRef idx="2">
+                <a:schemeClr val="accent1">
+                  <a:shade val="15000"/>
+                </a:schemeClr>
+              </a:lnRef>
+              <a:fillRef idx="1">
+                <a:schemeClr val="accent1"/>
+              </a:fillRef>
+              <a:effectRef idx="0">
+                <a:schemeClr val="accent1"/>
+              </a:effectRef>
+              <a:fontRef idx="minor">
+                <a:schemeClr val="lt1"/>
+              </a:fontRef>
+            </p:style>
+            <p:txBody>
+              <a:bodyPr rtlCol="0" anchor="ctr"/>
+              <a:lstStyle/>
+              <a:p>
+                <a:pPr algn="ctr"/>
+                <a:endParaRPr lang="en-GB" dirty="0"/>
+              </a:p>
+            </p:txBody>
+          </p:sp>
+          <p:sp>
+            <p:nvSpPr>
+              <p:cNvPr id="150" name="椭圆 149">
+                <a:extLst>
+                  <a:ext uri="{FF2B5EF4-FFF2-40B4-BE49-F238E27FC236}">
+                    <a16:creationId xmlns:a16="http://schemas.microsoft.com/office/drawing/2014/main" id="{71AD4897-A539-D823-08F0-DF08A32FEFF3}"/>
+                  </a:ext>
+                </a:extLst>
+              </p:cNvPr>
+              <p:cNvSpPr/>
+              <p:nvPr/>
+            </p:nvSpPr>
+            <p:spPr>
+              <a:xfrm>
+                <a:off x="1123763" y="2581259"/>
+                <a:ext cx="205051" cy="205051"/>
+              </a:xfrm>
+              <a:prstGeom prst="ellipse">
+                <a:avLst/>
+              </a:prstGeom>
+              <a:solidFill>
+                <a:srgbClr val="C00000"/>
+              </a:solidFill>
+              <a:ln>
+                <a:noFill/>
+              </a:ln>
+            </p:spPr>
+            <p:style>
+              <a:lnRef idx="2">
+                <a:schemeClr val="accent1">
+                  <a:shade val="15000"/>
+                </a:schemeClr>
+              </a:lnRef>
+              <a:fillRef idx="1">
+                <a:schemeClr val="accent1"/>
+              </a:fillRef>
+              <a:effectRef idx="0">
+                <a:schemeClr val="accent1"/>
+              </a:effectRef>
+              <a:fontRef idx="minor">
+                <a:schemeClr val="lt1"/>
+              </a:fontRef>
+            </p:style>
+            <p:txBody>
+              <a:bodyPr rtlCol="0" anchor="ctr"/>
+              <a:lstStyle/>
+              <a:p>
+                <a:pPr algn="ctr"/>
+                <a:endParaRPr lang="en-GB"/>
+              </a:p>
+            </p:txBody>
+          </p:sp>
+        </p:grpSp>
+        <p:sp>
+          <p:nvSpPr>
+            <p:cNvPr id="90" name="椭圆 89">
+              <a:extLst>
+                <a:ext uri="{FF2B5EF4-FFF2-40B4-BE49-F238E27FC236}">
+                  <a16:creationId xmlns:a16="http://schemas.microsoft.com/office/drawing/2014/main" id="{F0443017-B445-8151-85F0-BF7DD1AD9F46}"/>
+                </a:ext>
+              </a:extLst>
+            </p:cNvPr>
+            <p:cNvSpPr/>
+            <p:nvPr/>
+          </p:nvSpPr>
+          <p:spPr>
+            <a:xfrm>
+              <a:off x="148682" y="1998515"/>
+              <a:ext cx="205051" cy="205051"/>
+            </a:xfrm>
+            <a:prstGeom prst="ellipse">
+              <a:avLst/>
+            </a:prstGeom>
+            <a:solidFill>
+              <a:srgbClr val="28D25C"/>
+            </a:solidFill>
+            <a:ln>
+              <a:noFill/>
+            </a:ln>
+          </p:spPr>
+          <p:style>
+            <a:lnRef idx="2">
+              <a:schemeClr val="accent1">
+                <a:shade val="15000"/>
+              </a:schemeClr>
+            </a:lnRef>
+            <a:fillRef idx="1">
+              <a:schemeClr val="accent1"/>
+            </a:fillRef>
+            <a:effectRef idx="0">
+              <a:schemeClr val="accent1"/>
+            </a:effectRef>
+            <a:fontRef idx="minor">
+              <a:schemeClr val="lt1"/>
+            </a:fontRef>
+          </p:style>
+          <p:txBody>
+            <a:bodyPr rtlCol="0" anchor="ctr"/>
+            <a:lstStyle/>
+            <a:p>
+              <a:pPr algn="ctr"/>
+              <a:endParaRPr lang="en-GB"/>
+            </a:p>
+          </p:txBody>
+        </p:sp>
+      </p:grpSp>
+      <p:sp>
+        <p:nvSpPr>
+          <p:cNvPr id="95" name="文本框 94">
+            <a:extLst>
+              <a:ext uri="{FF2B5EF4-FFF2-40B4-BE49-F238E27FC236}">
+                <a16:creationId xmlns:a16="http://schemas.microsoft.com/office/drawing/2014/main" id="{DF844A05-8194-D315-491E-4963583CF6D3}"/>
+              </a:ext>
+            </a:extLst>
+          </p:cNvPr>
+          <p:cNvSpPr txBox="1"/>
+          <p:nvPr/>
+        </p:nvSpPr>
+        <p:spPr>
+          <a:xfrm>
+            <a:off x="4759875" y="690589"/>
+            <a:ext cx="2781531" cy="369332"/>
+          </a:xfrm>
+          <a:prstGeom prst="rect">
+            <a:avLst/>
+          </a:prstGeom>
+          <a:noFill/>
+        </p:spPr>
+        <p:txBody>
+          <a:bodyPr wrap="none" rtlCol="0">
+            <a:spAutoFit/>
+          </a:bodyPr>
+          <a:lstStyle/>
+          <a:p>
+            <a:pPr algn="ctr"/>
+            <a:r>
+              <a:rPr lang="en-US" altLang="zh-CN" sz="1800" dirty="0" err="1">
+                <a:latin typeface="Source Sans 3" panose="020B0503030403020204" pitchFamily="34" charset="0"/>
+              </a:rPr>
+              <a:t>ValidCount</a:t>
+            </a:r>
+            <a:r>
+              <a:rPr lang="en-US" altLang="zh-CN" sz="1800" dirty="0">
+                <a:latin typeface="Source Sans 3" panose="020B0503030403020204" pitchFamily="34" charset="0"/>
+              </a:rPr>
+              <a:t> = 3	Penalty = 2</a:t>
+            </a:r>
+            <a:endParaRPr lang="en-GB" altLang="zh-CN" sz="2000" dirty="0">
+              <a:latin typeface="Source Sans 3" panose="020B0503030403020204" pitchFamily="34" charset="0"/>
+            </a:endParaRPr>
+          </a:p>
+        </p:txBody>
+      </p:sp>
+      <p:sp>
+        <p:nvSpPr>
+          <p:cNvPr id="123" name="文本框 122">
+            <a:extLst>
+              <a:ext uri="{FF2B5EF4-FFF2-40B4-BE49-F238E27FC236}">
+                <a16:creationId xmlns:a16="http://schemas.microsoft.com/office/drawing/2014/main" id="{71BD8818-F509-E6B9-5337-0C5AAE19F435}"/>
+              </a:ext>
+            </a:extLst>
+          </p:cNvPr>
+          <p:cNvSpPr txBox="1"/>
+          <p:nvPr/>
+        </p:nvSpPr>
+        <p:spPr>
+          <a:xfrm>
+            <a:off x="8905153" y="690589"/>
+            <a:ext cx="2781531" cy="369332"/>
+          </a:xfrm>
+          <a:prstGeom prst="rect">
+            <a:avLst/>
+          </a:prstGeom>
+          <a:noFill/>
+        </p:spPr>
+        <p:txBody>
+          <a:bodyPr wrap="none" rtlCol="0">
+            <a:spAutoFit/>
+          </a:bodyPr>
+          <a:lstStyle/>
+          <a:p>
+            <a:pPr algn="ctr"/>
+            <a:r>
+              <a:rPr lang="en-US" altLang="zh-CN" sz="1800" dirty="0" err="1">
+                <a:latin typeface="Source Sans 3" panose="020B0503030403020204" pitchFamily="34" charset="0"/>
+              </a:rPr>
+              <a:t>ValidCount</a:t>
+            </a:r>
+            <a:r>
+              <a:rPr lang="en-US" altLang="zh-CN" sz="1800" dirty="0">
+                <a:latin typeface="Source Sans 3" panose="020B0503030403020204" pitchFamily="34" charset="0"/>
+              </a:rPr>
+              <a:t> = 7	Penalty = 2</a:t>
+            </a:r>
+            <a:endParaRPr lang="en-GB" altLang="zh-CN" sz="2000" dirty="0">
+              <a:latin typeface="Source Sans 3" panose="020B0503030403020204" pitchFamily="34" charset="0"/>
+            </a:endParaRPr>
+          </a:p>
+        </p:txBody>
+      </p:sp>
+      <p:grpSp>
+        <p:nvGrpSpPr>
+          <p:cNvPr id="152" name="组合 151">
+            <a:extLst>
+              <a:ext uri="{FF2B5EF4-FFF2-40B4-BE49-F238E27FC236}">
+                <a16:creationId xmlns:a16="http://schemas.microsoft.com/office/drawing/2014/main" id="{D9EE1F5E-CA4D-F1EC-A355-B8ED5104BD64}"/>
+              </a:ext>
+            </a:extLst>
+          </p:cNvPr>
+          <p:cNvGrpSpPr/>
+          <p:nvPr/>
+        </p:nvGrpSpPr>
+        <p:grpSpPr>
+          <a:xfrm>
+            <a:off x="4552020" y="1819569"/>
+            <a:ext cx="3155727" cy="819239"/>
+            <a:chOff x="124332" y="1622991"/>
+            <a:chExt cx="3990975" cy="1036072"/>
+          </a:xfrm>
+        </p:grpSpPr>
+        <p:grpSp>
+          <p:nvGrpSpPr>
+            <p:cNvPr id="153" name="组合 152">
+              <a:extLst>
+                <a:ext uri="{FF2B5EF4-FFF2-40B4-BE49-F238E27FC236}">
+                  <a16:creationId xmlns:a16="http://schemas.microsoft.com/office/drawing/2014/main" id="{E03316AD-89DF-ED0C-A6F8-773CA8FAF43A}"/>
+                </a:ext>
+              </a:extLst>
+            </p:cNvPr>
+            <p:cNvGrpSpPr/>
+            <p:nvPr/>
+          </p:nvGrpSpPr>
+          <p:grpSpPr>
+            <a:xfrm>
+              <a:off x="124332" y="1622991"/>
+              <a:ext cx="3990975" cy="1036072"/>
+              <a:chOff x="124332" y="2184966"/>
+              <a:chExt cx="3990975" cy="1036072"/>
+            </a:xfrm>
+          </p:grpSpPr>
+          <p:cxnSp>
+            <p:nvCxnSpPr>
+              <p:cNvPr id="155" name="直接连接符 154">
+                <a:extLst>
+                  <a:ext uri="{FF2B5EF4-FFF2-40B4-BE49-F238E27FC236}">
+                    <a16:creationId xmlns:a16="http://schemas.microsoft.com/office/drawing/2014/main" id="{94CB10EF-38FA-BA1A-E285-E65AC261D63E}"/>
+                  </a:ext>
+                </a:extLst>
+              </p:cNvPr>
+              <p:cNvCxnSpPr>
+                <a:cxnSpLocks/>
+              </p:cNvCxnSpPr>
+              <p:nvPr/>
+            </p:nvCxnSpPr>
+            <p:spPr>
+              <a:xfrm>
+                <a:off x="124332" y="2884957"/>
+                <a:ext cx="3990975" cy="0"/>
+              </a:xfrm>
+              <a:prstGeom prst="line">
+                <a:avLst/>
+              </a:prstGeom>
+              <a:noFill/>
+              <a:ln w="38100"/>
+            </p:spPr>
+            <p:style>
+              <a:lnRef idx="2">
+                <a:schemeClr val="accent1">
+                  <a:shade val="15000"/>
+                </a:schemeClr>
+              </a:lnRef>
+              <a:fillRef idx="1">
+                <a:schemeClr val="accent1"/>
+              </a:fillRef>
+              <a:effectRef idx="0">
+                <a:schemeClr val="accent1"/>
+              </a:effectRef>
+              <a:fontRef idx="minor">
+                <a:schemeClr val="lt1"/>
+              </a:fontRef>
+            </p:style>
+          </p:cxnSp>
+          <p:sp>
+            <p:nvSpPr>
+              <p:cNvPr id="156" name="椭圆 155">
+                <a:extLst>
+                  <a:ext uri="{FF2B5EF4-FFF2-40B4-BE49-F238E27FC236}">
+                    <a16:creationId xmlns:a16="http://schemas.microsoft.com/office/drawing/2014/main" id="{2AF5B2DC-C10F-631B-9BE7-44CC88CB90C2}"/>
+                  </a:ext>
+                </a:extLst>
+              </p:cNvPr>
+              <p:cNvSpPr/>
+              <p:nvPr/>
+            </p:nvSpPr>
+            <p:spPr>
+              <a:xfrm>
+                <a:off x="495096" y="2585244"/>
+                <a:ext cx="205051" cy="205051"/>
+              </a:xfrm>
+              <a:prstGeom prst="ellipse">
+                <a:avLst/>
+              </a:prstGeom>
+              <a:solidFill>
+                <a:srgbClr val="C00000"/>
+              </a:solidFill>
+              <a:ln>
+                <a:noFill/>
+              </a:ln>
+            </p:spPr>
+            <p:style>
+              <a:lnRef idx="2">
+                <a:schemeClr val="accent1">
+                  <a:shade val="15000"/>
+                </a:schemeClr>
+              </a:lnRef>
+              <a:fillRef idx="1">
+                <a:schemeClr val="accent1"/>
+              </a:fillRef>
+              <a:effectRef idx="0">
+                <a:schemeClr val="accent1"/>
+              </a:effectRef>
+              <a:fontRef idx="minor">
+                <a:schemeClr val="lt1"/>
+              </a:fontRef>
+            </p:style>
+            <p:txBody>
+              <a:bodyPr rtlCol="0" anchor="ctr"/>
+              <a:lstStyle/>
+              <a:p>
+                <a:pPr algn="ctr"/>
+                <a:endParaRPr lang="en-GB"/>
+              </a:p>
+            </p:txBody>
+          </p:sp>
+          <p:sp>
+            <p:nvSpPr>
+              <p:cNvPr id="157" name="椭圆 156">
+                <a:extLst>
+                  <a:ext uri="{FF2B5EF4-FFF2-40B4-BE49-F238E27FC236}">
+                    <a16:creationId xmlns:a16="http://schemas.microsoft.com/office/drawing/2014/main" id="{76C88557-5B17-5034-E73C-20D9D20C2875}"/>
+                  </a:ext>
+                </a:extLst>
+              </p:cNvPr>
+              <p:cNvSpPr/>
+              <p:nvPr/>
+            </p:nvSpPr>
+            <p:spPr>
+              <a:xfrm>
+                <a:off x="884177" y="3015987"/>
+                <a:ext cx="205051" cy="205051"/>
+              </a:xfrm>
+              <a:prstGeom prst="ellipse">
+                <a:avLst/>
+              </a:prstGeom>
+              <a:solidFill>
+                <a:schemeClr val="bg1">
+                  <a:lumMod val="75000"/>
+                </a:schemeClr>
+              </a:solidFill>
+              <a:ln>
+                <a:noFill/>
+              </a:ln>
+            </p:spPr>
+            <p:style>
+              <a:lnRef idx="2">
+                <a:schemeClr val="accent1">
+                  <a:shade val="15000"/>
+                </a:schemeClr>
+              </a:lnRef>
+              <a:fillRef idx="1">
+                <a:schemeClr val="accent1"/>
+              </a:fillRef>
+              <a:effectRef idx="0">
+                <a:schemeClr val="accent1"/>
+              </a:effectRef>
+              <a:fontRef idx="minor">
+                <a:schemeClr val="lt1"/>
+              </a:fontRef>
+            </p:style>
+            <p:txBody>
+              <a:bodyPr rtlCol="0" anchor="ctr"/>
+              <a:lstStyle/>
+              <a:p>
+                <a:pPr algn="ctr"/>
+                <a:endParaRPr lang="en-GB" dirty="0">
+                  <a:solidFill>
+                    <a:schemeClr val="bg1">
+                      <a:lumMod val="95000"/>
+                    </a:schemeClr>
+                  </a:solidFill>
+                </a:endParaRPr>
+              </a:p>
+            </p:txBody>
+          </p:sp>
+          <p:sp>
+            <p:nvSpPr>
+              <p:cNvPr id="158" name="椭圆 157">
+                <a:extLst>
+                  <a:ext uri="{FF2B5EF4-FFF2-40B4-BE49-F238E27FC236}">
+                    <a16:creationId xmlns:a16="http://schemas.microsoft.com/office/drawing/2014/main" id="{EA4950E0-9022-2ED1-FAA1-A2970D35BEE3}"/>
+                  </a:ext>
+                </a:extLst>
+              </p:cNvPr>
+              <p:cNvSpPr/>
+              <p:nvPr/>
+            </p:nvSpPr>
+            <p:spPr>
+              <a:xfrm>
+                <a:off x="1450581" y="2560490"/>
+                <a:ext cx="205051" cy="205051"/>
+              </a:xfrm>
+              <a:prstGeom prst="ellipse">
+                <a:avLst/>
+              </a:prstGeom>
+              <a:solidFill>
+                <a:srgbClr val="C00000"/>
+              </a:solidFill>
+              <a:ln>
+                <a:noFill/>
+              </a:ln>
+            </p:spPr>
+            <p:style>
+              <a:lnRef idx="2">
+                <a:schemeClr val="accent1">
+                  <a:shade val="15000"/>
+                </a:schemeClr>
+              </a:lnRef>
+              <a:fillRef idx="1">
+                <a:schemeClr val="accent1"/>
+              </a:fillRef>
+              <a:effectRef idx="0">
+                <a:schemeClr val="accent1"/>
+              </a:effectRef>
+              <a:fontRef idx="minor">
+                <a:schemeClr val="lt1"/>
+              </a:fontRef>
+            </p:style>
+            <p:txBody>
+              <a:bodyPr rtlCol="0" anchor="ctr"/>
+              <a:lstStyle/>
+              <a:p>
+                <a:pPr algn="ctr"/>
+                <a:endParaRPr lang="en-GB"/>
+              </a:p>
+            </p:txBody>
+          </p:sp>
+          <p:sp>
+            <p:nvSpPr>
+              <p:cNvPr id="159" name="椭圆 158">
+                <a:extLst>
+                  <a:ext uri="{FF2B5EF4-FFF2-40B4-BE49-F238E27FC236}">
+                    <a16:creationId xmlns:a16="http://schemas.microsoft.com/office/drawing/2014/main" id="{3367D19C-6EEC-1093-0841-98FA6E091CD2}"/>
+                  </a:ext>
+                </a:extLst>
+              </p:cNvPr>
+              <p:cNvSpPr/>
+              <p:nvPr/>
+            </p:nvSpPr>
+            <p:spPr>
+              <a:xfrm>
+                <a:off x="1821602" y="2548877"/>
+                <a:ext cx="205051" cy="205051"/>
+              </a:xfrm>
+              <a:prstGeom prst="ellipse">
+                <a:avLst/>
+              </a:prstGeom>
+              <a:solidFill>
+                <a:srgbClr val="C00000"/>
+              </a:solidFill>
+              <a:ln>
+                <a:noFill/>
+              </a:ln>
+            </p:spPr>
+            <p:style>
+              <a:lnRef idx="2">
+                <a:schemeClr val="accent1">
+                  <a:shade val="15000"/>
+                </a:schemeClr>
+              </a:lnRef>
+              <a:fillRef idx="1">
+                <a:schemeClr val="accent1"/>
+              </a:fillRef>
+              <a:effectRef idx="0">
+                <a:schemeClr val="accent1"/>
+              </a:effectRef>
+              <a:fontRef idx="minor">
+                <a:schemeClr val="lt1"/>
+              </a:fontRef>
+            </p:style>
+            <p:txBody>
+              <a:bodyPr rtlCol="0" anchor="ctr"/>
+              <a:lstStyle/>
+              <a:p>
+                <a:pPr algn="ctr"/>
+                <a:endParaRPr lang="en-GB"/>
+              </a:p>
+            </p:txBody>
+          </p:sp>
+          <p:sp>
+            <p:nvSpPr>
+              <p:cNvPr id="160" name="椭圆 159">
+                <a:extLst>
+                  <a:ext uri="{FF2B5EF4-FFF2-40B4-BE49-F238E27FC236}">
+                    <a16:creationId xmlns:a16="http://schemas.microsoft.com/office/drawing/2014/main" id="{07616384-1A99-FA24-9E69-F476DFDE3C89}"/>
+                  </a:ext>
+                </a:extLst>
+              </p:cNvPr>
+              <p:cNvSpPr/>
+              <p:nvPr/>
+            </p:nvSpPr>
+            <p:spPr>
+              <a:xfrm>
+                <a:off x="2119819" y="3000774"/>
+                <a:ext cx="205051" cy="205051"/>
+              </a:xfrm>
+              <a:prstGeom prst="ellipse">
+                <a:avLst/>
+              </a:prstGeom>
+              <a:solidFill>
+                <a:schemeClr val="bg1">
+                  <a:lumMod val="75000"/>
+                </a:schemeClr>
+              </a:solidFill>
+              <a:ln>
+                <a:noFill/>
+              </a:ln>
+            </p:spPr>
+            <p:style>
+              <a:lnRef idx="2">
+                <a:schemeClr val="accent1">
+                  <a:shade val="15000"/>
+                </a:schemeClr>
+              </a:lnRef>
+              <a:fillRef idx="1">
+                <a:schemeClr val="accent1"/>
+              </a:fillRef>
+              <a:effectRef idx="0">
+                <a:schemeClr val="accent1"/>
+              </a:effectRef>
+              <a:fontRef idx="minor">
+                <a:schemeClr val="lt1"/>
+              </a:fontRef>
+            </p:style>
+            <p:txBody>
+              <a:bodyPr rtlCol="0" anchor="ctr"/>
+              <a:lstStyle/>
+              <a:p>
+                <a:pPr algn="ctr"/>
+                <a:endParaRPr lang="en-GB">
+                  <a:solidFill>
+                    <a:schemeClr val="bg1">
+                      <a:lumMod val="95000"/>
+                    </a:schemeClr>
+                  </a:solidFill>
+                </a:endParaRPr>
+              </a:p>
+            </p:txBody>
+          </p:sp>
+          <p:sp>
+            <p:nvSpPr>
+              <p:cNvPr id="161" name="椭圆 160">
+                <a:extLst>
+                  <a:ext uri="{FF2B5EF4-FFF2-40B4-BE49-F238E27FC236}">
+                    <a16:creationId xmlns:a16="http://schemas.microsoft.com/office/drawing/2014/main" id="{6C70382D-B5C9-5060-413B-8326AB746557}"/>
+                  </a:ext>
+                </a:extLst>
+              </p:cNvPr>
+              <p:cNvSpPr/>
+              <p:nvPr/>
+            </p:nvSpPr>
+            <p:spPr>
+              <a:xfrm>
+                <a:off x="2449441" y="2979620"/>
+                <a:ext cx="205051" cy="205051"/>
+              </a:xfrm>
+              <a:prstGeom prst="ellipse">
+                <a:avLst/>
+              </a:prstGeom>
+              <a:solidFill>
+                <a:schemeClr val="bg1">
+                  <a:lumMod val="75000"/>
+                </a:schemeClr>
+              </a:solidFill>
+              <a:ln>
+                <a:noFill/>
+              </a:ln>
+            </p:spPr>
+            <p:style>
+              <a:lnRef idx="2">
+                <a:schemeClr val="accent1">
+                  <a:shade val="15000"/>
+                </a:schemeClr>
+              </a:lnRef>
+              <a:fillRef idx="1">
+                <a:schemeClr val="accent1"/>
+              </a:fillRef>
+              <a:effectRef idx="0">
+                <a:schemeClr val="accent1"/>
+              </a:effectRef>
+              <a:fontRef idx="minor">
+                <a:schemeClr val="lt1"/>
+              </a:fontRef>
+            </p:style>
+            <p:txBody>
+              <a:bodyPr rtlCol="0" anchor="ctr"/>
+              <a:lstStyle/>
+              <a:p>
+                <a:pPr algn="ctr"/>
+                <a:endParaRPr lang="en-GB">
+                  <a:solidFill>
+                    <a:schemeClr val="bg1">
+                      <a:lumMod val="95000"/>
+                    </a:schemeClr>
+                  </a:solidFill>
+                </a:endParaRPr>
+              </a:p>
+            </p:txBody>
+          </p:sp>
+          <p:sp>
+            <p:nvSpPr>
+              <p:cNvPr id="162" name="椭圆 161">
+                <a:extLst>
+                  <a:ext uri="{FF2B5EF4-FFF2-40B4-BE49-F238E27FC236}">
+                    <a16:creationId xmlns:a16="http://schemas.microsoft.com/office/drawing/2014/main" id="{5FB35C57-2DB3-CB15-2C45-81A2B780270F}"/>
+                  </a:ext>
+                </a:extLst>
+              </p:cNvPr>
+              <p:cNvSpPr/>
+              <p:nvPr/>
+            </p:nvSpPr>
+            <p:spPr>
+              <a:xfrm>
+                <a:off x="2885341" y="2353720"/>
+                <a:ext cx="205051" cy="205051"/>
+              </a:xfrm>
+              <a:prstGeom prst="ellipse">
+                <a:avLst/>
+              </a:prstGeom>
+              <a:solidFill>
+                <a:srgbClr val="C00000"/>
+              </a:solidFill>
+              <a:ln>
+                <a:noFill/>
+              </a:ln>
+            </p:spPr>
+            <p:style>
+              <a:lnRef idx="2">
+                <a:schemeClr val="accent1">
+                  <a:shade val="15000"/>
+                </a:schemeClr>
+              </a:lnRef>
+              <a:fillRef idx="1">
+                <a:schemeClr val="accent1"/>
+              </a:fillRef>
+              <a:effectRef idx="0">
+                <a:schemeClr val="accent1"/>
+              </a:effectRef>
+              <a:fontRef idx="minor">
+                <a:schemeClr val="lt1"/>
+              </a:fontRef>
+            </p:style>
+            <p:txBody>
+              <a:bodyPr rtlCol="0" anchor="ctr"/>
+              <a:lstStyle/>
+              <a:p>
+                <a:pPr algn="ctr"/>
+                <a:endParaRPr lang="en-GB"/>
+              </a:p>
+            </p:txBody>
+          </p:sp>
+          <p:sp>
+            <p:nvSpPr>
+              <p:cNvPr id="163" name="椭圆 162">
+                <a:extLst>
+                  <a:ext uri="{FF2B5EF4-FFF2-40B4-BE49-F238E27FC236}">
+                    <a16:creationId xmlns:a16="http://schemas.microsoft.com/office/drawing/2014/main" id="{AFE1E59D-296C-5D5C-6562-CAE0F6E847EB}"/>
+                  </a:ext>
+                </a:extLst>
+              </p:cNvPr>
+              <p:cNvSpPr/>
+              <p:nvPr/>
+            </p:nvSpPr>
+            <p:spPr>
+              <a:xfrm>
+                <a:off x="3243800" y="2184966"/>
+                <a:ext cx="205051" cy="205051"/>
+              </a:xfrm>
+              <a:prstGeom prst="ellipse">
+                <a:avLst/>
+              </a:prstGeom>
+              <a:solidFill>
+                <a:srgbClr val="C00000"/>
+              </a:solidFill>
+              <a:ln>
+                <a:noFill/>
+              </a:ln>
+            </p:spPr>
+            <p:style>
+              <a:lnRef idx="2">
+                <a:schemeClr val="accent1">
+                  <a:shade val="15000"/>
+                </a:schemeClr>
+              </a:lnRef>
+              <a:fillRef idx="1">
+                <a:schemeClr val="accent1"/>
+              </a:fillRef>
+              <a:effectRef idx="0">
+                <a:schemeClr val="accent1"/>
+              </a:effectRef>
+              <a:fontRef idx="minor">
+                <a:schemeClr val="lt1"/>
+              </a:fontRef>
+            </p:style>
+            <p:txBody>
+              <a:bodyPr rtlCol="0" anchor="ctr"/>
+              <a:lstStyle/>
+              <a:p>
+                <a:pPr algn="ctr"/>
+                <a:endParaRPr lang="en-GB"/>
+              </a:p>
+            </p:txBody>
+          </p:sp>
+          <p:sp>
+            <p:nvSpPr>
+              <p:cNvPr id="164" name="椭圆 163">
+                <a:extLst>
+                  <a:ext uri="{FF2B5EF4-FFF2-40B4-BE49-F238E27FC236}">
+                    <a16:creationId xmlns:a16="http://schemas.microsoft.com/office/drawing/2014/main" id="{A08AA395-24AB-52F6-E5C9-F68ABDAC7BDD}"/>
+                  </a:ext>
+                </a:extLst>
+              </p:cNvPr>
+              <p:cNvSpPr/>
+              <p:nvPr/>
+            </p:nvSpPr>
+            <p:spPr>
+              <a:xfrm>
+                <a:off x="3579718" y="2240247"/>
+                <a:ext cx="205051" cy="205051"/>
+              </a:xfrm>
+              <a:prstGeom prst="ellipse">
+                <a:avLst/>
+              </a:prstGeom>
+              <a:solidFill>
+                <a:srgbClr val="C00000"/>
+              </a:solidFill>
+              <a:ln>
+                <a:noFill/>
+              </a:ln>
+            </p:spPr>
+            <p:style>
+              <a:lnRef idx="2">
+                <a:schemeClr val="accent1">
+                  <a:shade val="15000"/>
+                </a:schemeClr>
+              </a:lnRef>
+              <a:fillRef idx="1">
+                <a:schemeClr val="accent1"/>
+              </a:fillRef>
+              <a:effectRef idx="0">
+                <a:schemeClr val="accent1"/>
+              </a:effectRef>
+              <a:fontRef idx="minor">
+                <a:schemeClr val="lt1"/>
+              </a:fontRef>
+            </p:style>
+            <p:txBody>
+              <a:bodyPr rtlCol="0" anchor="ctr"/>
+              <a:lstStyle/>
+              <a:p>
+                <a:pPr algn="ctr"/>
+                <a:endParaRPr lang="en-GB" dirty="0"/>
+              </a:p>
+            </p:txBody>
+          </p:sp>
+          <p:sp>
+            <p:nvSpPr>
+              <p:cNvPr id="165" name="椭圆 164">
+                <a:extLst>
+                  <a:ext uri="{FF2B5EF4-FFF2-40B4-BE49-F238E27FC236}">
+                    <a16:creationId xmlns:a16="http://schemas.microsoft.com/office/drawing/2014/main" id="{285DB5CB-3537-90B3-20A3-EB5E0141F5A9}"/>
+                  </a:ext>
+                </a:extLst>
+              </p:cNvPr>
+              <p:cNvSpPr/>
+              <p:nvPr/>
+            </p:nvSpPr>
+            <p:spPr>
+              <a:xfrm>
+                <a:off x="1123763" y="2581259"/>
+                <a:ext cx="205051" cy="205051"/>
+              </a:xfrm>
+              <a:prstGeom prst="ellipse">
+                <a:avLst/>
+              </a:prstGeom>
+              <a:solidFill>
+                <a:srgbClr val="28D25C"/>
+              </a:solidFill>
+              <a:ln>
+                <a:noFill/>
+              </a:ln>
+            </p:spPr>
+            <p:style>
+              <a:lnRef idx="2">
+                <a:schemeClr val="accent1">
+                  <a:shade val="15000"/>
+                </a:schemeClr>
+              </a:lnRef>
+              <a:fillRef idx="1">
+                <a:schemeClr val="accent1"/>
+              </a:fillRef>
+              <a:effectRef idx="0">
+                <a:schemeClr val="accent1"/>
+              </a:effectRef>
+              <a:fontRef idx="minor">
+                <a:schemeClr val="lt1"/>
+              </a:fontRef>
+            </p:style>
+            <p:txBody>
+              <a:bodyPr rtlCol="0" anchor="ctr"/>
+              <a:lstStyle/>
+              <a:p>
+                <a:pPr algn="ctr"/>
+                <a:endParaRPr lang="en-GB"/>
+              </a:p>
+            </p:txBody>
+          </p:sp>
+        </p:grpSp>
+        <p:sp>
+          <p:nvSpPr>
+            <p:cNvPr id="154" name="椭圆 153">
+              <a:extLst>
+                <a:ext uri="{FF2B5EF4-FFF2-40B4-BE49-F238E27FC236}">
+                  <a16:creationId xmlns:a16="http://schemas.microsoft.com/office/drawing/2014/main" id="{4D494EB2-AA59-5EA9-5F34-7986A8FA474C}"/>
+                </a:ext>
+              </a:extLst>
+            </p:cNvPr>
+            <p:cNvSpPr/>
+            <p:nvPr/>
+          </p:nvSpPr>
+          <p:spPr>
+            <a:xfrm>
+              <a:off x="148682" y="1998515"/>
+              <a:ext cx="205051" cy="205051"/>
+            </a:xfrm>
+            <a:prstGeom prst="ellipse">
+              <a:avLst/>
+            </a:prstGeom>
+            <a:solidFill>
+              <a:srgbClr val="C00000"/>
+            </a:solidFill>
+            <a:ln>
+              <a:noFill/>
+            </a:ln>
+          </p:spPr>
+          <p:style>
+            <a:lnRef idx="2">
+              <a:schemeClr val="accent1">
+                <a:shade val="15000"/>
+              </a:schemeClr>
+            </a:lnRef>
+            <a:fillRef idx="1">
+              <a:schemeClr val="accent1"/>
+            </a:fillRef>
+            <a:effectRef idx="0">
+              <a:schemeClr val="accent1"/>
+            </a:effectRef>
+            <a:fontRef idx="minor">
+              <a:schemeClr val="lt1"/>
+            </a:fontRef>
+          </p:style>
+          <p:txBody>
+            <a:bodyPr rtlCol="0" anchor="ctr"/>
+            <a:lstStyle/>
+            <a:p>
+              <a:pPr algn="ctr"/>
+              <a:endParaRPr lang="en-GB"/>
+            </a:p>
+          </p:txBody>
+        </p:sp>
+      </p:grpSp>
+      <p:cxnSp>
+        <p:nvCxnSpPr>
+          <p:cNvPr id="167" name="直接箭头连接符 166">
+            <a:extLst>
+              <a:ext uri="{FF2B5EF4-FFF2-40B4-BE49-F238E27FC236}">
+                <a16:creationId xmlns:a16="http://schemas.microsoft.com/office/drawing/2014/main" id="{683227B4-18DC-ECF5-7A91-24C0555AEA57}"/>
+              </a:ext>
+            </a:extLst>
+          </p:cNvPr>
+          <p:cNvCxnSpPr/>
+          <p:nvPr/>
+        </p:nvCxnSpPr>
+        <p:spPr>
+          <a:xfrm>
+            <a:off x="1520812" y="1730440"/>
+            <a:ext cx="0" cy="260332"/>
+          </a:xfrm>
+          <a:prstGeom prst="straightConnector1">
+            <a:avLst/>
+          </a:prstGeom>
+          <a:ln>
+            <a:solidFill>
+              <a:srgbClr val="28D25C"/>
+            </a:solidFill>
+            <a:tailEnd type="triangle"/>
+          </a:ln>
+        </p:spPr>
+        <p:style>
+          <a:lnRef idx="2">
+            <a:schemeClr val="accent1"/>
+          </a:lnRef>
+          <a:fillRef idx="0">
+            <a:schemeClr val="accent1"/>
+          </a:fillRef>
+          <a:effectRef idx="1">
+            <a:schemeClr val="accent1"/>
+          </a:effectRef>
+          <a:fontRef idx="minor">
+            <a:schemeClr val="tx1"/>
+          </a:fontRef>
+        </p:style>
+      </p:cxnSp>
+      <p:cxnSp>
+        <p:nvCxnSpPr>
+          <p:cNvPr id="168" name="直接箭头连接符 167">
+            <a:extLst>
+              <a:ext uri="{FF2B5EF4-FFF2-40B4-BE49-F238E27FC236}">
+                <a16:creationId xmlns:a16="http://schemas.microsoft.com/office/drawing/2014/main" id="{D14F7CFA-2682-FF2E-84BF-29E8B8128DC9}"/>
+              </a:ext>
+            </a:extLst>
+          </p:cNvPr>
+          <p:cNvCxnSpPr/>
+          <p:nvPr/>
+        </p:nvCxnSpPr>
+        <p:spPr>
+          <a:xfrm>
+            <a:off x="5975146" y="1748504"/>
+            <a:ext cx="0" cy="260332"/>
+          </a:xfrm>
+          <a:prstGeom prst="straightConnector1">
+            <a:avLst/>
+          </a:prstGeom>
+          <a:ln>
+            <a:solidFill>
+              <a:srgbClr val="28D25C"/>
+            </a:solidFill>
+            <a:tailEnd type="triangle"/>
+          </a:ln>
+        </p:spPr>
+        <p:style>
+          <a:lnRef idx="2">
+            <a:schemeClr val="accent1"/>
+          </a:lnRef>
+          <a:fillRef idx="0">
+            <a:schemeClr val="accent1"/>
+          </a:fillRef>
+          <a:effectRef idx="1">
+            <a:schemeClr val="accent1"/>
+          </a:effectRef>
+          <a:fontRef idx="minor">
+            <a:schemeClr val="tx1"/>
+          </a:fontRef>
+        </p:style>
+      </p:cxnSp>
+      <p:grpSp>
+        <p:nvGrpSpPr>
+          <p:cNvPr id="169" name="组合 168">
+            <a:extLst>
+              <a:ext uri="{FF2B5EF4-FFF2-40B4-BE49-F238E27FC236}">
+                <a16:creationId xmlns:a16="http://schemas.microsoft.com/office/drawing/2014/main" id="{74B51D93-FFC7-BAF3-A7A1-D46E9CEC4EE9}"/>
+              </a:ext>
+            </a:extLst>
+          </p:cNvPr>
+          <p:cNvGrpSpPr/>
+          <p:nvPr/>
+        </p:nvGrpSpPr>
+        <p:grpSpPr>
+          <a:xfrm>
+            <a:off x="8718055" y="1682370"/>
+            <a:ext cx="3155727" cy="956438"/>
+            <a:chOff x="124332" y="1449477"/>
+            <a:chExt cx="3990975" cy="1209586"/>
+          </a:xfrm>
+        </p:grpSpPr>
+        <p:grpSp>
+          <p:nvGrpSpPr>
+            <p:cNvPr id="170" name="组合 169">
+              <a:extLst>
+                <a:ext uri="{FF2B5EF4-FFF2-40B4-BE49-F238E27FC236}">
+                  <a16:creationId xmlns:a16="http://schemas.microsoft.com/office/drawing/2014/main" id="{DFD5E957-97A8-934C-69AD-6E2B7056DD66}"/>
+                </a:ext>
+              </a:extLst>
+            </p:cNvPr>
+            <p:cNvGrpSpPr/>
+            <p:nvPr/>
+          </p:nvGrpSpPr>
+          <p:grpSpPr>
+            <a:xfrm>
+              <a:off x="124332" y="1449477"/>
+              <a:ext cx="3990975" cy="1209586"/>
+              <a:chOff x="124332" y="2011452"/>
+              <a:chExt cx="3990975" cy="1209586"/>
+            </a:xfrm>
+          </p:grpSpPr>
+          <p:cxnSp>
+            <p:nvCxnSpPr>
+              <p:cNvPr id="172" name="直接连接符 171">
+                <a:extLst>
+                  <a:ext uri="{FF2B5EF4-FFF2-40B4-BE49-F238E27FC236}">
+                    <a16:creationId xmlns:a16="http://schemas.microsoft.com/office/drawing/2014/main" id="{C33C2455-943C-6A10-A84E-DBD61B67F4D9}"/>
+                  </a:ext>
+                </a:extLst>
+              </p:cNvPr>
+              <p:cNvCxnSpPr>
+                <a:cxnSpLocks/>
+              </p:cNvCxnSpPr>
+              <p:nvPr/>
+            </p:nvCxnSpPr>
+            <p:spPr>
+              <a:xfrm>
+                <a:off x="124332" y="2884957"/>
+                <a:ext cx="3990975" cy="0"/>
+              </a:xfrm>
+              <a:prstGeom prst="line">
+                <a:avLst/>
+              </a:prstGeom>
+              <a:noFill/>
+              <a:ln w="38100"/>
+            </p:spPr>
+            <p:style>
+              <a:lnRef idx="2">
+                <a:schemeClr val="accent1">
+                  <a:shade val="15000"/>
+                </a:schemeClr>
+              </a:lnRef>
+              <a:fillRef idx="1">
+                <a:schemeClr val="accent1"/>
+              </a:fillRef>
+              <a:effectRef idx="0">
+                <a:schemeClr val="accent1"/>
+              </a:effectRef>
+              <a:fontRef idx="minor">
+                <a:schemeClr val="lt1"/>
+              </a:fontRef>
+            </p:style>
+          </p:cxnSp>
+          <p:sp>
+            <p:nvSpPr>
+              <p:cNvPr id="173" name="椭圆 172">
+                <a:extLst>
+                  <a:ext uri="{FF2B5EF4-FFF2-40B4-BE49-F238E27FC236}">
+                    <a16:creationId xmlns:a16="http://schemas.microsoft.com/office/drawing/2014/main" id="{F4F770C4-95A2-2EF6-98AC-A349653B3176}"/>
+                  </a:ext>
+                </a:extLst>
+              </p:cNvPr>
+              <p:cNvSpPr/>
+              <p:nvPr/>
+            </p:nvSpPr>
+            <p:spPr>
+              <a:xfrm>
+                <a:off x="495096" y="2585244"/>
+                <a:ext cx="205051" cy="205051"/>
+              </a:xfrm>
+              <a:prstGeom prst="ellipse">
+                <a:avLst/>
+              </a:prstGeom>
+              <a:solidFill>
+                <a:srgbClr val="C00000"/>
+              </a:solidFill>
+              <a:ln>
+                <a:noFill/>
+              </a:ln>
+            </p:spPr>
+            <p:style>
+              <a:lnRef idx="2">
+                <a:schemeClr val="accent1">
+                  <a:shade val="15000"/>
+                </a:schemeClr>
+              </a:lnRef>
+              <a:fillRef idx="1">
+                <a:schemeClr val="accent1"/>
+              </a:fillRef>
+              <a:effectRef idx="0">
+                <a:schemeClr val="accent1"/>
+              </a:effectRef>
+              <a:fontRef idx="minor">
+                <a:schemeClr val="lt1"/>
+              </a:fontRef>
+            </p:style>
+            <p:txBody>
+              <a:bodyPr rtlCol="0" anchor="ctr"/>
+              <a:lstStyle/>
+              <a:p>
+                <a:pPr algn="ctr"/>
+                <a:endParaRPr lang="en-GB"/>
+              </a:p>
+            </p:txBody>
+          </p:sp>
+          <p:sp>
+            <p:nvSpPr>
+              <p:cNvPr id="174" name="椭圆 173">
+                <a:extLst>
+                  <a:ext uri="{FF2B5EF4-FFF2-40B4-BE49-F238E27FC236}">
+                    <a16:creationId xmlns:a16="http://schemas.microsoft.com/office/drawing/2014/main" id="{6F9D84DD-C5E8-F9C0-78CD-A8EDD470D2F0}"/>
+                  </a:ext>
+                </a:extLst>
+              </p:cNvPr>
+              <p:cNvSpPr/>
+              <p:nvPr/>
+            </p:nvSpPr>
+            <p:spPr>
+              <a:xfrm>
+                <a:off x="884177" y="3015987"/>
+                <a:ext cx="205051" cy="205051"/>
+              </a:xfrm>
+              <a:prstGeom prst="ellipse">
+                <a:avLst/>
+              </a:prstGeom>
+              <a:solidFill>
+                <a:schemeClr val="bg1">
+                  <a:lumMod val="75000"/>
+                </a:schemeClr>
+              </a:solidFill>
+              <a:ln>
+                <a:noFill/>
+              </a:ln>
+            </p:spPr>
+            <p:style>
+              <a:lnRef idx="2">
+                <a:schemeClr val="accent1">
+                  <a:shade val="15000"/>
+                </a:schemeClr>
+              </a:lnRef>
+              <a:fillRef idx="1">
+                <a:schemeClr val="accent1"/>
+              </a:fillRef>
+              <a:effectRef idx="0">
+                <a:schemeClr val="accent1"/>
+              </a:effectRef>
+              <a:fontRef idx="minor">
+                <a:schemeClr val="lt1"/>
+              </a:fontRef>
+            </p:style>
+            <p:txBody>
+              <a:bodyPr rtlCol="0" anchor="ctr"/>
+              <a:lstStyle/>
+              <a:p>
+                <a:pPr algn="ctr"/>
+                <a:endParaRPr lang="en-GB" dirty="0">
+                  <a:solidFill>
+                    <a:schemeClr val="bg1">
+                      <a:lumMod val="95000"/>
+                    </a:schemeClr>
+                  </a:solidFill>
+                </a:endParaRPr>
+              </a:p>
+            </p:txBody>
+          </p:sp>
+          <p:sp>
+            <p:nvSpPr>
+              <p:cNvPr id="175" name="椭圆 174">
+                <a:extLst>
+                  <a:ext uri="{FF2B5EF4-FFF2-40B4-BE49-F238E27FC236}">
+                    <a16:creationId xmlns:a16="http://schemas.microsoft.com/office/drawing/2014/main" id="{7DF9BE09-C1B9-2EBB-717E-6BE449AC1A0D}"/>
+                  </a:ext>
+                </a:extLst>
+              </p:cNvPr>
+              <p:cNvSpPr/>
+              <p:nvPr/>
+            </p:nvSpPr>
+            <p:spPr>
+              <a:xfrm>
+                <a:off x="1450581" y="2560490"/>
+                <a:ext cx="205051" cy="205051"/>
+              </a:xfrm>
+              <a:prstGeom prst="ellipse">
+                <a:avLst/>
+              </a:prstGeom>
+              <a:solidFill>
+                <a:srgbClr val="C00000"/>
+              </a:solidFill>
+              <a:ln>
+                <a:noFill/>
+              </a:ln>
+            </p:spPr>
+            <p:style>
+              <a:lnRef idx="2">
+                <a:schemeClr val="accent1">
+                  <a:shade val="15000"/>
+                </a:schemeClr>
+              </a:lnRef>
+              <a:fillRef idx="1">
+                <a:schemeClr val="accent1"/>
+              </a:fillRef>
+              <a:effectRef idx="0">
+                <a:schemeClr val="accent1"/>
+              </a:effectRef>
+              <a:fontRef idx="minor">
+                <a:schemeClr val="lt1"/>
+              </a:fontRef>
+            </p:style>
+            <p:txBody>
+              <a:bodyPr rtlCol="0" anchor="ctr"/>
+              <a:lstStyle/>
+              <a:p>
+                <a:pPr algn="ctr"/>
+                <a:endParaRPr lang="en-GB" dirty="0"/>
+              </a:p>
+            </p:txBody>
+          </p:sp>
+          <p:sp>
+            <p:nvSpPr>
+              <p:cNvPr id="176" name="椭圆 175">
+                <a:extLst>
+                  <a:ext uri="{FF2B5EF4-FFF2-40B4-BE49-F238E27FC236}">
+                    <a16:creationId xmlns:a16="http://schemas.microsoft.com/office/drawing/2014/main" id="{13CD0822-E532-7CFA-BA43-26379B0F225B}"/>
+                  </a:ext>
+                </a:extLst>
+              </p:cNvPr>
+              <p:cNvSpPr/>
+              <p:nvPr/>
+            </p:nvSpPr>
+            <p:spPr>
+              <a:xfrm>
+                <a:off x="1821602" y="2548877"/>
+                <a:ext cx="205051" cy="205051"/>
+              </a:xfrm>
+              <a:prstGeom prst="ellipse">
+                <a:avLst/>
+              </a:prstGeom>
+              <a:solidFill>
+                <a:srgbClr val="C00000"/>
+              </a:solidFill>
+              <a:ln>
+                <a:noFill/>
+              </a:ln>
+            </p:spPr>
+            <p:style>
+              <a:lnRef idx="2">
+                <a:schemeClr val="accent1">
+                  <a:shade val="15000"/>
+                </a:schemeClr>
+              </a:lnRef>
+              <a:fillRef idx="1">
+                <a:schemeClr val="accent1"/>
+              </a:fillRef>
+              <a:effectRef idx="0">
+                <a:schemeClr val="accent1"/>
+              </a:effectRef>
+              <a:fontRef idx="minor">
+                <a:schemeClr val="lt1"/>
+              </a:fontRef>
+            </p:style>
+            <p:txBody>
+              <a:bodyPr rtlCol="0" anchor="ctr"/>
+              <a:lstStyle/>
+              <a:p>
+                <a:pPr algn="ctr"/>
+                <a:endParaRPr lang="en-GB"/>
+              </a:p>
+            </p:txBody>
+          </p:sp>
+          <p:sp>
+            <p:nvSpPr>
+              <p:cNvPr id="177" name="椭圆 176">
+                <a:extLst>
+                  <a:ext uri="{FF2B5EF4-FFF2-40B4-BE49-F238E27FC236}">
+                    <a16:creationId xmlns:a16="http://schemas.microsoft.com/office/drawing/2014/main" id="{33AD4DA4-046B-7048-F1FB-12344CBDD04D}"/>
+                  </a:ext>
+                </a:extLst>
+              </p:cNvPr>
+              <p:cNvSpPr/>
+              <p:nvPr/>
+            </p:nvSpPr>
+            <p:spPr>
+              <a:xfrm>
+                <a:off x="2119819" y="3000774"/>
+                <a:ext cx="205051" cy="205051"/>
+              </a:xfrm>
+              <a:prstGeom prst="ellipse">
+                <a:avLst/>
+              </a:prstGeom>
+              <a:solidFill>
+                <a:schemeClr val="bg1">
+                  <a:lumMod val="75000"/>
+                </a:schemeClr>
+              </a:solidFill>
+              <a:ln>
+                <a:noFill/>
+              </a:ln>
+            </p:spPr>
+            <p:style>
+              <a:lnRef idx="2">
+                <a:schemeClr val="accent1">
+                  <a:shade val="15000"/>
+                </a:schemeClr>
+              </a:lnRef>
+              <a:fillRef idx="1">
+                <a:schemeClr val="accent1"/>
+              </a:fillRef>
+              <a:effectRef idx="0">
+                <a:schemeClr val="accent1"/>
+              </a:effectRef>
+              <a:fontRef idx="minor">
+                <a:schemeClr val="lt1"/>
+              </a:fontRef>
+            </p:style>
+            <p:txBody>
+              <a:bodyPr rtlCol="0" anchor="ctr"/>
+              <a:lstStyle/>
+              <a:p>
+                <a:pPr algn="ctr"/>
+                <a:endParaRPr lang="en-GB">
+                  <a:solidFill>
+                    <a:schemeClr val="bg1">
+                      <a:lumMod val="95000"/>
+                    </a:schemeClr>
+                  </a:solidFill>
+                </a:endParaRPr>
+              </a:p>
+            </p:txBody>
+          </p:sp>
+          <p:sp>
+            <p:nvSpPr>
+              <p:cNvPr id="178" name="椭圆 177">
+                <a:extLst>
+                  <a:ext uri="{FF2B5EF4-FFF2-40B4-BE49-F238E27FC236}">
+                    <a16:creationId xmlns:a16="http://schemas.microsoft.com/office/drawing/2014/main" id="{CC16D026-9B7A-0AB3-CAD7-999C350FC201}"/>
+                  </a:ext>
+                </a:extLst>
+              </p:cNvPr>
+              <p:cNvSpPr/>
+              <p:nvPr/>
+            </p:nvSpPr>
+            <p:spPr>
+              <a:xfrm>
+                <a:off x="2449441" y="2979620"/>
+                <a:ext cx="205051" cy="205051"/>
+              </a:xfrm>
+              <a:prstGeom prst="ellipse">
+                <a:avLst/>
+              </a:prstGeom>
+              <a:solidFill>
+                <a:schemeClr val="bg1">
+                  <a:lumMod val="75000"/>
+                </a:schemeClr>
+              </a:solidFill>
+              <a:ln>
+                <a:noFill/>
+              </a:ln>
+            </p:spPr>
+            <p:style>
+              <a:lnRef idx="2">
+                <a:schemeClr val="accent1">
+                  <a:shade val="15000"/>
+                </a:schemeClr>
+              </a:lnRef>
+              <a:fillRef idx="1">
+                <a:schemeClr val="accent1"/>
+              </a:fillRef>
+              <a:effectRef idx="0">
+                <a:schemeClr val="accent1"/>
+              </a:effectRef>
+              <a:fontRef idx="minor">
+                <a:schemeClr val="lt1"/>
+              </a:fontRef>
+            </p:style>
+            <p:txBody>
+              <a:bodyPr rtlCol="0" anchor="ctr"/>
+              <a:lstStyle/>
+              <a:p>
+                <a:pPr algn="ctr"/>
+                <a:endParaRPr lang="en-GB">
+                  <a:solidFill>
+                    <a:schemeClr val="bg1">
+                      <a:lumMod val="95000"/>
+                    </a:schemeClr>
+                  </a:solidFill>
+                </a:endParaRPr>
+              </a:p>
+            </p:txBody>
+          </p:sp>
+          <p:sp>
+            <p:nvSpPr>
+              <p:cNvPr id="179" name="椭圆 178">
+                <a:extLst>
+                  <a:ext uri="{FF2B5EF4-FFF2-40B4-BE49-F238E27FC236}">
+                    <a16:creationId xmlns:a16="http://schemas.microsoft.com/office/drawing/2014/main" id="{4F1F5CBE-B56A-8520-7BE9-D7619BACAAE9}"/>
+                  </a:ext>
+                </a:extLst>
+              </p:cNvPr>
+              <p:cNvSpPr/>
+              <p:nvPr/>
+            </p:nvSpPr>
+            <p:spPr>
+              <a:xfrm>
+                <a:off x="2665311" y="2526852"/>
+                <a:ext cx="205051" cy="205051"/>
+              </a:xfrm>
+              <a:prstGeom prst="ellipse">
+                <a:avLst/>
+              </a:prstGeom>
+              <a:solidFill>
+                <a:srgbClr val="28D25C"/>
+              </a:solidFill>
+              <a:ln>
+                <a:noFill/>
+              </a:ln>
+            </p:spPr>
+            <p:style>
+              <a:lnRef idx="2">
+                <a:schemeClr val="accent1">
+                  <a:shade val="15000"/>
+                </a:schemeClr>
+              </a:lnRef>
+              <a:fillRef idx="1">
+                <a:schemeClr val="accent1"/>
+              </a:fillRef>
+              <a:effectRef idx="0">
+                <a:schemeClr val="accent1"/>
+              </a:effectRef>
+              <a:fontRef idx="minor">
+                <a:schemeClr val="lt1"/>
+              </a:fontRef>
+            </p:style>
+            <p:txBody>
+              <a:bodyPr rtlCol="0" anchor="ctr"/>
+              <a:lstStyle/>
+              <a:p>
+                <a:pPr algn="ctr"/>
+                <a:endParaRPr lang="en-GB"/>
+              </a:p>
+            </p:txBody>
+          </p:sp>
+          <p:sp>
+            <p:nvSpPr>
+              <p:cNvPr id="180" name="椭圆 179">
+                <a:extLst>
+                  <a:ext uri="{FF2B5EF4-FFF2-40B4-BE49-F238E27FC236}">
+                    <a16:creationId xmlns:a16="http://schemas.microsoft.com/office/drawing/2014/main" id="{DDBDE553-1B47-D998-124C-94BC0B9AD14C}"/>
+                  </a:ext>
+                </a:extLst>
+              </p:cNvPr>
+              <p:cNvSpPr/>
+              <p:nvPr/>
+            </p:nvSpPr>
+            <p:spPr>
+              <a:xfrm>
+                <a:off x="3027026" y="2011452"/>
+                <a:ext cx="205051" cy="205051"/>
+              </a:xfrm>
+              <a:prstGeom prst="ellipse">
+                <a:avLst/>
+              </a:prstGeom>
+              <a:solidFill>
+                <a:srgbClr val="C00000"/>
+              </a:solidFill>
+              <a:ln>
+                <a:noFill/>
+              </a:ln>
+            </p:spPr>
+            <p:style>
+              <a:lnRef idx="2">
+                <a:schemeClr val="accent1">
+                  <a:shade val="15000"/>
+                </a:schemeClr>
+              </a:lnRef>
+              <a:fillRef idx="1">
+                <a:schemeClr val="accent1"/>
+              </a:fillRef>
+              <a:effectRef idx="0">
+                <a:schemeClr val="accent1"/>
+              </a:effectRef>
+              <a:fontRef idx="minor">
+                <a:schemeClr val="lt1"/>
+              </a:fontRef>
+            </p:style>
+            <p:txBody>
+              <a:bodyPr rtlCol="0" anchor="ctr"/>
+              <a:lstStyle/>
+              <a:p>
+                <a:pPr algn="ctr"/>
+                <a:endParaRPr lang="en-GB" dirty="0"/>
+              </a:p>
+            </p:txBody>
+          </p:sp>
+          <p:sp>
+            <p:nvSpPr>
+              <p:cNvPr id="181" name="椭圆 180">
+                <a:extLst>
+                  <a:ext uri="{FF2B5EF4-FFF2-40B4-BE49-F238E27FC236}">
+                    <a16:creationId xmlns:a16="http://schemas.microsoft.com/office/drawing/2014/main" id="{43DBAF4E-F87B-C22C-EB3C-CC5E77E0F0D2}"/>
+                  </a:ext>
+                </a:extLst>
+              </p:cNvPr>
+              <p:cNvSpPr/>
+              <p:nvPr/>
+            </p:nvSpPr>
+            <p:spPr>
+              <a:xfrm>
+                <a:off x="3204309" y="2399910"/>
+                <a:ext cx="205051" cy="205051"/>
+              </a:xfrm>
+              <a:prstGeom prst="ellipse">
+                <a:avLst/>
+              </a:prstGeom>
+              <a:solidFill>
+                <a:srgbClr val="C00000"/>
+              </a:solidFill>
+              <a:ln>
+                <a:noFill/>
+              </a:ln>
+            </p:spPr>
+            <p:style>
+              <a:lnRef idx="2">
+                <a:schemeClr val="accent1">
+                  <a:shade val="15000"/>
+                </a:schemeClr>
+              </a:lnRef>
+              <a:fillRef idx="1">
+                <a:schemeClr val="accent1"/>
+              </a:fillRef>
+              <a:effectRef idx="0">
+                <a:schemeClr val="accent1"/>
+              </a:effectRef>
+              <a:fontRef idx="minor">
+                <a:schemeClr val="lt1"/>
+              </a:fontRef>
+            </p:style>
+            <p:txBody>
+              <a:bodyPr rtlCol="0" anchor="ctr"/>
+              <a:lstStyle/>
+              <a:p>
+                <a:pPr algn="ctr"/>
+                <a:endParaRPr lang="en-GB" dirty="0"/>
+              </a:p>
+            </p:txBody>
+          </p:sp>
+          <p:sp>
+            <p:nvSpPr>
+              <p:cNvPr id="182" name="椭圆 181">
+                <a:extLst>
+                  <a:ext uri="{FF2B5EF4-FFF2-40B4-BE49-F238E27FC236}">
+                    <a16:creationId xmlns:a16="http://schemas.microsoft.com/office/drawing/2014/main" id="{EDF08BC9-C3A1-67C4-1B29-B297FFFF3B9A}"/>
+                  </a:ext>
+                </a:extLst>
+              </p:cNvPr>
+              <p:cNvSpPr/>
+              <p:nvPr/>
+            </p:nvSpPr>
+            <p:spPr>
+              <a:xfrm>
+                <a:off x="1123763" y="2581259"/>
+                <a:ext cx="205051" cy="205051"/>
+              </a:xfrm>
+              <a:prstGeom prst="ellipse">
+                <a:avLst/>
+              </a:prstGeom>
+              <a:solidFill>
+                <a:srgbClr val="C00000"/>
+              </a:solidFill>
+              <a:ln>
+                <a:noFill/>
+              </a:ln>
+            </p:spPr>
+            <p:style>
+              <a:lnRef idx="2">
+                <a:schemeClr val="accent1">
+                  <a:shade val="15000"/>
+                </a:schemeClr>
+              </a:lnRef>
+              <a:fillRef idx="1">
+                <a:schemeClr val="accent1"/>
+              </a:fillRef>
+              <a:effectRef idx="0">
+                <a:schemeClr val="accent1"/>
+              </a:effectRef>
+              <a:fontRef idx="minor">
+                <a:schemeClr val="lt1"/>
+              </a:fontRef>
+            </p:style>
+            <p:txBody>
+              <a:bodyPr rtlCol="0" anchor="ctr"/>
+              <a:lstStyle/>
+              <a:p>
+                <a:pPr algn="ctr"/>
+                <a:endParaRPr lang="en-GB"/>
+              </a:p>
+            </p:txBody>
+          </p:sp>
+          <p:sp>
+            <p:nvSpPr>
+              <p:cNvPr id="183" name="椭圆 182">
+                <a:extLst>
+                  <a:ext uri="{FF2B5EF4-FFF2-40B4-BE49-F238E27FC236}">
+                    <a16:creationId xmlns:a16="http://schemas.microsoft.com/office/drawing/2014/main" id="{34D22D15-1803-CED5-B6AA-ACC1DDDC9D48}"/>
+                  </a:ext>
+                </a:extLst>
+              </p:cNvPr>
+              <p:cNvSpPr/>
+              <p:nvPr/>
+            </p:nvSpPr>
+            <p:spPr>
+              <a:xfrm>
+                <a:off x="3383938" y="2173118"/>
+                <a:ext cx="205051" cy="205051"/>
+              </a:xfrm>
+              <a:prstGeom prst="ellipse">
+                <a:avLst/>
+              </a:prstGeom>
+              <a:solidFill>
+                <a:srgbClr val="C00000"/>
+              </a:solidFill>
+              <a:ln>
+                <a:noFill/>
+              </a:ln>
+            </p:spPr>
+            <p:style>
+              <a:lnRef idx="2">
+                <a:schemeClr val="accent1">
+                  <a:shade val="15000"/>
+                </a:schemeClr>
+              </a:lnRef>
+              <a:fillRef idx="1">
+                <a:schemeClr val="accent1"/>
+              </a:fillRef>
+              <a:effectRef idx="0">
+                <a:schemeClr val="accent1"/>
+              </a:effectRef>
+              <a:fontRef idx="minor">
+                <a:schemeClr val="lt1"/>
+              </a:fontRef>
+            </p:style>
+            <p:txBody>
+              <a:bodyPr rtlCol="0" anchor="ctr"/>
+              <a:lstStyle/>
+              <a:p>
+                <a:pPr algn="ctr"/>
+                <a:endParaRPr lang="en-GB" dirty="0"/>
+              </a:p>
+            </p:txBody>
+          </p:sp>
+          <p:sp>
+            <p:nvSpPr>
+              <p:cNvPr id="184" name="椭圆 183">
+                <a:extLst>
+                  <a:ext uri="{FF2B5EF4-FFF2-40B4-BE49-F238E27FC236}">
+                    <a16:creationId xmlns:a16="http://schemas.microsoft.com/office/drawing/2014/main" id="{02E30526-5969-4905-FE8C-24C42996BF55}"/>
+                  </a:ext>
+                </a:extLst>
+              </p:cNvPr>
+              <p:cNvSpPr/>
+              <p:nvPr/>
+            </p:nvSpPr>
+            <p:spPr>
+              <a:xfrm>
+                <a:off x="3568502" y="2424326"/>
+                <a:ext cx="205051" cy="205051"/>
+              </a:xfrm>
+              <a:prstGeom prst="ellipse">
+                <a:avLst/>
+              </a:prstGeom>
+              <a:solidFill>
+                <a:srgbClr val="C00000"/>
+              </a:solidFill>
+              <a:ln>
+                <a:noFill/>
+              </a:ln>
+            </p:spPr>
+            <p:style>
+              <a:lnRef idx="2">
+                <a:schemeClr val="accent1">
+                  <a:shade val="15000"/>
+                </a:schemeClr>
+              </a:lnRef>
+              <a:fillRef idx="1">
+                <a:schemeClr val="accent1"/>
+              </a:fillRef>
+              <a:effectRef idx="0">
+                <a:schemeClr val="accent1"/>
+              </a:effectRef>
+              <a:fontRef idx="minor">
+                <a:schemeClr val="lt1"/>
+              </a:fontRef>
+            </p:style>
+            <p:txBody>
+              <a:bodyPr rtlCol="0" anchor="ctr"/>
+              <a:lstStyle/>
+              <a:p>
+                <a:pPr algn="ctr"/>
+                <a:endParaRPr lang="en-GB" dirty="0"/>
+              </a:p>
+            </p:txBody>
+          </p:sp>
+          <p:sp>
+            <p:nvSpPr>
+              <p:cNvPr id="185" name="椭圆 184">
+                <a:extLst>
+                  <a:ext uri="{FF2B5EF4-FFF2-40B4-BE49-F238E27FC236}">
+                    <a16:creationId xmlns:a16="http://schemas.microsoft.com/office/drawing/2014/main" id="{9E617ADB-EC03-E5C0-9748-153460F8C00F}"/>
+                  </a:ext>
+                </a:extLst>
+              </p:cNvPr>
+              <p:cNvSpPr/>
+              <p:nvPr/>
+            </p:nvSpPr>
+            <p:spPr>
+              <a:xfrm>
+                <a:off x="3803234" y="2066221"/>
+                <a:ext cx="205051" cy="205051"/>
+              </a:xfrm>
+              <a:prstGeom prst="ellipse">
+                <a:avLst/>
+              </a:prstGeom>
+              <a:solidFill>
+                <a:srgbClr val="C00000"/>
+              </a:solidFill>
+              <a:ln>
+                <a:noFill/>
+              </a:ln>
+            </p:spPr>
+            <p:style>
+              <a:lnRef idx="2">
+                <a:schemeClr val="accent1">
+                  <a:shade val="15000"/>
+                </a:schemeClr>
+              </a:lnRef>
+              <a:fillRef idx="1">
+                <a:schemeClr val="accent1"/>
+              </a:fillRef>
+              <a:effectRef idx="0">
+                <a:schemeClr val="accent1"/>
+              </a:effectRef>
+              <a:fontRef idx="minor">
+                <a:schemeClr val="lt1"/>
+              </a:fontRef>
+            </p:style>
+            <p:txBody>
+              <a:bodyPr rtlCol="0" anchor="ctr"/>
+              <a:lstStyle/>
+              <a:p>
+                <a:pPr algn="ctr"/>
+                <a:endParaRPr lang="en-GB" dirty="0"/>
+              </a:p>
+            </p:txBody>
+          </p:sp>
+          <p:sp>
+            <p:nvSpPr>
+              <p:cNvPr id="186" name="椭圆 185">
+                <a:extLst>
+                  <a:ext uri="{FF2B5EF4-FFF2-40B4-BE49-F238E27FC236}">
+                    <a16:creationId xmlns:a16="http://schemas.microsoft.com/office/drawing/2014/main" id="{D6F3092C-9488-5C03-EDF7-EAD899780834}"/>
+                  </a:ext>
+                </a:extLst>
+              </p:cNvPr>
+              <p:cNvSpPr/>
+              <p:nvPr/>
+            </p:nvSpPr>
+            <p:spPr>
+              <a:xfrm>
+                <a:off x="2862116" y="2271272"/>
+                <a:ext cx="205051" cy="205051"/>
+              </a:xfrm>
+              <a:prstGeom prst="ellipse">
+                <a:avLst/>
+              </a:prstGeom>
+              <a:solidFill>
+                <a:srgbClr val="C00000"/>
+              </a:solidFill>
+              <a:ln>
+                <a:noFill/>
+              </a:ln>
+            </p:spPr>
+            <p:style>
+              <a:lnRef idx="2">
+                <a:schemeClr val="accent1">
+                  <a:shade val="15000"/>
+                </a:schemeClr>
+              </a:lnRef>
+              <a:fillRef idx="1">
+                <a:schemeClr val="accent1"/>
+              </a:fillRef>
+              <a:effectRef idx="0">
+                <a:schemeClr val="accent1"/>
+              </a:effectRef>
+              <a:fontRef idx="minor">
+                <a:schemeClr val="lt1"/>
+              </a:fontRef>
+            </p:style>
+            <p:txBody>
+              <a:bodyPr rtlCol="0" anchor="ctr"/>
+              <a:lstStyle/>
+              <a:p>
+                <a:pPr algn="ctr"/>
+                <a:endParaRPr lang="en-GB" dirty="0"/>
+              </a:p>
+            </p:txBody>
+          </p:sp>
+        </p:grpSp>
+        <p:sp>
+          <p:nvSpPr>
+            <p:cNvPr id="171" name="椭圆 170">
+              <a:extLst>
+                <a:ext uri="{FF2B5EF4-FFF2-40B4-BE49-F238E27FC236}">
+                  <a16:creationId xmlns:a16="http://schemas.microsoft.com/office/drawing/2014/main" id="{FFD1252C-4E62-023C-355F-C3192A36EE86}"/>
+                </a:ext>
+              </a:extLst>
+            </p:cNvPr>
+            <p:cNvSpPr/>
+            <p:nvPr/>
+          </p:nvSpPr>
+          <p:spPr>
+            <a:xfrm>
+              <a:off x="148682" y="1998515"/>
+              <a:ext cx="205051" cy="205051"/>
+            </a:xfrm>
+            <a:prstGeom prst="ellipse">
+              <a:avLst/>
+            </a:prstGeom>
+            <a:solidFill>
+              <a:srgbClr val="C00000"/>
+            </a:solidFill>
+            <a:ln>
+              <a:noFill/>
+            </a:ln>
+          </p:spPr>
+          <p:style>
+            <a:lnRef idx="2">
+              <a:schemeClr val="accent1">
+                <a:shade val="15000"/>
+              </a:schemeClr>
+            </a:lnRef>
+            <a:fillRef idx="1">
+              <a:schemeClr val="accent1"/>
+            </a:fillRef>
+            <a:effectRef idx="0">
+              <a:schemeClr val="accent1"/>
+            </a:effectRef>
+            <a:fontRef idx="minor">
+              <a:schemeClr val="lt1"/>
+            </a:fontRef>
+          </p:style>
+          <p:txBody>
+            <a:bodyPr rtlCol="0" anchor="ctr"/>
+            <a:lstStyle/>
+            <a:p>
+              <a:pPr algn="ctr"/>
+              <a:endParaRPr lang="en-GB"/>
+            </a:p>
+          </p:txBody>
+        </p:sp>
+      </p:grpSp>
+      <p:cxnSp>
+        <p:nvCxnSpPr>
+          <p:cNvPr id="187" name="直接箭头连接符 186">
+            <a:extLst>
+              <a:ext uri="{FF2B5EF4-FFF2-40B4-BE49-F238E27FC236}">
+                <a16:creationId xmlns:a16="http://schemas.microsoft.com/office/drawing/2014/main" id="{249B40F0-023A-F322-28C2-D1FDB5EB7898}"/>
+              </a:ext>
+            </a:extLst>
+          </p:cNvPr>
+          <p:cNvCxnSpPr/>
+          <p:nvPr/>
+        </p:nvCxnSpPr>
+        <p:spPr>
+          <a:xfrm>
+            <a:off x="11714627" y="1348257"/>
+            <a:ext cx="0" cy="260332"/>
+          </a:xfrm>
+          <a:prstGeom prst="straightConnector1">
+            <a:avLst/>
+          </a:prstGeom>
+          <a:ln>
+            <a:solidFill>
+              <a:srgbClr val="28D25C"/>
+            </a:solidFill>
+            <a:tailEnd type="triangle"/>
+          </a:ln>
+        </p:spPr>
+        <p:style>
+          <a:lnRef idx="2">
+            <a:schemeClr val="accent1"/>
+          </a:lnRef>
+          <a:fillRef idx="0">
+            <a:schemeClr val="accent1"/>
+          </a:fillRef>
+          <a:effectRef idx="1">
+            <a:schemeClr val="accent1"/>
+          </a:effectRef>
+          <a:fontRef idx="minor">
+            <a:schemeClr val="tx1"/>
+          </a:fontRef>
+        </p:style>
+      </p:cxnSp>
+    </p:spTree>
+    <p:extLst>
+      <p:ext uri="{BB962C8B-B14F-4D97-AF65-F5344CB8AC3E}">
+        <p14:creationId xmlns:p14="http://schemas.microsoft.com/office/powerpoint/2010/main" val="2601213738"/>
       </p:ext>
     </p:extLst>
   </p:cSld>

--- a/illustration.pptx
+++ b/illustration.pptx
@@ -5,7 +5,7 @@
     <p:sldMasterId id="2147483684" r:id="rId1"/>
   </p:sldMasterIdLst>
   <p:notesMasterIdLst>
-    <p:notesMasterId r:id="rId10"/>
+    <p:notesMasterId r:id="rId13"/>
   </p:notesMasterIdLst>
   <p:sldIdLst>
     <p:sldId id="256" r:id="rId2"/>
@@ -16,6 +16,9 @@
     <p:sldId id="266" r:id="rId7"/>
     <p:sldId id="268" r:id="rId8"/>
     <p:sldId id="269" r:id="rId9"/>
+    <p:sldId id="270" r:id="rId10"/>
+    <p:sldId id="271" r:id="rId11"/>
+    <p:sldId id="272" r:id="rId12"/>
   </p:sldIdLst>
   <p:sldSz cx="12599988" cy="3600450"/>
   <p:notesSz cx="6858000" cy="9144000"/>
@@ -235,7 +238,7 @@
           <a:p>
             <a:fld id="{6BE09CF0-F7F9-48FC-8E6C-FC17232597AD}" type="datetimeFigureOut">
               <a:rPr lang="en-GB" smtClean="0"/>
-              <a:t>06/12/2024</a:t>
+              <a:t>07/12/2024</a:t>
             </a:fld>
             <a:endParaRPr lang="en-GB"/>
           </a:p>
@@ -634,7 +637,7 @@
           <a:p>
             <a:fld id="{ED88497A-A6CD-47F8-BBE7-A4F7C4DD7077}" type="datetimeFigureOut">
               <a:rPr lang="en-GB" smtClean="0"/>
-              <a:t>06/12/2024</a:t>
+              <a:t>07/12/2024</a:t>
             </a:fld>
             <a:endParaRPr lang="en-GB"/>
           </a:p>
@@ -804,7 +807,7 @@
           <a:p>
             <a:fld id="{ED88497A-A6CD-47F8-BBE7-A4F7C4DD7077}" type="datetimeFigureOut">
               <a:rPr lang="en-GB" smtClean="0"/>
-              <a:t>06/12/2024</a:t>
+              <a:t>07/12/2024</a:t>
             </a:fld>
             <a:endParaRPr lang="en-GB"/>
           </a:p>
@@ -984,7 +987,7 @@
           <a:p>
             <a:fld id="{ED88497A-A6CD-47F8-BBE7-A4F7C4DD7077}" type="datetimeFigureOut">
               <a:rPr lang="en-GB" smtClean="0"/>
-              <a:t>06/12/2024</a:t>
+              <a:t>07/12/2024</a:t>
             </a:fld>
             <a:endParaRPr lang="en-GB"/>
           </a:p>
@@ -1154,7 +1157,7 @@
           <a:p>
             <a:fld id="{ED88497A-A6CD-47F8-BBE7-A4F7C4DD7077}" type="datetimeFigureOut">
               <a:rPr lang="en-GB" smtClean="0"/>
-              <a:t>06/12/2024</a:t>
+              <a:t>07/12/2024</a:t>
             </a:fld>
             <a:endParaRPr lang="en-GB"/>
           </a:p>
@@ -1400,7 +1403,7 @@
           <a:p>
             <a:fld id="{ED88497A-A6CD-47F8-BBE7-A4F7C4DD7077}" type="datetimeFigureOut">
               <a:rPr lang="en-GB" smtClean="0"/>
-              <a:t>06/12/2024</a:t>
+              <a:t>07/12/2024</a:t>
             </a:fld>
             <a:endParaRPr lang="en-GB"/>
           </a:p>
@@ -1632,7 +1635,7 @@
           <a:p>
             <a:fld id="{ED88497A-A6CD-47F8-BBE7-A4F7C4DD7077}" type="datetimeFigureOut">
               <a:rPr lang="en-GB" smtClean="0"/>
-              <a:t>06/12/2024</a:t>
+              <a:t>07/12/2024</a:t>
             </a:fld>
             <a:endParaRPr lang="en-GB"/>
           </a:p>
@@ -1999,7 +2002,7 @@
           <a:p>
             <a:fld id="{ED88497A-A6CD-47F8-BBE7-A4F7C4DD7077}" type="datetimeFigureOut">
               <a:rPr lang="en-GB" smtClean="0"/>
-              <a:t>06/12/2024</a:t>
+              <a:t>07/12/2024</a:t>
             </a:fld>
             <a:endParaRPr lang="en-GB"/>
           </a:p>
@@ -2117,7 +2120,7 @@
           <a:p>
             <a:fld id="{ED88497A-A6CD-47F8-BBE7-A4F7C4DD7077}" type="datetimeFigureOut">
               <a:rPr lang="en-GB" smtClean="0"/>
-              <a:t>06/12/2024</a:t>
+              <a:t>07/12/2024</a:t>
             </a:fld>
             <a:endParaRPr lang="en-GB"/>
           </a:p>
@@ -2212,7 +2215,7 @@
           <a:p>
             <a:fld id="{ED88497A-A6CD-47F8-BBE7-A4F7C4DD7077}" type="datetimeFigureOut">
               <a:rPr lang="en-GB" smtClean="0"/>
-              <a:t>06/12/2024</a:t>
+              <a:t>07/12/2024</a:t>
             </a:fld>
             <a:endParaRPr lang="en-GB"/>
           </a:p>
@@ -2489,7 +2492,7 @@
           <a:p>
             <a:fld id="{ED88497A-A6CD-47F8-BBE7-A4F7C4DD7077}" type="datetimeFigureOut">
               <a:rPr lang="en-GB" smtClean="0"/>
-              <a:t>06/12/2024</a:t>
+              <a:t>07/12/2024</a:t>
             </a:fld>
             <a:endParaRPr lang="en-GB"/>
           </a:p>
@@ -2746,7 +2749,7 @@
           <a:p>
             <a:fld id="{ED88497A-A6CD-47F8-BBE7-A4F7C4DD7077}" type="datetimeFigureOut">
               <a:rPr lang="en-GB" smtClean="0"/>
-              <a:t>06/12/2024</a:t>
+              <a:t>07/12/2024</a:t>
             </a:fld>
             <a:endParaRPr lang="en-GB"/>
           </a:p>
@@ -2959,7 +2962,7 @@
           <a:p>
             <a:fld id="{ED88497A-A6CD-47F8-BBE7-A4F7C4DD7077}" type="datetimeFigureOut">
               <a:rPr lang="en-GB" smtClean="0"/>
-              <a:t>06/12/2024</a:t>
+              <a:t>07/12/2024</a:t>
             </a:fld>
             <a:endParaRPr lang="en-GB"/>
           </a:p>
@@ -3518,6 +3521,102 @@
     <p:extLst>
       <p:ext uri="{BB962C8B-B14F-4D97-AF65-F5344CB8AC3E}">
         <p14:creationId xmlns:p14="http://schemas.microsoft.com/office/powerpoint/2010/main" val="2457839910"/>
+      </p:ext>
+    </p:extLst>
+  </p:cSld>
+  <p:clrMapOvr>
+    <a:masterClrMapping/>
+  </p:clrMapOvr>
+</p:sld>
+</file>
+
+<file path=ppt/slides/slide10.xml><?xml version="1.0" encoding="utf-8"?>
+<p:sld xmlns:a="http://schemas.openxmlformats.org/drawingml/2006/main" xmlns:r="http://schemas.openxmlformats.org/officeDocument/2006/relationships" xmlns:p="http://schemas.openxmlformats.org/presentationml/2006/main">
+  <p:cSld>
+    <p:spTree>
+      <p:nvGrpSpPr>
+        <p:cNvPr id="1" name=""/>
+        <p:cNvGrpSpPr/>
+        <p:nvPr/>
+      </p:nvGrpSpPr>
+      <p:grpSpPr>
+        <a:xfrm>
+          <a:off x="0" y="0"/>
+          <a:ext cx="0" cy="0"/>
+          <a:chOff x="0" y="0"/>
+          <a:chExt cx="0" cy="0"/>
+        </a:xfrm>
+      </p:grpSpPr>
+      <p:pic>
+        <p:nvPicPr>
+          <p:cNvPr id="3" name="图片 2">
+            <a:extLst>
+              <a:ext uri="{FF2B5EF4-FFF2-40B4-BE49-F238E27FC236}">
+                <a16:creationId xmlns:a16="http://schemas.microsoft.com/office/drawing/2014/main" id="{35354BDF-4F5B-B28D-28EA-2D2BFC821D48}"/>
+              </a:ext>
+            </a:extLst>
+          </p:cNvPr>
+          <p:cNvPicPr>
+            <a:picLocks noChangeAspect="1"/>
+          </p:cNvPicPr>
+          <p:nvPr/>
+        </p:nvPicPr>
+        <p:blipFill>
+          <a:blip r:embed="rId2">
+            <a:extLst>
+              <a:ext uri="{28A0092B-C50C-407E-A947-70E740481C1C}">
+                <a14:useLocalDpi xmlns:a14="http://schemas.microsoft.com/office/drawing/2010/main" val="0"/>
+              </a:ext>
+            </a:extLst>
+          </a:blip>
+          <a:stretch>
+            <a:fillRect/>
+          </a:stretch>
+        </p:blipFill>
+        <p:spPr>
+          <a:xfrm>
+            <a:off x="1790700" y="176114"/>
+            <a:ext cx="9018588" cy="3248222"/>
+          </a:xfrm>
+          <a:prstGeom prst="rect">
+            <a:avLst/>
+          </a:prstGeom>
+        </p:spPr>
+      </p:pic>
+    </p:spTree>
+    <p:extLst>
+      <p:ext uri="{BB962C8B-B14F-4D97-AF65-F5344CB8AC3E}">
+        <p14:creationId xmlns:p14="http://schemas.microsoft.com/office/powerpoint/2010/main" val="1677044627"/>
+      </p:ext>
+    </p:extLst>
+  </p:cSld>
+  <p:clrMapOvr>
+    <a:masterClrMapping/>
+  </p:clrMapOvr>
+</p:sld>
+</file>
+
+<file path=ppt/slides/slide11.xml><?xml version="1.0" encoding="utf-8"?>
+<p:sld xmlns:a="http://schemas.openxmlformats.org/drawingml/2006/main" xmlns:r="http://schemas.openxmlformats.org/officeDocument/2006/relationships" xmlns:p="http://schemas.openxmlformats.org/presentationml/2006/main">
+  <p:cSld>
+    <p:spTree>
+      <p:nvGrpSpPr>
+        <p:cNvPr id="1" name=""/>
+        <p:cNvGrpSpPr/>
+        <p:nvPr/>
+      </p:nvGrpSpPr>
+      <p:grpSpPr>
+        <a:xfrm>
+          <a:off x="0" y="0"/>
+          <a:ext cx="0" cy="0"/>
+          <a:chOff x="0" y="0"/>
+          <a:chExt cx="0" cy="0"/>
+        </a:xfrm>
+      </p:grpSpPr>
+    </p:spTree>
+    <p:extLst>
+      <p:ext uri="{BB962C8B-B14F-4D97-AF65-F5344CB8AC3E}">
+        <p14:creationId xmlns:p14="http://schemas.microsoft.com/office/powerpoint/2010/main" val="190971049"/>
       </p:ext>
     </p:extLst>
   </p:cSld>
@@ -6987,8 +7086,8 @@
         </p:nvSpPr>
         <p:spPr>
           <a:xfrm>
-            <a:off x="579701" y="690589"/>
-            <a:ext cx="2781531" cy="369332"/>
+            <a:off x="418984" y="690589"/>
+            <a:ext cx="3102965" cy="369332"/>
           </a:xfrm>
           <a:prstGeom prst="rect">
             <a:avLst/>
@@ -7003,19 +7102,22 @@
           <a:p>
             <a:pPr algn="ctr"/>
             <a:r>
-              <a:rPr lang="en-US" altLang="zh-CN" sz="1800" dirty="0" err="1">
-                <a:latin typeface="Source Sans 3" panose="020B0503030403020204" pitchFamily="34" charset="0"/>
+              <a:rPr lang="en-US" altLang="zh-CN" dirty="0" err="1">
+                <a:latin typeface="思源黑体" panose="020B0500000000000000" pitchFamily="34" charset="-122"/>
+                <a:ea typeface="思源黑体" panose="020B0500000000000000" pitchFamily="34" charset="-122"/>
               </a:rPr>
               <a:t>ValidCount</a:t>
             </a:r>
             <a:r>
-              <a:rPr lang="en-US" altLang="zh-CN" sz="1800" dirty="0">
-                <a:latin typeface="Source Sans 3" panose="020B0503030403020204" pitchFamily="34" charset="0"/>
+              <a:rPr lang="en-US" altLang="zh-CN" dirty="0">
+                <a:latin typeface="思源黑体" panose="020B0500000000000000" pitchFamily="34" charset="-122"/>
+                <a:ea typeface="思源黑体" panose="020B0500000000000000" pitchFamily="34" charset="-122"/>
               </a:rPr>
-              <a:t> = 3	Penalty = 1</a:t>
+              <a:t> = 3    Penalty = 1</a:t>
             </a:r>
-            <a:endParaRPr lang="en-GB" altLang="zh-CN" sz="2000" dirty="0">
-              <a:latin typeface="Source Sans 3" panose="020B0503030403020204" pitchFamily="34" charset="0"/>
+            <a:endParaRPr lang="en-GB" altLang="zh-CN" dirty="0">
+              <a:latin typeface="思源黑体" panose="020B0500000000000000" pitchFamily="34" charset="-122"/>
+              <a:ea typeface="思源黑体" panose="020B0500000000000000" pitchFamily="34" charset="-122"/>
             </a:endParaRPr>
           </a:p>
         </p:txBody>
@@ -7714,8 +7816,8 @@
         </p:nvSpPr>
         <p:spPr>
           <a:xfrm>
-            <a:off x="4759875" y="690589"/>
-            <a:ext cx="2781531" cy="369332"/>
+            <a:off x="4599158" y="690589"/>
+            <a:ext cx="3102965" cy="369332"/>
           </a:xfrm>
           <a:prstGeom prst="rect">
             <a:avLst/>
@@ -7731,18 +7833,21 @@
             <a:pPr algn="ctr"/>
             <a:r>
               <a:rPr lang="en-US" altLang="zh-CN" sz="1800" dirty="0" err="1">
-                <a:latin typeface="Source Sans 3" panose="020B0503030403020204" pitchFamily="34" charset="0"/>
+                <a:latin typeface="思源黑体" panose="020B0500000000000000" pitchFamily="34" charset="-122"/>
+                <a:ea typeface="思源黑体" panose="020B0500000000000000" pitchFamily="34" charset="-122"/>
               </a:rPr>
               <a:t>ValidCount</a:t>
             </a:r>
             <a:r>
               <a:rPr lang="en-US" altLang="zh-CN" sz="1800" dirty="0">
-                <a:latin typeface="Source Sans 3" panose="020B0503030403020204" pitchFamily="34" charset="0"/>
+                <a:latin typeface="思源黑体" panose="020B0500000000000000" pitchFamily="34" charset="-122"/>
+                <a:ea typeface="思源黑体" panose="020B0500000000000000" pitchFamily="34" charset="-122"/>
               </a:rPr>
-              <a:t> = 3	Penalty = 2</a:t>
+              <a:t> = 3    Penalty = 2</a:t>
             </a:r>
             <a:endParaRPr lang="en-GB" altLang="zh-CN" sz="2000" dirty="0">
-              <a:latin typeface="Source Sans 3" panose="020B0503030403020204" pitchFamily="34" charset="0"/>
+              <a:latin typeface="思源黑体" panose="020B0500000000000000" pitchFamily="34" charset="-122"/>
+              <a:ea typeface="思源黑体" panose="020B0500000000000000" pitchFamily="34" charset="-122"/>
             </a:endParaRPr>
           </a:p>
         </p:txBody>
@@ -7761,8 +7866,8 @@
         </p:nvSpPr>
         <p:spPr>
           <a:xfrm>
-            <a:off x="8905153" y="690589"/>
-            <a:ext cx="2781531" cy="369332"/>
+            <a:off x="8744436" y="690589"/>
+            <a:ext cx="3102965" cy="369332"/>
           </a:xfrm>
           <a:prstGeom prst="rect">
             <a:avLst/>
@@ -7777,19 +7882,22 @@
           <a:p>
             <a:pPr algn="ctr"/>
             <a:r>
-              <a:rPr lang="en-US" altLang="zh-CN" sz="1800" dirty="0" err="1">
-                <a:latin typeface="Source Sans 3" panose="020B0503030403020204" pitchFamily="34" charset="0"/>
+              <a:rPr lang="en-US" altLang="zh-CN" dirty="0" err="1">
+                <a:latin typeface="思源黑体" panose="020B0500000000000000" pitchFamily="34" charset="-122"/>
+                <a:ea typeface="思源黑体" panose="020B0500000000000000" pitchFamily="34" charset="-122"/>
               </a:rPr>
               <a:t>ValidCount</a:t>
             </a:r>
             <a:r>
-              <a:rPr lang="en-US" altLang="zh-CN" sz="1800" dirty="0">
-                <a:latin typeface="Source Sans 3" panose="020B0503030403020204" pitchFamily="34" charset="0"/>
+              <a:rPr lang="en-US" altLang="zh-CN" dirty="0">
+                <a:latin typeface="思源黑体" panose="020B0500000000000000" pitchFamily="34" charset="-122"/>
+                <a:ea typeface="思源黑体" panose="020B0500000000000000" pitchFamily="34" charset="-122"/>
               </a:rPr>
-              <a:t> = 7	Penalty = 2</a:t>
+              <a:t> = 7    Penalty = 2</a:t>
             </a:r>
-            <a:endParaRPr lang="en-GB" altLang="zh-CN" sz="2000" dirty="0">
-              <a:latin typeface="Source Sans 3" panose="020B0503030403020204" pitchFamily="34" charset="0"/>
+            <a:endParaRPr lang="en-GB" altLang="zh-CN" dirty="0">
+              <a:latin typeface="思源黑体" panose="020B0500000000000000" pitchFamily="34" charset="-122"/>
+              <a:ea typeface="思源黑体" panose="020B0500000000000000" pitchFamily="34" charset="-122"/>
             </a:endParaRPr>
           </a:p>
         </p:txBody>
@@ -9501,6 +9609,71 @@
 </p:sld>
 </file>
 
+<file path=ppt/slides/slide9.xml><?xml version="1.0" encoding="utf-8"?>
+<p:sld xmlns:a="http://schemas.openxmlformats.org/drawingml/2006/main" xmlns:r="http://schemas.openxmlformats.org/officeDocument/2006/relationships" xmlns:p="http://schemas.openxmlformats.org/presentationml/2006/main">
+  <p:cSld>
+    <p:spTree>
+      <p:nvGrpSpPr>
+        <p:cNvPr id="1" name=""/>
+        <p:cNvGrpSpPr/>
+        <p:nvPr/>
+      </p:nvGrpSpPr>
+      <p:grpSpPr>
+        <a:xfrm>
+          <a:off x="0" y="0"/>
+          <a:ext cx="0" cy="0"/>
+          <a:chOff x="0" y="0"/>
+          <a:chExt cx="0" cy="0"/>
+        </a:xfrm>
+      </p:grpSpPr>
+      <p:pic>
+        <p:nvPicPr>
+          <p:cNvPr id="2" name="图片 1">
+            <a:extLst>
+              <a:ext uri="{FF2B5EF4-FFF2-40B4-BE49-F238E27FC236}">
+                <a16:creationId xmlns:a16="http://schemas.microsoft.com/office/drawing/2014/main" id="{2402A871-60DD-F780-C6DA-CE4862B17EE0}"/>
+              </a:ext>
+            </a:extLst>
+          </p:cNvPr>
+          <p:cNvPicPr>
+            <a:picLocks noChangeAspect="1"/>
+          </p:cNvPicPr>
+          <p:nvPr/>
+        </p:nvPicPr>
+        <p:blipFill>
+          <a:blip r:embed="rId2">
+            <a:extLst>
+              <a:ext uri="{28A0092B-C50C-407E-A947-70E740481C1C}">
+                <a14:useLocalDpi xmlns:a14="http://schemas.microsoft.com/office/drawing/2010/main" val="0"/>
+              </a:ext>
+            </a:extLst>
+          </a:blip>
+          <a:srcRect l="5593" t="11617" r="54723" b="71298"/>
+          <a:stretch/>
+        </p:blipFill>
+        <p:spPr>
+          <a:xfrm>
+            <a:off x="1363328" y="604837"/>
+            <a:ext cx="9873332" cy="2390776"/>
+          </a:xfrm>
+          <a:prstGeom prst="rect">
+            <a:avLst/>
+          </a:prstGeom>
+        </p:spPr>
+      </p:pic>
+    </p:spTree>
+    <p:extLst>
+      <p:ext uri="{BB962C8B-B14F-4D97-AF65-F5344CB8AC3E}">
+        <p14:creationId xmlns:p14="http://schemas.microsoft.com/office/powerpoint/2010/main" val="2400670324"/>
+      </p:ext>
+    </p:extLst>
+  </p:cSld>
+  <p:clrMapOvr>
+    <a:masterClrMapping/>
+  </p:clrMapOvr>
+</p:sld>
+</file>
+
 <file path=ppt/theme/theme1.xml><?xml version="1.0" encoding="utf-8"?>
 <a:theme xmlns:a="http://schemas.openxmlformats.org/drawingml/2006/main" name="Office 主题​​">
   <a:themeElements>
